--- a/Presentations/4. ITPD Presentation.pptx
+++ b/Presentations/4. ITPD Presentation.pptx
@@ -6,7 +6,7 @@
     <p:sldMasterId id="2147483661" r:id="rId2"/>
   </p:sldMasterIdLst>
   <p:notesMasterIdLst>
-    <p:notesMasterId r:id="rId14"/>
+    <p:notesMasterId r:id="rId15"/>
   </p:notesMasterIdLst>
   <p:sldIdLst>
     <p:sldId id="258" r:id="rId3"/>
@@ -18,8 +18,9 @@
     <p:sldId id="286" r:id="rId9"/>
     <p:sldId id="287" r:id="rId10"/>
     <p:sldId id="288" r:id="rId11"/>
-    <p:sldId id="289" r:id="rId12"/>
-    <p:sldId id="281" r:id="rId13"/>
+    <p:sldId id="290" r:id="rId12"/>
+    <p:sldId id="289" r:id="rId13"/>
+    <p:sldId id="281" r:id="rId14"/>
   </p:sldIdLst>
   <p:sldSz cx="9144000" cy="6858000" type="screen4x3"/>
   <p:notesSz cx="6858000" cy="9144000"/>
@@ -2647,6 +2648,753 @@
     <dgm:fillClrLst meth="repeat">
       <a:schemeClr val="accent2">
         <a:tint val="40000"/>
+      </a:schemeClr>
+    </dgm:fillClrLst>
+    <dgm:linClrLst meth="repeat">
+      <a:schemeClr val="lt1"/>
+    </dgm:linClrLst>
+    <dgm:effectClrLst/>
+    <dgm:txLinClrLst/>
+    <dgm:txFillClrLst meth="repeat">
+      <a:schemeClr val="dk1"/>
+    </dgm:txFillClrLst>
+    <dgm:txEffectClrLst/>
+  </dgm:styleLbl>
+  <dgm:styleLbl name="revTx">
+    <dgm:fillClrLst meth="repeat">
+      <a:schemeClr val="lt1">
+        <a:alpha val="0"/>
+      </a:schemeClr>
+    </dgm:fillClrLst>
+    <dgm:linClrLst meth="repeat">
+      <a:schemeClr val="dk1">
+        <a:alpha val="0"/>
+      </a:schemeClr>
+    </dgm:linClrLst>
+    <dgm:effectClrLst/>
+    <dgm:txLinClrLst/>
+    <dgm:txFillClrLst meth="repeat">
+      <a:schemeClr val="tx1"/>
+    </dgm:txFillClrLst>
+    <dgm:txEffectClrLst/>
+  </dgm:styleLbl>
+</dgm:colorsDef>
+</file>
+
+<file path=ppt/diagrams/colors4.xml><?xml version="1.0" encoding="utf-8"?>
+<dgm:colorsDef xmlns:dgm="http://schemas.openxmlformats.org/drawingml/2006/diagram" xmlns:a="http://schemas.openxmlformats.org/drawingml/2006/main" uniqueId="urn:microsoft.com/office/officeart/2005/8/colors/accent1_2">
+  <dgm:title val=""/>
+  <dgm:desc val=""/>
+  <dgm:catLst>
+    <dgm:cat type="accent1" pri="11200"/>
+  </dgm:catLst>
+  <dgm:styleLbl name="node0">
+    <dgm:fillClrLst meth="repeat">
+      <a:schemeClr val="accent1"/>
+    </dgm:fillClrLst>
+    <dgm:linClrLst meth="repeat">
+      <a:schemeClr val="lt1"/>
+    </dgm:linClrLst>
+    <dgm:effectClrLst/>
+    <dgm:txLinClrLst/>
+    <dgm:txFillClrLst/>
+    <dgm:txEffectClrLst/>
+  </dgm:styleLbl>
+  <dgm:styleLbl name="alignNode1">
+    <dgm:fillClrLst meth="repeat">
+      <a:schemeClr val="accent1"/>
+    </dgm:fillClrLst>
+    <dgm:linClrLst meth="repeat">
+      <a:schemeClr val="accent1"/>
+    </dgm:linClrLst>
+    <dgm:effectClrLst/>
+    <dgm:txLinClrLst/>
+    <dgm:txFillClrLst/>
+    <dgm:txEffectClrLst/>
+  </dgm:styleLbl>
+  <dgm:styleLbl name="node1">
+    <dgm:fillClrLst meth="repeat">
+      <a:schemeClr val="accent1"/>
+    </dgm:fillClrLst>
+    <dgm:linClrLst meth="repeat">
+      <a:schemeClr val="lt1"/>
+    </dgm:linClrLst>
+    <dgm:effectClrLst/>
+    <dgm:txLinClrLst/>
+    <dgm:txFillClrLst/>
+    <dgm:txEffectClrLst/>
+  </dgm:styleLbl>
+  <dgm:styleLbl name="lnNode1">
+    <dgm:fillClrLst meth="repeat">
+      <a:schemeClr val="accent1"/>
+    </dgm:fillClrLst>
+    <dgm:linClrLst meth="repeat">
+      <a:schemeClr val="lt1"/>
+    </dgm:linClrLst>
+    <dgm:effectClrLst/>
+    <dgm:txLinClrLst/>
+    <dgm:txFillClrLst/>
+    <dgm:txEffectClrLst/>
+  </dgm:styleLbl>
+  <dgm:styleLbl name="vennNode1">
+    <dgm:fillClrLst meth="repeat">
+      <a:schemeClr val="accent1">
+        <a:alpha val="50000"/>
+      </a:schemeClr>
+    </dgm:fillClrLst>
+    <dgm:linClrLst meth="repeat">
+      <a:schemeClr val="lt1"/>
+    </dgm:linClrLst>
+    <dgm:effectClrLst/>
+    <dgm:txLinClrLst/>
+    <dgm:txFillClrLst/>
+    <dgm:txEffectClrLst/>
+  </dgm:styleLbl>
+  <dgm:styleLbl name="node2">
+    <dgm:fillClrLst meth="repeat">
+      <a:schemeClr val="accent1"/>
+    </dgm:fillClrLst>
+    <dgm:linClrLst meth="repeat">
+      <a:schemeClr val="lt1"/>
+    </dgm:linClrLst>
+    <dgm:effectClrLst/>
+    <dgm:txLinClrLst/>
+    <dgm:txFillClrLst/>
+    <dgm:txEffectClrLst/>
+  </dgm:styleLbl>
+  <dgm:styleLbl name="node3">
+    <dgm:fillClrLst meth="repeat">
+      <a:schemeClr val="accent1"/>
+    </dgm:fillClrLst>
+    <dgm:linClrLst meth="repeat">
+      <a:schemeClr val="lt1"/>
+    </dgm:linClrLst>
+    <dgm:effectClrLst/>
+    <dgm:txLinClrLst/>
+    <dgm:txFillClrLst/>
+    <dgm:txEffectClrLst/>
+  </dgm:styleLbl>
+  <dgm:styleLbl name="node4">
+    <dgm:fillClrLst meth="repeat">
+      <a:schemeClr val="accent1"/>
+    </dgm:fillClrLst>
+    <dgm:linClrLst meth="repeat">
+      <a:schemeClr val="lt1"/>
+    </dgm:linClrLst>
+    <dgm:effectClrLst/>
+    <dgm:txLinClrLst/>
+    <dgm:txFillClrLst/>
+    <dgm:txEffectClrLst/>
+  </dgm:styleLbl>
+  <dgm:styleLbl name="fgImgPlace1">
+    <dgm:fillClrLst meth="repeat">
+      <a:schemeClr val="accent1">
+        <a:tint val="50000"/>
+      </a:schemeClr>
+    </dgm:fillClrLst>
+    <dgm:linClrLst meth="repeat">
+      <a:schemeClr val="lt1"/>
+    </dgm:linClrLst>
+    <dgm:effectClrLst/>
+    <dgm:txLinClrLst/>
+    <dgm:txFillClrLst meth="repeat">
+      <a:schemeClr val="lt1"/>
+    </dgm:txFillClrLst>
+    <dgm:txEffectClrLst/>
+  </dgm:styleLbl>
+  <dgm:styleLbl name="alignImgPlace1">
+    <dgm:fillClrLst meth="repeat">
+      <a:schemeClr val="accent1">
+        <a:tint val="50000"/>
+      </a:schemeClr>
+    </dgm:fillClrLst>
+    <dgm:linClrLst meth="repeat">
+      <a:schemeClr val="lt1"/>
+    </dgm:linClrLst>
+    <dgm:effectClrLst/>
+    <dgm:txLinClrLst/>
+    <dgm:txFillClrLst meth="repeat">
+      <a:schemeClr val="lt1"/>
+    </dgm:txFillClrLst>
+    <dgm:txEffectClrLst/>
+  </dgm:styleLbl>
+  <dgm:styleLbl name="bgImgPlace1">
+    <dgm:fillClrLst meth="repeat">
+      <a:schemeClr val="accent1">
+        <a:tint val="50000"/>
+      </a:schemeClr>
+    </dgm:fillClrLst>
+    <dgm:linClrLst meth="repeat">
+      <a:schemeClr val="lt1"/>
+    </dgm:linClrLst>
+    <dgm:effectClrLst/>
+    <dgm:txLinClrLst/>
+    <dgm:txFillClrLst meth="repeat">
+      <a:schemeClr val="lt1"/>
+    </dgm:txFillClrLst>
+    <dgm:txEffectClrLst/>
+  </dgm:styleLbl>
+  <dgm:styleLbl name="sibTrans2D1">
+    <dgm:fillClrLst meth="repeat">
+      <a:schemeClr val="accent1">
+        <a:tint val="60000"/>
+      </a:schemeClr>
+    </dgm:fillClrLst>
+    <dgm:linClrLst meth="repeat">
+      <a:schemeClr val="accent1">
+        <a:tint val="60000"/>
+      </a:schemeClr>
+    </dgm:linClrLst>
+    <dgm:effectClrLst/>
+    <dgm:txLinClrLst/>
+    <dgm:txFillClrLst/>
+    <dgm:txEffectClrLst/>
+  </dgm:styleLbl>
+  <dgm:styleLbl name="fgSibTrans2D1">
+    <dgm:fillClrLst meth="repeat">
+      <a:schemeClr val="accent1">
+        <a:tint val="60000"/>
+      </a:schemeClr>
+    </dgm:fillClrLst>
+    <dgm:linClrLst meth="repeat">
+      <a:schemeClr val="accent1">
+        <a:tint val="60000"/>
+      </a:schemeClr>
+    </dgm:linClrLst>
+    <dgm:effectClrLst/>
+    <dgm:txLinClrLst/>
+    <dgm:txFillClrLst/>
+    <dgm:txEffectClrLst/>
+  </dgm:styleLbl>
+  <dgm:styleLbl name="bgSibTrans2D1">
+    <dgm:fillClrLst meth="repeat">
+      <a:schemeClr val="accent1">
+        <a:tint val="60000"/>
+      </a:schemeClr>
+    </dgm:fillClrLst>
+    <dgm:linClrLst meth="repeat">
+      <a:schemeClr val="accent1">
+        <a:tint val="60000"/>
+      </a:schemeClr>
+    </dgm:linClrLst>
+    <dgm:effectClrLst/>
+    <dgm:txLinClrLst/>
+    <dgm:txFillClrLst/>
+    <dgm:txEffectClrLst/>
+  </dgm:styleLbl>
+  <dgm:styleLbl name="sibTrans1D1">
+    <dgm:fillClrLst meth="repeat">
+      <a:schemeClr val="accent1"/>
+    </dgm:fillClrLst>
+    <dgm:linClrLst meth="repeat">
+      <a:schemeClr val="accent1"/>
+    </dgm:linClrLst>
+    <dgm:effectClrLst/>
+    <dgm:txLinClrLst/>
+    <dgm:txFillClrLst meth="repeat">
+      <a:schemeClr val="tx1"/>
+    </dgm:txFillClrLst>
+    <dgm:txEffectClrLst/>
+  </dgm:styleLbl>
+  <dgm:styleLbl name="callout">
+    <dgm:fillClrLst meth="repeat">
+      <a:schemeClr val="accent1"/>
+    </dgm:fillClrLst>
+    <dgm:linClrLst meth="repeat">
+      <a:schemeClr val="accent1">
+        <a:tint val="50000"/>
+      </a:schemeClr>
+    </dgm:linClrLst>
+    <dgm:effectClrLst/>
+    <dgm:txLinClrLst/>
+    <dgm:txFillClrLst meth="repeat">
+      <a:schemeClr val="tx1"/>
+    </dgm:txFillClrLst>
+    <dgm:txEffectClrLst/>
+  </dgm:styleLbl>
+  <dgm:styleLbl name="asst0">
+    <dgm:fillClrLst meth="repeat">
+      <a:schemeClr val="accent1"/>
+    </dgm:fillClrLst>
+    <dgm:linClrLst meth="repeat">
+      <a:schemeClr val="lt1"/>
+    </dgm:linClrLst>
+    <dgm:effectClrLst/>
+    <dgm:txLinClrLst/>
+    <dgm:txFillClrLst/>
+    <dgm:txEffectClrLst/>
+  </dgm:styleLbl>
+  <dgm:styleLbl name="asst1">
+    <dgm:fillClrLst meth="repeat">
+      <a:schemeClr val="accent1"/>
+    </dgm:fillClrLst>
+    <dgm:linClrLst meth="repeat">
+      <a:schemeClr val="lt1"/>
+    </dgm:linClrLst>
+    <dgm:effectClrLst/>
+    <dgm:txLinClrLst/>
+    <dgm:txFillClrLst/>
+    <dgm:txEffectClrLst/>
+  </dgm:styleLbl>
+  <dgm:styleLbl name="asst2">
+    <dgm:fillClrLst meth="repeat">
+      <a:schemeClr val="accent1"/>
+    </dgm:fillClrLst>
+    <dgm:linClrLst meth="repeat">
+      <a:schemeClr val="lt1"/>
+    </dgm:linClrLst>
+    <dgm:effectClrLst/>
+    <dgm:txLinClrLst/>
+    <dgm:txFillClrLst/>
+    <dgm:txEffectClrLst/>
+  </dgm:styleLbl>
+  <dgm:styleLbl name="asst3">
+    <dgm:fillClrLst meth="repeat">
+      <a:schemeClr val="accent1"/>
+    </dgm:fillClrLst>
+    <dgm:linClrLst meth="repeat">
+      <a:schemeClr val="lt1"/>
+    </dgm:linClrLst>
+    <dgm:effectClrLst/>
+    <dgm:txLinClrLst/>
+    <dgm:txFillClrLst/>
+    <dgm:txEffectClrLst/>
+  </dgm:styleLbl>
+  <dgm:styleLbl name="asst4">
+    <dgm:fillClrLst meth="repeat">
+      <a:schemeClr val="accent1"/>
+    </dgm:fillClrLst>
+    <dgm:linClrLst meth="repeat">
+      <a:schemeClr val="lt1"/>
+    </dgm:linClrLst>
+    <dgm:effectClrLst/>
+    <dgm:txLinClrLst/>
+    <dgm:txFillClrLst/>
+    <dgm:txEffectClrLst/>
+  </dgm:styleLbl>
+  <dgm:styleLbl name="parChTrans2D1">
+    <dgm:fillClrLst meth="repeat">
+      <a:schemeClr val="accent1">
+        <a:tint val="60000"/>
+      </a:schemeClr>
+    </dgm:fillClrLst>
+    <dgm:linClrLst meth="repeat">
+      <a:schemeClr val="accent1">
+        <a:tint val="60000"/>
+      </a:schemeClr>
+    </dgm:linClrLst>
+    <dgm:effectClrLst/>
+    <dgm:txLinClrLst/>
+    <dgm:txFillClrLst meth="repeat">
+      <a:schemeClr val="lt1"/>
+    </dgm:txFillClrLst>
+    <dgm:txEffectClrLst/>
+  </dgm:styleLbl>
+  <dgm:styleLbl name="parChTrans2D2">
+    <dgm:fillClrLst meth="repeat">
+      <a:schemeClr val="accent1"/>
+    </dgm:fillClrLst>
+    <dgm:linClrLst meth="repeat">
+      <a:schemeClr val="accent1"/>
+    </dgm:linClrLst>
+    <dgm:effectClrLst/>
+    <dgm:txLinClrLst/>
+    <dgm:txFillClrLst meth="repeat">
+      <a:schemeClr val="lt1"/>
+    </dgm:txFillClrLst>
+    <dgm:txEffectClrLst/>
+  </dgm:styleLbl>
+  <dgm:styleLbl name="parChTrans2D3">
+    <dgm:fillClrLst meth="repeat">
+      <a:schemeClr val="accent1"/>
+    </dgm:fillClrLst>
+    <dgm:linClrLst meth="repeat">
+      <a:schemeClr val="accent1"/>
+    </dgm:linClrLst>
+    <dgm:effectClrLst/>
+    <dgm:txLinClrLst/>
+    <dgm:txFillClrLst meth="repeat">
+      <a:schemeClr val="lt1"/>
+    </dgm:txFillClrLst>
+    <dgm:txEffectClrLst/>
+  </dgm:styleLbl>
+  <dgm:styleLbl name="parChTrans2D4">
+    <dgm:fillClrLst meth="repeat">
+      <a:schemeClr val="accent1"/>
+    </dgm:fillClrLst>
+    <dgm:linClrLst meth="repeat">
+      <a:schemeClr val="accent1"/>
+    </dgm:linClrLst>
+    <dgm:effectClrLst/>
+    <dgm:txLinClrLst/>
+    <dgm:txFillClrLst meth="repeat">
+      <a:schemeClr val="lt1"/>
+    </dgm:txFillClrLst>
+    <dgm:txEffectClrLst/>
+  </dgm:styleLbl>
+  <dgm:styleLbl name="parChTrans1D1">
+    <dgm:fillClrLst meth="repeat">
+      <a:schemeClr val="accent1"/>
+    </dgm:fillClrLst>
+    <dgm:linClrLst meth="repeat">
+      <a:schemeClr val="accent1">
+        <a:shade val="60000"/>
+      </a:schemeClr>
+    </dgm:linClrLst>
+    <dgm:effectClrLst/>
+    <dgm:txLinClrLst/>
+    <dgm:txFillClrLst meth="repeat">
+      <a:schemeClr val="tx1"/>
+    </dgm:txFillClrLst>
+    <dgm:txEffectClrLst/>
+  </dgm:styleLbl>
+  <dgm:styleLbl name="parChTrans1D2">
+    <dgm:fillClrLst meth="repeat">
+      <a:schemeClr val="accent1"/>
+    </dgm:fillClrLst>
+    <dgm:linClrLst meth="repeat">
+      <a:schemeClr val="accent1">
+        <a:shade val="60000"/>
+      </a:schemeClr>
+    </dgm:linClrLst>
+    <dgm:effectClrLst/>
+    <dgm:txLinClrLst/>
+    <dgm:txFillClrLst meth="repeat">
+      <a:schemeClr val="tx1"/>
+    </dgm:txFillClrLst>
+    <dgm:txEffectClrLst/>
+  </dgm:styleLbl>
+  <dgm:styleLbl name="parChTrans1D3">
+    <dgm:fillClrLst meth="repeat">
+      <a:schemeClr val="accent1"/>
+    </dgm:fillClrLst>
+    <dgm:linClrLst meth="repeat">
+      <a:schemeClr val="accent1">
+        <a:shade val="80000"/>
+      </a:schemeClr>
+    </dgm:linClrLst>
+    <dgm:effectClrLst/>
+    <dgm:txLinClrLst/>
+    <dgm:txFillClrLst meth="repeat">
+      <a:schemeClr val="tx1"/>
+    </dgm:txFillClrLst>
+    <dgm:txEffectClrLst/>
+  </dgm:styleLbl>
+  <dgm:styleLbl name="parChTrans1D4">
+    <dgm:fillClrLst meth="repeat">
+      <a:schemeClr val="accent1"/>
+    </dgm:fillClrLst>
+    <dgm:linClrLst meth="repeat">
+      <a:schemeClr val="accent1">
+        <a:shade val="80000"/>
+      </a:schemeClr>
+    </dgm:linClrLst>
+    <dgm:effectClrLst/>
+    <dgm:txLinClrLst/>
+    <dgm:txFillClrLst meth="repeat">
+      <a:schemeClr val="tx1"/>
+    </dgm:txFillClrLst>
+    <dgm:txEffectClrLst/>
+  </dgm:styleLbl>
+  <dgm:styleLbl name="fgAcc1">
+    <dgm:fillClrLst meth="repeat">
+      <a:schemeClr val="lt1">
+        <a:alpha val="90000"/>
+      </a:schemeClr>
+    </dgm:fillClrLst>
+    <dgm:linClrLst meth="repeat">
+      <a:schemeClr val="accent1"/>
+    </dgm:linClrLst>
+    <dgm:effectClrLst/>
+    <dgm:txLinClrLst/>
+    <dgm:txFillClrLst meth="repeat">
+      <a:schemeClr val="dk1"/>
+    </dgm:txFillClrLst>
+    <dgm:txEffectClrLst/>
+  </dgm:styleLbl>
+  <dgm:styleLbl name="conFgAcc1">
+    <dgm:fillClrLst meth="repeat">
+      <a:schemeClr val="lt1">
+        <a:alpha val="90000"/>
+      </a:schemeClr>
+    </dgm:fillClrLst>
+    <dgm:linClrLst meth="repeat">
+      <a:schemeClr val="accent1"/>
+    </dgm:linClrLst>
+    <dgm:effectClrLst/>
+    <dgm:txLinClrLst/>
+    <dgm:txFillClrLst meth="repeat">
+      <a:schemeClr val="dk1"/>
+    </dgm:txFillClrLst>
+    <dgm:txEffectClrLst/>
+  </dgm:styleLbl>
+  <dgm:styleLbl name="alignAcc1">
+    <dgm:fillClrLst meth="repeat">
+      <a:schemeClr val="lt1">
+        <a:alpha val="90000"/>
+      </a:schemeClr>
+    </dgm:fillClrLst>
+    <dgm:linClrLst meth="repeat">
+      <a:schemeClr val="accent1"/>
+    </dgm:linClrLst>
+    <dgm:effectClrLst/>
+    <dgm:txLinClrLst/>
+    <dgm:txFillClrLst meth="repeat">
+      <a:schemeClr val="dk1"/>
+    </dgm:txFillClrLst>
+    <dgm:txEffectClrLst/>
+  </dgm:styleLbl>
+  <dgm:styleLbl name="trAlignAcc1">
+    <dgm:fillClrLst meth="repeat">
+      <a:schemeClr val="lt1">
+        <a:alpha val="40000"/>
+      </a:schemeClr>
+    </dgm:fillClrLst>
+    <dgm:linClrLst meth="repeat">
+      <a:schemeClr val="accent1"/>
+    </dgm:linClrLst>
+    <dgm:effectClrLst/>
+    <dgm:txLinClrLst/>
+    <dgm:txFillClrLst meth="repeat">
+      <a:schemeClr val="dk1"/>
+    </dgm:txFillClrLst>
+    <dgm:txEffectClrLst/>
+  </dgm:styleLbl>
+  <dgm:styleLbl name="bgAcc1">
+    <dgm:fillClrLst meth="repeat">
+      <a:schemeClr val="lt1">
+        <a:alpha val="90000"/>
+      </a:schemeClr>
+    </dgm:fillClrLst>
+    <dgm:linClrLst meth="repeat">
+      <a:schemeClr val="accent1"/>
+    </dgm:linClrLst>
+    <dgm:effectClrLst/>
+    <dgm:txLinClrLst/>
+    <dgm:txFillClrLst meth="repeat">
+      <a:schemeClr val="dk1"/>
+    </dgm:txFillClrLst>
+    <dgm:txEffectClrLst/>
+  </dgm:styleLbl>
+  <dgm:styleLbl name="solidFgAcc1">
+    <dgm:fillClrLst meth="repeat">
+      <a:schemeClr val="lt1"/>
+    </dgm:fillClrLst>
+    <dgm:linClrLst meth="repeat">
+      <a:schemeClr val="accent1"/>
+    </dgm:linClrLst>
+    <dgm:effectClrLst/>
+    <dgm:txLinClrLst/>
+    <dgm:txFillClrLst meth="repeat">
+      <a:schemeClr val="dk1"/>
+    </dgm:txFillClrLst>
+    <dgm:txEffectClrLst/>
+  </dgm:styleLbl>
+  <dgm:styleLbl name="solidAlignAcc1">
+    <dgm:fillClrLst meth="repeat">
+      <a:schemeClr val="lt1"/>
+    </dgm:fillClrLst>
+    <dgm:linClrLst meth="repeat">
+      <a:schemeClr val="accent1"/>
+    </dgm:linClrLst>
+    <dgm:effectClrLst/>
+    <dgm:txLinClrLst/>
+    <dgm:txFillClrLst meth="repeat">
+      <a:schemeClr val="dk1"/>
+    </dgm:txFillClrLst>
+    <dgm:txEffectClrLst/>
+  </dgm:styleLbl>
+  <dgm:styleLbl name="solidBgAcc1">
+    <dgm:fillClrLst meth="repeat">
+      <a:schemeClr val="lt1"/>
+    </dgm:fillClrLst>
+    <dgm:linClrLst meth="repeat">
+      <a:schemeClr val="accent1"/>
+    </dgm:linClrLst>
+    <dgm:effectClrLst/>
+    <dgm:txLinClrLst/>
+    <dgm:txFillClrLst meth="repeat">
+      <a:schemeClr val="dk1"/>
+    </dgm:txFillClrLst>
+    <dgm:txEffectClrLst/>
+  </dgm:styleLbl>
+  <dgm:styleLbl name="fgAccFollowNode1">
+    <dgm:fillClrLst meth="repeat">
+      <a:schemeClr val="accent1">
+        <a:alpha val="90000"/>
+        <a:tint val="40000"/>
+      </a:schemeClr>
+    </dgm:fillClrLst>
+    <dgm:linClrLst meth="repeat">
+      <a:schemeClr val="accent1">
+        <a:alpha val="90000"/>
+        <a:tint val="40000"/>
+      </a:schemeClr>
+    </dgm:linClrLst>
+    <dgm:effectClrLst/>
+    <dgm:txLinClrLst/>
+    <dgm:txFillClrLst meth="repeat">
+      <a:schemeClr val="dk1"/>
+    </dgm:txFillClrLst>
+    <dgm:txEffectClrLst/>
+  </dgm:styleLbl>
+  <dgm:styleLbl name="alignAccFollowNode1">
+    <dgm:fillClrLst meth="repeat">
+      <a:schemeClr val="accent1">
+        <a:alpha val="90000"/>
+        <a:tint val="40000"/>
+      </a:schemeClr>
+    </dgm:fillClrLst>
+    <dgm:linClrLst meth="repeat">
+      <a:schemeClr val="accent1">
+        <a:alpha val="90000"/>
+        <a:tint val="40000"/>
+      </a:schemeClr>
+    </dgm:linClrLst>
+    <dgm:effectClrLst/>
+    <dgm:txLinClrLst/>
+    <dgm:txFillClrLst meth="repeat">
+      <a:schemeClr val="dk1"/>
+    </dgm:txFillClrLst>
+    <dgm:txEffectClrLst/>
+  </dgm:styleLbl>
+  <dgm:styleLbl name="bgAccFollowNode1">
+    <dgm:fillClrLst meth="repeat">
+      <a:schemeClr val="accent1">
+        <a:alpha val="90000"/>
+        <a:tint val="40000"/>
+      </a:schemeClr>
+    </dgm:fillClrLst>
+    <dgm:linClrLst meth="repeat">
+      <a:schemeClr val="accent1">
+        <a:alpha val="90000"/>
+        <a:tint val="40000"/>
+      </a:schemeClr>
+    </dgm:linClrLst>
+    <dgm:effectClrLst/>
+    <dgm:txLinClrLst/>
+    <dgm:txFillClrLst meth="repeat">
+      <a:schemeClr val="dk1"/>
+    </dgm:txFillClrLst>
+    <dgm:txEffectClrLst/>
+  </dgm:styleLbl>
+  <dgm:styleLbl name="fgAcc0">
+    <dgm:fillClrLst meth="repeat">
+      <a:schemeClr val="lt1">
+        <a:alpha val="90000"/>
+      </a:schemeClr>
+    </dgm:fillClrLst>
+    <dgm:linClrLst meth="repeat">
+      <a:schemeClr val="accent1"/>
+    </dgm:linClrLst>
+    <dgm:effectClrLst/>
+    <dgm:txLinClrLst/>
+    <dgm:txFillClrLst meth="repeat">
+      <a:schemeClr val="dk1"/>
+    </dgm:txFillClrLst>
+    <dgm:txEffectClrLst/>
+  </dgm:styleLbl>
+  <dgm:styleLbl name="fgAcc2">
+    <dgm:fillClrLst meth="repeat">
+      <a:schemeClr val="lt1">
+        <a:alpha val="90000"/>
+      </a:schemeClr>
+    </dgm:fillClrLst>
+    <dgm:linClrLst meth="repeat">
+      <a:schemeClr val="accent1"/>
+    </dgm:linClrLst>
+    <dgm:effectClrLst/>
+    <dgm:txLinClrLst/>
+    <dgm:txFillClrLst meth="repeat">
+      <a:schemeClr val="dk1"/>
+    </dgm:txFillClrLst>
+    <dgm:txEffectClrLst/>
+  </dgm:styleLbl>
+  <dgm:styleLbl name="fgAcc3">
+    <dgm:fillClrLst meth="repeat">
+      <a:schemeClr val="lt1">
+        <a:alpha val="90000"/>
+      </a:schemeClr>
+    </dgm:fillClrLst>
+    <dgm:linClrLst meth="repeat">
+      <a:schemeClr val="accent1"/>
+    </dgm:linClrLst>
+    <dgm:effectClrLst/>
+    <dgm:txLinClrLst/>
+    <dgm:txFillClrLst meth="repeat">
+      <a:schemeClr val="dk1"/>
+    </dgm:txFillClrLst>
+    <dgm:txEffectClrLst/>
+  </dgm:styleLbl>
+  <dgm:styleLbl name="fgAcc4">
+    <dgm:fillClrLst meth="repeat">
+      <a:schemeClr val="lt1">
+        <a:alpha val="90000"/>
+      </a:schemeClr>
+    </dgm:fillClrLst>
+    <dgm:linClrLst meth="repeat">
+      <a:schemeClr val="accent1"/>
+    </dgm:linClrLst>
+    <dgm:effectClrLst/>
+    <dgm:txLinClrLst/>
+    <dgm:txFillClrLst meth="repeat">
+      <a:schemeClr val="dk1"/>
+    </dgm:txFillClrLst>
+    <dgm:txEffectClrLst/>
+  </dgm:styleLbl>
+  <dgm:styleLbl name="bgShp">
+    <dgm:fillClrLst meth="repeat">
+      <a:schemeClr val="accent1">
+        <a:tint val="40000"/>
+      </a:schemeClr>
+    </dgm:fillClrLst>
+    <dgm:linClrLst meth="repeat">
+      <a:schemeClr val="accent1"/>
+    </dgm:linClrLst>
+    <dgm:effectClrLst/>
+    <dgm:txLinClrLst/>
+    <dgm:txFillClrLst meth="repeat">
+      <a:schemeClr val="dk1"/>
+    </dgm:txFillClrLst>
+    <dgm:txEffectClrLst/>
+  </dgm:styleLbl>
+  <dgm:styleLbl name="dkBgShp">
+    <dgm:fillClrLst meth="repeat">
+      <a:schemeClr val="accent1">
+        <a:shade val="80000"/>
+      </a:schemeClr>
+    </dgm:fillClrLst>
+    <dgm:linClrLst meth="repeat">
+      <a:schemeClr val="accent1"/>
+    </dgm:linClrLst>
+    <dgm:effectClrLst/>
+    <dgm:txLinClrLst/>
+    <dgm:txFillClrLst meth="repeat">
+      <a:schemeClr val="lt1"/>
+    </dgm:txFillClrLst>
+    <dgm:txEffectClrLst/>
+  </dgm:styleLbl>
+  <dgm:styleLbl name="trBgShp">
+    <dgm:fillClrLst meth="repeat">
+      <a:schemeClr val="accent1">
+        <a:tint val="50000"/>
+        <a:alpha val="40000"/>
+      </a:schemeClr>
+    </dgm:fillClrLst>
+    <dgm:linClrLst meth="repeat">
+      <a:schemeClr val="accent1"/>
+    </dgm:linClrLst>
+    <dgm:effectClrLst/>
+    <dgm:txLinClrLst/>
+    <dgm:txFillClrLst meth="repeat">
+      <a:schemeClr val="lt1"/>
+    </dgm:txFillClrLst>
+    <dgm:txEffectClrLst/>
+  </dgm:styleLbl>
+  <dgm:styleLbl name="fgShp">
+    <dgm:fillClrLst meth="repeat">
+      <a:schemeClr val="accent1">
+        <a:tint val="60000"/>
       </a:schemeClr>
     </dgm:fillClrLst>
     <dgm:linClrLst meth="repeat">
@@ -4475,6 +5223,884 @@
 </dgm:dataModel>
 </file>
 
+<file path=ppt/diagrams/data4.xml><?xml version="1.0" encoding="utf-8"?>
+<dgm:dataModel xmlns:dgm="http://schemas.openxmlformats.org/drawingml/2006/diagram" xmlns:a="http://schemas.openxmlformats.org/drawingml/2006/main">
+  <dgm:ptLst>
+    <dgm:pt modelId="{6E18B34B-521D-4562-BE66-18C9D76D07C3}" type="doc">
+      <dgm:prSet loTypeId="urn:microsoft.com/office/officeart/2005/8/layout/orgChart1" loCatId="hierarchy" qsTypeId="urn:microsoft.com/office/officeart/2005/8/quickstyle/simple1" qsCatId="simple" csTypeId="urn:microsoft.com/office/officeart/2005/8/colors/accent1_2" csCatId="accent1" phldr="1"/>
+      <dgm:spPr/>
+      <dgm:t>
+        <a:bodyPr/>
+        <a:lstStyle/>
+        <a:p>
+          <a:endParaRPr lang="it-IT"/>
+        </a:p>
+      </dgm:t>
+    </dgm:pt>
+    <dgm:pt modelId="{BA6BBB89-3135-45C9-A4E0-BABB932C19CE}">
+      <dgm:prSet phldrT="[Testo]"/>
+      <dgm:spPr/>
+      <dgm:t>
+        <a:bodyPr/>
+        <a:lstStyle/>
+        <a:p>
+          <a:r>
+            <a:rPr lang="it-IT"/>
+            <a:t>Customer Client</a:t>
+          </a:r>
+        </a:p>
+      </dgm:t>
+    </dgm:pt>
+    <dgm:pt modelId="{A60DEE0F-362E-4F17-A1F8-0EE273F44CFC}" type="parTrans" cxnId="{C5E71617-BDED-4172-BC49-6CFA613C2C5C}">
+      <dgm:prSet/>
+      <dgm:spPr/>
+      <dgm:t>
+        <a:bodyPr/>
+        <a:lstStyle/>
+        <a:p>
+          <a:endParaRPr lang="it-IT"/>
+        </a:p>
+      </dgm:t>
+    </dgm:pt>
+    <dgm:pt modelId="{635B15BB-3C58-44AA-A5BB-A71F1B3F0F81}" type="sibTrans" cxnId="{C5E71617-BDED-4172-BC49-6CFA613C2C5C}">
+      <dgm:prSet/>
+      <dgm:spPr/>
+      <dgm:t>
+        <a:bodyPr/>
+        <a:lstStyle/>
+        <a:p>
+          <a:endParaRPr lang="it-IT"/>
+        </a:p>
+      </dgm:t>
+    </dgm:pt>
+    <dgm:pt modelId="{07C28D7F-ED6E-49BC-A635-2CA60B6D0CF8}">
+      <dgm:prSet phldrT="[Testo]"/>
+      <dgm:spPr>
+        <a:solidFill>
+          <a:srgbClr val="00B050"/>
+        </a:solidFill>
+      </dgm:spPr>
+      <dgm:t>
+        <a:bodyPr/>
+        <a:lstStyle/>
+        <a:p>
+          <a:r>
+            <a:rPr lang="it-IT"/>
+            <a:t>Customer Manager (Stub)</a:t>
+          </a:r>
+        </a:p>
+      </dgm:t>
+    </dgm:pt>
+    <dgm:pt modelId="{5DCB3B18-216E-418C-A2A7-ADFB31B53026}" type="parTrans" cxnId="{2FEE6402-488F-4A24-8035-4832A6CB5C93}">
+      <dgm:prSet/>
+      <dgm:spPr>
+        <a:ln>
+          <a:tailEnd type="triangle"/>
+        </a:ln>
+      </dgm:spPr>
+      <dgm:t>
+        <a:bodyPr/>
+        <a:lstStyle/>
+        <a:p>
+          <a:endParaRPr lang="it-IT"/>
+        </a:p>
+      </dgm:t>
+    </dgm:pt>
+    <dgm:pt modelId="{DCD9F49A-9319-4958-B451-26D7C4C5D3A8}" type="sibTrans" cxnId="{2FEE6402-488F-4A24-8035-4832A6CB5C93}">
+      <dgm:prSet/>
+      <dgm:spPr/>
+      <dgm:t>
+        <a:bodyPr/>
+        <a:lstStyle/>
+        <a:p>
+          <a:endParaRPr lang="it-IT"/>
+        </a:p>
+      </dgm:t>
+    </dgm:pt>
+    <dgm:pt modelId="{5CCA2A56-F101-47F6-B1CB-C517E9874595}">
+      <dgm:prSet phldrT="[Testo]"/>
+      <dgm:spPr/>
+      <dgm:t>
+        <a:bodyPr/>
+        <a:lstStyle/>
+        <a:p>
+          <a:r>
+            <a:rPr lang="it-IT"/>
+            <a:t>Google Maps</a:t>
+          </a:r>
+        </a:p>
+      </dgm:t>
+    </dgm:pt>
+    <dgm:pt modelId="{4E5FB35E-021D-4113-9BCD-C49F0D99D500}" type="parTrans" cxnId="{70F80339-A89B-40D6-8288-82CFB599481C}">
+      <dgm:prSet/>
+      <dgm:spPr>
+        <a:ln>
+          <a:tailEnd type="triangle"/>
+        </a:ln>
+      </dgm:spPr>
+      <dgm:t>
+        <a:bodyPr/>
+        <a:lstStyle/>
+        <a:p>
+          <a:endParaRPr lang="it-IT"/>
+        </a:p>
+      </dgm:t>
+    </dgm:pt>
+    <dgm:pt modelId="{E24B6173-F02F-4B5B-8A2B-CAEF824717B4}" type="sibTrans" cxnId="{70F80339-A89B-40D6-8288-82CFB599481C}">
+      <dgm:prSet/>
+      <dgm:spPr/>
+      <dgm:t>
+        <a:bodyPr/>
+        <a:lstStyle/>
+        <a:p>
+          <a:endParaRPr lang="it-IT"/>
+        </a:p>
+      </dgm:t>
+    </dgm:pt>
+    <dgm:pt modelId="{C9A7FB4B-0B57-4A8F-91BC-A283C45B248B}">
+      <dgm:prSet phldrT="[Testo]"/>
+      <dgm:spPr/>
+      <dgm:t>
+        <a:bodyPr/>
+        <a:lstStyle/>
+        <a:p>
+          <a:r>
+            <a:rPr lang="it-IT"/>
+            <a:t>Taxi Driver Client</a:t>
+          </a:r>
+        </a:p>
+      </dgm:t>
+    </dgm:pt>
+    <dgm:pt modelId="{183D47B3-59AA-45B1-B873-574AD9E81C6B}" type="parTrans" cxnId="{08A7265A-8D81-4D8C-A384-4242C5B1A1EE}">
+      <dgm:prSet/>
+      <dgm:spPr/>
+      <dgm:t>
+        <a:bodyPr/>
+        <a:lstStyle/>
+        <a:p>
+          <a:endParaRPr lang="it-IT"/>
+        </a:p>
+      </dgm:t>
+    </dgm:pt>
+    <dgm:pt modelId="{07DAD203-1097-4E18-A2EB-33E443DC64B4}" type="sibTrans" cxnId="{08A7265A-8D81-4D8C-A384-4242C5B1A1EE}">
+      <dgm:prSet/>
+      <dgm:spPr/>
+      <dgm:t>
+        <a:bodyPr/>
+        <a:lstStyle/>
+        <a:p>
+          <a:endParaRPr lang="it-IT"/>
+        </a:p>
+      </dgm:t>
+    </dgm:pt>
+    <dgm:pt modelId="{3A3BE801-946C-484D-B86C-9F594F085CC0}">
+      <dgm:prSet phldrT="[Testo]"/>
+      <dgm:spPr>
+        <a:solidFill>
+          <a:srgbClr val="00B050">
+            <a:alpha val="90000"/>
+          </a:srgbClr>
+        </a:solidFill>
+      </dgm:spPr>
+      <dgm:t>
+        <a:bodyPr/>
+        <a:lstStyle/>
+        <a:p>
+          <a:r>
+            <a:rPr lang="it-IT"/>
+            <a:t>Taxi Driver Manager (Stub)</a:t>
+          </a:r>
+        </a:p>
+      </dgm:t>
+    </dgm:pt>
+    <dgm:pt modelId="{BE1742C9-7EF6-45C2-A745-4BB4BB7DC38D}" type="parTrans" cxnId="{CFB46466-9F35-44A5-80FB-5D348ACB0D6C}">
+      <dgm:prSet/>
+      <dgm:spPr>
+        <a:ln>
+          <a:tailEnd type="triangle"/>
+        </a:ln>
+      </dgm:spPr>
+      <dgm:t>
+        <a:bodyPr/>
+        <a:lstStyle/>
+        <a:p>
+          <a:endParaRPr lang="it-IT"/>
+        </a:p>
+      </dgm:t>
+    </dgm:pt>
+    <dgm:pt modelId="{329FEE7E-0399-42F1-B576-C95E4D85DD48}" type="sibTrans" cxnId="{CFB46466-9F35-44A5-80FB-5D348ACB0D6C}">
+      <dgm:prSet/>
+      <dgm:spPr/>
+      <dgm:t>
+        <a:bodyPr/>
+        <a:lstStyle/>
+        <a:p>
+          <a:endParaRPr lang="it-IT"/>
+        </a:p>
+      </dgm:t>
+    </dgm:pt>
+    <dgm:pt modelId="{5D380F15-1119-483D-8907-9C79562BA806}">
+      <dgm:prSet phldrT="[Testo]"/>
+      <dgm:spPr/>
+      <dgm:t>
+        <a:bodyPr/>
+        <a:lstStyle/>
+        <a:p>
+          <a:r>
+            <a:rPr lang="it-IT"/>
+            <a:t>Google Maps</a:t>
+          </a:r>
+        </a:p>
+      </dgm:t>
+    </dgm:pt>
+    <dgm:pt modelId="{DB7E8660-77CA-4B6D-97BB-6B3F3D0188BE}" type="parTrans" cxnId="{D227166F-C849-4B9C-BDCB-383B528B51C4}">
+      <dgm:prSet/>
+      <dgm:spPr>
+        <a:ln>
+          <a:tailEnd type="triangle"/>
+        </a:ln>
+      </dgm:spPr>
+      <dgm:t>
+        <a:bodyPr/>
+        <a:lstStyle/>
+        <a:p>
+          <a:endParaRPr lang="it-IT"/>
+        </a:p>
+      </dgm:t>
+    </dgm:pt>
+    <dgm:pt modelId="{2797E58C-533E-4202-AEEF-2C7544017EA2}" type="sibTrans" cxnId="{D227166F-C849-4B9C-BDCB-383B528B51C4}">
+      <dgm:prSet/>
+      <dgm:spPr/>
+      <dgm:t>
+        <a:bodyPr/>
+        <a:lstStyle/>
+        <a:p>
+          <a:endParaRPr lang="it-IT"/>
+        </a:p>
+      </dgm:t>
+    </dgm:pt>
+    <dgm:pt modelId="{FA922B21-288D-48AF-9B03-14885F84DA30}">
+      <dgm:prSet phldrT="[Testo]"/>
+      <dgm:spPr/>
+      <dgm:t>
+        <a:bodyPr/>
+        <a:lstStyle/>
+        <a:p>
+          <a:r>
+            <a:rPr lang="it-IT"/>
+            <a:t>SysAdmin Client</a:t>
+          </a:r>
+        </a:p>
+      </dgm:t>
+    </dgm:pt>
+    <dgm:pt modelId="{464159A9-A03B-4D9C-B038-EF330F297436}" type="parTrans" cxnId="{7C0A1648-6D18-4B58-9D7D-C65B36F39BA7}">
+      <dgm:prSet/>
+      <dgm:spPr/>
+      <dgm:t>
+        <a:bodyPr/>
+        <a:lstStyle/>
+        <a:p>
+          <a:endParaRPr lang="it-IT"/>
+        </a:p>
+      </dgm:t>
+    </dgm:pt>
+    <dgm:pt modelId="{E7BA4DEB-03EC-468A-9DC5-B44E39928337}" type="sibTrans" cxnId="{7C0A1648-6D18-4B58-9D7D-C65B36F39BA7}">
+      <dgm:prSet/>
+      <dgm:spPr/>
+      <dgm:t>
+        <a:bodyPr/>
+        <a:lstStyle/>
+        <a:p>
+          <a:endParaRPr lang="it-IT"/>
+        </a:p>
+      </dgm:t>
+    </dgm:pt>
+    <dgm:pt modelId="{75973B2D-94F1-47E3-8EF4-3B2712C5C3CC}">
+      <dgm:prSet phldrT="[Testo]"/>
+      <dgm:spPr>
+        <a:solidFill>
+          <a:srgbClr val="00B050">
+            <a:alpha val="90000"/>
+          </a:srgbClr>
+        </a:solidFill>
+      </dgm:spPr>
+      <dgm:t>
+        <a:bodyPr/>
+        <a:lstStyle/>
+        <a:p>
+          <a:r>
+            <a:rPr lang="it-IT"/>
+            <a:t>System Manager (Stub)</a:t>
+          </a:r>
+        </a:p>
+      </dgm:t>
+    </dgm:pt>
+    <dgm:pt modelId="{119CBE8A-20FB-4AB1-968E-3D3CDB0EF223}" type="parTrans" cxnId="{E3C35810-A744-4B50-8482-FF026765EB24}">
+      <dgm:prSet/>
+      <dgm:spPr>
+        <a:ln>
+          <a:headEnd type="none"/>
+          <a:tailEnd type="triangle"/>
+        </a:ln>
+      </dgm:spPr>
+      <dgm:t>
+        <a:bodyPr/>
+        <a:lstStyle/>
+        <a:p>
+          <a:endParaRPr lang="it-IT"/>
+        </a:p>
+      </dgm:t>
+    </dgm:pt>
+    <dgm:pt modelId="{2F630ED2-4223-4DF5-B084-CCA400CABEDF}" type="sibTrans" cxnId="{E3C35810-A744-4B50-8482-FF026765EB24}">
+      <dgm:prSet/>
+      <dgm:spPr/>
+      <dgm:t>
+        <a:bodyPr/>
+        <a:lstStyle/>
+        <a:p>
+          <a:endParaRPr lang="it-IT"/>
+        </a:p>
+      </dgm:t>
+    </dgm:pt>
+    <dgm:pt modelId="{C8A6F0DE-195A-4795-A567-682D20BE0ABB}" type="pres">
+      <dgm:prSet presAssocID="{6E18B34B-521D-4562-BE66-18C9D76D07C3}" presName="hierChild1" presStyleCnt="0">
+        <dgm:presLayoutVars>
+          <dgm:orgChart val="1"/>
+          <dgm:chPref val="1"/>
+          <dgm:dir/>
+          <dgm:animOne val="branch"/>
+          <dgm:animLvl val="lvl"/>
+          <dgm:resizeHandles/>
+        </dgm:presLayoutVars>
+      </dgm:prSet>
+      <dgm:spPr/>
+      <dgm:t>
+        <a:bodyPr/>
+        <a:lstStyle/>
+        <a:p>
+          <a:endParaRPr lang="it-IT"/>
+        </a:p>
+      </dgm:t>
+    </dgm:pt>
+    <dgm:pt modelId="{8BB1D54B-AAB4-422B-AE6C-FEED0892A79A}" type="pres">
+      <dgm:prSet presAssocID="{C9A7FB4B-0B57-4A8F-91BC-A283C45B248B}" presName="hierRoot1" presStyleCnt="0">
+        <dgm:presLayoutVars>
+          <dgm:hierBranch val="init"/>
+        </dgm:presLayoutVars>
+      </dgm:prSet>
+      <dgm:spPr/>
+    </dgm:pt>
+    <dgm:pt modelId="{A5C7E1B7-5FF0-421C-BD6F-EDC3F889540C}" type="pres">
+      <dgm:prSet presAssocID="{C9A7FB4B-0B57-4A8F-91BC-A283C45B248B}" presName="rootComposite1" presStyleCnt="0"/>
+      <dgm:spPr/>
+    </dgm:pt>
+    <dgm:pt modelId="{5EEBA439-4E12-4F7A-8E96-543D8E7B88E2}" type="pres">
+      <dgm:prSet presAssocID="{C9A7FB4B-0B57-4A8F-91BC-A283C45B248B}" presName="rootText1" presStyleLbl="node0" presStyleIdx="0" presStyleCnt="3">
+        <dgm:presLayoutVars>
+          <dgm:chPref val="3"/>
+        </dgm:presLayoutVars>
+      </dgm:prSet>
+      <dgm:spPr/>
+      <dgm:t>
+        <a:bodyPr/>
+        <a:lstStyle/>
+        <a:p>
+          <a:endParaRPr lang="it-IT"/>
+        </a:p>
+      </dgm:t>
+    </dgm:pt>
+    <dgm:pt modelId="{4F857713-83BA-4745-B3A3-A54804124B7C}" type="pres">
+      <dgm:prSet presAssocID="{C9A7FB4B-0B57-4A8F-91BC-A283C45B248B}" presName="rootConnector1" presStyleLbl="node1" presStyleIdx="0" presStyleCnt="0"/>
+      <dgm:spPr/>
+      <dgm:t>
+        <a:bodyPr/>
+        <a:lstStyle/>
+        <a:p>
+          <a:endParaRPr lang="it-IT"/>
+        </a:p>
+      </dgm:t>
+    </dgm:pt>
+    <dgm:pt modelId="{6D31F5ED-5351-4C58-8684-F25A0002BC56}" type="pres">
+      <dgm:prSet presAssocID="{C9A7FB4B-0B57-4A8F-91BC-A283C45B248B}" presName="hierChild2" presStyleCnt="0"/>
+      <dgm:spPr/>
+    </dgm:pt>
+    <dgm:pt modelId="{43E07D4D-939B-4A18-9AB9-5C203ED91C47}" type="pres">
+      <dgm:prSet presAssocID="{BE1742C9-7EF6-45C2-A745-4BB4BB7DC38D}" presName="Name37" presStyleLbl="parChTrans1D2" presStyleIdx="0" presStyleCnt="5"/>
+      <dgm:spPr/>
+      <dgm:t>
+        <a:bodyPr/>
+        <a:lstStyle/>
+        <a:p>
+          <a:endParaRPr lang="it-IT"/>
+        </a:p>
+      </dgm:t>
+    </dgm:pt>
+    <dgm:pt modelId="{19B637B6-80CE-42E9-BB87-896A4D94DEE7}" type="pres">
+      <dgm:prSet presAssocID="{3A3BE801-946C-484D-B86C-9F594F085CC0}" presName="hierRoot2" presStyleCnt="0">
+        <dgm:presLayoutVars>
+          <dgm:hierBranch val="init"/>
+        </dgm:presLayoutVars>
+      </dgm:prSet>
+      <dgm:spPr/>
+    </dgm:pt>
+    <dgm:pt modelId="{442136AF-744E-494C-AFD9-8089CE9F7327}" type="pres">
+      <dgm:prSet presAssocID="{3A3BE801-946C-484D-B86C-9F594F085CC0}" presName="rootComposite" presStyleCnt="0"/>
+      <dgm:spPr/>
+    </dgm:pt>
+    <dgm:pt modelId="{BBFF5E3C-9B2A-4B1B-BE04-EF23872BAD53}" type="pres">
+      <dgm:prSet presAssocID="{3A3BE801-946C-484D-B86C-9F594F085CC0}" presName="rootText" presStyleLbl="node2" presStyleIdx="0" presStyleCnt="5">
+        <dgm:presLayoutVars>
+          <dgm:chPref val="3"/>
+        </dgm:presLayoutVars>
+      </dgm:prSet>
+      <dgm:spPr/>
+      <dgm:t>
+        <a:bodyPr/>
+        <a:lstStyle/>
+        <a:p>
+          <a:endParaRPr lang="it-IT"/>
+        </a:p>
+      </dgm:t>
+    </dgm:pt>
+    <dgm:pt modelId="{BE02CDEB-3BB7-4D9E-9253-20B9C18EE1FD}" type="pres">
+      <dgm:prSet presAssocID="{3A3BE801-946C-484D-B86C-9F594F085CC0}" presName="rootConnector" presStyleLbl="node2" presStyleIdx="0" presStyleCnt="5"/>
+      <dgm:spPr/>
+      <dgm:t>
+        <a:bodyPr/>
+        <a:lstStyle/>
+        <a:p>
+          <a:endParaRPr lang="it-IT"/>
+        </a:p>
+      </dgm:t>
+    </dgm:pt>
+    <dgm:pt modelId="{54BDF502-37FD-4282-9392-8AD64F3090E7}" type="pres">
+      <dgm:prSet presAssocID="{3A3BE801-946C-484D-B86C-9F594F085CC0}" presName="hierChild4" presStyleCnt="0"/>
+      <dgm:spPr/>
+    </dgm:pt>
+    <dgm:pt modelId="{6BA386D6-4EAE-452E-B367-2098074F11ED}" type="pres">
+      <dgm:prSet presAssocID="{3A3BE801-946C-484D-B86C-9F594F085CC0}" presName="hierChild5" presStyleCnt="0"/>
+      <dgm:spPr/>
+    </dgm:pt>
+    <dgm:pt modelId="{F6BA47EF-9CB7-429E-84E3-9D7FE118FD1A}" type="pres">
+      <dgm:prSet presAssocID="{DB7E8660-77CA-4B6D-97BB-6B3F3D0188BE}" presName="Name37" presStyleLbl="parChTrans1D2" presStyleIdx="1" presStyleCnt="5"/>
+      <dgm:spPr/>
+      <dgm:t>
+        <a:bodyPr/>
+        <a:lstStyle/>
+        <a:p>
+          <a:endParaRPr lang="it-IT"/>
+        </a:p>
+      </dgm:t>
+    </dgm:pt>
+    <dgm:pt modelId="{289110A4-129E-494C-BFF5-855907E044E1}" type="pres">
+      <dgm:prSet presAssocID="{5D380F15-1119-483D-8907-9C79562BA806}" presName="hierRoot2" presStyleCnt="0">
+        <dgm:presLayoutVars>
+          <dgm:hierBranch val="init"/>
+        </dgm:presLayoutVars>
+      </dgm:prSet>
+      <dgm:spPr/>
+    </dgm:pt>
+    <dgm:pt modelId="{02800264-01D6-4A05-8D28-C052AEACC5E7}" type="pres">
+      <dgm:prSet presAssocID="{5D380F15-1119-483D-8907-9C79562BA806}" presName="rootComposite" presStyleCnt="0"/>
+      <dgm:spPr/>
+    </dgm:pt>
+    <dgm:pt modelId="{14B1EEE5-4C71-4524-B177-37FA7452C900}" type="pres">
+      <dgm:prSet presAssocID="{5D380F15-1119-483D-8907-9C79562BA806}" presName="rootText" presStyleLbl="node2" presStyleIdx="1" presStyleCnt="5">
+        <dgm:presLayoutVars>
+          <dgm:chPref val="3"/>
+        </dgm:presLayoutVars>
+      </dgm:prSet>
+      <dgm:spPr/>
+      <dgm:t>
+        <a:bodyPr/>
+        <a:lstStyle/>
+        <a:p>
+          <a:endParaRPr lang="it-IT"/>
+        </a:p>
+      </dgm:t>
+    </dgm:pt>
+    <dgm:pt modelId="{20454537-8A14-404A-96A8-43695CC2C7C3}" type="pres">
+      <dgm:prSet presAssocID="{5D380F15-1119-483D-8907-9C79562BA806}" presName="rootConnector" presStyleLbl="node2" presStyleIdx="1" presStyleCnt="5"/>
+      <dgm:spPr/>
+      <dgm:t>
+        <a:bodyPr/>
+        <a:lstStyle/>
+        <a:p>
+          <a:endParaRPr lang="it-IT"/>
+        </a:p>
+      </dgm:t>
+    </dgm:pt>
+    <dgm:pt modelId="{9F3C96A4-8D4C-4ADD-898F-D0D869B22A6C}" type="pres">
+      <dgm:prSet presAssocID="{5D380F15-1119-483D-8907-9C79562BA806}" presName="hierChild4" presStyleCnt="0"/>
+      <dgm:spPr/>
+    </dgm:pt>
+    <dgm:pt modelId="{A9F71ED8-7FC6-4B60-A466-295A43BA0264}" type="pres">
+      <dgm:prSet presAssocID="{5D380F15-1119-483D-8907-9C79562BA806}" presName="hierChild5" presStyleCnt="0"/>
+      <dgm:spPr/>
+    </dgm:pt>
+    <dgm:pt modelId="{860C4A3D-86B0-44C2-B778-C8B1A0FB85C1}" type="pres">
+      <dgm:prSet presAssocID="{C9A7FB4B-0B57-4A8F-91BC-A283C45B248B}" presName="hierChild3" presStyleCnt="0"/>
+      <dgm:spPr/>
+    </dgm:pt>
+    <dgm:pt modelId="{FC597714-D3CE-41AF-8A16-52F36599B7E7}" type="pres">
+      <dgm:prSet presAssocID="{BA6BBB89-3135-45C9-A4E0-BABB932C19CE}" presName="hierRoot1" presStyleCnt="0">
+        <dgm:presLayoutVars>
+          <dgm:hierBranch val="init"/>
+        </dgm:presLayoutVars>
+      </dgm:prSet>
+      <dgm:spPr/>
+    </dgm:pt>
+    <dgm:pt modelId="{B8965695-F6D4-4F10-86C0-F12EC5D57FD3}" type="pres">
+      <dgm:prSet presAssocID="{BA6BBB89-3135-45C9-A4E0-BABB932C19CE}" presName="rootComposite1" presStyleCnt="0"/>
+      <dgm:spPr/>
+    </dgm:pt>
+    <dgm:pt modelId="{8FB154D5-A434-41F1-A130-60D2D9493CC3}" type="pres">
+      <dgm:prSet presAssocID="{BA6BBB89-3135-45C9-A4E0-BABB932C19CE}" presName="rootText1" presStyleLbl="node0" presStyleIdx="1" presStyleCnt="3">
+        <dgm:presLayoutVars>
+          <dgm:chPref val="3"/>
+        </dgm:presLayoutVars>
+      </dgm:prSet>
+      <dgm:spPr/>
+      <dgm:t>
+        <a:bodyPr/>
+        <a:lstStyle/>
+        <a:p>
+          <a:endParaRPr lang="it-IT"/>
+        </a:p>
+      </dgm:t>
+    </dgm:pt>
+    <dgm:pt modelId="{FF82852A-0CF3-4207-8FFA-3E0E1C73AEE6}" type="pres">
+      <dgm:prSet presAssocID="{BA6BBB89-3135-45C9-A4E0-BABB932C19CE}" presName="rootConnector1" presStyleLbl="node1" presStyleIdx="0" presStyleCnt="0"/>
+      <dgm:spPr/>
+      <dgm:t>
+        <a:bodyPr/>
+        <a:lstStyle/>
+        <a:p>
+          <a:endParaRPr lang="it-IT"/>
+        </a:p>
+      </dgm:t>
+    </dgm:pt>
+    <dgm:pt modelId="{4BC50401-5075-4724-9A99-07FA6864DD7C}" type="pres">
+      <dgm:prSet presAssocID="{BA6BBB89-3135-45C9-A4E0-BABB932C19CE}" presName="hierChild2" presStyleCnt="0"/>
+      <dgm:spPr/>
+    </dgm:pt>
+    <dgm:pt modelId="{15C2F884-33DF-4B21-AD3A-E98C85E12488}" type="pres">
+      <dgm:prSet presAssocID="{5DCB3B18-216E-418C-A2A7-ADFB31B53026}" presName="Name37" presStyleLbl="parChTrans1D2" presStyleIdx="2" presStyleCnt="5"/>
+      <dgm:spPr/>
+      <dgm:t>
+        <a:bodyPr/>
+        <a:lstStyle/>
+        <a:p>
+          <a:endParaRPr lang="it-IT"/>
+        </a:p>
+      </dgm:t>
+    </dgm:pt>
+    <dgm:pt modelId="{4885E73A-DB87-40A3-BAEA-73B12D4A7E33}" type="pres">
+      <dgm:prSet presAssocID="{07C28D7F-ED6E-49BC-A635-2CA60B6D0CF8}" presName="hierRoot2" presStyleCnt="0">
+        <dgm:presLayoutVars>
+          <dgm:hierBranch val="init"/>
+        </dgm:presLayoutVars>
+      </dgm:prSet>
+      <dgm:spPr/>
+    </dgm:pt>
+    <dgm:pt modelId="{1A0ACE65-FA62-423E-8202-A4A89DE5A181}" type="pres">
+      <dgm:prSet presAssocID="{07C28D7F-ED6E-49BC-A635-2CA60B6D0CF8}" presName="rootComposite" presStyleCnt="0"/>
+      <dgm:spPr/>
+    </dgm:pt>
+    <dgm:pt modelId="{E1F886F9-88B9-4719-9A8C-81689D4CAA77}" type="pres">
+      <dgm:prSet presAssocID="{07C28D7F-ED6E-49BC-A635-2CA60B6D0CF8}" presName="rootText" presStyleLbl="node2" presStyleIdx="2" presStyleCnt="5">
+        <dgm:presLayoutVars>
+          <dgm:chPref val="3"/>
+        </dgm:presLayoutVars>
+      </dgm:prSet>
+      <dgm:spPr/>
+      <dgm:t>
+        <a:bodyPr/>
+        <a:lstStyle/>
+        <a:p>
+          <a:endParaRPr lang="it-IT"/>
+        </a:p>
+      </dgm:t>
+    </dgm:pt>
+    <dgm:pt modelId="{5C4A0CA3-D7B0-4D31-A789-AA3ACE4E7752}" type="pres">
+      <dgm:prSet presAssocID="{07C28D7F-ED6E-49BC-A635-2CA60B6D0CF8}" presName="rootConnector" presStyleLbl="node2" presStyleIdx="2" presStyleCnt="5"/>
+      <dgm:spPr/>
+      <dgm:t>
+        <a:bodyPr/>
+        <a:lstStyle/>
+        <a:p>
+          <a:endParaRPr lang="it-IT"/>
+        </a:p>
+      </dgm:t>
+    </dgm:pt>
+    <dgm:pt modelId="{5169B872-D0BF-41B1-AEEA-A925AA232BDD}" type="pres">
+      <dgm:prSet presAssocID="{07C28D7F-ED6E-49BC-A635-2CA60B6D0CF8}" presName="hierChild4" presStyleCnt="0"/>
+      <dgm:spPr/>
+    </dgm:pt>
+    <dgm:pt modelId="{C8D69CD4-D986-4684-B3A1-6126465C6EFD}" type="pres">
+      <dgm:prSet presAssocID="{07C28D7F-ED6E-49BC-A635-2CA60B6D0CF8}" presName="hierChild5" presStyleCnt="0"/>
+      <dgm:spPr/>
+    </dgm:pt>
+    <dgm:pt modelId="{9697CF01-2F38-4425-89CB-F65B92AB9CCB}" type="pres">
+      <dgm:prSet presAssocID="{4E5FB35E-021D-4113-9BCD-C49F0D99D500}" presName="Name37" presStyleLbl="parChTrans1D2" presStyleIdx="3" presStyleCnt="5"/>
+      <dgm:spPr/>
+      <dgm:t>
+        <a:bodyPr/>
+        <a:lstStyle/>
+        <a:p>
+          <a:endParaRPr lang="it-IT"/>
+        </a:p>
+      </dgm:t>
+    </dgm:pt>
+    <dgm:pt modelId="{E41E5615-7A97-4CA9-8D6D-3EAFA669AED9}" type="pres">
+      <dgm:prSet presAssocID="{5CCA2A56-F101-47F6-B1CB-C517E9874595}" presName="hierRoot2" presStyleCnt="0">
+        <dgm:presLayoutVars>
+          <dgm:hierBranch val="init"/>
+        </dgm:presLayoutVars>
+      </dgm:prSet>
+      <dgm:spPr/>
+    </dgm:pt>
+    <dgm:pt modelId="{EF3D4650-3A3F-45AB-8C59-54B41A0C44D0}" type="pres">
+      <dgm:prSet presAssocID="{5CCA2A56-F101-47F6-B1CB-C517E9874595}" presName="rootComposite" presStyleCnt="0"/>
+      <dgm:spPr/>
+    </dgm:pt>
+    <dgm:pt modelId="{6C2016BF-9E70-4730-BFA8-E568D963BA59}" type="pres">
+      <dgm:prSet presAssocID="{5CCA2A56-F101-47F6-B1CB-C517E9874595}" presName="rootText" presStyleLbl="node2" presStyleIdx="3" presStyleCnt="5">
+        <dgm:presLayoutVars>
+          <dgm:chPref val="3"/>
+        </dgm:presLayoutVars>
+      </dgm:prSet>
+      <dgm:spPr/>
+      <dgm:t>
+        <a:bodyPr/>
+        <a:lstStyle/>
+        <a:p>
+          <a:endParaRPr lang="it-IT"/>
+        </a:p>
+      </dgm:t>
+    </dgm:pt>
+    <dgm:pt modelId="{52608913-0D8E-41B7-9127-68136455E4F0}" type="pres">
+      <dgm:prSet presAssocID="{5CCA2A56-F101-47F6-B1CB-C517E9874595}" presName="rootConnector" presStyleLbl="node2" presStyleIdx="3" presStyleCnt="5"/>
+      <dgm:spPr/>
+      <dgm:t>
+        <a:bodyPr/>
+        <a:lstStyle/>
+        <a:p>
+          <a:endParaRPr lang="it-IT"/>
+        </a:p>
+      </dgm:t>
+    </dgm:pt>
+    <dgm:pt modelId="{2A1718A5-3E07-4EE5-969F-58BB4192C614}" type="pres">
+      <dgm:prSet presAssocID="{5CCA2A56-F101-47F6-B1CB-C517E9874595}" presName="hierChild4" presStyleCnt="0"/>
+      <dgm:spPr/>
+    </dgm:pt>
+    <dgm:pt modelId="{86456001-C249-48B8-BE07-AF7F2525CE53}" type="pres">
+      <dgm:prSet presAssocID="{5CCA2A56-F101-47F6-B1CB-C517E9874595}" presName="hierChild5" presStyleCnt="0"/>
+      <dgm:spPr/>
+    </dgm:pt>
+    <dgm:pt modelId="{8339C068-89F3-4F57-908F-A3A8C885635B}" type="pres">
+      <dgm:prSet presAssocID="{BA6BBB89-3135-45C9-A4E0-BABB932C19CE}" presName="hierChild3" presStyleCnt="0"/>
+      <dgm:spPr/>
+    </dgm:pt>
+    <dgm:pt modelId="{50BA6BE3-AE1F-47DA-A1B8-7ECAC4631F27}" type="pres">
+      <dgm:prSet presAssocID="{FA922B21-288D-48AF-9B03-14885F84DA30}" presName="hierRoot1" presStyleCnt="0">
+        <dgm:presLayoutVars>
+          <dgm:hierBranch val="init"/>
+        </dgm:presLayoutVars>
+      </dgm:prSet>
+      <dgm:spPr/>
+    </dgm:pt>
+    <dgm:pt modelId="{F7B62FB3-6743-4B1A-B7F4-6DCC7870C30A}" type="pres">
+      <dgm:prSet presAssocID="{FA922B21-288D-48AF-9B03-14885F84DA30}" presName="rootComposite1" presStyleCnt="0"/>
+      <dgm:spPr/>
+    </dgm:pt>
+    <dgm:pt modelId="{CE27F933-8D77-4D85-8696-E3967230656F}" type="pres">
+      <dgm:prSet presAssocID="{FA922B21-288D-48AF-9B03-14885F84DA30}" presName="rootText1" presStyleLbl="node0" presStyleIdx="2" presStyleCnt="3">
+        <dgm:presLayoutVars>
+          <dgm:chPref val="3"/>
+        </dgm:presLayoutVars>
+      </dgm:prSet>
+      <dgm:spPr/>
+      <dgm:t>
+        <a:bodyPr/>
+        <a:lstStyle/>
+        <a:p>
+          <a:endParaRPr lang="it-IT"/>
+        </a:p>
+      </dgm:t>
+    </dgm:pt>
+    <dgm:pt modelId="{480BD04A-FE18-450A-9B23-782B81114DB0}" type="pres">
+      <dgm:prSet presAssocID="{FA922B21-288D-48AF-9B03-14885F84DA30}" presName="rootConnector1" presStyleLbl="node1" presStyleIdx="0" presStyleCnt="0"/>
+      <dgm:spPr/>
+      <dgm:t>
+        <a:bodyPr/>
+        <a:lstStyle/>
+        <a:p>
+          <a:endParaRPr lang="it-IT"/>
+        </a:p>
+      </dgm:t>
+    </dgm:pt>
+    <dgm:pt modelId="{85AE7A0B-CFE5-4F3E-82D5-C9803B480593}" type="pres">
+      <dgm:prSet presAssocID="{FA922B21-288D-48AF-9B03-14885F84DA30}" presName="hierChild2" presStyleCnt="0"/>
+      <dgm:spPr/>
+    </dgm:pt>
+    <dgm:pt modelId="{13901ADE-AA53-475E-99A1-A5CEDB40876C}" type="pres">
+      <dgm:prSet presAssocID="{119CBE8A-20FB-4AB1-968E-3D3CDB0EF223}" presName="Name37" presStyleLbl="parChTrans1D2" presStyleIdx="4" presStyleCnt="5"/>
+      <dgm:spPr/>
+      <dgm:t>
+        <a:bodyPr/>
+        <a:lstStyle/>
+        <a:p>
+          <a:endParaRPr lang="it-IT"/>
+        </a:p>
+      </dgm:t>
+    </dgm:pt>
+    <dgm:pt modelId="{D93F34D6-92B9-4D51-A006-4D36AA288BB2}" type="pres">
+      <dgm:prSet presAssocID="{75973B2D-94F1-47E3-8EF4-3B2712C5C3CC}" presName="hierRoot2" presStyleCnt="0">
+        <dgm:presLayoutVars>
+          <dgm:hierBranch val="init"/>
+        </dgm:presLayoutVars>
+      </dgm:prSet>
+      <dgm:spPr/>
+    </dgm:pt>
+    <dgm:pt modelId="{C515206D-F374-45BC-951D-5E1036821124}" type="pres">
+      <dgm:prSet presAssocID="{75973B2D-94F1-47E3-8EF4-3B2712C5C3CC}" presName="rootComposite" presStyleCnt="0"/>
+      <dgm:spPr/>
+    </dgm:pt>
+    <dgm:pt modelId="{E7D8C507-142F-41E4-8BB3-C6F66FEA7962}" type="pres">
+      <dgm:prSet presAssocID="{75973B2D-94F1-47E3-8EF4-3B2712C5C3CC}" presName="rootText" presStyleLbl="node2" presStyleIdx="4" presStyleCnt="5">
+        <dgm:presLayoutVars>
+          <dgm:chPref val="3"/>
+        </dgm:presLayoutVars>
+      </dgm:prSet>
+      <dgm:spPr/>
+      <dgm:t>
+        <a:bodyPr/>
+        <a:lstStyle/>
+        <a:p>
+          <a:endParaRPr lang="it-IT"/>
+        </a:p>
+      </dgm:t>
+    </dgm:pt>
+    <dgm:pt modelId="{7755B39B-C90E-44F6-9795-F321BACBDAA0}" type="pres">
+      <dgm:prSet presAssocID="{75973B2D-94F1-47E3-8EF4-3B2712C5C3CC}" presName="rootConnector" presStyleLbl="node2" presStyleIdx="4" presStyleCnt="5"/>
+      <dgm:spPr/>
+      <dgm:t>
+        <a:bodyPr/>
+        <a:lstStyle/>
+        <a:p>
+          <a:endParaRPr lang="it-IT"/>
+        </a:p>
+      </dgm:t>
+    </dgm:pt>
+    <dgm:pt modelId="{01E5533E-F86F-4B9F-8244-A7272A8EFAC7}" type="pres">
+      <dgm:prSet presAssocID="{75973B2D-94F1-47E3-8EF4-3B2712C5C3CC}" presName="hierChild4" presStyleCnt="0"/>
+      <dgm:spPr/>
+    </dgm:pt>
+    <dgm:pt modelId="{278E960B-C965-45D6-BB28-167386A08181}" type="pres">
+      <dgm:prSet presAssocID="{75973B2D-94F1-47E3-8EF4-3B2712C5C3CC}" presName="hierChild5" presStyleCnt="0"/>
+      <dgm:spPr/>
+    </dgm:pt>
+    <dgm:pt modelId="{F0581892-1393-4A87-98A4-506F96ACDB7B}" type="pres">
+      <dgm:prSet presAssocID="{FA922B21-288D-48AF-9B03-14885F84DA30}" presName="hierChild3" presStyleCnt="0"/>
+      <dgm:spPr/>
+    </dgm:pt>
+  </dgm:ptLst>
+  <dgm:cxnLst>
+    <dgm:cxn modelId="{41AC272E-01FA-44EA-9D32-40E8C4D64095}" type="presOf" srcId="{DB7E8660-77CA-4B6D-97BB-6B3F3D0188BE}" destId="{F6BA47EF-9CB7-429E-84E3-9D7FE118FD1A}" srcOrd="0" destOrd="0" presId="urn:microsoft.com/office/officeart/2005/8/layout/orgChart1"/>
+    <dgm:cxn modelId="{C5E71617-BDED-4172-BC49-6CFA613C2C5C}" srcId="{6E18B34B-521D-4562-BE66-18C9D76D07C3}" destId="{BA6BBB89-3135-45C9-A4E0-BABB932C19CE}" srcOrd="1" destOrd="0" parTransId="{A60DEE0F-362E-4F17-A1F8-0EE273F44CFC}" sibTransId="{635B15BB-3C58-44AA-A5BB-A71F1B3F0F81}"/>
+    <dgm:cxn modelId="{1DD0A668-7C44-454E-8AEB-DFCCB67EFBE3}" type="presOf" srcId="{BA6BBB89-3135-45C9-A4E0-BABB932C19CE}" destId="{FF82852A-0CF3-4207-8FFA-3E0E1C73AEE6}" srcOrd="1" destOrd="0" presId="urn:microsoft.com/office/officeart/2005/8/layout/orgChart1"/>
+    <dgm:cxn modelId="{B20153C9-1821-4FB5-9570-77E8B7D15305}" type="presOf" srcId="{5DCB3B18-216E-418C-A2A7-ADFB31B53026}" destId="{15C2F884-33DF-4B21-AD3A-E98C85E12488}" srcOrd="0" destOrd="0" presId="urn:microsoft.com/office/officeart/2005/8/layout/orgChart1"/>
+    <dgm:cxn modelId="{7C0A1648-6D18-4B58-9D7D-C65B36F39BA7}" srcId="{6E18B34B-521D-4562-BE66-18C9D76D07C3}" destId="{FA922B21-288D-48AF-9B03-14885F84DA30}" srcOrd="2" destOrd="0" parTransId="{464159A9-A03B-4D9C-B038-EF330F297436}" sibTransId="{E7BA4DEB-03EC-468A-9DC5-B44E39928337}"/>
+    <dgm:cxn modelId="{08A7265A-8D81-4D8C-A384-4242C5B1A1EE}" srcId="{6E18B34B-521D-4562-BE66-18C9D76D07C3}" destId="{C9A7FB4B-0B57-4A8F-91BC-A283C45B248B}" srcOrd="0" destOrd="0" parTransId="{183D47B3-59AA-45B1-B873-574AD9E81C6B}" sibTransId="{07DAD203-1097-4E18-A2EB-33E443DC64B4}"/>
+    <dgm:cxn modelId="{ACB4F197-6DA8-44CA-8394-F69460010659}" type="presOf" srcId="{3A3BE801-946C-484D-B86C-9F594F085CC0}" destId="{BBFF5E3C-9B2A-4B1B-BE04-EF23872BAD53}" srcOrd="0" destOrd="0" presId="urn:microsoft.com/office/officeart/2005/8/layout/orgChart1"/>
+    <dgm:cxn modelId="{0AA8D55F-44C0-47D8-B16C-4B4B08162BC5}" type="presOf" srcId="{4E5FB35E-021D-4113-9BCD-C49F0D99D500}" destId="{9697CF01-2F38-4425-89CB-F65B92AB9CCB}" srcOrd="0" destOrd="0" presId="urn:microsoft.com/office/officeart/2005/8/layout/orgChart1"/>
+    <dgm:cxn modelId="{2FEE6402-488F-4A24-8035-4832A6CB5C93}" srcId="{BA6BBB89-3135-45C9-A4E0-BABB932C19CE}" destId="{07C28D7F-ED6E-49BC-A635-2CA60B6D0CF8}" srcOrd="0" destOrd="0" parTransId="{5DCB3B18-216E-418C-A2A7-ADFB31B53026}" sibTransId="{DCD9F49A-9319-4958-B451-26D7C4C5D3A8}"/>
+    <dgm:cxn modelId="{70F80339-A89B-40D6-8288-82CFB599481C}" srcId="{BA6BBB89-3135-45C9-A4E0-BABB932C19CE}" destId="{5CCA2A56-F101-47F6-B1CB-C517E9874595}" srcOrd="1" destOrd="0" parTransId="{4E5FB35E-021D-4113-9BCD-C49F0D99D500}" sibTransId="{E24B6173-F02F-4B5B-8A2B-CAEF824717B4}"/>
+    <dgm:cxn modelId="{532FE52F-82C7-4D50-B68D-02788D0A7800}" type="presOf" srcId="{6E18B34B-521D-4562-BE66-18C9D76D07C3}" destId="{C8A6F0DE-195A-4795-A567-682D20BE0ABB}" srcOrd="0" destOrd="0" presId="urn:microsoft.com/office/officeart/2005/8/layout/orgChart1"/>
+    <dgm:cxn modelId="{AC9F7102-A034-4639-A63C-7409EC9309F3}" type="presOf" srcId="{C9A7FB4B-0B57-4A8F-91BC-A283C45B248B}" destId="{4F857713-83BA-4745-B3A3-A54804124B7C}" srcOrd="1" destOrd="0" presId="urn:microsoft.com/office/officeart/2005/8/layout/orgChart1"/>
+    <dgm:cxn modelId="{39D612CA-65F8-4191-8A28-84C945C9C6D8}" type="presOf" srcId="{75973B2D-94F1-47E3-8EF4-3B2712C5C3CC}" destId="{7755B39B-C90E-44F6-9795-F321BACBDAA0}" srcOrd="1" destOrd="0" presId="urn:microsoft.com/office/officeart/2005/8/layout/orgChart1"/>
+    <dgm:cxn modelId="{8DD693B7-509D-4C0E-A076-A6797A189BF1}" type="presOf" srcId="{BE1742C9-7EF6-45C2-A745-4BB4BB7DC38D}" destId="{43E07D4D-939B-4A18-9AB9-5C203ED91C47}" srcOrd="0" destOrd="0" presId="urn:microsoft.com/office/officeart/2005/8/layout/orgChart1"/>
+    <dgm:cxn modelId="{AAA15AD1-05F6-4A11-9648-32DA35B634E4}" type="presOf" srcId="{5D380F15-1119-483D-8907-9C79562BA806}" destId="{14B1EEE5-4C71-4524-B177-37FA7452C900}" srcOrd="0" destOrd="0" presId="urn:microsoft.com/office/officeart/2005/8/layout/orgChart1"/>
+    <dgm:cxn modelId="{FB6C7702-EB5B-4BAB-B147-86FF4760D854}" type="presOf" srcId="{119CBE8A-20FB-4AB1-968E-3D3CDB0EF223}" destId="{13901ADE-AA53-475E-99A1-A5CEDB40876C}" srcOrd="0" destOrd="0" presId="urn:microsoft.com/office/officeart/2005/8/layout/orgChart1"/>
+    <dgm:cxn modelId="{755F0B5C-3F63-4F53-A1D4-B606A1F768B0}" type="presOf" srcId="{BA6BBB89-3135-45C9-A4E0-BABB932C19CE}" destId="{8FB154D5-A434-41F1-A130-60D2D9493CC3}" srcOrd="0" destOrd="0" presId="urn:microsoft.com/office/officeart/2005/8/layout/orgChart1"/>
+    <dgm:cxn modelId="{E3C45680-BBA4-4C1E-9861-8F7C6D62FA5B}" type="presOf" srcId="{07C28D7F-ED6E-49BC-A635-2CA60B6D0CF8}" destId="{E1F886F9-88B9-4719-9A8C-81689D4CAA77}" srcOrd="0" destOrd="0" presId="urn:microsoft.com/office/officeart/2005/8/layout/orgChart1"/>
+    <dgm:cxn modelId="{9DA9F264-B16E-4CCB-8219-2BF5BD4AA1B0}" type="presOf" srcId="{75973B2D-94F1-47E3-8EF4-3B2712C5C3CC}" destId="{E7D8C507-142F-41E4-8BB3-C6F66FEA7962}" srcOrd="0" destOrd="0" presId="urn:microsoft.com/office/officeart/2005/8/layout/orgChart1"/>
+    <dgm:cxn modelId="{4B37D1D9-8116-4689-85C0-7B1BCAB67A8D}" type="presOf" srcId="{5D380F15-1119-483D-8907-9C79562BA806}" destId="{20454537-8A14-404A-96A8-43695CC2C7C3}" srcOrd="1" destOrd="0" presId="urn:microsoft.com/office/officeart/2005/8/layout/orgChart1"/>
+    <dgm:cxn modelId="{F9B17C4C-154A-4850-834A-72E99810D11C}" type="presOf" srcId="{5CCA2A56-F101-47F6-B1CB-C517E9874595}" destId="{6C2016BF-9E70-4730-BFA8-E568D963BA59}" srcOrd="0" destOrd="0" presId="urn:microsoft.com/office/officeart/2005/8/layout/orgChart1"/>
+    <dgm:cxn modelId="{D95C8405-2D4C-43A9-AFBC-CE29F17871F1}" type="presOf" srcId="{5CCA2A56-F101-47F6-B1CB-C517E9874595}" destId="{52608913-0D8E-41B7-9127-68136455E4F0}" srcOrd="1" destOrd="0" presId="urn:microsoft.com/office/officeart/2005/8/layout/orgChart1"/>
+    <dgm:cxn modelId="{CFB46466-9F35-44A5-80FB-5D348ACB0D6C}" srcId="{C9A7FB4B-0B57-4A8F-91BC-A283C45B248B}" destId="{3A3BE801-946C-484D-B86C-9F594F085CC0}" srcOrd="0" destOrd="0" parTransId="{BE1742C9-7EF6-45C2-A745-4BB4BB7DC38D}" sibTransId="{329FEE7E-0399-42F1-B576-C95E4D85DD48}"/>
+    <dgm:cxn modelId="{E3C35810-A744-4B50-8482-FF026765EB24}" srcId="{FA922B21-288D-48AF-9B03-14885F84DA30}" destId="{75973B2D-94F1-47E3-8EF4-3B2712C5C3CC}" srcOrd="0" destOrd="0" parTransId="{119CBE8A-20FB-4AB1-968E-3D3CDB0EF223}" sibTransId="{2F630ED2-4223-4DF5-B084-CCA400CABEDF}"/>
+    <dgm:cxn modelId="{8C79C21F-72E0-4A6B-B8B9-450DFA26F1BC}" type="presOf" srcId="{FA922B21-288D-48AF-9B03-14885F84DA30}" destId="{CE27F933-8D77-4D85-8696-E3967230656F}" srcOrd="0" destOrd="0" presId="urn:microsoft.com/office/officeart/2005/8/layout/orgChart1"/>
+    <dgm:cxn modelId="{D0906D38-B579-4B64-9944-D6945B78949E}" type="presOf" srcId="{C9A7FB4B-0B57-4A8F-91BC-A283C45B248B}" destId="{5EEBA439-4E12-4F7A-8E96-543D8E7B88E2}" srcOrd="0" destOrd="0" presId="urn:microsoft.com/office/officeart/2005/8/layout/orgChart1"/>
+    <dgm:cxn modelId="{4A7659EA-BD9C-4769-9786-78E4548D7627}" type="presOf" srcId="{FA922B21-288D-48AF-9B03-14885F84DA30}" destId="{480BD04A-FE18-450A-9B23-782B81114DB0}" srcOrd="1" destOrd="0" presId="urn:microsoft.com/office/officeart/2005/8/layout/orgChart1"/>
+    <dgm:cxn modelId="{6F76D021-0834-4D9F-AB04-79AF79213528}" type="presOf" srcId="{07C28D7F-ED6E-49BC-A635-2CA60B6D0CF8}" destId="{5C4A0CA3-D7B0-4D31-A789-AA3ACE4E7752}" srcOrd="1" destOrd="0" presId="urn:microsoft.com/office/officeart/2005/8/layout/orgChart1"/>
+    <dgm:cxn modelId="{2D4266FC-46AB-4774-909C-3EFEB3A5F231}" type="presOf" srcId="{3A3BE801-946C-484D-B86C-9F594F085CC0}" destId="{BE02CDEB-3BB7-4D9E-9253-20B9C18EE1FD}" srcOrd="1" destOrd="0" presId="urn:microsoft.com/office/officeart/2005/8/layout/orgChart1"/>
+    <dgm:cxn modelId="{D227166F-C849-4B9C-BDCB-383B528B51C4}" srcId="{C9A7FB4B-0B57-4A8F-91BC-A283C45B248B}" destId="{5D380F15-1119-483D-8907-9C79562BA806}" srcOrd="1" destOrd="0" parTransId="{DB7E8660-77CA-4B6D-97BB-6B3F3D0188BE}" sibTransId="{2797E58C-533E-4202-AEEF-2C7544017EA2}"/>
+    <dgm:cxn modelId="{4081511A-FC88-47E6-A33D-B4944525AF86}" type="presParOf" srcId="{C8A6F0DE-195A-4795-A567-682D20BE0ABB}" destId="{8BB1D54B-AAB4-422B-AE6C-FEED0892A79A}" srcOrd="0" destOrd="0" presId="urn:microsoft.com/office/officeart/2005/8/layout/orgChart1"/>
+    <dgm:cxn modelId="{A979ED6B-77EF-447A-91A9-008489B78A45}" type="presParOf" srcId="{8BB1D54B-AAB4-422B-AE6C-FEED0892A79A}" destId="{A5C7E1B7-5FF0-421C-BD6F-EDC3F889540C}" srcOrd="0" destOrd="0" presId="urn:microsoft.com/office/officeart/2005/8/layout/orgChart1"/>
+    <dgm:cxn modelId="{82B9521A-9855-4ED2-A08C-F914F0743AD5}" type="presParOf" srcId="{A5C7E1B7-5FF0-421C-BD6F-EDC3F889540C}" destId="{5EEBA439-4E12-4F7A-8E96-543D8E7B88E2}" srcOrd="0" destOrd="0" presId="urn:microsoft.com/office/officeart/2005/8/layout/orgChart1"/>
+    <dgm:cxn modelId="{4E9C0BFB-2BE7-41DF-A206-FC4864F3BE1E}" type="presParOf" srcId="{A5C7E1B7-5FF0-421C-BD6F-EDC3F889540C}" destId="{4F857713-83BA-4745-B3A3-A54804124B7C}" srcOrd="1" destOrd="0" presId="urn:microsoft.com/office/officeart/2005/8/layout/orgChart1"/>
+    <dgm:cxn modelId="{084BF4D8-5B1A-459F-941C-1BA5A58AAED0}" type="presParOf" srcId="{8BB1D54B-AAB4-422B-AE6C-FEED0892A79A}" destId="{6D31F5ED-5351-4C58-8684-F25A0002BC56}" srcOrd="1" destOrd="0" presId="urn:microsoft.com/office/officeart/2005/8/layout/orgChart1"/>
+    <dgm:cxn modelId="{971258AC-8720-4604-9760-D3F3F3EB4AA1}" type="presParOf" srcId="{6D31F5ED-5351-4C58-8684-F25A0002BC56}" destId="{43E07D4D-939B-4A18-9AB9-5C203ED91C47}" srcOrd="0" destOrd="0" presId="urn:microsoft.com/office/officeart/2005/8/layout/orgChart1"/>
+    <dgm:cxn modelId="{B2A473AE-7BBA-4CC7-A1A2-DE89D8F1E081}" type="presParOf" srcId="{6D31F5ED-5351-4C58-8684-F25A0002BC56}" destId="{19B637B6-80CE-42E9-BB87-896A4D94DEE7}" srcOrd="1" destOrd="0" presId="urn:microsoft.com/office/officeart/2005/8/layout/orgChart1"/>
+    <dgm:cxn modelId="{EA89B7E7-8287-4657-866D-BAED081D8412}" type="presParOf" srcId="{19B637B6-80CE-42E9-BB87-896A4D94DEE7}" destId="{442136AF-744E-494C-AFD9-8089CE9F7327}" srcOrd="0" destOrd="0" presId="urn:microsoft.com/office/officeart/2005/8/layout/orgChart1"/>
+    <dgm:cxn modelId="{6D246027-B876-4E5D-9B12-1A36A881EA7B}" type="presParOf" srcId="{442136AF-744E-494C-AFD9-8089CE9F7327}" destId="{BBFF5E3C-9B2A-4B1B-BE04-EF23872BAD53}" srcOrd="0" destOrd="0" presId="urn:microsoft.com/office/officeart/2005/8/layout/orgChart1"/>
+    <dgm:cxn modelId="{568661AB-D4E5-4D85-9952-6F7B74D8C7D2}" type="presParOf" srcId="{442136AF-744E-494C-AFD9-8089CE9F7327}" destId="{BE02CDEB-3BB7-4D9E-9253-20B9C18EE1FD}" srcOrd="1" destOrd="0" presId="urn:microsoft.com/office/officeart/2005/8/layout/orgChart1"/>
+    <dgm:cxn modelId="{49C6782D-3E48-4B33-8E32-C1F2EDBFEF2B}" type="presParOf" srcId="{19B637B6-80CE-42E9-BB87-896A4D94DEE7}" destId="{54BDF502-37FD-4282-9392-8AD64F3090E7}" srcOrd="1" destOrd="0" presId="urn:microsoft.com/office/officeart/2005/8/layout/orgChart1"/>
+    <dgm:cxn modelId="{37077403-0159-4F7F-BD18-4495491DF9B7}" type="presParOf" srcId="{19B637B6-80CE-42E9-BB87-896A4D94DEE7}" destId="{6BA386D6-4EAE-452E-B367-2098074F11ED}" srcOrd="2" destOrd="0" presId="urn:microsoft.com/office/officeart/2005/8/layout/orgChart1"/>
+    <dgm:cxn modelId="{3542A6B7-5A86-4659-964C-FCE13E3F326C}" type="presParOf" srcId="{6D31F5ED-5351-4C58-8684-F25A0002BC56}" destId="{F6BA47EF-9CB7-429E-84E3-9D7FE118FD1A}" srcOrd="2" destOrd="0" presId="urn:microsoft.com/office/officeart/2005/8/layout/orgChart1"/>
+    <dgm:cxn modelId="{FA8B9089-6774-4987-BD17-0642E4682E35}" type="presParOf" srcId="{6D31F5ED-5351-4C58-8684-F25A0002BC56}" destId="{289110A4-129E-494C-BFF5-855907E044E1}" srcOrd="3" destOrd="0" presId="urn:microsoft.com/office/officeart/2005/8/layout/orgChart1"/>
+    <dgm:cxn modelId="{1D43324C-397B-4650-A708-CBD776B90E51}" type="presParOf" srcId="{289110A4-129E-494C-BFF5-855907E044E1}" destId="{02800264-01D6-4A05-8D28-C052AEACC5E7}" srcOrd="0" destOrd="0" presId="urn:microsoft.com/office/officeart/2005/8/layout/orgChart1"/>
+    <dgm:cxn modelId="{13C0DE94-1419-4231-A75A-6A56685CB79C}" type="presParOf" srcId="{02800264-01D6-4A05-8D28-C052AEACC5E7}" destId="{14B1EEE5-4C71-4524-B177-37FA7452C900}" srcOrd="0" destOrd="0" presId="urn:microsoft.com/office/officeart/2005/8/layout/orgChart1"/>
+    <dgm:cxn modelId="{E3CB66FB-1AE2-4B3D-A1F1-A588BC9ADBE7}" type="presParOf" srcId="{02800264-01D6-4A05-8D28-C052AEACC5E7}" destId="{20454537-8A14-404A-96A8-43695CC2C7C3}" srcOrd="1" destOrd="0" presId="urn:microsoft.com/office/officeart/2005/8/layout/orgChart1"/>
+    <dgm:cxn modelId="{98B1FDC4-BE81-4244-A94E-421994883CFB}" type="presParOf" srcId="{289110A4-129E-494C-BFF5-855907E044E1}" destId="{9F3C96A4-8D4C-4ADD-898F-D0D869B22A6C}" srcOrd="1" destOrd="0" presId="urn:microsoft.com/office/officeart/2005/8/layout/orgChart1"/>
+    <dgm:cxn modelId="{AEB574C0-5314-4C18-B47B-3A0B2871D787}" type="presParOf" srcId="{289110A4-129E-494C-BFF5-855907E044E1}" destId="{A9F71ED8-7FC6-4B60-A466-295A43BA0264}" srcOrd="2" destOrd="0" presId="urn:microsoft.com/office/officeart/2005/8/layout/orgChart1"/>
+    <dgm:cxn modelId="{AEBF9F8A-61DD-462F-A37A-0F71D5EC36D4}" type="presParOf" srcId="{8BB1D54B-AAB4-422B-AE6C-FEED0892A79A}" destId="{860C4A3D-86B0-44C2-B778-C8B1A0FB85C1}" srcOrd="2" destOrd="0" presId="urn:microsoft.com/office/officeart/2005/8/layout/orgChart1"/>
+    <dgm:cxn modelId="{9F857040-A195-4FCE-9ED3-F0AF70925EF7}" type="presParOf" srcId="{C8A6F0DE-195A-4795-A567-682D20BE0ABB}" destId="{FC597714-D3CE-41AF-8A16-52F36599B7E7}" srcOrd="1" destOrd="0" presId="urn:microsoft.com/office/officeart/2005/8/layout/orgChart1"/>
+    <dgm:cxn modelId="{9DDB8E88-10C1-488C-B775-EA0CB5E2A451}" type="presParOf" srcId="{FC597714-D3CE-41AF-8A16-52F36599B7E7}" destId="{B8965695-F6D4-4F10-86C0-F12EC5D57FD3}" srcOrd="0" destOrd="0" presId="urn:microsoft.com/office/officeart/2005/8/layout/orgChart1"/>
+    <dgm:cxn modelId="{CFA4FD21-94BF-46E4-84ED-F887169D8BAF}" type="presParOf" srcId="{B8965695-F6D4-4F10-86C0-F12EC5D57FD3}" destId="{8FB154D5-A434-41F1-A130-60D2D9493CC3}" srcOrd="0" destOrd="0" presId="urn:microsoft.com/office/officeart/2005/8/layout/orgChart1"/>
+    <dgm:cxn modelId="{0C9C52ED-AE17-40FA-B8E5-2457FAF379D5}" type="presParOf" srcId="{B8965695-F6D4-4F10-86C0-F12EC5D57FD3}" destId="{FF82852A-0CF3-4207-8FFA-3E0E1C73AEE6}" srcOrd="1" destOrd="0" presId="urn:microsoft.com/office/officeart/2005/8/layout/orgChart1"/>
+    <dgm:cxn modelId="{D55E9D32-CB16-4F5C-8180-3F1061380BFD}" type="presParOf" srcId="{FC597714-D3CE-41AF-8A16-52F36599B7E7}" destId="{4BC50401-5075-4724-9A99-07FA6864DD7C}" srcOrd="1" destOrd="0" presId="urn:microsoft.com/office/officeart/2005/8/layout/orgChart1"/>
+    <dgm:cxn modelId="{FCCBD717-F499-4989-B344-73D952795DCA}" type="presParOf" srcId="{4BC50401-5075-4724-9A99-07FA6864DD7C}" destId="{15C2F884-33DF-4B21-AD3A-E98C85E12488}" srcOrd="0" destOrd="0" presId="urn:microsoft.com/office/officeart/2005/8/layout/orgChart1"/>
+    <dgm:cxn modelId="{99B967B5-7F43-4B47-9AAB-502F0C0A48C8}" type="presParOf" srcId="{4BC50401-5075-4724-9A99-07FA6864DD7C}" destId="{4885E73A-DB87-40A3-BAEA-73B12D4A7E33}" srcOrd="1" destOrd="0" presId="urn:microsoft.com/office/officeart/2005/8/layout/orgChart1"/>
+    <dgm:cxn modelId="{8AF06414-26FB-463D-A0D4-7B9CADA7DEDD}" type="presParOf" srcId="{4885E73A-DB87-40A3-BAEA-73B12D4A7E33}" destId="{1A0ACE65-FA62-423E-8202-A4A89DE5A181}" srcOrd="0" destOrd="0" presId="urn:microsoft.com/office/officeart/2005/8/layout/orgChart1"/>
+    <dgm:cxn modelId="{57BECA75-95DA-40FB-8C78-9F2F402A6362}" type="presParOf" srcId="{1A0ACE65-FA62-423E-8202-A4A89DE5A181}" destId="{E1F886F9-88B9-4719-9A8C-81689D4CAA77}" srcOrd="0" destOrd="0" presId="urn:microsoft.com/office/officeart/2005/8/layout/orgChart1"/>
+    <dgm:cxn modelId="{3192AFBA-37DE-415B-8218-EAA1CF55ECE0}" type="presParOf" srcId="{1A0ACE65-FA62-423E-8202-A4A89DE5A181}" destId="{5C4A0CA3-D7B0-4D31-A789-AA3ACE4E7752}" srcOrd="1" destOrd="0" presId="urn:microsoft.com/office/officeart/2005/8/layout/orgChart1"/>
+    <dgm:cxn modelId="{7C281A8E-9AFB-488A-AAF8-4713D14C635F}" type="presParOf" srcId="{4885E73A-DB87-40A3-BAEA-73B12D4A7E33}" destId="{5169B872-D0BF-41B1-AEEA-A925AA232BDD}" srcOrd="1" destOrd="0" presId="urn:microsoft.com/office/officeart/2005/8/layout/orgChart1"/>
+    <dgm:cxn modelId="{789B69CC-DA0A-4D69-B8D1-62ECF85E02AA}" type="presParOf" srcId="{4885E73A-DB87-40A3-BAEA-73B12D4A7E33}" destId="{C8D69CD4-D986-4684-B3A1-6126465C6EFD}" srcOrd="2" destOrd="0" presId="urn:microsoft.com/office/officeart/2005/8/layout/orgChart1"/>
+    <dgm:cxn modelId="{E73930DF-5BF3-4370-ADAF-8FF7C82EE63F}" type="presParOf" srcId="{4BC50401-5075-4724-9A99-07FA6864DD7C}" destId="{9697CF01-2F38-4425-89CB-F65B92AB9CCB}" srcOrd="2" destOrd="0" presId="urn:microsoft.com/office/officeart/2005/8/layout/orgChart1"/>
+    <dgm:cxn modelId="{7E10DF64-8BE8-41DF-9B55-5134C42C70E8}" type="presParOf" srcId="{4BC50401-5075-4724-9A99-07FA6864DD7C}" destId="{E41E5615-7A97-4CA9-8D6D-3EAFA669AED9}" srcOrd="3" destOrd="0" presId="urn:microsoft.com/office/officeart/2005/8/layout/orgChart1"/>
+    <dgm:cxn modelId="{D83500D3-D6CB-4580-A927-F0E64A59C0D0}" type="presParOf" srcId="{E41E5615-7A97-4CA9-8D6D-3EAFA669AED9}" destId="{EF3D4650-3A3F-45AB-8C59-54B41A0C44D0}" srcOrd="0" destOrd="0" presId="urn:microsoft.com/office/officeart/2005/8/layout/orgChart1"/>
+    <dgm:cxn modelId="{542DFDC6-5F7F-4E7C-8401-B0437F24CB40}" type="presParOf" srcId="{EF3D4650-3A3F-45AB-8C59-54B41A0C44D0}" destId="{6C2016BF-9E70-4730-BFA8-E568D963BA59}" srcOrd="0" destOrd="0" presId="urn:microsoft.com/office/officeart/2005/8/layout/orgChart1"/>
+    <dgm:cxn modelId="{3E9F7E8F-53BA-4E67-9A29-7C297EBAE25D}" type="presParOf" srcId="{EF3D4650-3A3F-45AB-8C59-54B41A0C44D0}" destId="{52608913-0D8E-41B7-9127-68136455E4F0}" srcOrd="1" destOrd="0" presId="urn:microsoft.com/office/officeart/2005/8/layout/orgChart1"/>
+    <dgm:cxn modelId="{F118FE3C-6E95-489E-9F4A-BB20AC039283}" type="presParOf" srcId="{E41E5615-7A97-4CA9-8D6D-3EAFA669AED9}" destId="{2A1718A5-3E07-4EE5-969F-58BB4192C614}" srcOrd="1" destOrd="0" presId="urn:microsoft.com/office/officeart/2005/8/layout/orgChart1"/>
+    <dgm:cxn modelId="{F1F4BF48-7504-4A06-9FD2-E432C31429FA}" type="presParOf" srcId="{E41E5615-7A97-4CA9-8D6D-3EAFA669AED9}" destId="{86456001-C249-48B8-BE07-AF7F2525CE53}" srcOrd="2" destOrd="0" presId="urn:microsoft.com/office/officeart/2005/8/layout/orgChart1"/>
+    <dgm:cxn modelId="{D441B56E-6C64-48A9-A703-BD96798BFD8C}" type="presParOf" srcId="{FC597714-D3CE-41AF-8A16-52F36599B7E7}" destId="{8339C068-89F3-4F57-908F-A3A8C885635B}" srcOrd="2" destOrd="0" presId="urn:microsoft.com/office/officeart/2005/8/layout/orgChart1"/>
+    <dgm:cxn modelId="{92DDEA4E-3071-4546-84D8-6FF622E998B5}" type="presParOf" srcId="{C8A6F0DE-195A-4795-A567-682D20BE0ABB}" destId="{50BA6BE3-AE1F-47DA-A1B8-7ECAC4631F27}" srcOrd="2" destOrd="0" presId="urn:microsoft.com/office/officeart/2005/8/layout/orgChart1"/>
+    <dgm:cxn modelId="{11200EEB-0423-4583-85EE-BCA6B6645089}" type="presParOf" srcId="{50BA6BE3-AE1F-47DA-A1B8-7ECAC4631F27}" destId="{F7B62FB3-6743-4B1A-B7F4-6DCC7870C30A}" srcOrd="0" destOrd="0" presId="urn:microsoft.com/office/officeart/2005/8/layout/orgChart1"/>
+    <dgm:cxn modelId="{3AB25710-D10B-43CA-8242-E257B0AABC72}" type="presParOf" srcId="{F7B62FB3-6743-4B1A-B7F4-6DCC7870C30A}" destId="{CE27F933-8D77-4D85-8696-E3967230656F}" srcOrd="0" destOrd="0" presId="urn:microsoft.com/office/officeart/2005/8/layout/orgChart1"/>
+    <dgm:cxn modelId="{372972CF-2B76-4CC1-9C7A-A8F40DFD1E66}" type="presParOf" srcId="{F7B62FB3-6743-4B1A-B7F4-6DCC7870C30A}" destId="{480BD04A-FE18-450A-9B23-782B81114DB0}" srcOrd="1" destOrd="0" presId="urn:microsoft.com/office/officeart/2005/8/layout/orgChart1"/>
+    <dgm:cxn modelId="{92EC9AD7-B6DE-42A7-98BF-6544ED659E09}" type="presParOf" srcId="{50BA6BE3-AE1F-47DA-A1B8-7ECAC4631F27}" destId="{85AE7A0B-CFE5-4F3E-82D5-C9803B480593}" srcOrd="1" destOrd="0" presId="urn:microsoft.com/office/officeart/2005/8/layout/orgChart1"/>
+    <dgm:cxn modelId="{86B0B9DD-E17F-489C-B650-365D71FB69E7}" type="presParOf" srcId="{85AE7A0B-CFE5-4F3E-82D5-C9803B480593}" destId="{13901ADE-AA53-475E-99A1-A5CEDB40876C}" srcOrd="0" destOrd="0" presId="urn:microsoft.com/office/officeart/2005/8/layout/orgChart1"/>
+    <dgm:cxn modelId="{7F022489-BD60-40B5-93D1-B037B9FE56B9}" type="presParOf" srcId="{85AE7A0B-CFE5-4F3E-82D5-C9803B480593}" destId="{D93F34D6-92B9-4D51-A006-4D36AA288BB2}" srcOrd="1" destOrd="0" presId="urn:microsoft.com/office/officeart/2005/8/layout/orgChart1"/>
+    <dgm:cxn modelId="{B2E17714-63B3-4015-B0F7-123148318F79}" type="presParOf" srcId="{D93F34D6-92B9-4D51-A006-4D36AA288BB2}" destId="{C515206D-F374-45BC-951D-5E1036821124}" srcOrd="0" destOrd="0" presId="urn:microsoft.com/office/officeart/2005/8/layout/orgChart1"/>
+    <dgm:cxn modelId="{4AFC078A-5E6F-4640-99CC-8E74A9085792}" type="presParOf" srcId="{C515206D-F374-45BC-951D-5E1036821124}" destId="{E7D8C507-142F-41E4-8BB3-C6F66FEA7962}" srcOrd="0" destOrd="0" presId="urn:microsoft.com/office/officeart/2005/8/layout/orgChart1"/>
+    <dgm:cxn modelId="{7ED02E26-FC49-4416-A3DD-A618E83D402D}" type="presParOf" srcId="{C515206D-F374-45BC-951D-5E1036821124}" destId="{7755B39B-C90E-44F6-9795-F321BACBDAA0}" srcOrd="1" destOrd="0" presId="urn:microsoft.com/office/officeart/2005/8/layout/orgChart1"/>
+    <dgm:cxn modelId="{D11F9A2C-BB25-4B83-BA7D-ED737895FEDC}" type="presParOf" srcId="{D93F34D6-92B9-4D51-A006-4D36AA288BB2}" destId="{01E5533E-F86F-4B9F-8244-A7272A8EFAC7}" srcOrd="1" destOrd="0" presId="urn:microsoft.com/office/officeart/2005/8/layout/orgChart1"/>
+    <dgm:cxn modelId="{A18B5720-7E44-498D-931B-7CEAAC68AA55}" type="presParOf" srcId="{D93F34D6-92B9-4D51-A006-4D36AA288BB2}" destId="{278E960B-C965-45D6-BB28-167386A08181}" srcOrd="2" destOrd="0" presId="urn:microsoft.com/office/officeart/2005/8/layout/orgChart1"/>
+    <dgm:cxn modelId="{64C7895C-69B3-4DC4-88BA-0105E471D565}" type="presParOf" srcId="{50BA6BE3-AE1F-47DA-A1B8-7ECAC4631F27}" destId="{F0581892-1393-4A87-98A4-506F96ACDB7B}" srcOrd="2" destOrd="0" presId="urn:microsoft.com/office/officeart/2005/8/layout/orgChart1"/>
+  </dgm:cxnLst>
+  <dgm:bg/>
+  <dgm:whole/>
+  <dgm:extLst>
+    <a:ext uri="http://schemas.microsoft.com/office/drawing/2008/diagram">
+      <dsp:dataModelExt xmlns:dsp="http://schemas.microsoft.com/office/drawing/2008/diagram" relId="rId10" minVer="http://schemas.openxmlformats.org/drawingml/2006/diagram"/>
+    </a:ext>
+  </dgm:extLst>
+</dgm:dataModel>
+</file>
+
 <file path=ppt/diagrams/drawing1.xml><?xml version="1.0" encoding="utf-8"?>
 <dsp:drawing xmlns:dgm="http://schemas.openxmlformats.org/drawingml/2006/diagram" xmlns:dsp="http://schemas.microsoft.com/office/drawing/2008/diagram" xmlns:a="http://schemas.openxmlformats.org/drawingml/2006/main">
   <dsp:spTree>
@@ -4483,935 +6109,6 @@
       <dsp:cNvGrpSpPr/>
     </dsp:nvGrpSpPr>
     <dsp:grpSpPr/>
-    <dsp:sp modelId="{70788382-AA77-7C4C-A399-82382C8CD1E3}">
-      <dsp:nvSpPr>
-        <dsp:cNvPr id="0" name=""/>
-        <dsp:cNvSpPr/>
-      </dsp:nvSpPr>
-      <dsp:spPr>
-        <a:xfrm>
-          <a:off x="1872344" y="718679"/>
-          <a:ext cx="399311" cy="91440"/>
-        </a:xfrm>
-        <a:custGeom>
-          <a:avLst/>
-          <a:gdLst/>
-          <a:ahLst/>
-          <a:cxnLst/>
-          <a:rect l="0" t="0" r="0" b="0"/>
-          <a:pathLst>
-            <a:path>
-              <a:moveTo>
-                <a:pt x="0" y="45720"/>
-              </a:moveTo>
-              <a:lnTo>
-                <a:pt x="399311" y="45720"/>
-              </a:lnTo>
-            </a:path>
-          </a:pathLst>
-        </a:custGeom>
-        <a:noFill/>
-        <a:ln w="9525" cap="flat" cmpd="sng" algn="ctr">
-          <a:solidFill>
-            <a:schemeClr val="accent1">
-              <a:hueOff val="0"/>
-              <a:satOff val="0"/>
-              <a:lumOff val="0"/>
-              <a:alphaOff val="0"/>
-            </a:schemeClr>
-          </a:solidFill>
-          <a:prstDash val="solid"/>
-          <a:tailEnd type="arrow"/>
-        </a:ln>
-        <a:effectLst/>
-        <a:sp3d z="-40000" prstMaterial="matte"/>
-      </dsp:spPr>
-      <dsp:style>
-        <a:lnRef idx="1">
-          <a:scrgbClr r="0" g="0" b="0"/>
-        </a:lnRef>
-        <a:fillRef idx="0">
-          <a:scrgbClr r="0" g="0" b="0"/>
-        </a:fillRef>
-        <a:effectRef idx="0">
-          <a:scrgbClr r="0" g="0" b="0"/>
-        </a:effectRef>
-        <a:fontRef idx="minor"/>
-      </dsp:style>
-      <dsp:txBody>
-        <a:bodyPr spcFirstLastPara="0" vert="horz" wrap="square" lIns="12700" tIns="0" rIns="12700" bIns="0" numCol="1" spcCol="1270" anchor="ctr" anchorCtr="0">
-          <a:noAutofit/>
-        </a:bodyPr>
-        <a:lstStyle/>
-        <a:p>
-          <a:pPr lvl="0" algn="ctr" defTabSz="222250">
-            <a:lnSpc>
-              <a:spcPct val="90000"/>
-            </a:lnSpc>
-            <a:spcBef>
-              <a:spcPct val="0"/>
-            </a:spcBef>
-            <a:spcAft>
-              <a:spcPct val="35000"/>
-            </a:spcAft>
-          </a:pPr>
-          <a:endParaRPr lang="en-US" sz="500" kern="1200"/>
-        </a:p>
-      </dsp:txBody>
-      <dsp:txXfrm>
-        <a:off x="2061252" y="762249"/>
-        <a:ext cx="21495" cy="4299"/>
-      </dsp:txXfrm>
-    </dsp:sp>
-    <dsp:sp modelId="{71E5BCB2-3AB6-4C42-9B09-A87936C7F001}">
-      <dsp:nvSpPr>
-        <dsp:cNvPr id="0" name=""/>
-        <dsp:cNvSpPr/>
-      </dsp:nvSpPr>
-      <dsp:spPr>
-        <a:xfrm>
-          <a:off x="4965" y="203645"/>
-          <a:ext cx="1869179" cy="1121507"/>
-        </a:xfrm>
-        <a:prstGeom prst="rect">
-          <a:avLst/>
-        </a:prstGeom>
-        <a:solidFill>
-          <a:schemeClr val="accent6"/>
-        </a:solidFill>
-        <a:ln>
-          <a:noFill/>
-        </a:ln>
-        <a:effectLst/>
-        <a:sp3d extrusionH="381000" contourW="38100" prstMaterial="matte">
-          <a:contourClr>
-            <a:schemeClr val="lt1"/>
-          </a:contourClr>
-        </a:sp3d>
-      </dsp:spPr>
-      <dsp:style>
-        <a:lnRef idx="0">
-          <a:scrgbClr r="0" g="0" b="0"/>
-        </a:lnRef>
-        <a:fillRef idx="1">
-          <a:scrgbClr r="0" g="0" b="0"/>
-        </a:fillRef>
-        <a:effectRef idx="0">
-          <a:scrgbClr r="0" g="0" b="0"/>
-        </a:effectRef>
-        <a:fontRef idx="minor">
-          <a:schemeClr val="lt1"/>
-        </a:fontRef>
-      </dsp:style>
-      <dsp:txBody>
-        <a:bodyPr spcFirstLastPara="0" vert="horz" wrap="square" lIns="142240" tIns="142240" rIns="142240" bIns="142240" numCol="1" spcCol="1270" anchor="ctr" anchorCtr="0">
-          <a:noAutofit/>
-        </a:bodyPr>
-        <a:lstStyle/>
-        <a:p>
-          <a:pPr lvl="0" algn="ctr" defTabSz="889000">
-            <a:lnSpc>
-              <a:spcPct val="90000"/>
-            </a:lnSpc>
-            <a:spcBef>
-              <a:spcPct val="0"/>
-            </a:spcBef>
-            <a:spcAft>
-              <a:spcPct val="35000"/>
-            </a:spcAft>
-          </a:pPr>
-          <a:r>
-            <a:rPr lang="en-US" sz="2000" kern="1200"/>
-            <a:t>RASD</a:t>
-          </a:r>
-        </a:p>
-        <a:p>
-          <a:pPr lvl="0" algn="ctr" defTabSz="889000">
-            <a:lnSpc>
-              <a:spcPct val="90000"/>
-            </a:lnSpc>
-            <a:spcBef>
-              <a:spcPct val="0"/>
-            </a:spcBef>
-            <a:spcAft>
-              <a:spcPct val="35000"/>
-            </a:spcAft>
-          </a:pPr>
-          <a:r>
-            <a:rPr lang="it-IT" sz="1000" kern="1200"/>
-            <a:t>Deadline: 06/11/2015</a:t>
-          </a:r>
-          <a:endParaRPr lang="en-US" sz="1000" kern="1200"/>
-        </a:p>
-      </dsp:txBody>
-      <dsp:txXfrm>
-        <a:off x="4965" y="203645"/>
-        <a:ext cx="1869179" cy="1121507"/>
-      </dsp:txXfrm>
-    </dsp:sp>
-    <dsp:sp modelId="{1AB89A78-53AA-8046-940B-4774F5E8A3F4}">
-      <dsp:nvSpPr>
-        <dsp:cNvPr id="0" name=""/>
-        <dsp:cNvSpPr/>
-      </dsp:nvSpPr>
-      <dsp:spPr>
-        <a:xfrm>
-          <a:off x="4171435" y="718679"/>
-          <a:ext cx="399311" cy="91440"/>
-        </a:xfrm>
-        <a:custGeom>
-          <a:avLst/>
-          <a:gdLst/>
-          <a:ahLst/>
-          <a:cxnLst/>
-          <a:rect l="0" t="0" r="0" b="0"/>
-          <a:pathLst>
-            <a:path>
-              <a:moveTo>
-                <a:pt x="0" y="45720"/>
-              </a:moveTo>
-              <a:lnTo>
-                <a:pt x="399311" y="45720"/>
-              </a:lnTo>
-            </a:path>
-          </a:pathLst>
-        </a:custGeom>
-        <a:noFill/>
-        <a:ln w="9525" cap="flat" cmpd="sng" algn="ctr">
-          <a:solidFill>
-            <a:schemeClr val="accent1">
-              <a:hueOff val="0"/>
-              <a:satOff val="0"/>
-              <a:lumOff val="0"/>
-              <a:alphaOff val="0"/>
-            </a:schemeClr>
-          </a:solidFill>
-          <a:prstDash val="solid"/>
-          <a:tailEnd type="arrow"/>
-        </a:ln>
-        <a:effectLst/>
-        <a:sp3d z="-40000" prstMaterial="matte"/>
-      </dsp:spPr>
-      <dsp:style>
-        <a:lnRef idx="1">
-          <a:scrgbClr r="0" g="0" b="0"/>
-        </a:lnRef>
-        <a:fillRef idx="0">
-          <a:scrgbClr r="0" g="0" b="0"/>
-        </a:fillRef>
-        <a:effectRef idx="0">
-          <a:scrgbClr r="0" g="0" b="0"/>
-        </a:effectRef>
-        <a:fontRef idx="minor"/>
-      </dsp:style>
-      <dsp:txBody>
-        <a:bodyPr spcFirstLastPara="0" vert="horz" wrap="square" lIns="12700" tIns="0" rIns="12700" bIns="0" numCol="1" spcCol="1270" anchor="ctr" anchorCtr="0">
-          <a:noAutofit/>
-        </a:bodyPr>
-        <a:lstStyle/>
-        <a:p>
-          <a:pPr lvl="0" algn="ctr" defTabSz="222250">
-            <a:lnSpc>
-              <a:spcPct val="90000"/>
-            </a:lnSpc>
-            <a:spcBef>
-              <a:spcPct val="0"/>
-            </a:spcBef>
-            <a:spcAft>
-              <a:spcPct val="35000"/>
-            </a:spcAft>
-          </a:pPr>
-          <a:endParaRPr lang="en-US" sz="500" kern="1200"/>
-        </a:p>
-      </dsp:txBody>
-      <dsp:txXfrm>
-        <a:off x="4360342" y="762249"/>
-        <a:ext cx="21495" cy="4299"/>
-      </dsp:txXfrm>
-    </dsp:sp>
-    <dsp:sp modelId="{CB005E4D-98D2-5E43-A79A-01D73FA5246C}">
-      <dsp:nvSpPr>
-        <dsp:cNvPr id="0" name=""/>
-        <dsp:cNvSpPr/>
-      </dsp:nvSpPr>
-      <dsp:spPr>
-        <a:xfrm>
-          <a:off x="2304055" y="203645"/>
-          <a:ext cx="1869179" cy="1121507"/>
-        </a:xfrm>
-        <a:prstGeom prst="rect">
-          <a:avLst/>
-        </a:prstGeom>
-        <a:solidFill>
-          <a:schemeClr val="accent6"/>
-        </a:solidFill>
-        <a:ln>
-          <a:noFill/>
-        </a:ln>
-        <a:effectLst/>
-        <a:sp3d extrusionH="381000" contourW="38100" prstMaterial="matte">
-          <a:contourClr>
-            <a:schemeClr val="lt1"/>
-          </a:contourClr>
-        </a:sp3d>
-      </dsp:spPr>
-      <dsp:style>
-        <a:lnRef idx="0">
-          <a:scrgbClr r="0" g="0" b="0"/>
-        </a:lnRef>
-        <a:fillRef idx="1">
-          <a:scrgbClr r="0" g="0" b="0"/>
-        </a:fillRef>
-        <a:effectRef idx="0">
-          <a:scrgbClr r="0" g="0" b="0"/>
-        </a:effectRef>
-        <a:fontRef idx="minor">
-          <a:schemeClr val="lt1"/>
-        </a:fontRef>
-      </dsp:style>
-      <dsp:txBody>
-        <a:bodyPr spcFirstLastPara="0" vert="horz" wrap="square" lIns="142240" tIns="142240" rIns="142240" bIns="142240" numCol="1" spcCol="1270" anchor="ctr" anchorCtr="0">
-          <a:noAutofit/>
-        </a:bodyPr>
-        <a:lstStyle/>
-        <a:p>
-          <a:pPr lvl="0" algn="ctr" defTabSz="889000">
-            <a:lnSpc>
-              <a:spcPct val="90000"/>
-            </a:lnSpc>
-            <a:spcBef>
-              <a:spcPct val="0"/>
-            </a:spcBef>
-            <a:spcAft>
-              <a:spcPct val="35000"/>
-            </a:spcAft>
-          </a:pPr>
-          <a:r>
-            <a:rPr lang="en-US" sz="2000" kern="1200"/>
-            <a:t>Design Document</a:t>
-          </a:r>
-        </a:p>
-        <a:p>
-          <a:pPr lvl="0" algn="ctr" defTabSz="889000">
-            <a:lnSpc>
-              <a:spcPct val="90000"/>
-            </a:lnSpc>
-            <a:spcBef>
-              <a:spcPct val="0"/>
-            </a:spcBef>
-            <a:spcAft>
-              <a:spcPct val="35000"/>
-            </a:spcAft>
-          </a:pPr>
-          <a:r>
-            <a:rPr lang="it-IT" sz="1000" kern="1200"/>
-            <a:t>Deadline: 04/12/2015</a:t>
-          </a:r>
-          <a:endParaRPr lang="en-US" sz="1000" kern="1200"/>
-        </a:p>
-      </dsp:txBody>
-      <dsp:txXfrm>
-        <a:off x="2304055" y="203645"/>
-        <a:ext cx="1869179" cy="1121507"/>
-      </dsp:txXfrm>
-    </dsp:sp>
-    <dsp:sp modelId="{11041959-BAD3-494D-A0CA-60D08024935F}">
-      <dsp:nvSpPr>
-        <dsp:cNvPr id="0" name=""/>
-        <dsp:cNvSpPr/>
-      </dsp:nvSpPr>
-      <dsp:spPr>
-        <a:xfrm>
-          <a:off x="939555" y="1323352"/>
-          <a:ext cx="4598180" cy="399311"/>
-        </a:xfrm>
-        <a:custGeom>
-          <a:avLst/>
-          <a:gdLst/>
-          <a:ahLst/>
-          <a:cxnLst/>
-          <a:rect l="0" t="0" r="0" b="0"/>
-          <a:pathLst>
-            <a:path>
-              <a:moveTo>
-                <a:pt x="4598180" y="0"/>
-              </a:moveTo>
-              <a:lnTo>
-                <a:pt x="4598180" y="216755"/>
-              </a:lnTo>
-              <a:lnTo>
-                <a:pt x="0" y="216755"/>
-              </a:lnTo>
-              <a:lnTo>
-                <a:pt x="0" y="399311"/>
-              </a:lnTo>
-            </a:path>
-          </a:pathLst>
-        </a:custGeom>
-        <a:noFill/>
-        <a:ln w="9525" cap="flat" cmpd="sng" algn="ctr">
-          <a:solidFill>
-            <a:schemeClr val="accent1">
-              <a:hueOff val="0"/>
-              <a:satOff val="0"/>
-              <a:lumOff val="0"/>
-              <a:alphaOff val="0"/>
-            </a:schemeClr>
-          </a:solidFill>
-          <a:prstDash val="solid"/>
-          <a:tailEnd type="arrow"/>
-        </a:ln>
-        <a:effectLst/>
-        <a:sp3d z="-40000" prstMaterial="matte"/>
-      </dsp:spPr>
-      <dsp:style>
-        <a:lnRef idx="1">
-          <a:scrgbClr r="0" g="0" b="0"/>
-        </a:lnRef>
-        <a:fillRef idx="0">
-          <a:scrgbClr r="0" g="0" b="0"/>
-        </a:fillRef>
-        <a:effectRef idx="0">
-          <a:scrgbClr r="0" g="0" b="0"/>
-        </a:effectRef>
-        <a:fontRef idx="minor"/>
-      </dsp:style>
-      <dsp:txBody>
-        <a:bodyPr spcFirstLastPara="0" vert="horz" wrap="square" lIns="12700" tIns="0" rIns="12700" bIns="0" numCol="1" spcCol="1270" anchor="ctr" anchorCtr="0">
-          <a:noAutofit/>
-        </a:bodyPr>
-        <a:lstStyle/>
-        <a:p>
-          <a:pPr lvl="0" algn="ctr" defTabSz="222250">
-            <a:lnSpc>
-              <a:spcPct val="90000"/>
-            </a:lnSpc>
-            <a:spcBef>
-              <a:spcPct val="0"/>
-            </a:spcBef>
-            <a:spcAft>
-              <a:spcPct val="35000"/>
-            </a:spcAft>
-          </a:pPr>
-          <a:endParaRPr lang="en-US" sz="500" kern="1200"/>
-        </a:p>
-      </dsp:txBody>
-      <dsp:txXfrm>
-        <a:off x="3123189" y="1520858"/>
-        <a:ext cx="230911" cy="4299"/>
-      </dsp:txXfrm>
-    </dsp:sp>
-    <dsp:sp modelId="{2B850CA7-3DA8-704B-9542-29A27C4E6E8A}">
-      <dsp:nvSpPr>
-        <dsp:cNvPr id="0" name=""/>
-        <dsp:cNvSpPr/>
-      </dsp:nvSpPr>
-      <dsp:spPr>
-        <a:xfrm>
-          <a:off x="4603146" y="203645"/>
-          <a:ext cx="1869179" cy="1121507"/>
-        </a:xfrm>
-        <a:prstGeom prst="rect">
-          <a:avLst/>
-        </a:prstGeom>
-        <a:solidFill>
-          <a:schemeClr val="accent6"/>
-        </a:solidFill>
-        <a:ln>
-          <a:noFill/>
-        </a:ln>
-        <a:effectLst/>
-        <a:sp3d extrusionH="381000" contourW="38100" prstMaterial="matte">
-          <a:contourClr>
-            <a:schemeClr val="lt1"/>
-          </a:contourClr>
-        </a:sp3d>
-      </dsp:spPr>
-      <dsp:style>
-        <a:lnRef idx="0">
-          <a:scrgbClr r="0" g="0" b="0"/>
-        </a:lnRef>
-        <a:fillRef idx="1">
-          <a:scrgbClr r="0" g="0" b="0"/>
-        </a:fillRef>
-        <a:effectRef idx="0">
-          <a:scrgbClr r="0" g="0" b="0"/>
-        </a:effectRef>
-        <a:fontRef idx="minor">
-          <a:schemeClr val="lt1"/>
-        </a:fontRef>
-      </dsp:style>
-      <dsp:txBody>
-        <a:bodyPr spcFirstLastPara="0" vert="horz" wrap="square" lIns="142240" tIns="142240" rIns="142240" bIns="142240" numCol="1" spcCol="1270" anchor="ctr" anchorCtr="0">
-          <a:noAutofit/>
-        </a:bodyPr>
-        <a:lstStyle/>
-        <a:p>
-          <a:pPr lvl="0" algn="ctr" defTabSz="889000">
-            <a:lnSpc>
-              <a:spcPct val="90000"/>
-            </a:lnSpc>
-            <a:spcBef>
-              <a:spcPct val="0"/>
-            </a:spcBef>
-            <a:spcAft>
-              <a:spcPct val="35000"/>
-            </a:spcAft>
-          </a:pPr>
-          <a:r>
-            <a:rPr lang="en-US" sz="2000" kern="1200"/>
-            <a:t>Inspection Document</a:t>
-          </a:r>
-        </a:p>
-        <a:p>
-          <a:pPr lvl="0" algn="ctr" defTabSz="889000">
-            <a:lnSpc>
-              <a:spcPct val="90000"/>
-            </a:lnSpc>
-            <a:spcBef>
-              <a:spcPct val="0"/>
-            </a:spcBef>
-            <a:spcAft>
-              <a:spcPct val="35000"/>
-            </a:spcAft>
-          </a:pPr>
-          <a:r>
-            <a:rPr lang="it-IT" sz="1000" kern="1200"/>
-            <a:t>Deadline: 05/01/2016</a:t>
-          </a:r>
-          <a:endParaRPr lang="en-US" sz="1000" kern="1200"/>
-        </a:p>
-      </dsp:txBody>
-      <dsp:txXfrm>
-        <a:off x="4603146" y="203645"/>
-        <a:ext cx="1869179" cy="1121507"/>
-      </dsp:txXfrm>
-    </dsp:sp>
-    <dsp:sp modelId="{BE891453-7A81-9745-80FE-393D0BD9F682}">
-      <dsp:nvSpPr>
-        <dsp:cNvPr id="0" name=""/>
-        <dsp:cNvSpPr/>
-      </dsp:nvSpPr>
-      <dsp:spPr>
-        <a:xfrm>
-          <a:off x="1872344" y="2270097"/>
-          <a:ext cx="399311" cy="91440"/>
-        </a:xfrm>
-        <a:custGeom>
-          <a:avLst/>
-          <a:gdLst/>
-          <a:ahLst/>
-          <a:cxnLst/>
-          <a:rect l="0" t="0" r="0" b="0"/>
-          <a:pathLst>
-            <a:path>
-              <a:moveTo>
-                <a:pt x="0" y="45720"/>
-              </a:moveTo>
-              <a:lnTo>
-                <a:pt x="399311" y="45720"/>
-              </a:lnTo>
-            </a:path>
-          </a:pathLst>
-        </a:custGeom>
-        <a:noFill/>
-        <a:ln w="9525" cap="flat" cmpd="sng" algn="ctr">
-          <a:solidFill>
-            <a:schemeClr val="accent1">
-              <a:hueOff val="0"/>
-              <a:satOff val="0"/>
-              <a:lumOff val="0"/>
-              <a:alphaOff val="0"/>
-            </a:schemeClr>
-          </a:solidFill>
-          <a:prstDash val="solid"/>
-          <a:tailEnd type="arrow"/>
-        </a:ln>
-        <a:effectLst/>
-        <a:sp3d z="-40000" prstMaterial="matte"/>
-      </dsp:spPr>
-      <dsp:style>
-        <a:lnRef idx="1">
-          <a:scrgbClr r="0" g="0" b="0"/>
-        </a:lnRef>
-        <a:fillRef idx="0">
-          <a:scrgbClr r="0" g="0" b="0"/>
-        </a:fillRef>
-        <a:effectRef idx="0">
-          <a:scrgbClr r="0" g="0" b="0"/>
-        </a:effectRef>
-        <a:fontRef idx="minor"/>
-      </dsp:style>
-      <dsp:txBody>
-        <a:bodyPr spcFirstLastPara="0" vert="horz" wrap="square" lIns="12700" tIns="0" rIns="12700" bIns="0" numCol="1" spcCol="1270" anchor="ctr" anchorCtr="0">
-          <a:noAutofit/>
-        </a:bodyPr>
-        <a:lstStyle/>
-        <a:p>
-          <a:pPr lvl="0" algn="ctr" defTabSz="222250">
-            <a:lnSpc>
-              <a:spcPct val="90000"/>
-            </a:lnSpc>
-            <a:spcBef>
-              <a:spcPct val="0"/>
-            </a:spcBef>
-            <a:spcAft>
-              <a:spcPct val="35000"/>
-            </a:spcAft>
-          </a:pPr>
-          <a:endParaRPr lang="en-US" sz="500" kern="1200"/>
-        </a:p>
-      </dsp:txBody>
-      <dsp:txXfrm>
-        <a:off x="2061252" y="2313668"/>
-        <a:ext cx="21495" cy="4299"/>
-      </dsp:txXfrm>
-    </dsp:sp>
-    <dsp:sp modelId="{35CF6ACD-16BB-D44B-9967-A88BE4C856FA}">
-      <dsp:nvSpPr>
-        <dsp:cNvPr id="0" name=""/>
-        <dsp:cNvSpPr/>
-      </dsp:nvSpPr>
-      <dsp:spPr>
-        <a:xfrm>
-          <a:off x="4965" y="1755064"/>
-          <a:ext cx="1869179" cy="1121507"/>
-        </a:xfrm>
-        <a:prstGeom prst="rect">
-          <a:avLst/>
-        </a:prstGeom>
-        <a:solidFill>
-          <a:schemeClr val="accent4"/>
-        </a:solidFill>
-        <a:ln>
-          <a:noFill/>
-        </a:ln>
-        <a:effectLst/>
-        <a:sp3d extrusionH="381000" contourW="38100" prstMaterial="matte">
-          <a:contourClr>
-            <a:schemeClr val="lt1"/>
-          </a:contourClr>
-        </a:sp3d>
-      </dsp:spPr>
-      <dsp:style>
-        <a:lnRef idx="0">
-          <a:scrgbClr r="0" g="0" b="0"/>
-        </a:lnRef>
-        <a:fillRef idx="1">
-          <a:scrgbClr r="0" g="0" b="0"/>
-        </a:fillRef>
-        <a:effectRef idx="0">
-          <a:scrgbClr r="0" g="0" b="0"/>
-        </a:effectRef>
-        <a:fontRef idx="minor">
-          <a:schemeClr val="lt1"/>
-        </a:fontRef>
-      </dsp:style>
-      <dsp:txBody>
-        <a:bodyPr spcFirstLastPara="0" vert="horz" wrap="square" lIns="142240" tIns="142240" rIns="142240" bIns="142240" numCol="1" spcCol="1270" anchor="ctr" anchorCtr="0">
-          <a:noAutofit/>
-        </a:bodyPr>
-        <a:lstStyle/>
-        <a:p>
-          <a:pPr lvl="0" algn="ctr" defTabSz="889000">
-            <a:lnSpc>
-              <a:spcPct val="90000"/>
-            </a:lnSpc>
-            <a:spcBef>
-              <a:spcPct val="0"/>
-            </a:spcBef>
-            <a:spcAft>
-              <a:spcPct val="35000"/>
-            </a:spcAft>
-          </a:pPr>
-          <a:r>
-            <a:rPr lang="en-US" sz="2000" kern="1200"/>
-            <a:t>ITPD</a:t>
-          </a:r>
-        </a:p>
-        <a:p>
-          <a:pPr lvl="0" algn="ctr" defTabSz="889000">
-            <a:lnSpc>
-              <a:spcPct val="90000"/>
-            </a:lnSpc>
-            <a:spcBef>
-              <a:spcPct val="0"/>
-            </a:spcBef>
-            <a:spcAft>
-              <a:spcPct val="35000"/>
-            </a:spcAft>
-          </a:pPr>
-          <a:r>
-            <a:rPr lang="it-IT" sz="1100" kern="1200"/>
-            <a:t>Deadline: 21/01/2016</a:t>
-          </a:r>
-          <a:endParaRPr lang="en-US" sz="1100" kern="1200"/>
-        </a:p>
-      </dsp:txBody>
-      <dsp:txXfrm>
-        <a:off x="4965" y="1755064"/>
-        <a:ext cx="1869179" cy="1121507"/>
-      </dsp:txXfrm>
-    </dsp:sp>
-    <dsp:sp modelId="{70A625A3-B04D-314A-9454-BA7560E71142}">
-      <dsp:nvSpPr>
-        <dsp:cNvPr id="0" name=""/>
-        <dsp:cNvSpPr/>
-      </dsp:nvSpPr>
-      <dsp:spPr>
-        <a:xfrm>
-          <a:off x="4171435" y="2270097"/>
-          <a:ext cx="399311" cy="91440"/>
-        </a:xfrm>
-        <a:custGeom>
-          <a:avLst/>
-          <a:gdLst/>
-          <a:ahLst/>
-          <a:cxnLst/>
-          <a:rect l="0" t="0" r="0" b="0"/>
-          <a:pathLst>
-            <a:path>
-              <a:moveTo>
-                <a:pt x="0" y="45720"/>
-              </a:moveTo>
-              <a:lnTo>
-                <a:pt x="399311" y="45720"/>
-              </a:lnTo>
-            </a:path>
-          </a:pathLst>
-        </a:custGeom>
-        <a:noFill/>
-        <a:ln w="9525" cap="flat" cmpd="sng" algn="ctr">
-          <a:solidFill>
-            <a:schemeClr val="accent1">
-              <a:hueOff val="0"/>
-              <a:satOff val="0"/>
-              <a:lumOff val="0"/>
-              <a:alphaOff val="0"/>
-            </a:schemeClr>
-          </a:solidFill>
-          <a:prstDash val="solid"/>
-          <a:tailEnd type="arrow"/>
-        </a:ln>
-        <a:effectLst/>
-        <a:sp3d z="-40000" prstMaterial="matte"/>
-      </dsp:spPr>
-      <dsp:style>
-        <a:lnRef idx="1">
-          <a:scrgbClr r="0" g="0" b="0"/>
-        </a:lnRef>
-        <a:fillRef idx="0">
-          <a:scrgbClr r="0" g="0" b="0"/>
-        </a:fillRef>
-        <a:effectRef idx="0">
-          <a:scrgbClr r="0" g="0" b="0"/>
-        </a:effectRef>
-        <a:fontRef idx="minor"/>
-      </dsp:style>
-      <dsp:txBody>
-        <a:bodyPr spcFirstLastPara="0" vert="horz" wrap="square" lIns="12700" tIns="0" rIns="12700" bIns="0" numCol="1" spcCol="1270" anchor="ctr" anchorCtr="0">
-          <a:noAutofit/>
-        </a:bodyPr>
-        <a:lstStyle/>
-        <a:p>
-          <a:pPr lvl="0" algn="ctr" defTabSz="222250">
-            <a:lnSpc>
-              <a:spcPct val="90000"/>
-            </a:lnSpc>
-            <a:spcBef>
-              <a:spcPct val="0"/>
-            </a:spcBef>
-            <a:spcAft>
-              <a:spcPct val="35000"/>
-            </a:spcAft>
-          </a:pPr>
-          <a:endParaRPr lang="en-US" sz="500" kern="1200"/>
-        </a:p>
-      </dsp:txBody>
-      <dsp:txXfrm>
-        <a:off x="4360342" y="2313668"/>
-        <a:ext cx="21495" cy="4299"/>
-      </dsp:txXfrm>
-    </dsp:sp>
-    <dsp:sp modelId="{5054442F-68CC-BA4D-A78B-D10165C93B35}">
-      <dsp:nvSpPr>
-        <dsp:cNvPr id="0" name=""/>
-        <dsp:cNvSpPr/>
-      </dsp:nvSpPr>
-      <dsp:spPr>
-        <a:xfrm>
-          <a:off x="2304055" y="1755064"/>
-          <a:ext cx="1869179" cy="1121507"/>
-        </a:xfrm>
-        <a:prstGeom prst="rect">
-          <a:avLst/>
-        </a:prstGeom>
-        <a:solidFill>
-          <a:schemeClr val="accent1">
-            <a:hueOff val="0"/>
-            <a:satOff val="0"/>
-            <a:lumOff val="0"/>
-            <a:alphaOff val="0"/>
-          </a:schemeClr>
-        </a:solidFill>
-        <a:ln>
-          <a:noFill/>
-        </a:ln>
-        <a:effectLst/>
-        <a:sp3d extrusionH="381000" contourW="38100" prstMaterial="matte">
-          <a:contourClr>
-            <a:schemeClr val="lt1"/>
-          </a:contourClr>
-        </a:sp3d>
-      </dsp:spPr>
-      <dsp:style>
-        <a:lnRef idx="0">
-          <a:scrgbClr r="0" g="0" b="0"/>
-        </a:lnRef>
-        <a:fillRef idx="1">
-          <a:scrgbClr r="0" g="0" b="0"/>
-        </a:fillRef>
-        <a:effectRef idx="0">
-          <a:scrgbClr r="0" g="0" b="0"/>
-        </a:effectRef>
-        <a:fontRef idx="minor">
-          <a:schemeClr val="lt1"/>
-        </a:fontRef>
-      </dsp:style>
-      <dsp:txBody>
-        <a:bodyPr spcFirstLastPara="0" vert="horz" wrap="square" lIns="142240" tIns="142240" rIns="142240" bIns="142240" numCol="1" spcCol="1270" anchor="ctr" anchorCtr="0">
-          <a:noAutofit/>
-        </a:bodyPr>
-        <a:lstStyle/>
-        <a:p>
-          <a:pPr lvl="0" algn="ctr" defTabSz="889000">
-            <a:lnSpc>
-              <a:spcPct val="90000"/>
-            </a:lnSpc>
-            <a:spcBef>
-              <a:spcPct val="0"/>
-            </a:spcBef>
-            <a:spcAft>
-              <a:spcPct val="35000"/>
-            </a:spcAft>
-          </a:pPr>
-          <a:r>
-            <a:rPr lang="en-US" sz="2000" kern="1200"/>
-            <a:t>Function Points</a:t>
-          </a:r>
-        </a:p>
-        <a:p>
-          <a:pPr lvl="0" algn="ctr" defTabSz="889000">
-            <a:lnSpc>
-              <a:spcPct val="90000"/>
-            </a:lnSpc>
-            <a:spcBef>
-              <a:spcPct val="0"/>
-            </a:spcBef>
-            <a:spcAft>
-              <a:spcPct val="35000"/>
-            </a:spcAft>
-          </a:pPr>
-          <a:r>
-            <a:rPr lang="it-IT" sz="1000" kern="1200"/>
-            <a:t>Deadline: 30/01/2016</a:t>
-          </a:r>
-          <a:endParaRPr lang="en-US" sz="1000" kern="1200"/>
-        </a:p>
-      </dsp:txBody>
-      <dsp:txXfrm>
-        <a:off x="2304055" y="1755064"/>
-        <a:ext cx="1869179" cy="1121507"/>
-      </dsp:txXfrm>
-    </dsp:sp>
-    <dsp:sp modelId="{CA2203B5-A4CA-2C4D-8577-50E3388F2246}">
-      <dsp:nvSpPr>
-        <dsp:cNvPr id="0" name=""/>
-        <dsp:cNvSpPr/>
-      </dsp:nvSpPr>
-      <dsp:spPr>
-        <a:xfrm>
-          <a:off x="4603146" y="1755064"/>
-          <a:ext cx="1869179" cy="1121507"/>
-        </a:xfrm>
-        <a:prstGeom prst="rect">
-          <a:avLst/>
-        </a:prstGeom>
-        <a:solidFill>
-          <a:schemeClr val="accent2"/>
-        </a:solidFill>
-        <a:ln w="25400" cap="flat" cmpd="sng" algn="ctr">
-          <a:solidFill>
-            <a:schemeClr val="accent2">
-              <a:shade val="50000"/>
-            </a:schemeClr>
-          </a:solidFill>
-          <a:prstDash val="solid"/>
-        </a:ln>
-        <a:effectLst/>
-        <a:sp3d extrusionH="381000"/>
-      </dsp:spPr>
-      <dsp:style>
-        <a:lnRef idx="2">
-          <a:schemeClr val="accent2">
-            <a:shade val="50000"/>
-          </a:schemeClr>
-        </a:lnRef>
-        <a:fillRef idx="1">
-          <a:schemeClr val="accent2"/>
-        </a:fillRef>
-        <a:effectRef idx="0">
-          <a:schemeClr val="accent2"/>
-        </a:effectRef>
-        <a:fontRef idx="minor">
-          <a:schemeClr val="lt1"/>
-        </a:fontRef>
-      </dsp:style>
-      <dsp:txBody>
-        <a:bodyPr spcFirstLastPara="0" vert="horz" wrap="square" lIns="128016" tIns="128016" rIns="128016" bIns="128016" numCol="1" spcCol="1270" anchor="ctr" anchorCtr="0">
-          <a:noAutofit/>
-        </a:bodyPr>
-        <a:lstStyle/>
-        <a:p>
-          <a:pPr lvl="0" algn="ctr" defTabSz="800100">
-            <a:lnSpc>
-              <a:spcPct val="90000"/>
-            </a:lnSpc>
-            <a:spcBef>
-              <a:spcPct val="0"/>
-            </a:spcBef>
-            <a:spcAft>
-              <a:spcPct val="35000"/>
-            </a:spcAft>
-          </a:pPr>
-          <a:r>
-            <a:rPr lang="en-US" sz="1800" kern="1200"/>
-            <a:t>Final Presentation</a:t>
-          </a:r>
-        </a:p>
-        <a:p>
-          <a:pPr lvl="0" algn="ctr" defTabSz="800100">
-            <a:lnSpc>
-              <a:spcPct val="90000"/>
-            </a:lnSpc>
-            <a:spcBef>
-              <a:spcPct val="0"/>
-            </a:spcBef>
-            <a:spcAft>
-              <a:spcPct val="35000"/>
-            </a:spcAft>
-          </a:pPr>
-          <a:r>
-            <a:rPr lang="en-US" sz="1000" kern="1200"/>
-            <a:t>TBA</a:t>
-          </a:r>
-        </a:p>
-      </dsp:txBody>
-      <dsp:txXfrm>
-        <a:off x="4603146" y="1755064"/>
-        <a:ext cx="1869179" cy="1121507"/>
-      </dsp:txXfrm>
-    </dsp:sp>
   </dsp:spTree>
 </dsp:drawing>
 </file>
@@ -5424,15 +6121,39 @@
       <dsp:cNvGrpSpPr/>
     </dsp:nvGrpSpPr>
     <dsp:grpSpPr/>
-    <dsp:sp modelId="{D75EA234-4FDC-4374-B311-DF7027BE8AA7}">
+  </dsp:spTree>
+</dsp:drawing>
+</file>
+
+<file path=ppt/diagrams/drawing3.xml><?xml version="1.0" encoding="utf-8"?>
+<dsp:drawing xmlns:dgm="http://schemas.openxmlformats.org/drawingml/2006/diagram" xmlns:dsp="http://schemas.microsoft.com/office/drawing/2008/diagram" xmlns:a="http://schemas.openxmlformats.org/drawingml/2006/main">
+  <dsp:spTree>
+    <dsp:nvGrpSpPr>
+      <dsp:cNvPr id="0" name=""/>
+      <dsp:cNvGrpSpPr/>
+    </dsp:nvGrpSpPr>
+    <dsp:grpSpPr/>
+  </dsp:spTree>
+</dsp:drawing>
+</file>
+
+<file path=ppt/diagrams/drawing4.xml><?xml version="1.0" encoding="utf-8"?>
+<dsp:drawing xmlns:dgm="http://schemas.openxmlformats.org/drawingml/2006/diagram" xmlns:dsp="http://schemas.microsoft.com/office/drawing/2008/diagram" xmlns:a="http://schemas.openxmlformats.org/drawingml/2006/main">
+  <dsp:spTree>
+    <dsp:nvGrpSpPr>
+      <dsp:cNvPr id="0" name=""/>
+      <dsp:cNvGrpSpPr/>
+    </dsp:nvGrpSpPr>
+    <dsp:grpSpPr/>
+    <dsp:sp modelId="{13901ADE-AA53-475E-99A1-A5CEDB40876C}">
       <dsp:nvSpPr>
         <dsp:cNvPr id="0" name=""/>
         <dsp:cNvSpPr/>
       </dsp:nvSpPr>
       <dsp:spPr>
         <a:xfrm>
-          <a:off x="4690770" y="2277124"/>
-          <a:ext cx="91440" cy="424286"/>
+          <a:off x="7390042" y="1004082"/>
+          <a:ext cx="91440" cy="292390"/>
         </a:xfrm>
         <a:custGeom>
           <a:avLst/>
@@ -5446,7 +6167,7 @@
                 <a:pt x="45720" y="0"/>
               </a:moveTo>
               <a:lnTo>
-                <a:pt x="45720" y="424286"/>
+                <a:pt x="45720" y="292390"/>
               </a:lnTo>
             </a:path>
           </a:pathLst>
@@ -5454,15 +6175,11 @@
         <a:noFill/>
         <a:ln w="25400" cap="flat" cmpd="sng" algn="ctr">
           <a:solidFill>
-            <a:schemeClr val="accent1">
-              <a:shade val="80000"/>
-              <a:hueOff val="0"/>
-              <a:satOff val="0"/>
-              <a:lumOff val="0"/>
-              <a:alphaOff val="0"/>
-            </a:schemeClr>
+            <a:scrgbClr r="0" g="0" b="0"/>
           </a:solidFill>
           <a:prstDash val="solid"/>
+          <a:headEnd type="none"/>
+          <a:tailEnd type="triangle"/>
         </a:ln>
         <a:effectLst/>
       </dsp:spPr>
@@ -5479,15 +6196,15 @@
         <a:fontRef idx="minor"/>
       </dsp:style>
     </dsp:sp>
-    <dsp:sp modelId="{03A0F39A-4ACF-4B10-9289-5EB12A73294B}">
+    <dsp:sp modelId="{9697CF01-2F38-4425-89CB-F65B92AB9CCB}">
       <dsp:nvSpPr>
         <dsp:cNvPr id="0" name=""/>
         <dsp:cNvSpPr/>
       </dsp:nvSpPr>
       <dsp:spPr>
         <a:xfrm>
-          <a:off x="3399198" y="926459"/>
-          <a:ext cx="1337291" cy="424286"/>
+          <a:off x="4908675" y="1004082"/>
+          <a:ext cx="842362" cy="292390"/>
         </a:xfrm>
         <a:custGeom>
           <a:avLst/>
@@ -5501,13 +6218,13 @@
                 <a:pt x="0" y="0"/>
               </a:moveTo>
               <a:lnTo>
-                <a:pt x="0" y="289138"/>
+                <a:pt x="0" y="146195"/>
               </a:lnTo>
               <a:lnTo>
-                <a:pt x="1337291" y="289138"/>
+                <a:pt x="842362" y="146195"/>
               </a:lnTo>
               <a:lnTo>
-                <a:pt x="1337291" y="424286"/>
+                <a:pt x="842362" y="292390"/>
               </a:lnTo>
             </a:path>
           </a:pathLst>
@@ -5515,15 +6232,10 @@
         <a:noFill/>
         <a:ln w="25400" cap="flat" cmpd="sng" algn="ctr">
           <a:solidFill>
-            <a:schemeClr val="accent1">
-              <a:shade val="60000"/>
-              <a:hueOff val="0"/>
-              <a:satOff val="0"/>
-              <a:lumOff val="0"/>
-              <a:alphaOff val="0"/>
-            </a:schemeClr>
+            <a:scrgbClr r="0" g="0" b="0"/>
           </a:solidFill>
           <a:prstDash val="solid"/>
+          <a:tailEnd type="triangle"/>
         </a:ln>
         <a:effectLst/>
       </dsp:spPr>
@@ -5540,15 +6252,15 @@
         <a:fontRef idx="minor"/>
       </dsp:style>
     </dsp:sp>
-    <dsp:sp modelId="{999104FE-26E1-4589-8FDE-F5807A3CF1CA}">
+    <dsp:sp modelId="{15C2F884-33DF-4B21-AD3A-E98C85E12488}">
       <dsp:nvSpPr>
         <dsp:cNvPr id="0" name=""/>
         <dsp:cNvSpPr/>
       </dsp:nvSpPr>
       <dsp:spPr>
         <a:xfrm>
-          <a:off x="2061907" y="2277124"/>
-          <a:ext cx="891527" cy="424286"/>
+          <a:off x="4066312" y="1004082"/>
+          <a:ext cx="842362" cy="292390"/>
         </a:xfrm>
         <a:custGeom>
           <a:avLst/>
@@ -5559,16 +6271,16 @@
           <a:pathLst>
             <a:path>
               <a:moveTo>
-                <a:pt x="0" y="0"/>
+                <a:pt x="842362" y="0"/>
               </a:moveTo>
               <a:lnTo>
-                <a:pt x="0" y="289138"/>
+                <a:pt x="842362" y="146195"/>
               </a:lnTo>
               <a:lnTo>
-                <a:pt x="891527" y="289138"/>
+                <a:pt x="0" y="146195"/>
               </a:lnTo>
               <a:lnTo>
-                <a:pt x="891527" y="424286"/>
+                <a:pt x="0" y="292390"/>
               </a:lnTo>
             </a:path>
           </a:pathLst>
@@ -5576,15 +6288,10 @@
         <a:noFill/>
         <a:ln w="25400" cap="flat" cmpd="sng" algn="ctr">
           <a:solidFill>
-            <a:schemeClr val="accent1">
-              <a:shade val="80000"/>
-              <a:hueOff val="0"/>
-              <a:satOff val="0"/>
-              <a:lumOff val="0"/>
-              <a:alphaOff val="0"/>
-            </a:schemeClr>
+            <a:scrgbClr r="0" g="0" b="0"/>
           </a:solidFill>
           <a:prstDash val="solid"/>
+          <a:tailEnd type="triangle"/>
         </a:ln>
         <a:effectLst/>
       </dsp:spPr>
@@ -5601,15 +6308,15 @@
         <a:fontRef idx="minor"/>
       </dsp:style>
     </dsp:sp>
-    <dsp:sp modelId="{30140F7C-94E0-4251-9524-057CFA8F570C}">
+    <dsp:sp modelId="{F6BA47EF-9CB7-429E-84E3-9D7FE118FD1A}">
       <dsp:nvSpPr>
         <dsp:cNvPr id="0" name=""/>
         <dsp:cNvSpPr/>
       </dsp:nvSpPr>
       <dsp:spPr>
         <a:xfrm>
-          <a:off x="1170379" y="2277124"/>
-          <a:ext cx="891527" cy="424286"/>
+          <a:off x="1539224" y="1004082"/>
+          <a:ext cx="842362" cy="292390"/>
         </a:xfrm>
         <a:custGeom>
           <a:avLst/>
@@ -5620,16 +6327,16 @@
           <a:pathLst>
             <a:path>
               <a:moveTo>
-                <a:pt x="891527" y="0"/>
+                <a:pt x="0" y="0"/>
               </a:moveTo>
               <a:lnTo>
-                <a:pt x="891527" y="289138"/>
+                <a:pt x="0" y="146195"/>
               </a:lnTo>
               <a:lnTo>
-                <a:pt x="0" y="289138"/>
+                <a:pt x="842362" y="146195"/>
               </a:lnTo>
               <a:lnTo>
-                <a:pt x="0" y="424286"/>
+                <a:pt x="842362" y="292390"/>
               </a:lnTo>
             </a:path>
           </a:pathLst>
@@ -5637,15 +6344,10 @@
         <a:noFill/>
         <a:ln w="25400" cap="flat" cmpd="sng" algn="ctr">
           <a:solidFill>
-            <a:schemeClr val="accent1">
-              <a:shade val="80000"/>
-              <a:hueOff val="0"/>
-              <a:satOff val="0"/>
-              <a:lumOff val="0"/>
-              <a:alphaOff val="0"/>
-            </a:schemeClr>
+            <a:scrgbClr r="0" g="0" b="0"/>
           </a:solidFill>
           <a:prstDash val="solid"/>
+          <a:tailEnd type="triangle"/>
         </a:ln>
         <a:effectLst/>
       </dsp:spPr>
@@ -5662,15 +6364,15 @@
         <a:fontRef idx="minor"/>
       </dsp:style>
     </dsp:sp>
-    <dsp:sp modelId="{93DDF117-97A6-435A-94EA-E9EDD4A1F32A}">
+    <dsp:sp modelId="{43E07D4D-939B-4A18-9AB9-5C203ED91C47}">
       <dsp:nvSpPr>
         <dsp:cNvPr id="0" name=""/>
         <dsp:cNvSpPr/>
       </dsp:nvSpPr>
       <dsp:spPr>
         <a:xfrm>
-          <a:off x="2061907" y="926459"/>
-          <a:ext cx="1337291" cy="424286"/>
+          <a:off x="696862" y="1004082"/>
+          <a:ext cx="842362" cy="292390"/>
         </a:xfrm>
         <a:custGeom>
           <a:avLst/>
@@ -5681,16 +6383,16 @@
           <a:pathLst>
             <a:path>
               <a:moveTo>
-                <a:pt x="1337291" y="0"/>
+                <a:pt x="842362" y="0"/>
               </a:moveTo>
               <a:lnTo>
-                <a:pt x="1337291" y="289138"/>
+                <a:pt x="842362" y="146195"/>
               </a:lnTo>
               <a:lnTo>
-                <a:pt x="0" y="289138"/>
+                <a:pt x="0" y="146195"/>
               </a:lnTo>
               <a:lnTo>
-                <a:pt x="0" y="424286"/>
+                <a:pt x="0" y="292390"/>
               </a:lnTo>
             </a:path>
           </a:pathLst>
@@ -5698,15 +6400,10 @@
         <a:noFill/>
         <a:ln w="25400" cap="flat" cmpd="sng" algn="ctr">
           <a:solidFill>
-            <a:schemeClr val="accent1">
-              <a:shade val="60000"/>
-              <a:hueOff val="0"/>
-              <a:satOff val="0"/>
-              <a:lumOff val="0"/>
-              <a:alphaOff val="0"/>
-            </a:schemeClr>
+            <a:scrgbClr r="0" g="0" b="0"/>
           </a:solidFill>
           <a:prstDash val="solid"/>
+          <a:tailEnd type="triangle"/>
         </a:ln>
         <a:effectLst/>
       </dsp:spPr>
@@ -5723,896 +6420,17 @@
         <a:fontRef idx="minor"/>
       </dsp:style>
     </dsp:sp>
-    <dsp:sp modelId="{0FFE047C-8A78-4190-94E0-C173D4B737AD}">
+    <dsp:sp modelId="{5EEBA439-4E12-4F7A-8E96-543D8E7B88E2}">
       <dsp:nvSpPr>
         <dsp:cNvPr id="0" name=""/>
         <dsp:cNvSpPr/>
       </dsp:nvSpPr>
       <dsp:spPr>
         <a:xfrm>
-          <a:off x="2669767" y="81"/>
-          <a:ext cx="1458863" cy="926378"/>
+          <a:off x="843057" y="307915"/>
+          <a:ext cx="1392334" cy="696167"/>
         </a:xfrm>
-        <a:prstGeom prst="roundRect">
-          <a:avLst>
-            <a:gd name="adj" fmla="val 10000"/>
-          </a:avLst>
-        </a:prstGeom>
-        <a:solidFill>
-          <a:srgbClr val="002060"/>
-        </a:solidFill>
-        <a:ln>
-          <a:noFill/>
-        </a:ln>
-        <a:effectLst>
-          <a:outerShdw blurRad="40000" dist="20000" dir="5400000" rotWithShape="0">
-            <a:srgbClr val="000000">
-              <a:alpha val="38000"/>
-            </a:srgbClr>
-          </a:outerShdw>
-        </a:effectLst>
-        <a:scene3d>
-          <a:camera prst="orthographicFront"/>
-          <a:lightRig rig="flat" dir="t"/>
-        </a:scene3d>
-        <a:sp3d prstMaterial="dkEdge">
-          <a:bevelT w="8200" h="38100"/>
-        </a:sp3d>
-      </dsp:spPr>
-      <dsp:style>
-        <a:lnRef idx="0">
-          <a:scrgbClr r="0" g="0" b="0"/>
-        </a:lnRef>
-        <a:fillRef idx="2">
-          <a:scrgbClr r="0" g="0" b="0"/>
-        </a:fillRef>
-        <a:effectRef idx="1">
-          <a:scrgbClr r="0" g="0" b="0"/>
-        </a:effectRef>
-        <a:fontRef idx="minor">
-          <a:schemeClr val="dk1"/>
-        </a:fontRef>
-      </dsp:style>
-    </dsp:sp>
-    <dsp:sp modelId="{DFF6C7C0-6F98-4605-A7C9-BB5535BFE956}">
-      <dsp:nvSpPr>
-        <dsp:cNvPr id="0" name=""/>
-        <dsp:cNvSpPr/>
-      </dsp:nvSpPr>
-      <dsp:spPr>
-        <a:xfrm>
-          <a:off x="2831863" y="154072"/>
-          <a:ext cx="1458863" cy="926378"/>
-        </a:xfrm>
-        <a:prstGeom prst="roundRect">
-          <a:avLst>
-            <a:gd name="adj" fmla="val 10000"/>
-          </a:avLst>
-        </a:prstGeom>
-        <a:solidFill>
-          <a:schemeClr val="lt1">
-            <a:alpha val="90000"/>
-            <a:hueOff val="0"/>
-            <a:satOff val="0"/>
-            <a:lumOff val="0"/>
-            <a:alphaOff val="0"/>
-          </a:schemeClr>
-        </a:solidFill>
-        <a:ln w="9525" cap="flat" cmpd="sng" algn="ctr">
-          <a:solidFill>
-            <a:schemeClr val="accent1">
-              <a:hueOff val="0"/>
-              <a:satOff val="0"/>
-              <a:lumOff val="0"/>
-              <a:alphaOff val="0"/>
-            </a:schemeClr>
-          </a:solidFill>
-          <a:prstDash val="solid"/>
-        </a:ln>
-        <a:effectLst/>
-      </dsp:spPr>
-      <dsp:style>
-        <a:lnRef idx="1">
-          <a:scrgbClr r="0" g="0" b="0"/>
-        </a:lnRef>
-        <a:fillRef idx="1">
-          <a:scrgbClr r="0" g="0" b="0"/>
-        </a:fillRef>
-        <a:effectRef idx="0">
-          <a:scrgbClr r="0" g="0" b="0"/>
-        </a:effectRef>
-        <a:fontRef idx="minor"/>
-      </dsp:style>
-      <dsp:txBody>
-        <a:bodyPr spcFirstLastPara="0" vert="horz" wrap="square" lIns="95250" tIns="95250" rIns="95250" bIns="95250" numCol="1" spcCol="1270" anchor="ctr" anchorCtr="0">
-          <a:noAutofit/>
-        </a:bodyPr>
-        <a:lstStyle/>
-        <a:p>
-          <a:pPr lvl="0" algn="ctr" defTabSz="1111250">
-            <a:lnSpc>
-              <a:spcPct val="90000"/>
-            </a:lnSpc>
-            <a:spcBef>
-              <a:spcPct val="0"/>
-            </a:spcBef>
-            <a:spcAft>
-              <a:spcPct val="35000"/>
-            </a:spcAft>
-          </a:pPr>
-          <a:r>
-            <a:rPr lang="en-US" sz="2500" kern="1200"/>
-            <a:t>Top parts</a:t>
-          </a:r>
-        </a:p>
-      </dsp:txBody>
-      <dsp:txXfrm>
-        <a:off x="2858996" y="181205"/>
-        <a:ext cx="1404597" cy="872112"/>
-      </dsp:txXfrm>
-    </dsp:sp>
-    <dsp:sp modelId="{0F8785C7-CA76-4687-9FF9-9A76323815C0}">
-      <dsp:nvSpPr>
-        <dsp:cNvPr id="0" name=""/>
-        <dsp:cNvSpPr/>
-      </dsp:nvSpPr>
-      <dsp:spPr>
-        <a:xfrm>
-          <a:off x="1332475" y="1350745"/>
-          <a:ext cx="1458863" cy="926378"/>
-        </a:xfrm>
-        <a:prstGeom prst="roundRect">
-          <a:avLst>
-            <a:gd name="adj" fmla="val 10000"/>
-          </a:avLst>
-        </a:prstGeom>
-        <a:gradFill rotWithShape="0">
-          <a:gsLst>
-            <a:gs pos="0">
-              <a:schemeClr val="accent1">
-                <a:hueOff val="0"/>
-                <a:satOff val="0"/>
-                <a:lumOff val="0"/>
-                <a:alphaOff val="0"/>
-                <a:tint val="50000"/>
-                <a:satMod val="300000"/>
-              </a:schemeClr>
-            </a:gs>
-            <a:gs pos="35000">
-              <a:schemeClr val="accent1">
-                <a:hueOff val="0"/>
-                <a:satOff val="0"/>
-                <a:lumOff val="0"/>
-                <a:alphaOff val="0"/>
-                <a:tint val="37000"/>
-                <a:satMod val="300000"/>
-              </a:schemeClr>
-            </a:gs>
-            <a:gs pos="100000">
-              <a:schemeClr val="accent1">
-                <a:hueOff val="0"/>
-                <a:satOff val="0"/>
-                <a:lumOff val="0"/>
-                <a:alphaOff val="0"/>
-                <a:tint val="15000"/>
-                <a:satMod val="350000"/>
-              </a:schemeClr>
-            </a:gs>
-          </a:gsLst>
-          <a:lin ang="16200000" scaled="1"/>
-        </a:gradFill>
-        <a:ln>
-          <a:noFill/>
-        </a:ln>
-        <a:effectLst>
-          <a:outerShdw blurRad="40000" dist="20000" dir="5400000" rotWithShape="0">
-            <a:srgbClr val="000000">
-              <a:alpha val="38000"/>
-            </a:srgbClr>
-          </a:outerShdw>
-        </a:effectLst>
-        <a:scene3d>
-          <a:camera prst="orthographicFront"/>
-          <a:lightRig rig="flat" dir="t"/>
-        </a:scene3d>
-        <a:sp3d prstMaterial="dkEdge">
-          <a:bevelT w="8200" h="38100"/>
-        </a:sp3d>
-      </dsp:spPr>
-      <dsp:style>
-        <a:lnRef idx="0">
-          <a:scrgbClr r="0" g="0" b="0"/>
-        </a:lnRef>
-        <a:fillRef idx="2">
-          <a:scrgbClr r="0" g="0" b="0"/>
-        </a:fillRef>
-        <a:effectRef idx="1">
-          <a:scrgbClr r="0" g="0" b="0"/>
-        </a:effectRef>
-        <a:fontRef idx="minor">
-          <a:schemeClr val="dk1"/>
-        </a:fontRef>
-      </dsp:style>
-    </dsp:sp>
-    <dsp:sp modelId="{73B67996-A04E-468F-8803-1380882BB5F8}">
-      <dsp:nvSpPr>
-        <dsp:cNvPr id="0" name=""/>
-        <dsp:cNvSpPr/>
-      </dsp:nvSpPr>
-      <dsp:spPr>
-        <a:xfrm>
-          <a:off x="1494571" y="1504736"/>
-          <a:ext cx="1458863" cy="926378"/>
-        </a:xfrm>
-        <a:prstGeom prst="roundRect">
-          <a:avLst>
-            <a:gd name="adj" fmla="val 10000"/>
-          </a:avLst>
-        </a:prstGeom>
-        <a:solidFill>
-          <a:schemeClr val="lt1">
-            <a:alpha val="90000"/>
-            <a:hueOff val="0"/>
-            <a:satOff val="0"/>
-            <a:lumOff val="0"/>
-            <a:alphaOff val="0"/>
-          </a:schemeClr>
-        </a:solidFill>
-        <a:ln w="9525" cap="flat" cmpd="sng" algn="ctr">
-          <a:solidFill>
-            <a:schemeClr val="accent1">
-              <a:hueOff val="0"/>
-              <a:satOff val="0"/>
-              <a:lumOff val="0"/>
-              <a:alphaOff val="0"/>
-            </a:schemeClr>
-          </a:solidFill>
-          <a:prstDash val="solid"/>
-        </a:ln>
-        <a:effectLst/>
-      </dsp:spPr>
-      <dsp:style>
-        <a:lnRef idx="1">
-          <a:scrgbClr r="0" g="0" b="0"/>
-        </a:lnRef>
-        <a:fillRef idx="1">
-          <a:scrgbClr r="0" g="0" b="0"/>
-        </a:fillRef>
-        <a:effectRef idx="0">
-          <a:scrgbClr r="0" g="0" b="0"/>
-        </a:effectRef>
-        <a:fontRef idx="minor"/>
-      </dsp:style>
-      <dsp:txBody>
-        <a:bodyPr spcFirstLastPara="0" vert="horz" wrap="square" lIns="95250" tIns="95250" rIns="95250" bIns="95250" numCol="1" spcCol="1270" anchor="ctr" anchorCtr="0">
-          <a:noAutofit/>
-        </a:bodyPr>
-        <a:lstStyle/>
-        <a:p>
-          <a:pPr lvl="0" algn="ctr" defTabSz="1111250">
-            <a:lnSpc>
-              <a:spcPct val="90000"/>
-            </a:lnSpc>
-            <a:spcBef>
-              <a:spcPct val="0"/>
-            </a:spcBef>
-            <a:spcAft>
-              <a:spcPct val="35000"/>
-            </a:spcAft>
-          </a:pPr>
-          <a:r>
-            <a:rPr lang="en-US" sz="2500" kern="1200"/>
-            <a:t>Module </a:t>
-          </a:r>
-        </a:p>
-      </dsp:txBody>
-      <dsp:txXfrm>
-        <a:off x="1521704" y="1531869"/>
-        <a:ext cx="1404597" cy="872112"/>
-      </dsp:txXfrm>
-    </dsp:sp>
-    <dsp:sp modelId="{0C2633D5-D631-430B-ABF0-80B6D5D47F95}">
-      <dsp:nvSpPr>
-        <dsp:cNvPr id="0" name=""/>
-        <dsp:cNvSpPr/>
-      </dsp:nvSpPr>
-      <dsp:spPr>
-        <a:xfrm>
-          <a:off x="440948" y="2701410"/>
-          <a:ext cx="1458863" cy="926378"/>
-        </a:xfrm>
-        <a:prstGeom prst="roundRect">
-          <a:avLst>
-            <a:gd name="adj" fmla="val 10000"/>
-          </a:avLst>
-        </a:prstGeom>
-        <a:solidFill>
-          <a:srgbClr val="0070C0"/>
-        </a:solidFill>
-        <a:ln>
-          <a:noFill/>
-        </a:ln>
-        <a:effectLst>
-          <a:outerShdw blurRad="40000" dist="20000" dir="5400000" rotWithShape="0">
-            <a:srgbClr val="000000">
-              <a:alpha val="38000"/>
-            </a:srgbClr>
-          </a:outerShdw>
-        </a:effectLst>
-        <a:scene3d>
-          <a:camera prst="orthographicFront"/>
-          <a:lightRig rig="flat" dir="t"/>
-        </a:scene3d>
-        <a:sp3d prstMaterial="dkEdge">
-          <a:bevelT w="8200" h="38100"/>
-        </a:sp3d>
-      </dsp:spPr>
-      <dsp:style>
-        <a:lnRef idx="0">
-          <a:scrgbClr r="0" g="0" b="0"/>
-        </a:lnRef>
-        <a:fillRef idx="2">
-          <a:scrgbClr r="0" g="0" b="0"/>
-        </a:fillRef>
-        <a:effectRef idx="1">
-          <a:scrgbClr r="0" g="0" b="0"/>
-        </a:effectRef>
-        <a:fontRef idx="minor">
-          <a:schemeClr val="dk1"/>
-        </a:fontRef>
-      </dsp:style>
-    </dsp:sp>
-    <dsp:sp modelId="{1586E1F5-8D18-4BE2-839A-B66DCA180CCE}">
-      <dsp:nvSpPr>
-        <dsp:cNvPr id="0" name=""/>
-        <dsp:cNvSpPr/>
-      </dsp:nvSpPr>
-      <dsp:spPr>
-        <a:xfrm>
-          <a:off x="603044" y="2855401"/>
-          <a:ext cx="1458863" cy="926378"/>
-        </a:xfrm>
-        <a:prstGeom prst="roundRect">
-          <a:avLst>
-            <a:gd name="adj" fmla="val 10000"/>
-          </a:avLst>
-        </a:prstGeom>
-        <a:solidFill>
-          <a:schemeClr val="lt1">
-            <a:alpha val="90000"/>
-            <a:hueOff val="0"/>
-            <a:satOff val="0"/>
-            <a:lumOff val="0"/>
-            <a:alphaOff val="0"/>
-          </a:schemeClr>
-        </a:solidFill>
-        <a:ln w="9525" cap="flat" cmpd="sng" algn="ctr">
-          <a:solidFill>
-            <a:schemeClr val="accent1">
-              <a:hueOff val="0"/>
-              <a:satOff val="0"/>
-              <a:lumOff val="0"/>
-              <a:alphaOff val="0"/>
-            </a:schemeClr>
-          </a:solidFill>
-          <a:prstDash val="solid"/>
-        </a:ln>
-        <a:effectLst/>
-      </dsp:spPr>
-      <dsp:style>
-        <a:lnRef idx="1">
-          <a:scrgbClr r="0" g="0" b="0"/>
-        </a:lnRef>
-        <a:fillRef idx="1">
-          <a:scrgbClr r="0" g="0" b="0"/>
-        </a:fillRef>
-        <a:effectRef idx="0">
-          <a:scrgbClr r="0" g="0" b="0"/>
-        </a:effectRef>
-        <a:fontRef idx="minor"/>
-      </dsp:style>
-      <dsp:txBody>
-        <a:bodyPr spcFirstLastPara="0" vert="horz" wrap="square" lIns="95250" tIns="95250" rIns="95250" bIns="95250" numCol="1" spcCol="1270" anchor="ctr" anchorCtr="0">
-          <a:noAutofit/>
-        </a:bodyPr>
-        <a:lstStyle/>
-        <a:p>
-          <a:pPr lvl="0" algn="ctr" defTabSz="1111250">
-            <a:lnSpc>
-              <a:spcPct val="90000"/>
-            </a:lnSpc>
-            <a:spcBef>
-              <a:spcPct val="0"/>
-            </a:spcBef>
-            <a:spcAft>
-              <a:spcPct val="35000"/>
-            </a:spcAft>
-          </a:pPr>
-          <a:r>
-            <a:rPr lang="en-US" sz="2500" kern="1200"/>
-            <a:t>Stub</a:t>
-          </a:r>
-        </a:p>
-      </dsp:txBody>
-      <dsp:txXfrm>
-        <a:off x="630177" y="2882534"/>
-        <a:ext cx="1404597" cy="872112"/>
-      </dsp:txXfrm>
-    </dsp:sp>
-    <dsp:sp modelId="{65E8FB4C-6D78-49ED-B085-95E8F3D415F3}">
-      <dsp:nvSpPr>
-        <dsp:cNvPr id="0" name=""/>
-        <dsp:cNvSpPr/>
-      </dsp:nvSpPr>
-      <dsp:spPr>
-        <a:xfrm>
-          <a:off x="2224003" y="2701410"/>
-          <a:ext cx="1458863" cy="926378"/>
-        </a:xfrm>
-        <a:prstGeom prst="roundRect">
-          <a:avLst>
-            <a:gd name="adj" fmla="val 10000"/>
-          </a:avLst>
-        </a:prstGeom>
-        <a:gradFill rotWithShape="0">
-          <a:gsLst>
-            <a:gs pos="0">
-              <a:schemeClr val="accent1">
-                <a:hueOff val="0"/>
-                <a:satOff val="0"/>
-                <a:lumOff val="0"/>
-                <a:alphaOff val="0"/>
-                <a:tint val="50000"/>
-                <a:satMod val="300000"/>
-              </a:schemeClr>
-            </a:gs>
-            <a:gs pos="35000">
-              <a:schemeClr val="accent1">
-                <a:hueOff val="0"/>
-                <a:satOff val="0"/>
-                <a:lumOff val="0"/>
-                <a:alphaOff val="0"/>
-                <a:tint val="37000"/>
-                <a:satMod val="300000"/>
-              </a:schemeClr>
-            </a:gs>
-            <a:gs pos="100000">
-              <a:schemeClr val="accent1">
-                <a:hueOff val="0"/>
-                <a:satOff val="0"/>
-                <a:lumOff val="0"/>
-                <a:alphaOff val="0"/>
-                <a:tint val="15000"/>
-                <a:satMod val="350000"/>
-              </a:schemeClr>
-            </a:gs>
-          </a:gsLst>
-          <a:lin ang="16200000" scaled="1"/>
-        </a:gradFill>
-        <a:ln>
-          <a:noFill/>
-        </a:ln>
-        <a:effectLst>
-          <a:outerShdw blurRad="40000" dist="20000" dir="5400000" rotWithShape="0">
-            <a:srgbClr val="000000">
-              <a:alpha val="38000"/>
-            </a:srgbClr>
-          </a:outerShdw>
-        </a:effectLst>
-        <a:scene3d>
-          <a:camera prst="orthographicFront"/>
-          <a:lightRig rig="flat" dir="t"/>
-        </a:scene3d>
-        <a:sp3d prstMaterial="dkEdge">
-          <a:bevelT w="8200" h="38100"/>
-        </a:sp3d>
-      </dsp:spPr>
-      <dsp:style>
-        <a:lnRef idx="0">
-          <a:scrgbClr r="0" g="0" b="0"/>
-        </a:lnRef>
-        <a:fillRef idx="2">
-          <a:scrgbClr r="0" g="0" b="0"/>
-        </a:fillRef>
-        <a:effectRef idx="1">
-          <a:scrgbClr r="0" g="0" b="0"/>
-        </a:effectRef>
-        <a:fontRef idx="minor">
-          <a:schemeClr val="dk1"/>
-        </a:fontRef>
-      </dsp:style>
-    </dsp:sp>
-    <dsp:sp modelId="{03BB12AC-59B2-432C-985F-84FD58455460}">
-      <dsp:nvSpPr>
-        <dsp:cNvPr id="0" name=""/>
-        <dsp:cNvSpPr/>
-      </dsp:nvSpPr>
-      <dsp:spPr>
-        <a:xfrm>
-          <a:off x="2386099" y="2855401"/>
-          <a:ext cx="1458863" cy="926378"/>
-        </a:xfrm>
-        <a:prstGeom prst="roundRect">
-          <a:avLst>
-            <a:gd name="adj" fmla="val 10000"/>
-          </a:avLst>
-        </a:prstGeom>
-        <a:solidFill>
-          <a:schemeClr val="lt1">
-            <a:alpha val="90000"/>
-            <a:hueOff val="0"/>
-            <a:satOff val="0"/>
-            <a:lumOff val="0"/>
-            <a:alphaOff val="0"/>
-          </a:schemeClr>
-        </a:solidFill>
-        <a:ln w="9525" cap="flat" cmpd="sng" algn="ctr">
-          <a:solidFill>
-            <a:schemeClr val="accent1">
-              <a:hueOff val="0"/>
-              <a:satOff val="0"/>
-              <a:lumOff val="0"/>
-              <a:alphaOff val="0"/>
-            </a:schemeClr>
-          </a:solidFill>
-          <a:prstDash val="solid"/>
-        </a:ln>
-        <a:effectLst/>
-      </dsp:spPr>
-      <dsp:style>
-        <a:lnRef idx="1">
-          <a:scrgbClr r="0" g="0" b="0"/>
-        </a:lnRef>
-        <a:fillRef idx="1">
-          <a:scrgbClr r="0" g="0" b="0"/>
-        </a:fillRef>
-        <a:effectRef idx="0">
-          <a:scrgbClr r="0" g="0" b="0"/>
-        </a:effectRef>
-        <a:fontRef idx="minor"/>
-      </dsp:style>
-      <dsp:txBody>
-        <a:bodyPr spcFirstLastPara="0" vert="horz" wrap="square" lIns="95250" tIns="95250" rIns="95250" bIns="95250" numCol="1" spcCol="1270" anchor="ctr" anchorCtr="0">
-          <a:noAutofit/>
-        </a:bodyPr>
-        <a:lstStyle/>
-        <a:p>
-          <a:pPr lvl="0" algn="ctr" defTabSz="1111250">
-            <a:lnSpc>
-              <a:spcPct val="90000"/>
-            </a:lnSpc>
-            <a:spcBef>
-              <a:spcPct val="0"/>
-            </a:spcBef>
-            <a:spcAft>
-              <a:spcPct val="35000"/>
-            </a:spcAft>
-          </a:pPr>
-          <a:r>
-            <a:rPr lang="en-US" sz="2500" kern="1200"/>
-            <a:t>Module</a:t>
-          </a:r>
-          <a:endParaRPr lang="en-US" sz="2500" i="1" kern="1200"/>
-        </a:p>
-      </dsp:txBody>
-      <dsp:txXfrm>
-        <a:off x="2413232" y="2882534"/>
-        <a:ext cx="1404597" cy="872112"/>
-      </dsp:txXfrm>
-    </dsp:sp>
-    <dsp:sp modelId="{476C4DDA-48D1-4B0D-A892-378E1FE3C95C}">
-      <dsp:nvSpPr>
-        <dsp:cNvPr id="0" name=""/>
-        <dsp:cNvSpPr/>
-      </dsp:nvSpPr>
-      <dsp:spPr>
-        <a:xfrm>
-          <a:off x="4007058" y="1350745"/>
-          <a:ext cx="1458863" cy="926378"/>
-        </a:xfrm>
-        <a:prstGeom prst="roundRect">
-          <a:avLst>
-            <a:gd name="adj" fmla="val 10000"/>
-          </a:avLst>
-        </a:prstGeom>
-        <a:solidFill>
-          <a:schemeClr val="accent5">
-            <a:lumMod val="75000"/>
-          </a:schemeClr>
-        </a:solidFill>
-        <a:ln>
-          <a:noFill/>
-        </a:ln>
-        <a:effectLst>
-          <a:outerShdw blurRad="40000" dist="20000" dir="5400000" rotWithShape="0">
-            <a:srgbClr val="000000">
-              <a:alpha val="38000"/>
-            </a:srgbClr>
-          </a:outerShdw>
-        </a:effectLst>
-        <a:scene3d>
-          <a:camera prst="orthographicFront"/>
-          <a:lightRig rig="flat" dir="t"/>
-        </a:scene3d>
-        <a:sp3d prstMaterial="dkEdge">
-          <a:bevelT w="8200" h="38100"/>
-        </a:sp3d>
-      </dsp:spPr>
-      <dsp:style>
-        <a:lnRef idx="0">
-          <a:scrgbClr r="0" g="0" b="0"/>
-        </a:lnRef>
-        <a:fillRef idx="2">
-          <a:scrgbClr r="0" g="0" b="0"/>
-        </a:fillRef>
-        <a:effectRef idx="1">
-          <a:scrgbClr r="0" g="0" b="0"/>
-        </a:effectRef>
-        <a:fontRef idx="minor">
-          <a:schemeClr val="dk1"/>
-        </a:fontRef>
-      </dsp:style>
-    </dsp:sp>
-    <dsp:sp modelId="{D84098D6-847E-4276-9066-1115F13461CC}">
-      <dsp:nvSpPr>
-        <dsp:cNvPr id="0" name=""/>
-        <dsp:cNvSpPr/>
-      </dsp:nvSpPr>
-      <dsp:spPr>
-        <a:xfrm>
-          <a:off x="4169154" y="1504736"/>
-          <a:ext cx="1458863" cy="926378"/>
-        </a:xfrm>
-        <a:prstGeom prst="roundRect">
-          <a:avLst>
-            <a:gd name="adj" fmla="val 10000"/>
-          </a:avLst>
-        </a:prstGeom>
-        <a:solidFill>
-          <a:schemeClr val="lt1">
-            <a:alpha val="90000"/>
-            <a:hueOff val="0"/>
-            <a:satOff val="0"/>
-            <a:lumOff val="0"/>
-            <a:alphaOff val="0"/>
-          </a:schemeClr>
-        </a:solidFill>
-        <a:ln w="9525" cap="flat" cmpd="sng" algn="ctr">
-          <a:solidFill>
-            <a:schemeClr val="accent1">
-              <a:hueOff val="0"/>
-              <a:satOff val="0"/>
-              <a:lumOff val="0"/>
-              <a:alphaOff val="0"/>
-            </a:schemeClr>
-          </a:solidFill>
-          <a:prstDash val="solid"/>
-        </a:ln>
-        <a:effectLst/>
-      </dsp:spPr>
-      <dsp:style>
-        <a:lnRef idx="1">
-          <a:scrgbClr r="0" g="0" b="0"/>
-        </a:lnRef>
-        <a:fillRef idx="1">
-          <a:scrgbClr r="0" g="0" b="0"/>
-        </a:fillRef>
-        <a:effectRef idx="0">
-          <a:scrgbClr r="0" g="0" b="0"/>
-        </a:effectRef>
-        <a:fontRef idx="minor"/>
-      </dsp:style>
-      <dsp:txBody>
-        <a:bodyPr spcFirstLastPara="0" vert="horz" wrap="square" lIns="95250" tIns="95250" rIns="95250" bIns="95250" numCol="1" spcCol="1270" anchor="ctr" anchorCtr="0">
-          <a:noAutofit/>
-        </a:bodyPr>
-        <a:lstStyle/>
-        <a:p>
-          <a:pPr lvl="0" algn="ctr" defTabSz="1111250">
-            <a:lnSpc>
-              <a:spcPct val="90000"/>
-            </a:lnSpc>
-            <a:spcBef>
-              <a:spcPct val="0"/>
-            </a:spcBef>
-            <a:spcAft>
-              <a:spcPct val="35000"/>
-            </a:spcAft>
-          </a:pPr>
-          <a:r>
-            <a:rPr lang="en-US" sz="2500" kern="1200"/>
-            <a:t>Driver</a:t>
-          </a:r>
-        </a:p>
-      </dsp:txBody>
-      <dsp:txXfrm>
-        <a:off x="4196287" y="1531869"/>
-        <a:ext cx="1404597" cy="872112"/>
-      </dsp:txXfrm>
-    </dsp:sp>
-    <dsp:sp modelId="{C70FB97D-3476-4457-B500-58B89E7C3D9F}">
-      <dsp:nvSpPr>
-        <dsp:cNvPr id="0" name=""/>
-        <dsp:cNvSpPr/>
-      </dsp:nvSpPr>
-      <dsp:spPr>
-        <a:xfrm>
-          <a:off x="4007058" y="2701410"/>
-          <a:ext cx="1458863" cy="926378"/>
-        </a:xfrm>
-        <a:prstGeom prst="roundRect">
-          <a:avLst>
-            <a:gd name="adj" fmla="val 10000"/>
-          </a:avLst>
-        </a:prstGeom>
-        <a:gradFill rotWithShape="0">
-          <a:gsLst>
-            <a:gs pos="0">
-              <a:schemeClr val="accent1">
-                <a:hueOff val="0"/>
-                <a:satOff val="0"/>
-                <a:lumOff val="0"/>
-                <a:alphaOff val="0"/>
-                <a:tint val="50000"/>
-                <a:satMod val="300000"/>
-              </a:schemeClr>
-            </a:gs>
-            <a:gs pos="35000">
-              <a:schemeClr val="accent1">
-                <a:hueOff val="0"/>
-                <a:satOff val="0"/>
-                <a:lumOff val="0"/>
-                <a:alphaOff val="0"/>
-                <a:tint val="37000"/>
-                <a:satMod val="300000"/>
-              </a:schemeClr>
-            </a:gs>
-            <a:gs pos="100000">
-              <a:schemeClr val="accent1">
-                <a:hueOff val="0"/>
-                <a:satOff val="0"/>
-                <a:lumOff val="0"/>
-                <a:alphaOff val="0"/>
-                <a:tint val="15000"/>
-                <a:satMod val="350000"/>
-              </a:schemeClr>
-            </a:gs>
-          </a:gsLst>
-          <a:lin ang="16200000" scaled="1"/>
-        </a:gradFill>
-        <a:ln>
-          <a:noFill/>
-        </a:ln>
-        <a:effectLst>
-          <a:outerShdw blurRad="40000" dist="20000" dir="5400000" rotWithShape="0">
-            <a:srgbClr val="000000">
-              <a:alpha val="38000"/>
-            </a:srgbClr>
-          </a:outerShdw>
-        </a:effectLst>
-        <a:scene3d>
-          <a:camera prst="orthographicFront"/>
-          <a:lightRig rig="flat" dir="t"/>
-        </a:scene3d>
-        <a:sp3d prstMaterial="dkEdge">
-          <a:bevelT w="8200" h="38100"/>
-        </a:sp3d>
-      </dsp:spPr>
-      <dsp:style>
-        <a:lnRef idx="0">
-          <a:scrgbClr r="0" g="0" b="0"/>
-        </a:lnRef>
-        <a:fillRef idx="2">
-          <a:scrgbClr r="0" g="0" b="0"/>
-        </a:fillRef>
-        <a:effectRef idx="1">
-          <a:scrgbClr r="0" g="0" b="0"/>
-        </a:effectRef>
-        <a:fontRef idx="minor">
-          <a:schemeClr val="dk1"/>
-        </a:fontRef>
-      </dsp:style>
-    </dsp:sp>
-    <dsp:sp modelId="{E3382AB0-233E-41F7-8954-E4EC7E0596E2}">
-      <dsp:nvSpPr>
-        <dsp:cNvPr id="0" name=""/>
-        <dsp:cNvSpPr/>
-      </dsp:nvSpPr>
-      <dsp:spPr>
-        <a:xfrm>
-          <a:off x="4169154" y="2855401"/>
-          <a:ext cx="1458863" cy="926378"/>
-        </a:xfrm>
-        <a:prstGeom prst="roundRect">
-          <a:avLst>
-            <a:gd name="adj" fmla="val 10000"/>
-          </a:avLst>
-        </a:prstGeom>
-        <a:solidFill>
-          <a:schemeClr val="lt1">
-            <a:alpha val="90000"/>
-            <a:hueOff val="0"/>
-            <a:satOff val="0"/>
-            <a:lumOff val="0"/>
-            <a:alphaOff val="0"/>
-          </a:schemeClr>
-        </a:solidFill>
-        <a:ln w="9525" cap="flat" cmpd="sng" algn="ctr">
-          <a:solidFill>
-            <a:schemeClr val="accent1">
-              <a:hueOff val="0"/>
-              <a:satOff val="0"/>
-              <a:lumOff val="0"/>
-              <a:alphaOff val="0"/>
-            </a:schemeClr>
-          </a:solidFill>
-          <a:prstDash val="solid"/>
-        </a:ln>
-        <a:effectLst/>
-      </dsp:spPr>
-      <dsp:style>
-        <a:lnRef idx="1">
-          <a:scrgbClr r="0" g="0" b="0"/>
-        </a:lnRef>
-        <a:fillRef idx="1">
-          <a:scrgbClr r="0" g="0" b="0"/>
-        </a:fillRef>
-        <a:effectRef idx="0">
-          <a:scrgbClr r="0" g="0" b="0"/>
-        </a:effectRef>
-        <a:fontRef idx="minor"/>
-      </dsp:style>
-      <dsp:txBody>
-        <a:bodyPr spcFirstLastPara="0" vert="horz" wrap="square" lIns="95250" tIns="95250" rIns="95250" bIns="95250" numCol="1" spcCol="1270" anchor="ctr" anchorCtr="0">
-          <a:noAutofit/>
-        </a:bodyPr>
-        <a:lstStyle/>
-        <a:p>
-          <a:pPr lvl="0" algn="ctr" defTabSz="1111250">
-            <a:lnSpc>
-              <a:spcPct val="90000"/>
-            </a:lnSpc>
-            <a:spcBef>
-              <a:spcPct val="0"/>
-            </a:spcBef>
-            <a:spcAft>
-              <a:spcPct val="35000"/>
-            </a:spcAft>
-          </a:pPr>
-          <a:r>
-            <a:rPr lang="en-US" sz="2500" kern="1200"/>
-            <a:t>Module </a:t>
-          </a:r>
-        </a:p>
-      </dsp:txBody>
-      <dsp:txXfrm>
-        <a:off x="4196287" y="2882534"/>
-        <a:ext cx="1404597" cy="872112"/>
-      </dsp:txXfrm>
-    </dsp:sp>
-  </dsp:spTree>
-</dsp:drawing>
-</file>
-
-<file path=ppt/diagrams/drawing3.xml><?xml version="1.0" encoding="utf-8"?>
-<dsp:drawing xmlns:dgm="http://schemas.openxmlformats.org/drawingml/2006/diagram" xmlns:dsp="http://schemas.microsoft.com/office/drawing/2008/diagram" xmlns:a="http://schemas.openxmlformats.org/drawingml/2006/main">
-  <dsp:spTree>
-    <dsp:nvGrpSpPr>
-      <dsp:cNvPr id="0" name=""/>
-      <dsp:cNvGrpSpPr/>
-    </dsp:nvGrpSpPr>
-    <dsp:grpSpPr/>
-    <dsp:sp modelId="{878D33AF-0289-43FD-8413-D912E356CBB6}">
-      <dsp:nvSpPr>
-        <dsp:cNvPr id="0" name=""/>
-        <dsp:cNvSpPr/>
-      </dsp:nvSpPr>
-      <dsp:spPr>
-        <a:xfrm>
-          <a:off x="2663709" y="1369261"/>
-          <a:ext cx="1051156" cy="1051156"/>
-        </a:xfrm>
-        <a:prstGeom prst="ellipse">
+        <a:prstGeom prst="rect">
           <a:avLst/>
         </a:prstGeom>
         <a:solidFill>
@@ -6651,12 +6469,12 @@
         </a:fontRef>
       </dsp:style>
       <dsp:txBody>
-        <a:bodyPr spcFirstLastPara="0" vert="horz" wrap="square" lIns="8890" tIns="8890" rIns="8890" bIns="8890" numCol="1" spcCol="1270" anchor="ctr" anchorCtr="0">
+        <a:bodyPr spcFirstLastPara="0" vert="horz" wrap="square" lIns="10795" tIns="10795" rIns="10795" bIns="10795" numCol="1" spcCol="1270" anchor="ctr" anchorCtr="0">
           <a:noAutofit/>
         </a:bodyPr>
         <a:lstStyle/>
         <a:p>
-          <a:pPr lvl="0" algn="ctr" defTabSz="622300">
+          <a:pPr lvl="0" algn="ctr" defTabSz="755650">
             <a:lnSpc>
               <a:spcPct val="90000"/>
             </a:lnSpc>
@@ -6668,109 +6486,33 @@
             </a:spcAft>
           </a:pPr>
           <a:r>
-            <a:rPr lang="en-US" sz="1400" kern="1200"/>
-            <a:t>System Manager</a:t>
+            <a:rPr lang="it-IT" sz="1700" kern="1200"/>
+            <a:t>Taxi Driver Client</a:t>
           </a:r>
         </a:p>
       </dsp:txBody>
       <dsp:txXfrm>
-        <a:off x="2817647" y="1523199"/>
-        <a:ext cx="743280" cy="743280"/>
+        <a:off x="843057" y="307915"/>
+        <a:ext cx="1392334" cy="696167"/>
       </dsp:txXfrm>
     </dsp:sp>
-    <dsp:sp modelId="{E3DFBEAD-55A5-4E8B-A0B6-57D76A0359D5}">
-      <dsp:nvSpPr>
-        <dsp:cNvPr id="0" name=""/>
-        <dsp:cNvSpPr/>
-      </dsp:nvSpPr>
-      <dsp:spPr>
-        <a:xfrm rot="16200000">
-          <a:off x="3031210" y="1196353"/>
-          <a:ext cx="316153" cy="29663"/>
-        </a:xfrm>
-        <a:custGeom>
-          <a:avLst/>
-          <a:gdLst/>
-          <a:ahLst/>
-          <a:cxnLst/>
-          <a:rect l="0" t="0" r="0" b="0"/>
-          <a:pathLst>
-            <a:path>
-              <a:moveTo>
-                <a:pt x="0" y="14831"/>
-              </a:moveTo>
-              <a:lnTo>
-                <a:pt x="316153" y="14831"/>
-              </a:lnTo>
-            </a:path>
-          </a:pathLst>
-        </a:custGeom>
-        <a:noFill/>
-        <a:ln w="25400" cap="flat" cmpd="sng" algn="ctr">
-          <a:solidFill>
-            <a:schemeClr val="accent2">
-              <a:hueOff val="0"/>
-              <a:satOff val="0"/>
-              <a:lumOff val="0"/>
-              <a:alphaOff val="0"/>
-            </a:schemeClr>
-          </a:solidFill>
-          <a:prstDash val="solid"/>
-        </a:ln>
-        <a:effectLst/>
-      </dsp:spPr>
-      <dsp:style>
-        <a:lnRef idx="2">
-          <a:scrgbClr r="0" g="0" b="0"/>
-        </a:lnRef>
-        <a:fillRef idx="0">
-          <a:scrgbClr r="0" g="0" b="0"/>
-        </a:fillRef>
-        <a:effectRef idx="0">
-          <a:scrgbClr r="0" g="0" b="0"/>
-        </a:effectRef>
-        <a:fontRef idx="minor"/>
-      </dsp:style>
-      <dsp:txBody>
-        <a:bodyPr spcFirstLastPara="0" vert="horz" wrap="square" lIns="12700" tIns="0" rIns="12700" bIns="0" numCol="1" spcCol="1270" anchor="ctr" anchorCtr="0">
-          <a:noAutofit/>
-        </a:bodyPr>
-        <a:lstStyle/>
-        <a:p>
-          <a:pPr lvl="0" algn="ctr" defTabSz="222250">
-            <a:lnSpc>
-              <a:spcPct val="90000"/>
-            </a:lnSpc>
-            <a:spcBef>
-              <a:spcPct val="0"/>
-            </a:spcBef>
-            <a:spcAft>
-              <a:spcPct val="35000"/>
-            </a:spcAft>
-          </a:pPr>
-          <a:endParaRPr lang="en-US" sz="500" kern="1200"/>
-        </a:p>
-      </dsp:txBody>
-      <dsp:txXfrm>
-        <a:off x="3181383" y="1203281"/>
-        <a:ext cx="15807" cy="15807"/>
-      </dsp:txXfrm>
-    </dsp:sp>
-    <dsp:sp modelId="{0BC65567-9A01-4C42-8AF1-8591128463B7}">
+    <dsp:sp modelId="{BBFF5E3C-9B2A-4B1B-BE04-EF23872BAD53}">
       <dsp:nvSpPr>
         <dsp:cNvPr id="0" name=""/>
         <dsp:cNvSpPr/>
       </dsp:nvSpPr>
       <dsp:spPr>
         <a:xfrm>
-          <a:off x="2663709" y="1951"/>
-          <a:ext cx="1051156" cy="1051156"/>
+          <a:off x="694" y="1296473"/>
+          <a:ext cx="1392334" cy="696167"/>
         </a:xfrm>
-        <a:prstGeom prst="ellipse">
+        <a:prstGeom prst="rect">
           <a:avLst/>
         </a:prstGeom>
         <a:solidFill>
-          <a:srgbClr val="00B050"/>
+          <a:srgbClr val="00B050">
+            <a:alpha val="90000"/>
+          </a:srgbClr>
         </a:solidFill>
         <a:ln w="25400" cap="flat" cmpd="sng" algn="ctr">
           <a:solidFill>
@@ -6800,12 +6542,12 @@
         </a:fontRef>
       </dsp:style>
       <dsp:txBody>
-        <a:bodyPr spcFirstLastPara="0" vert="horz" wrap="square" lIns="6350" tIns="6350" rIns="6350" bIns="6350" numCol="1" spcCol="1270" anchor="ctr" anchorCtr="0">
+        <a:bodyPr spcFirstLastPara="0" vert="horz" wrap="square" lIns="10795" tIns="10795" rIns="10795" bIns="10795" numCol="1" spcCol="1270" anchor="ctr" anchorCtr="0">
           <a:noAutofit/>
         </a:bodyPr>
         <a:lstStyle/>
         <a:p>
-          <a:pPr lvl="0" algn="ctr" defTabSz="444500">
+          <a:pPr lvl="0" algn="ctr" defTabSz="755650">
             <a:lnSpc>
               <a:spcPct val="90000"/>
             </a:lnSpc>
@@ -6817,109 +6559,31 @@
             </a:spcAft>
           </a:pPr>
           <a:r>
-            <a:rPr lang="en-US" sz="1000" kern="1200"/>
-            <a:t>Reservation Manager</a:t>
+            <a:rPr lang="it-IT" sz="1700" kern="1200"/>
+            <a:t>Taxi Driver Manager (Stub)</a:t>
           </a:r>
         </a:p>
       </dsp:txBody>
       <dsp:txXfrm>
-        <a:off x="2817647" y="155889"/>
-        <a:ext cx="743280" cy="743280"/>
+        <a:off x="694" y="1296473"/>
+        <a:ext cx="1392334" cy="696167"/>
       </dsp:txXfrm>
     </dsp:sp>
-    <dsp:sp modelId="{69157A78-35A6-4DFE-84AD-5E59F8DB4A14}">
-      <dsp:nvSpPr>
-        <dsp:cNvPr id="0" name=""/>
-        <dsp:cNvSpPr/>
-      </dsp:nvSpPr>
-      <dsp:spPr>
-        <a:xfrm rot="19800000">
-          <a:off x="3623273" y="1538180"/>
-          <a:ext cx="316153" cy="29663"/>
-        </a:xfrm>
-        <a:custGeom>
-          <a:avLst/>
-          <a:gdLst/>
-          <a:ahLst/>
-          <a:cxnLst/>
-          <a:rect l="0" t="0" r="0" b="0"/>
-          <a:pathLst>
-            <a:path>
-              <a:moveTo>
-                <a:pt x="0" y="14831"/>
-              </a:moveTo>
-              <a:lnTo>
-                <a:pt x="316153" y="14831"/>
-              </a:lnTo>
-            </a:path>
-          </a:pathLst>
-        </a:custGeom>
-        <a:noFill/>
-        <a:ln w="25400" cap="flat" cmpd="sng" algn="ctr">
-          <a:solidFill>
-            <a:schemeClr val="accent2">
-              <a:hueOff val="0"/>
-              <a:satOff val="0"/>
-              <a:lumOff val="0"/>
-              <a:alphaOff val="0"/>
-            </a:schemeClr>
-          </a:solidFill>
-          <a:prstDash val="solid"/>
-        </a:ln>
-        <a:effectLst/>
-      </dsp:spPr>
-      <dsp:style>
-        <a:lnRef idx="2">
-          <a:scrgbClr r="0" g="0" b="0"/>
-        </a:lnRef>
-        <a:fillRef idx="0">
-          <a:scrgbClr r="0" g="0" b="0"/>
-        </a:fillRef>
-        <a:effectRef idx="0">
-          <a:scrgbClr r="0" g="0" b="0"/>
-        </a:effectRef>
-        <a:fontRef idx="minor"/>
-      </dsp:style>
-      <dsp:txBody>
-        <a:bodyPr spcFirstLastPara="0" vert="horz" wrap="square" lIns="12700" tIns="0" rIns="12700" bIns="0" numCol="1" spcCol="1270" anchor="ctr" anchorCtr="0">
-          <a:noAutofit/>
-        </a:bodyPr>
-        <a:lstStyle/>
-        <a:p>
-          <a:pPr lvl="0" algn="ctr" defTabSz="222250">
-            <a:lnSpc>
-              <a:spcPct val="90000"/>
-            </a:lnSpc>
-            <a:spcBef>
-              <a:spcPct val="0"/>
-            </a:spcBef>
-            <a:spcAft>
-              <a:spcPct val="35000"/>
-            </a:spcAft>
-          </a:pPr>
-          <a:endParaRPr lang="en-US" sz="500" kern="1200"/>
-        </a:p>
-      </dsp:txBody>
-      <dsp:txXfrm>
-        <a:off x="3773446" y="1545108"/>
-        <a:ext cx="15807" cy="15807"/>
-      </dsp:txXfrm>
-    </dsp:sp>
-    <dsp:sp modelId="{8B913BC2-EB6E-4AAD-9FC1-062663CD66A5}">
+    <dsp:sp modelId="{14B1EEE5-4C71-4524-B177-37FA7452C900}">
       <dsp:nvSpPr>
         <dsp:cNvPr id="0" name=""/>
         <dsp:cNvSpPr/>
       </dsp:nvSpPr>
       <dsp:spPr>
         <a:xfrm>
-          <a:off x="3847834" y="685606"/>
-          <a:ext cx="1051156" cy="1051156"/>
+          <a:off x="1685420" y="1296473"/>
+          <a:ext cx="1392334" cy="696167"/>
         </a:xfrm>
-        <a:prstGeom prst="ellipse">
+        <a:prstGeom prst="rect">
           <a:avLst/>
         </a:prstGeom>
         <a:solidFill>
-          <a:schemeClr val="accent3">
+          <a:schemeClr val="accent1">
             <a:hueOff val="0"/>
             <a:satOff val="0"/>
             <a:lumOff val="0"/>
@@ -6954,12 +6618,12 @@
         </a:fontRef>
       </dsp:style>
       <dsp:txBody>
-        <a:bodyPr spcFirstLastPara="0" vert="horz" wrap="square" lIns="6350" tIns="6350" rIns="6350" bIns="6350" numCol="1" spcCol="1270" anchor="ctr" anchorCtr="0">
+        <a:bodyPr spcFirstLastPara="0" vert="horz" wrap="square" lIns="10795" tIns="10795" rIns="10795" bIns="10795" numCol="1" spcCol="1270" anchor="ctr" anchorCtr="0">
           <a:noAutofit/>
         </a:bodyPr>
         <a:lstStyle/>
         <a:p>
-          <a:pPr lvl="0" algn="ctr" defTabSz="444500">
+          <a:pPr lvl="0" algn="ctr" defTabSz="755650">
             <a:lnSpc>
               <a:spcPct val="90000"/>
             </a:lnSpc>
@@ -6971,109 +6635,31 @@
             </a:spcAft>
           </a:pPr>
           <a:r>
-            <a:rPr lang="en-US" sz="1000" kern="1200"/>
-            <a:t>Queue Manager</a:t>
+            <a:rPr lang="it-IT" sz="1700" kern="1200"/>
+            <a:t>Google Maps</a:t>
           </a:r>
         </a:p>
       </dsp:txBody>
       <dsp:txXfrm>
-        <a:off x="4001772" y="839544"/>
-        <a:ext cx="743280" cy="743280"/>
+        <a:off x="1685420" y="1296473"/>
+        <a:ext cx="1392334" cy="696167"/>
       </dsp:txXfrm>
     </dsp:sp>
-    <dsp:sp modelId="{E02890E7-A576-456A-85DB-8DF46A95F307}">
-      <dsp:nvSpPr>
-        <dsp:cNvPr id="0" name=""/>
-        <dsp:cNvSpPr/>
-      </dsp:nvSpPr>
-      <dsp:spPr>
-        <a:xfrm rot="1800000">
-          <a:off x="3623273" y="2221835"/>
-          <a:ext cx="316153" cy="29663"/>
-        </a:xfrm>
-        <a:custGeom>
-          <a:avLst/>
-          <a:gdLst/>
-          <a:ahLst/>
-          <a:cxnLst/>
-          <a:rect l="0" t="0" r="0" b="0"/>
-          <a:pathLst>
-            <a:path>
-              <a:moveTo>
-                <a:pt x="0" y="14831"/>
-              </a:moveTo>
-              <a:lnTo>
-                <a:pt x="316153" y="14831"/>
-              </a:lnTo>
-            </a:path>
-          </a:pathLst>
-        </a:custGeom>
-        <a:noFill/>
-        <a:ln w="25400" cap="flat" cmpd="sng" algn="ctr">
-          <a:solidFill>
-            <a:schemeClr val="accent2">
-              <a:hueOff val="0"/>
-              <a:satOff val="0"/>
-              <a:lumOff val="0"/>
-              <a:alphaOff val="0"/>
-            </a:schemeClr>
-          </a:solidFill>
-          <a:prstDash val="solid"/>
-        </a:ln>
-        <a:effectLst/>
-      </dsp:spPr>
-      <dsp:style>
-        <a:lnRef idx="2">
-          <a:scrgbClr r="0" g="0" b="0"/>
-        </a:lnRef>
-        <a:fillRef idx="0">
-          <a:scrgbClr r="0" g="0" b="0"/>
-        </a:fillRef>
-        <a:effectRef idx="0">
-          <a:scrgbClr r="0" g="0" b="0"/>
-        </a:effectRef>
-        <a:fontRef idx="minor"/>
-      </dsp:style>
-      <dsp:txBody>
-        <a:bodyPr spcFirstLastPara="0" vert="horz" wrap="square" lIns="12700" tIns="0" rIns="12700" bIns="0" numCol="1" spcCol="1270" anchor="ctr" anchorCtr="0">
-          <a:noAutofit/>
-        </a:bodyPr>
-        <a:lstStyle/>
-        <a:p>
-          <a:pPr lvl="0" algn="ctr" defTabSz="222250">
-            <a:lnSpc>
-              <a:spcPct val="90000"/>
-            </a:lnSpc>
-            <a:spcBef>
-              <a:spcPct val="0"/>
-            </a:spcBef>
-            <a:spcAft>
-              <a:spcPct val="35000"/>
-            </a:spcAft>
-          </a:pPr>
-          <a:endParaRPr lang="en-US" sz="500" kern="1200"/>
-        </a:p>
-      </dsp:txBody>
-      <dsp:txXfrm>
-        <a:off x="3773446" y="2228763"/>
-        <a:ext cx="15807" cy="15807"/>
-      </dsp:txXfrm>
-    </dsp:sp>
-    <dsp:sp modelId="{F6F646E6-46CD-4E75-93FC-6902E870CC78}">
+    <dsp:sp modelId="{8FB154D5-A434-41F1-A130-60D2D9493CC3}">
       <dsp:nvSpPr>
         <dsp:cNvPr id="0" name=""/>
         <dsp:cNvSpPr/>
       </dsp:nvSpPr>
       <dsp:spPr>
         <a:xfrm>
-          <a:off x="3847834" y="2052916"/>
-          <a:ext cx="1051156" cy="1051156"/>
+          <a:off x="4212507" y="307915"/>
+          <a:ext cx="1392334" cy="696167"/>
         </a:xfrm>
-        <a:prstGeom prst="ellipse">
+        <a:prstGeom prst="rect">
           <a:avLst/>
         </a:prstGeom>
         <a:solidFill>
-          <a:schemeClr val="accent4">
+          <a:schemeClr val="accent1">
             <a:hueOff val="0"/>
             <a:satOff val="0"/>
             <a:lumOff val="0"/>
@@ -7108,12 +6694,12 @@
         </a:fontRef>
       </dsp:style>
       <dsp:txBody>
-        <a:bodyPr spcFirstLastPara="0" vert="horz" wrap="square" lIns="6350" tIns="6350" rIns="6350" bIns="6350" numCol="1" spcCol="1270" anchor="ctr" anchorCtr="0">
+        <a:bodyPr spcFirstLastPara="0" vert="horz" wrap="square" lIns="10795" tIns="10795" rIns="10795" bIns="10795" numCol="1" spcCol="1270" anchor="ctr" anchorCtr="0">
           <a:noAutofit/>
         </a:bodyPr>
         <a:lstStyle/>
         <a:p>
-          <a:pPr lvl="0" algn="ctr" defTabSz="444500">
+          <a:pPr lvl="0" algn="ctr" defTabSz="755650">
             <a:lnSpc>
               <a:spcPct val="90000"/>
             </a:lnSpc>
@@ -7125,47 +6711,35 @@
             </a:spcAft>
           </a:pPr>
           <a:r>
-            <a:rPr lang="en-US" sz="1000" kern="1200"/>
-            <a:t>Taxi Driver Manager</a:t>
+            <a:rPr lang="it-IT" sz="1700" kern="1200"/>
+            <a:t>Customer Client</a:t>
           </a:r>
         </a:p>
       </dsp:txBody>
       <dsp:txXfrm>
-        <a:off x="4001772" y="2206854"/>
-        <a:ext cx="743280" cy="743280"/>
+        <a:off x="4212507" y="307915"/>
+        <a:ext cx="1392334" cy="696167"/>
       </dsp:txXfrm>
     </dsp:sp>
-    <dsp:sp modelId="{81ECC9BC-8938-4FC1-8C62-0FB6B015624D}">
+    <dsp:sp modelId="{E1F886F9-88B9-4719-9A8C-81689D4CAA77}">
       <dsp:nvSpPr>
         <dsp:cNvPr id="0" name=""/>
         <dsp:cNvSpPr/>
       </dsp:nvSpPr>
       <dsp:spPr>
-        <a:xfrm rot="5400000">
-          <a:off x="3031210" y="2563663"/>
-          <a:ext cx="316153" cy="29663"/>
+        <a:xfrm>
+          <a:off x="3370145" y="1296473"/>
+          <a:ext cx="1392334" cy="696167"/>
         </a:xfrm>
-        <a:custGeom>
+        <a:prstGeom prst="rect">
           <a:avLst/>
-          <a:gdLst/>
-          <a:ahLst/>
-          <a:cxnLst/>
-          <a:rect l="0" t="0" r="0" b="0"/>
-          <a:pathLst>
-            <a:path>
-              <a:moveTo>
-                <a:pt x="0" y="14831"/>
-              </a:moveTo>
-              <a:lnTo>
-                <a:pt x="316153" y="14831"/>
-              </a:lnTo>
-            </a:path>
-          </a:pathLst>
-        </a:custGeom>
-        <a:noFill/>
+        </a:prstGeom>
+        <a:solidFill>
+          <a:srgbClr val="00B050"/>
+        </a:solidFill>
         <a:ln w="25400" cap="flat" cmpd="sng" algn="ctr">
           <a:solidFill>
-            <a:schemeClr val="accent2">
+            <a:schemeClr val="lt1">
               <a:hueOff val="0"/>
               <a:satOff val="0"/>
               <a:lumOff val="0"/>
@@ -7180,21 +6754,23 @@
         <a:lnRef idx="2">
           <a:scrgbClr r="0" g="0" b="0"/>
         </a:lnRef>
-        <a:fillRef idx="0">
+        <a:fillRef idx="1">
           <a:scrgbClr r="0" g="0" b="0"/>
         </a:fillRef>
         <a:effectRef idx="0">
           <a:scrgbClr r="0" g="0" b="0"/>
         </a:effectRef>
-        <a:fontRef idx="minor"/>
+        <a:fontRef idx="minor">
+          <a:schemeClr val="lt1"/>
+        </a:fontRef>
       </dsp:style>
       <dsp:txBody>
-        <a:bodyPr spcFirstLastPara="0" vert="horz" wrap="square" lIns="12700" tIns="0" rIns="12700" bIns="0" numCol="1" spcCol="1270" anchor="ctr" anchorCtr="0">
+        <a:bodyPr spcFirstLastPara="0" vert="horz" wrap="square" lIns="10795" tIns="10795" rIns="10795" bIns="10795" numCol="1" spcCol="1270" anchor="ctr" anchorCtr="0">
           <a:noAutofit/>
         </a:bodyPr>
         <a:lstStyle/>
         <a:p>
-          <a:pPr lvl="0" algn="ctr" defTabSz="222250">
+          <a:pPr lvl="0" algn="ctr" defTabSz="755650">
             <a:lnSpc>
               <a:spcPct val="90000"/>
             </a:lnSpc>
@@ -7205,29 +6781,32 @@
               <a:spcPct val="35000"/>
             </a:spcAft>
           </a:pPr>
-          <a:endParaRPr lang="en-US" sz="500" kern="1200"/>
+          <a:r>
+            <a:rPr lang="it-IT" sz="1700" kern="1200"/>
+            <a:t>Customer Manager (Stub)</a:t>
+          </a:r>
         </a:p>
       </dsp:txBody>
       <dsp:txXfrm>
-        <a:off x="3181383" y="2570591"/>
-        <a:ext cx="15807" cy="15807"/>
+        <a:off x="3370145" y="1296473"/>
+        <a:ext cx="1392334" cy="696167"/>
       </dsp:txXfrm>
     </dsp:sp>
-    <dsp:sp modelId="{F6A38BA2-D7DB-436A-AC47-4577B3CBEE44}">
+    <dsp:sp modelId="{6C2016BF-9E70-4730-BFA8-E568D963BA59}">
       <dsp:nvSpPr>
         <dsp:cNvPr id="0" name=""/>
         <dsp:cNvSpPr/>
       </dsp:nvSpPr>
       <dsp:spPr>
         <a:xfrm>
-          <a:off x="2663709" y="2736571"/>
-          <a:ext cx="1051156" cy="1051156"/>
+          <a:off x="5054870" y="1296473"/>
+          <a:ext cx="1392334" cy="696167"/>
         </a:xfrm>
-        <a:prstGeom prst="ellipse">
+        <a:prstGeom prst="rect">
           <a:avLst/>
         </a:prstGeom>
         <a:solidFill>
-          <a:schemeClr val="accent5">
+          <a:schemeClr val="accent1">
             <a:hueOff val="0"/>
             <a:satOff val="0"/>
             <a:lumOff val="0"/>
@@ -7262,12 +6841,12 @@
         </a:fontRef>
       </dsp:style>
       <dsp:txBody>
-        <a:bodyPr spcFirstLastPara="0" vert="horz" wrap="square" lIns="6350" tIns="6350" rIns="6350" bIns="6350" numCol="1" spcCol="1270" anchor="ctr" anchorCtr="0">
+        <a:bodyPr spcFirstLastPara="0" vert="horz" wrap="square" lIns="10795" tIns="10795" rIns="10795" bIns="10795" numCol="1" spcCol="1270" anchor="ctr" anchorCtr="0">
           <a:noAutofit/>
         </a:bodyPr>
         <a:lstStyle/>
         <a:p>
-          <a:pPr lvl="0" algn="ctr" defTabSz="444500">
+          <a:pPr lvl="0" algn="ctr" defTabSz="755650">
             <a:lnSpc>
               <a:spcPct val="90000"/>
             </a:lnSpc>
@@ -7279,109 +6858,31 @@
             </a:spcAft>
           </a:pPr>
           <a:r>
-            <a:rPr lang="en-US" sz="1000" kern="1200"/>
-            <a:t>Customer Manager</a:t>
+            <a:rPr lang="it-IT" sz="1700" kern="1200"/>
+            <a:t>Google Maps</a:t>
           </a:r>
         </a:p>
       </dsp:txBody>
       <dsp:txXfrm>
-        <a:off x="2817647" y="2890509"/>
-        <a:ext cx="743280" cy="743280"/>
+        <a:off x="5054870" y="1296473"/>
+        <a:ext cx="1392334" cy="696167"/>
       </dsp:txXfrm>
     </dsp:sp>
-    <dsp:sp modelId="{3D543633-D88F-46BA-BC2E-E2DD8391E789}">
-      <dsp:nvSpPr>
-        <dsp:cNvPr id="0" name=""/>
-        <dsp:cNvSpPr/>
-      </dsp:nvSpPr>
-      <dsp:spPr>
-        <a:xfrm rot="9000000">
-          <a:off x="2439148" y="2221835"/>
-          <a:ext cx="316153" cy="29663"/>
-        </a:xfrm>
-        <a:custGeom>
-          <a:avLst/>
-          <a:gdLst/>
-          <a:ahLst/>
-          <a:cxnLst/>
-          <a:rect l="0" t="0" r="0" b="0"/>
-          <a:pathLst>
-            <a:path>
-              <a:moveTo>
-                <a:pt x="0" y="14831"/>
-              </a:moveTo>
-              <a:lnTo>
-                <a:pt x="316153" y="14831"/>
-              </a:lnTo>
-            </a:path>
-          </a:pathLst>
-        </a:custGeom>
-        <a:noFill/>
-        <a:ln w="25400" cap="flat" cmpd="sng" algn="ctr">
-          <a:solidFill>
-            <a:schemeClr val="accent2">
-              <a:hueOff val="0"/>
-              <a:satOff val="0"/>
-              <a:lumOff val="0"/>
-              <a:alphaOff val="0"/>
-            </a:schemeClr>
-          </a:solidFill>
-          <a:prstDash val="solid"/>
-        </a:ln>
-        <a:effectLst/>
-      </dsp:spPr>
-      <dsp:style>
-        <a:lnRef idx="2">
-          <a:scrgbClr r="0" g="0" b="0"/>
-        </a:lnRef>
-        <a:fillRef idx="0">
-          <a:scrgbClr r="0" g="0" b="0"/>
-        </a:fillRef>
-        <a:effectRef idx="0">
-          <a:scrgbClr r="0" g="0" b="0"/>
-        </a:effectRef>
-        <a:fontRef idx="minor"/>
-      </dsp:style>
-      <dsp:txBody>
-        <a:bodyPr spcFirstLastPara="0" vert="horz" wrap="square" lIns="12700" tIns="0" rIns="12700" bIns="0" numCol="1" spcCol="1270" anchor="ctr" anchorCtr="0">
-          <a:noAutofit/>
-        </a:bodyPr>
-        <a:lstStyle/>
-        <a:p>
-          <a:pPr lvl="0" algn="ctr" defTabSz="222250">
-            <a:lnSpc>
-              <a:spcPct val="90000"/>
-            </a:lnSpc>
-            <a:spcBef>
-              <a:spcPct val="0"/>
-            </a:spcBef>
-            <a:spcAft>
-              <a:spcPct val="35000"/>
-            </a:spcAft>
-          </a:pPr>
-          <a:endParaRPr lang="en-US" sz="500" kern="1200"/>
-        </a:p>
-      </dsp:txBody>
-      <dsp:txXfrm rot="10800000">
-        <a:off x="2589321" y="2228763"/>
-        <a:ext cx="15807" cy="15807"/>
-      </dsp:txXfrm>
-    </dsp:sp>
-    <dsp:sp modelId="{0A962CA0-5C52-474F-BC06-1B74F86A12FF}">
+    <dsp:sp modelId="{CE27F933-8D77-4D85-8696-E3967230656F}">
       <dsp:nvSpPr>
         <dsp:cNvPr id="0" name=""/>
         <dsp:cNvSpPr/>
       </dsp:nvSpPr>
       <dsp:spPr>
         <a:xfrm>
-          <a:off x="1479584" y="2052916"/>
-          <a:ext cx="1051156" cy="1051156"/>
+          <a:off x="6739595" y="307915"/>
+          <a:ext cx="1392334" cy="696167"/>
         </a:xfrm>
-        <a:prstGeom prst="ellipse">
+        <a:prstGeom prst="rect">
           <a:avLst/>
         </a:prstGeom>
         <a:solidFill>
-          <a:schemeClr val="accent6">
+          <a:schemeClr val="accent1">
             <a:hueOff val="0"/>
             <a:satOff val="0"/>
             <a:lumOff val="0"/>
@@ -7416,12 +6917,12 @@
         </a:fontRef>
       </dsp:style>
       <dsp:txBody>
-        <a:bodyPr spcFirstLastPara="0" vert="horz" wrap="square" lIns="6350" tIns="6350" rIns="6350" bIns="6350" numCol="1" spcCol="1270" anchor="ctr" anchorCtr="0">
+        <a:bodyPr spcFirstLastPara="0" vert="horz" wrap="square" lIns="10795" tIns="10795" rIns="10795" bIns="10795" numCol="1" spcCol="1270" anchor="ctr" anchorCtr="0">
           <a:noAutofit/>
         </a:bodyPr>
         <a:lstStyle/>
         <a:p>
-          <a:pPr lvl="0" algn="ctr" defTabSz="444500">
+          <a:pPr lvl="0" algn="ctr" defTabSz="755650">
             <a:lnSpc>
               <a:spcPct val="90000"/>
             </a:lnSpc>
@@ -7433,114 +6934,33 @@
             </a:spcAft>
           </a:pPr>
           <a:r>
-            <a:rPr lang="en-US" sz="1000" kern="1200"/>
-            <a:t>Maps Manager</a:t>
+            <a:rPr lang="it-IT" sz="1700" kern="1200"/>
+            <a:t>SysAdmin Client</a:t>
           </a:r>
         </a:p>
       </dsp:txBody>
       <dsp:txXfrm>
-        <a:off x="1633522" y="2206854"/>
-        <a:ext cx="743280" cy="743280"/>
+        <a:off x="6739595" y="307915"/>
+        <a:ext cx="1392334" cy="696167"/>
       </dsp:txXfrm>
     </dsp:sp>
-    <dsp:sp modelId="{6361194B-F19F-4FBC-9FAF-EF0D89B9D070}">
-      <dsp:nvSpPr>
-        <dsp:cNvPr id="0" name=""/>
-        <dsp:cNvSpPr/>
-      </dsp:nvSpPr>
-      <dsp:spPr>
-        <a:xfrm rot="12600000">
-          <a:off x="2439148" y="1538180"/>
-          <a:ext cx="316153" cy="29663"/>
-        </a:xfrm>
-        <a:custGeom>
-          <a:avLst/>
-          <a:gdLst/>
-          <a:ahLst/>
-          <a:cxnLst/>
-          <a:rect l="0" t="0" r="0" b="0"/>
-          <a:pathLst>
-            <a:path>
-              <a:moveTo>
-                <a:pt x="0" y="14831"/>
-              </a:moveTo>
-              <a:lnTo>
-                <a:pt x="316153" y="14831"/>
-              </a:lnTo>
-            </a:path>
-          </a:pathLst>
-        </a:custGeom>
-        <a:noFill/>
-        <a:ln w="25400" cap="flat" cmpd="sng" algn="ctr">
-          <a:solidFill>
-            <a:schemeClr val="accent2">
-              <a:hueOff val="0"/>
-              <a:satOff val="0"/>
-              <a:lumOff val="0"/>
-              <a:alphaOff val="0"/>
-            </a:schemeClr>
-          </a:solidFill>
-          <a:prstDash val="solid"/>
-        </a:ln>
-        <a:effectLst/>
-      </dsp:spPr>
-      <dsp:style>
-        <a:lnRef idx="2">
-          <a:scrgbClr r="0" g="0" b="0"/>
-        </a:lnRef>
-        <a:fillRef idx="0">
-          <a:scrgbClr r="0" g="0" b="0"/>
-        </a:fillRef>
-        <a:effectRef idx="0">
-          <a:scrgbClr r="0" g="0" b="0"/>
-        </a:effectRef>
-        <a:fontRef idx="minor"/>
-      </dsp:style>
-      <dsp:txBody>
-        <a:bodyPr spcFirstLastPara="0" vert="horz" wrap="square" lIns="12700" tIns="0" rIns="12700" bIns="0" numCol="1" spcCol="1270" anchor="ctr" anchorCtr="0">
-          <a:noAutofit/>
-        </a:bodyPr>
-        <a:lstStyle/>
-        <a:p>
-          <a:pPr lvl="0" algn="ctr" defTabSz="222250">
-            <a:lnSpc>
-              <a:spcPct val="90000"/>
-            </a:lnSpc>
-            <a:spcBef>
-              <a:spcPct val="0"/>
-            </a:spcBef>
-            <a:spcAft>
-              <a:spcPct val="35000"/>
-            </a:spcAft>
-          </a:pPr>
-          <a:endParaRPr lang="en-US" sz="500" kern="1200"/>
-        </a:p>
-      </dsp:txBody>
-      <dsp:txXfrm rot="10800000">
-        <a:off x="2589321" y="1545108"/>
-        <a:ext cx="15807" cy="15807"/>
-      </dsp:txXfrm>
-    </dsp:sp>
-    <dsp:sp modelId="{354D36A9-8D17-42C5-9B77-C722DA8ADE58}">
+    <dsp:sp modelId="{E7D8C507-142F-41E4-8BB3-C6F66FEA7962}">
       <dsp:nvSpPr>
         <dsp:cNvPr id="0" name=""/>
         <dsp:cNvSpPr/>
       </dsp:nvSpPr>
       <dsp:spPr>
         <a:xfrm>
-          <a:off x="1479584" y="685606"/>
-          <a:ext cx="1051156" cy="1051156"/>
+          <a:off x="6739595" y="1296473"/>
+          <a:ext cx="1392334" cy="696167"/>
         </a:xfrm>
-        <a:prstGeom prst="ellipse">
+        <a:prstGeom prst="rect">
           <a:avLst/>
         </a:prstGeom>
         <a:solidFill>
-          <a:schemeClr val="accent2">
-            <a:hueOff val="0"/>
-            <a:satOff val="0"/>
-            <a:lumOff val="0"/>
-            <a:alphaOff val="0"/>
-          </a:schemeClr>
+          <a:srgbClr val="00B050">
+            <a:alpha val="90000"/>
+          </a:srgbClr>
         </a:solidFill>
         <a:ln w="25400" cap="flat" cmpd="sng" algn="ctr">
           <a:solidFill>
@@ -7570,12 +6990,12 @@
         </a:fontRef>
       </dsp:style>
       <dsp:txBody>
-        <a:bodyPr spcFirstLastPara="0" vert="horz" wrap="square" lIns="6350" tIns="6350" rIns="6350" bIns="6350" numCol="1" spcCol="1270" anchor="ctr" anchorCtr="0">
+        <a:bodyPr spcFirstLastPara="0" vert="horz" wrap="square" lIns="10795" tIns="10795" rIns="10795" bIns="10795" numCol="1" spcCol="1270" anchor="ctr" anchorCtr="0">
           <a:noAutofit/>
         </a:bodyPr>
         <a:lstStyle/>
         <a:p>
-          <a:pPr lvl="0" algn="ctr" defTabSz="444500">
+          <a:pPr lvl="0" algn="ctr" defTabSz="755650">
             <a:lnSpc>
               <a:spcPct val="90000"/>
             </a:lnSpc>
@@ -7587,14 +7007,14 @@
             </a:spcAft>
           </a:pPr>
           <a:r>
-            <a:rPr lang="en-US" sz="1000" kern="1200"/>
-            <a:t>External Components</a:t>
+            <a:rPr lang="it-IT" sz="1700" kern="1200"/>
+            <a:t>System Manager (Stub)</a:t>
           </a:r>
         </a:p>
       </dsp:txBody>
       <dsp:txXfrm>
-        <a:off x="1633522" y="839544"/>
-        <a:ext cx="743280" cy="743280"/>
+        <a:off x="6739595" y="1296473"/>
+        <a:ext cx="1392334" cy="696167"/>
       </dsp:txXfrm>
     </dsp:sp>
   </dsp:spTree>
@@ -8580,6 +8000,1152 @@
 </dgm:layoutDef>
 </file>
 
+<file path=ppt/diagrams/layout4.xml><?xml version="1.0" encoding="utf-8"?>
+<dgm:layoutDef xmlns:dgm="http://schemas.openxmlformats.org/drawingml/2006/diagram" xmlns:a="http://schemas.openxmlformats.org/drawingml/2006/main" uniqueId="urn:microsoft.com/office/officeart/2005/8/layout/orgChart1">
+  <dgm:title val=""/>
+  <dgm:desc val=""/>
+  <dgm:catLst>
+    <dgm:cat type="hierarchy" pri="1000"/>
+    <dgm:cat type="convert" pri="6000"/>
+  </dgm:catLst>
+  <dgm:sampData>
+    <dgm:dataModel>
+      <dgm:ptLst>
+        <dgm:pt modelId="0" type="doc"/>
+        <dgm:pt modelId="1">
+          <dgm:prSet phldr="1"/>
+        </dgm:pt>
+        <dgm:pt modelId="2" type="asst">
+          <dgm:prSet phldr="1"/>
+        </dgm:pt>
+        <dgm:pt modelId="3">
+          <dgm:prSet phldr="1"/>
+        </dgm:pt>
+        <dgm:pt modelId="4">
+          <dgm:prSet phldr="1"/>
+        </dgm:pt>
+        <dgm:pt modelId="5">
+          <dgm:prSet phldr="1"/>
+        </dgm:pt>
+      </dgm:ptLst>
+      <dgm:cxnLst>
+        <dgm:cxn modelId="5" srcId="0" destId="1" srcOrd="0" destOrd="0"/>
+        <dgm:cxn modelId="6" srcId="1" destId="2" srcOrd="0" destOrd="0"/>
+        <dgm:cxn modelId="7" srcId="1" destId="3" srcOrd="1" destOrd="0"/>
+        <dgm:cxn modelId="8" srcId="1" destId="4" srcOrd="2" destOrd="0"/>
+        <dgm:cxn modelId="9" srcId="1" destId="5" srcOrd="3" destOrd="0"/>
+      </dgm:cxnLst>
+      <dgm:bg/>
+      <dgm:whole/>
+    </dgm:dataModel>
+  </dgm:sampData>
+  <dgm:styleData>
+    <dgm:dataModel>
+      <dgm:ptLst>
+        <dgm:pt modelId="0" type="doc"/>
+        <dgm:pt modelId="1"/>
+        <dgm:pt modelId="12"/>
+        <dgm:pt modelId="13"/>
+      </dgm:ptLst>
+      <dgm:cxnLst>
+        <dgm:cxn modelId="2" srcId="0" destId="1" srcOrd="0" destOrd="0"/>
+        <dgm:cxn modelId="16" srcId="1" destId="12" srcOrd="1" destOrd="0"/>
+        <dgm:cxn modelId="17" srcId="1" destId="13" srcOrd="2" destOrd="0"/>
+      </dgm:cxnLst>
+      <dgm:bg/>
+      <dgm:whole/>
+    </dgm:dataModel>
+  </dgm:styleData>
+  <dgm:clrData>
+    <dgm:dataModel>
+      <dgm:ptLst>
+        <dgm:pt modelId="0" type="doc"/>
+        <dgm:pt modelId="1"/>
+        <dgm:pt modelId="11" type="asst"/>
+        <dgm:pt modelId="12"/>
+        <dgm:pt modelId="13"/>
+        <dgm:pt modelId="14"/>
+      </dgm:ptLst>
+      <dgm:cxnLst>
+        <dgm:cxn modelId="2" srcId="0" destId="1" srcOrd="0" destOrd="0"/>
+        <dgm:cxn modelId="15" srcId="1" destId="11" srcOrd="0" destOrd="0"/>
+        <dgm:cxn modelId="16" srcId="1" destId="12" srcOrd="1" destOrd="0"/>
+        <dgm:cxn modelId="17" srcId="1" destId="13" srcOrd="2" destOrd="0"/>
+        <dgm:cxn modelId="18" srcId="1" destId="14" srcOrd="2" destOrd="0"/>
+      </dgm:cxnLst>
+      <dgm:bg/>
+      <dgm:whole/>
+    </dgm:dataModel>
+  </dgm:clrData>
+  <dgm:layoutNode name="hierChild1">
+    <dgm:varLst>
+      <dgm:orgChart val="1"/>
+      <dgm:chPref val="1"/>
+      <dgm:dir/>
+      <dgm:animOne val="branch"/>
+      <dgm:animLvl val="lvl"/>
+      <dgm:resizeHandles/>
+    </dgm:varLst>
+    <dgm:choose name="Name0">
+      <dgm:if name="Name1" func="var" arg="dir" op="equ" val="norm">
+        <dgm:alg type="hierChild">
+          <dgm:param type="linDir" val="fromL"/>
+        </dgm:alg>
+      </dgm:if>
+      <dgm:else name="Name2">
+        <dgm:alg type="hierChild">
+          <dgm:param type="linDir" val="fromR"/>
+        </dgm:alg>
+      </dgm:else>
+    </dgm:choose>
+    <dgm:shape xmlns:r="http://schemas.openxmlformats.org/officeDocument/2006/relationships" r:blip="">
+      <dgm:adjLst/>
+    </dgm:shape>
+    <dgm:presOf/>
+    <dgm:constrLst>
+      <dgm:constr type="w" for="des" forName="rootComposite1" refType="w" fact="10"/>
+      <dgm:constr type="h" for="des" forName="rootComposite1" refType="w" refFor="des" refForName="rootComposite1" fact="0.5"/>
+      <dgm:constr type="w" for="des" forName="rootComposite" refType="w" fact="10"/>
+      <dgm:constr type="h" for="des" forName="rootComposite" refType="w" refFor="des" refForName="rootComposite1" fact="0.5"/>
+      <dgm:constr type="w" for="des" forName="rootComposite3" refType="w" fact="10"/>
+      <dgm:constr type="h" for="des" forName="rootComposite3" refType="w" refFor="des" refForName="rootComposite1" fact="0.5"/>
+      <dgm:constr type="primFontSz" for="des" ptType="node" op="equ"/>
+      <dgm:constr type="sp" for="des" op="equ"/>
+      <dgm:constr type="sp" for="des" forName="hierRoot1" refType="w" refFor="des" refForName="rootComposite1" fact="0.21"/>
+      <dgm:constr type="sp" for="des" forName="hierRoot2" refType="sp" refFor="des" refForName="hierRoot1"/>
+      <dgm:constr type="sp" for="des" forName="hierRoot3" refType="sp" refFor="des" refForName="hierRoot1"/>
+      <dgm:constr type="sibSp" refType="w" refFor="des" refForName="rootComposite1" fact="0.21"/>
+      <dgm:constr type="sibSp" for="des" forName="hierChild2" refType="sibSp"/>
+      <dgm:constr type="sibSp" for="des" forName="hierChild3" refType="sibSp"/>
+      <dgm:constr type="sibSp" for="des" forName="hierChild4" refType="sibSp"/>
+      <dgm:constr type="sibSp" for="des" forName="hierChild5" refType="sibSp"/>
+      <dgm:constr type="sibSp" for="des" forName="hierChild6" refType="sibSp"/>
+      <dgm:constr type="sibSp" for="des" forName="hierChild7" refType="sibSp"/>
+      <dgm:constr type="secSibSp" refType="w" refFor="des" refForName="rootComposite1" fact="0.21"/>
+      <dgm:constr type="secSibSp" for="des" forName="hierChild2" refType="secSibSp"/>
+      <dgm:constr type="secSibSp" for="des" forName="hierChild3" refType="secSibSp"/>
+      <dgm:constr type="secSibSp" for="des" forName="hierChild4" refType="secSibSp"/>
+      <dgm:constr type="secSibSp" for="des" forName="hierChild5" refType="secSibSp"/>
+      <dgm:constr type="secSibSp" for="des" forName="hierChild6" refType="secSibSp"/>
+      <dgm:constr type="secSibSp" for="des" forName="hierChild7" refType="secSibSp"/>
+    </dgm:constrLst>
+    <dgm:ruleLst/>
+    <dgm:forEach name="Name3" axis="ch">
+      <dgm:forEach name="Name4" axis="self" ptType="node">
+        <dgm:layoutNode name="hierRoot1">
+          <dgm:varLst>
+            <dgm:hierBranch val="init"/>
+          </dgm:varLst>
+          <dgm:choose name="Name5">
+            <dgm:if name="Name6" func="var" arg="hierBranch" op="equ" val="l">
+              <dgm:choose name="Name7">
+                <dgm:if name="Name8" axis="ch" ptType="asst" func="cnt" op="gte" val="1">
+                  <dgm:alg type="hierRoot">
+                    <dgm:param type="hierAlign" val="tR"/>
+                  </dgm:alg>
+                  <dgm:constrLst>
+                    <dgm:constr type="alignOff" val="0.65"/>
+                  </dgm:constrLst>
+                </dgm:if>
+                <dgm:else name="Name9">
+                  <dgm:alg type="hierRoot">
+                    <dgm:param type="hierAlign" val="tR"/>
+                  </dgm:alg>
+                  <dgm:constrLst>
+                    <dgm:constr type="alignOff" val="0.25"/>
+                  </dgm:constrLst>
+                </dgm:else>
+              </dgm:choose>
+            </dgm:if>
+            <dgm:if name="Name10" func="var" arg="hierBranch" op="equ" val="r">
+              <dgm:choose name="Name11">
+                <dgm:if name="Name12" axis="ch" ptType="asst" func="cnt" op="gte" val="1">
+                  <dgm:alg type="hierRoot">
+                    <dgm:param type="hierAlign" val="tL"/>
+                  </dgm:alg>
+                  <dgm:constrLst>
+                    <dgm:constr type="alignOff" val="0.65"/>
+                  </dgm:constrLst>
+                </dgm:if>
+                <dgm:else name="Name13">
+                  <dgm:alg type="hierRoot">
+                    <dgm:param type="hierAlign" val="tL"/>
+                  </dgm:alg>
+                  <dgm:constrLst>
+                    <dgm:constr type="alignOff" val="0.25"/>
+                  </dgm:constrLst>
+                </dgm:else>
+              </dgm:choose>
+            </dgm:if>
+            <dgm:if name="Name14" func="var" arg="hierBranch" op="equ" val="hang">
+              <dgm:alg type="hierRoot"/>
+              <dgm:constrLst>
+                <dgm:constr type="alignOff" val="0.65"/>
+              </dgm:constrLst>
+            </dgm:if>
+            <dgm:else name="Name15">
+              <dgm:alg type="hierRoot"/>
+              <dgm:constrLst>
+                <dgm:constr type="alignOff"/>
+                <dgm:constr type="bendDist" for="des" ptType="parTrans" refType="sp" fact="0.5"/>
+              </dgm:constrLst>
+            </dgm:else>
+          </dgm:choose>
+          <dgm:shape xmlns:r="http://schemas.openxmlformats.org/officeDocument/2006/relationships" r:blip="">
+            <dgm:adjLst/>
+          </dgm:shape>
+          <dgm:presOf/>
+          <dgm:ruleLst/>
+          <dgm:layoutNode name="rootComposite1">
+            <dgm:alg type="composite"/>
+            <dgm:shape xmlns:r="http://schemas.openxmlformats.org/officeDocument/2006/relationships" r:blip="">
+              <dgm:adjLst/>
+            </dgm:shape>
+            <dgm:presOf axis="self" ptType="node" cnt="1"/>
+            <dgm:choose name="Name16">
+              <dgm:if name="Name17" func="var" arg="hierBranch" op="equ" val="init">
+                <dgm:constrLst>
+                  <dgm:constr type="l" for="ch" forName="rootText1"/>
+                  <dgm:constr type="t" for="ch" forName="rootText1"/>
+                  <dgm:constr type="w" for="ch" forName="rootText1" refType="w"/>
+                  <dgm:constr type="h" for="ch" forName="rootText1" refType="h"/>
+                  <dgm:constr type="l" for="ch" forName="rootConnector1"/>
+                  <dgm:constr type="t" for="ch" forName="rootConnector1"/>
+                  <dgm:constr type="w" for="ch" forName="rootConnector1" refType="w" refFor="ch" refForName="rootText1" fact="0.2"/>
+                  <dgm:constr type="h" for="ch" forName="rootConnector1" refType="h" refFor="ch" refForName="rootText1"/>
+                </dgm:constrLst>
+              </dgm:if>
+              <dgm:if name="Name18" func="var" arg="hierBranch" op="equ" val="l">
+                <dgm:constrLst>
+                  <dgm:constr type="l" for="ch" forName="rootText1"/>
+                  <dgm:constr type="t" for="ch" forName="rootText1"/>
+                  <dgm:constr type="w" for="ch" forName="rootText1" refType="w"/>
+                  <dgm:constr type="h" for="ch" forName="rootText1" refType="h"/>
+                  <dgm:constr type="r" for="ch" forName="rootConnector1" refType="w"/>
+                  <dgm:constr type="t" for="ch" forName="rootConnector1"/>
+                  <dgm:constr type="w" for="ch" forName="rootConnector1" refType="w" refFor="ch" refForName="rootText1" fact="0.2"/>
+                  <dgm:constr type="h" for="ch" forName="rootConnector1" refType="h" refFor="ch" refForName="rootText1"/>
+                </dgm:constrLst>
+              </dgm:if>
+              <dgm:if name="Name19" func="var" arg="hierBranch" op="equ" val="r">
+                <dgm:constrLst>
+                  <dgm:constr type="l" for="ch" forName="rootText1"/>
+                  <dgm:constr type="t" for="ch" forName="rootText1"/>
+                  <dgm:constr type="w" for="ch" forName="rootText1" refType="w"/>
+                  <dgm:constr type="h" for="ch" forName="rootText1" refType="h"/>
+                  <dgm:constr type="l" for="ch" forName="rootConnector1"/>
+                  <dgm:constr type="t" for="ch" forName="rootConnector1"/>
+                  <dgm:constr type="w" for="ch" forName="rootConnector1" refType="w" refFor="ch" refForName="rootText1" fact="0.2"/>
+                  <dgm:constr type="h" for="ch" forName="rootConnector1" refType="h" refFor="ch" refForName="rootText1"/>
+                </dgm:constrLst>
+              </dgm:if>
+              <dgm:else name="Name20">
+                <dgm:constrLst>
+                  <dgm:constr type="l" for="ch" forName="rootText1"/>
+                  <dgm:constr type="t" for="ch" forName="rootText1"/>
+                  <dgm:constr type="w" for="ch" forName="rootText1" refType="w"/>
+                  <dgm:constr type="h" for="ch" forName="rootText1" refType="h"/>
+                  <dgm:constr type="r" for="ch" forName="rootConnector1" refType="w"/>
+                  <dgm:constr type="t" for="ch" forName="rootConnector1"/>
+                  <dgm:constr type="w" for="ch" forName="rootConnector1" refType="w" refFor="ch" refForName="rootText1" fact="0.2"/>
+                  <dgm:constr type="h" for="ch" forName="rootConnector1" refType="h" refFor="ch" refForName="rootText1"/>
+                </dgm:constrLst>
+              </dgm:else>
+            </dgm:choose>
+            <dgm:ruleLst/>
+            <dgm:layoutNode name="rootText1" styleLbl="node0">
+              <dgm:varLst>
+                <dgm:chPref val="3"/>
+              </dgm:varLst>
+              <dgm:alg type="tx"/>
+              <dgm:shape xmlns:r="http://schemas.openxmlformats.org/officeDocument/2006/relationships" type="rect" r:blip="">
+                <dgm:adjLst/>
+              </dgm:shape>
+              <dgm:presOf axis="self" ptType="node" cnt="1"/>
+              <dgm:constrLst>
+                <dgm:constr type="primFontSz" val="65"/>
+                <dgm:constr type="lMarg" refType="primFontSz" fact="0.05"/>
+                <dgm:constr type="rMarg" refType="primFontSz" fact="0.05"/>
+                <dgm:constr type="tMarg" refType="primFontSz" fact="0.05"/>
+                <dgm:constr type="bMarg" refType="primFontSz" fact="0.05"/>
+              </dgm:constrLst>
+              <dgm:ruleLst>
+                <dgm:rule type="primFontSz" val="5" fact="NaN" max="NaN"/>
+              </dgm:ruleLst>
+            </dgm:layoutNode>
+            <dgm:layoutNode name="rootConnector1" moveWith="rootText1">
+              <dgm:alg type="sp"/>
+              <dgm:shape xmlns:r="http://schemas.openxmlformats.org/officeDocument/2006/relationships" type="rect" r:blip="" hideGeom="1">
+                <dgm:adjLst/>
+              </dgm:shape>
+              <dgm:presOf axis="self" ptType="node" cnt="1"/>
+              <dgm:constrLst/>
+              <dgm:ruleLst/>
+            </dgm:layoutNode>
+          </dgm:layoutNode>
+          <dgm:layoutNode name="hierChild2">
+            <dgm:choose name="Name21">
+              <dgm:if name="Name22" func="var" arg="hierBranch" op="equ" val="l">
+                <dgm:alg type="hierChild">
+                  <dgm:param type="chAlign" val="r"/>
+                  <dgm:param type="linDir" val="fromT"/>
+                </dgm:alg>
+              </dgm:if>
+              <dgm:if name="Name23" func="var" arg="hierBranch" op="equ" val="r">
+                <dgm:alg type="hierChild">
+                  <dgm:param type="chAlign" val="l"/>
+                  <dgm:param type="linDir" val="fromT"/>
+                </dgm:alg>
+              </dgm:if>
+              <dgm:if name="Name24" func="var" arg="hierBranch" op="equ" val="hang">
+                <dgm:choose name="Name25">
+                  <dgm:if name="Name26" func="var" arg="dir" op="equ" val="norm">
+                    <dgm:alg type="hierChild">
+                      <dgm:param type="chAlign" val="l"/>
+                      <dgm:param type="linDir" val="fromL"/>
+                      <dgm:param type="secChAlign" val="t"/>
+                      <dgm:param type="secLinDir" val="fromT"/>
+                    </dgm:alg>
+                  </dgm:if>
+                  <dgm:else name="Name27">
+                    <dgm:alg type="hierChild">
+                      <dgm:param type="chAlign" val="l"/>
+                      <dgm:param type="linDir" val="fromR"/>
+                      <dgm:param type="secChAlign" val="t"/>
+                      <dgm:param type="secLinDir" val="fromT"/>
+                    </dgm:alg>
+                  </dgm:else>
+                </dgm:choose>
+              </dgm:if>
+              <dgm:else name="Name28">
+                <dgm:choose name="Name29">
+                  <dgm:if name="Name30" func="var" arg="dir" op="equ" val="norm">
+                    <dgm:alg type="hierChild"/>
+                  </dgm:if>
+                  <dgm:else name="Name31">
+                    <dgm:alg type="hierChild">
+                      <dgm:param type="linDir" val="fromR"/>
+                    </dgm:alg>
+                  </dgm:else>
+                </dgm:choose>
+              </dgm:else>
+            </dgm:choose>
+            <dgm:shape xmlns:r="http://schemas.openxmlformats.org/officeDocument/2006/relationships" r:blip="">
+              <dgm:adjLst/>
+            </dgm:shape>
+            <dgm:presOf/>
+            <dgm:constrLst/>
+            <dgm:ruleLst/>
+            <dgm:forEach name="rep2a" axis="ch" ptType="nonAsst">
+              <dgm:forEach name="Name32" axis="precedSib" ptType="parTrans" st="-1" cnt="1">
+                <dgm:choose name="Name33">
+                  <dgm:if name="Name34" func="var" arg="hierBranch" op="equ" val="std">
+                    <dgm:layoutNode name="Name35">
+                      <dgm:alg type="conn">
+                        <dgm:param type="connRout" val="bend"/>
+                        <dgm:param type="dim" val="1D"/>
+                        <dgm:param type="endSty" val="noArr"/>
+                        <dgm:param type="begPts" val="bCtr"/>
+                        <dgm:param type="endPts" val="tCtr"/>
+                        <dgm:param type="bendPt" val="end"/>
+                      </dgm:alg>
+                      <dgm:shape xmlns:r="http://schemas.openxmlformats.org/officeDocument/2006/relationships" type="conn" r:blip="" zOrderOff="-99999">
+                        <dgm:adjLst/>
+                      </dgm:shape>
+                      <dgm:presOf axis="self"/>
+                      <dgm:constrLst>
+                        <dgm:constr type="begPad"/>
+                        <dgm:constr type="endPad"/>
+                      </dgm:constrLst>
+                      <dgm:ruleLst/>
+                    </dgm:layoutNode>
+                  </dgm:if>
+                  <dgm:if name="Name36" func="var" arg="hierBranch" op="equ" val="init">
+                    <dgm:layoutNode name="Name37">
+                      <dgm:choose name="Name38">
+                        <dgm:if name="Name39" axis="self" func="depth" op="lte" val="2">
+                          <dgm:alg type="conn">
+                            <dgm:param type="connRout" val="bend"/>
+                            <dgm:param type="dim" val="1D"/>
+                            <dgm:param type="endSty" val="noArr"/>
+                            <dgm:param type="begPts" val="bCtr"/>
+                            <dgm:param type="endPts" val="tCtr"/>
+                            <dgm:param type="bendPt" val="end"/>
+                          </dgm:alg>
+                        </dgm:if>
+                        <dgm:else name="Name40">
+                          <dgm:choose name="Name41">
+                            <dgm:if name="Name42" axis="par des" func="maxDepth" op="lte" val="1">
+                              <dgm:choose name="Name43">
+                                <dgm:if name="Name44" axis="par ch" ptType="node asst" func="cnt" op="gte" val="1">
+                                  <dgm:alg type="conn">
+                                    <dgm:param type="connRout" val="bend"/>
+                                    <dgm:param type="dim" val="1D"/>
+                                    <dgm:param type="endSty" val="noArr"/>
+                                    <dgm:param type="begPts" val="bCtr"/>
+                                    <dgm:param type="endPts" val="midL midR"/>
+                                  </dgm:alg>
+                                </dgm:if>
+                                <dgm:else name="Name45">
+                                  <dgm:alg type="conn">
+                                    <dgm:param type="connRout" val="bend"/>
+                                    <dgm:param type="dim" val="1D"/>
+                                    <dgm:param type="endSty" val="noArr"/>
+                                    <dgm:param type="begPts" val="bCtr"/>
+                                    <dgm:param type="endPts" val="midL midR"/>
+                                    <dgm:param type="srcNode" val="rootConnector"/>
+                                  </dgm:alg>
+                                </dgm:else>
+                              </dgm:choose>
+                            </dgm:if>
+                            <dgm:else name="Name46">
+                              <dgm:alg type="conn">
+                                <dgm:param type="connRout" val="bend"/>
+                                <dgm:param type="dim" val="1D"/>
+                                <dgm:param type="endSty" val="noArr"/>
+                                <dgm:param type="begPts" val="bCtr"/>
+                                <dgm:param type="endPts" val="tCtr"/>
+                                <dgm:param type="bendPt" val="end"/>
+                              </dgm:alg>
+                            </dgm:else>
+                          </dgm:choose>
+                        </dgm:else>
+                      </dgm:choose>
+                      <dgm:shape xmlns:r="http://schemas.openxmlformats.org/officeDocument/2006/relationships" type="conn" r:blip="" zOrderOff="-99999">
+                        <dgm:adjLst/>
+                      </dgm:shape>
+                      <dgm:presOf axis="self"/>
+                      <dgm:constrLst>
+                        <dgm:constr type="begPad"/>
+                        <dgm:constr type="endPad"/>
+                      </dgm:constrLst>
+                      <dgm:ruleLst/>
+                    </dgm:layoutNode>
+                  </dgm:if>
+                  <dgm:if name="Name47" func="var" arg="hierBranch" op="equ" val="hang">
+                    <dgm:layoutNode name="Name48">
+                      <dgm:alg type="conn">
+                        <dgm:param type="connRout" val="bend"/>
+                        <dgm:param type="dim" val="1D"/>
+                        <dgm:param type="endSty" val="noArr"/>
+                        <dgm:param type="begPts" val="bCtr"/>
+                        <dgm:param type="endPts" val="midL midR"/>
+                      </dgm:alg>
+                      <dgm:shape xmlns:r="http://schemas.openxmlformats.org/officeDocument/2006/relationships" type="conn" r:blip="" zOrderOff="-99999">
+                        <dgm:adjLst/>
+                      </dgm:shape>
+                      <dgm:presOf axis="self"/>
+                      <dgm:constrLst>
+                        <dgm:constr type="begPad"/>
+                        <dgm:constr type="endPad"/>
+                      </dgm:constrLst>
+                      <dgm:ruleLst/>
+                    </dgm:layoutNode>
+                  </dgm:if>
+                  <dgm:else name="Name49">
+                    <dgm:layoutNode name="Name50">
+                      <dgm:choose name="Name51">
+                        <dgm:if name="Name52" axis="self" func="depth" op="lte" val="2">
+                          <dgm:choose name="Name53">
+                            <dgm:if name="Name54" axis="par ch" ptType="node asst" func="cnt" op="gte" val="1">
+                              <dgm:alg type="conn">
+                                <dgm:param type="connRout" val="bend"/>
+                                <dgm:param type="dim" val="1D"/>
+                                <dgm:param type="endSty" val="noArr"/>
+                                <dgm:param type="begPts" val="bCtr"/>
+                                <dgm:param type="endPts" val="midL midR"/>
+                              </dgm:alg>
+                            </dgm:if>
+                            <dgm:else name="Name55">
+                              <dgm:alg type="conn">
+                                <dgm:param type="connRout" val="bend"/>
+                                <dgm:param type="dim" val="1D"/>
+                                <dgm:param type="endSty" val="noArr"/>
+                                <dgm:param type="begPts" val="bCtr"/>
+                                <dgm:param type="endPts" val="midL midR"/>
+                                <dgm:param type="srcNode" val="rootConnector1"/>
+                              </dgm:alg>
+                            </dgm:else>
+                          </dgm:choose>
+                        </dgm:if>
+                        <dgm:else name="Name56">
+                          <dgm:choose name="Name57">
+                            <dgm:if name="Name58" axis="par ch" ptType="node asst" func="cnt" op="gte" val="1">
+                              <dgm:alg type="conn">
+                                <dgm:param type="connRout" val="bend"/>
+                                <dgm:param type="dim" val="1D"/>
+                                <dgm:param type="endSty" val="noArr"/>
+                                <dgm:param type="begPts" val="bCtr"/>
+                                <dgm:param type="endPts" val="midL midR"/>
+                              </dgm:alg>
+                            </dgm:if>
+                            <dgm:else name="Name59">
+                              <dgm:alg type="conn">
+                                <dgm:param type="connRout" val="bend"/>
+                                <dgm:param type="dim" val="1D"/>
+                                <dgm:param type="endSty" val="noArr"/>
+                                <dgm:param type="begPts" val="bCtr"/>
+                                <dgm:param type="endPts" val="midL midR"/>
+                                <dgm:param type="srcNode" val="rootConnector"/>
+                              </dgm:alg>
+                            </dgm:else>
+                          </dgm:choose>
+                        </dgm:else>
+                      </dgm:choose>
+                      <dgm:shape xmlns:r="http://schemas.openxmlformats.org/officeDocument/2006/relationships" type="conn" r:blip="" zOrderOff="-99999">
+                        <dgm:adjLst/>
+                      </dgm:shape>
+                      <dgm:presOf axis="self"/>
+                      <dgm:constrLst>
+                        <dgm:constr type="begPad"/>
+                        <dgm:constr type="endPad"/>
+                      </dgm:constrLst>
+                      <dgm:ruleLst/>
+                    </dgm:layoutNode>
+                  </dgm:else>
+                </dgm:choose>
+              </dgm:forEach>
+              <dgm:layoutNode name="hierRoot2">
+                <dgm:varLst>
+                  <dgm:hierBranch val="init"/>
+                </dgm:varLst>
+                <dgm:choose name="Name60">
+                  <dgm:if name="Name61" func="var" arg="hierBranch" op="equ" val="l">
+                    <dgm:choose name="Name62">
+                      <dgm:if name="Name63" axis="ch" ptType="asst" func="cnt" op="gte" val="1">
+                        <dgm:alg type="hierRoot">
+                          <dgm:param type="hierAlign" val="tR"/>
+                        </dgm:alg>
+                        <dgm:shape xmlns:r="http://schemas.openxmlformats.org/officeDocument/2006/relationships" r:blip="">
+                          <dgm:adjLst/>
+                        </dgm:shape>
+                        <dgm:presOf/>
+                        <dgm:constrLst>
+                          <dgm:constr type="alignOff" val="0.65"/>
+                        </dgm:constrLst>
+                      </dgm:if>
+                      <dgm:else name="Name64">
+                        <dgm:alg type="hierRoot">
+                          <dgm:param type="hierAlign" val="tR"/>
+                        </dgm:alg>
+                        <dgm:shape xmlns:r="http://schemas.openxmlformats.org/officeDocument/2006/relationships" r:blip="">
+                          <dgm:adjLst/>
+                        </dgm:shape>
+                        <dgm:presOf/>
+                        <dgm:constrLst>
+                          <dgm:constr type="alignOff" val="0.25"/>
+                        </dgm:constrLst>
+                      </dgm:else>
+                    </dgm:choose>
+                  </dgm:if>
+                  <dgm:if name="Name65" func="var" arg="hierBranch" op="equ" val="r">
+                    <dgm:choose name="Name66">
+                      <dgm:if name="Name67" axis="ch" ptType="asst" func="cnt" op="gte" val="1">
+                        <dgm:alg type="hierRoot">
+                          <dgm:param type="hierAlign" val="tL"/>
+                        </dgm:alg>
+                        <dgm:shape xmlns:r="http://schemas.openxmlformats.org/officeDocument/2006/relationships" r:blip="">
+                          <dgm:adjLst/>
+                        </dgm:shape>
+                        <dgm:presOf/>
+                        <dgm:constrLst>
+                          <dgm:constr type="alignOff" val="0.65"/>
+                        </dgm:constrLst>
+                      </dgm:if>
+                      <dgm:else name="Name68">
+                        <dgm:alg type="hierRoot">
+                          <dgm:param type="hierAlign" val="tL"/>
+                        </dgm:alg>
+                        <dgm:shape xmlns:r="http://schemas.openxmlformats.org/officeDocument/2006/relationships" r:blip="">
+                          <dgm:adjLst/>
+                        </dgm:shape>
+                        <dgm:presOf/>
+                        <dgm:constrLst>
+                          <dgm:constr type="alignOff" val="0.25"/>
+                        </dgm:constrLst>
+                      </dgm:else>
+                    </dgm:choose>
+                  </dgm:if>
+                  <dgm:if name="Name69" func="var" arg="hierBranch" op="equ" val="std">
+                    <dgm:alg type="hierRoot"/>
+                    <dgm:shape xmlns:r="http://schemas.openxmlformats.org/officeDocument/2006/relationships" r:blip="">
+                      <dgm:adjLst/>
+                    </dgm:shape>
+                    <dgm:presOf/>
+                    <dgm:constrLst>
+                      <dgm:constr type="alignOff"/>
+                      <dgm:constr type="bendDist" for="des" ptType="parTrans" refType="sp" fact="0.5"/>
+                    </dgm:constrLst>
+                  </dgm:if>
+                  <dgm:if name="Name70" func="var" arg="hierBranch" op="equ" val="init">
+                    <dgm:choose name="Name71">
+                      <dgm:if name="Name72" axis="des" func="maxDepth" op="lte" val="1">
+                        <dgm:choose name="Name73">
+                          <dgm:if name="Name74" axis="ch" ptType="asst" func="cnt" op="gte" val="1">
+                            <dgm:alg type="hierRoot">
+                              <dgm:param type="hierAlign" val="tL"/>
+                            </dgm:alg>
+                            <dgm:shape xmlns:r="http://schemas.openxmlformats.org/officeDocument/2006/relationships" r:blip="">
+                              <dgm:adjLst/>
+                            </dgm:shape>
+                            <dgm:presOf/>
+                            <dgm:constrLst>
+                              <dgm:constr type="alignOff" val="0.65"/>
+                            </dgm:constrLst>
+                          </dgm:if>
+                          <dgm:else name="Name75">
+                            <dgm:alg type="hierRoot">
+                              <dgm:param type="hierAlign" val="tL"/>
+                            </dgm:alg>
+                            <dgm:shape xmlns:r="http://schemas.openxmlformats.org/officeDocument/2006/relationships" r:blip="">
+                              <dgm:adjLst/>
+                            </dgm:shape>
+                            <dgm:presOf/>
+                            <dgm:constrLst>
+                              <dgm:constr type="alignOff" val="0.25"/>
+                            </dgm:constrLst>
+                          </dgm:else>
+                        </dgm:choose>
+                      </dgm:if>
+                      <dgm:else name="Name76">
+                        <dgm:alg type="hierRoot"/>
+                        <dgm:shape xmlns:r="http://schemas.openxmlformats.org/officeDocument/2006/relationships" r:blip="">
+                          <dgm:adjLst/>
+                        </dgm:shape>
+                        <dgm:presOf/>
+                        <dgm:constrLst>
+                          <dgm:constr type="alignOff"/>
+                          <dgm:constr type="bendDist" for="des" ptType="parTrans" refType="sp" fact="0.5"/>
+                        </dgm:constrLst>
+                      </dgm:else>
+                    </dgm:choose>
+                  </dgm:if>
+                  <dgm:else name="Name77">
+                    <dgm:alg type="hierRoot"/>
+                    <dgm:shape xmlns:r="http://schemas.openxmlformats.org/officeDocument/2006/relationships" r:blip="">
+                      <dgm:adjLst/>
+                    </dgm:shape>
+                    <dgm:presOf/>
+                    <dgm:constrLst>
+                      <dgm:constr type="alignOff" val="0.65"/>
+                    </dgm:constrLst>
+                  </dgm:else>
+                </dgm:choose>
+                <dgm:ruleLst/>
+                <dgm:layoutNode name="rootComposite">
+                  <dgm:alg type="composite"/>
+                  <dgm:shape xmlns:r="http://schemas.openxmlformats.org/officeDocument/2006/relationships" r:blip="">
+                    <dgm:adjLst/>
+                  </dgm:shape>
+                  <dgm:presOf axis="self" ptType="node" cnt="1"/>
+                  <dgm:choose name="Name78">
+                    <dgm:if name="Name79" func="var" arg="hierBranch" op="equ" val="init">
+                      <dgm:constrLst>
+                        <dgm:constr type="l" for="ch" forName="rootText"/>
+                        <dgm:constr type="t" for="ch" forName="rootText"/>
+                        <dgm:constr type="w" for="ch" forName="rootText" refType="w"/>
+                        <dgm:constr type="h" for="ch" forName="rootText" refType="h"/>
+                        <dgm:constr type="l" for="ch" forName="rootConnector"/>
+                        <dgm:constr type="t" for="ch" forName="rootConnector"/>
+                        <dgm:constr type="w" for="ch" forName="rootConnector" refType="w" refFor="ch" refForName="rootText" fact="0.2"/>
+                        <dgm:constr type="h" for="ch" forName="rootConnector" refType="h" refFor="ch" refForName="rootText"/>
+                      </dgm:constrLst>
+                    </dgm:if>
+                    <dgm:if name="Name80" func="var" arg="hierBranch" op="equ" val="l">
+                      <dgm:constrLst>
+                        <dgm:constr type="l" for="ch" forName="rootText"/>
+                        <dgm:constr type="t" for="ch" forName="rootText"/>
+                        <dgm:constr type="w" for="ch" forName="rootText" refType="w"/>
+                        <dgm:constr type="h" for="ch" forName="rootText" refType="h"/>
+                        <dgm:constr type="r" for="ch" forName="rootConnector" refType="w"/>
+                        <dgm:constr type="t" for="ch" forName="rootConnector"/>
+                        <dgm:constr type="w" for="ch" forName="rootConnector" refType="w" refFor="ch" refForName="rootText" fact="0.2"/>
+                        <dgm:constr type="h" for="ch" forName="rootConnector" refType="h" refFor="ch" refForName="rootText"/>
+                      </dgm:constrLst>
+                    </dgm:if>
+                    <dgm:if name="Name81" func="var" arg="hierBranch" op="equ" val="r">
+                      <dgm:constrLst>
+                        <dgm:constr type="l" for="ch" forName="rootText"/>
+                        <dgm:constr type="t" for="ch" forName="rootText"/>
+                        <dgm:constr type="w" for="ch" forName="rootText" refType="w"/>
+                        <dgm:constr type="h" for="ch" forName="rootText" refType="h"/>
+                        <dgm:constr type="l" for="ch" forName="rootConnector"/>
+                        <dgm:constr type="t" for="ch" forName="rootConnector"/>
+                        <dgm:constr type="w" for="ch" forName="rootConnector" refType="w" refFor="ch" refForName="rootText" fact="0.2"/>
+                        <dgm:constr type="h" for="ch" forName="rootConnector" refType="h" refFor="ch" refForName="rootText"/>
+                      </dgm:constrLst>
+                    </dgm:if>
+                    <dgm:else name="Name82">
+                      <dgm:constrLst>
+                        <dgm:constr type="l" for="ch" forName="rootText"/>
+                        <dgm:constr type="t" for="ch" forName="rootText"/>
+                        <dgm:constr type="w" for="ch" forName="rootText" refType="w"/>
+                        <dgm:constr type="h" for="ch" forName="rootText" refType="h"/>
+                        <dgm:constr type="r" for="ch" forName="rootConnector" refType="w"/>
+                        <dgm:constr type="t" for="ch" forName="rootConnector"/>
+                        <dgm:constr type="w" for="ch" forName="rootConnector" refType="w" refFor="ch" refForName="rootText" fact="0.2"/>
+                        <dgm:constr type="h" for="ch" forName="rootConnector" refType="h" refFor="ch" refForName="rootText"/>
+                      </dgm:constrLst>
+                    </dgm:else>
+                  </dgm:choose>
+                  <dgm:ruleLst/>
+                  <dgm:layoutNode name="rootText">
+                    <dgm:varLst>
+                      <dgm:chPref val="3"/>
+                    </dgm:varLst>
+                    <dgm:alg type="tx"/>
+                    <dgm:shape xmlns:r="http://schemas.openxmlformats.org/officeDocument/2006/relationships" type="rect" r:blip="">
+                      <dgm:adjLst/>
+                    </dgm:shape>
+                    <dgm:presOf axis="self" ptType="node" cnt="1"/>
+                    <dgm:constrLst>
+                      <dgm:constr type="primFontSz" val="65"/>
+                      <dgm:constr type="lMarg" refType="primFontSz" fact="0.05"/>
+                      <dgm:constr type="rMarg" refType="primFontSz" fact="0.05"/>
+                      <dgm:constr type="tMarg" refType="primFontSz" fact="0.05"/>
+                      <dgm:constr type="bMarg" refType="primFontSz" fact="0.05"/>
+                    </dgm:constrLst>
+                    <dgm:ruleLst>
+                      <dgm:rule type="primFontSz" val="5" fact="NaN" max="NaN"/>
+                    </dgm:ruleLst>
+                  </dgm:layoutNode>
+                  <dgm:layoutNode name="rootConnector" moveWith="rootText">
+                    <dgm:alg type="sp"/>
+                    <dgm:shape xmlns:r="http://schemas.openxmlformats.org/officeDocument/2006/relationships" type="rect" r:blip="" hideGeom="1">
+                      <dgm:adjLst/>
+                    </dgm:shape>
+                    <dgm:presOf axis="self" ptType="node" cnt="1"/>
+                    <dgm:constrLst/>
+                    <dgm:ruleLst/>
+                  </dgm:layoutNode>
+                </dgm:layoutNode>
+                <dgm:layoutNode name="hierChild4">
+                  <dgm:choose name="Name83">
+                    <dgm:if name="Name84" func="var" arg="hierBranch" op="equ" val="l">
+                      <dgm:alg type="hierChild">
+                        <dgm:param type="chAlign" val="r"/>
+                        <dgm:param type="linDir" val="fromT"/>
+                      </dgm:alg>
+                    </dgm:if>
+                    <dgm:if name="Name85" func="var" arg="hierBranch" op="equ" val="r">
+                      <dgm:alg type="hierChild">
+                        <dgm:param type="chAlign" val="l"/>
+                        <dgm:param type="linDir" val="fromT"/>
+                      </dgm:alg>
+                    </dgm:if>
+                    <dgm:if name="Name86" func="var" arg="hierBranch" op="equ" val="hang">
+                      <dgm:choose name="Name87">
+                        <dgm:if name="Name88" func="var" arg="dir" op="equ" val="norm">
+                          <dgm:alg type="hierChild">
+                            <dgm:param type="chAlign" val="l"/>
+                            <dgm:param type="linDir" val="fromL"/>
+                            <dgm:param type="secChAlign" val="t"/>
+                            <dgm:param type="secLinDir" val="fromT"/>
+                          </dgm:alg>
+                        </dgm:if>
+                        <dgm:else name="Name89">
+                          <dgm:alg type="hierChild">
+                            <dgm:param type="chAlign" val="l"/>
+                            <dgm:param type="linDir" val="fromR"/>
+                            <dgm:param type="secChAlign" val="t"/>
+                            <dgm:param type="secLinDir" val="fromT"/>
+                          </dgm:alg>
+                        </dgm:else>
+                      </dgm:choose>
+                    </dgm:if>
+                    <dgm:if name="Name90" func="var" arg="hierBranch" op="equ" val="std">
+                      <dgm:choose name="Name91">
+                        <dgm:if name="Name92" func="var" arg="dir" op="equ" val="norm">
+                          <dgm:alg type="hierChild"/>
+                        </dgm:if>
+                        <dgm:else name="Name93">
+                          <dgm:alg type="hierChild">
+                            <dgm:param type="linDir" val="fromR"/>
+                          </dgm:alg>
+                        </dgm:else>
+                      </dgm:choose>
+                    </dgm:if>
+                    <dgm:if name="Name94" func="var" arg="hierBranch" op="equ" val="init">
+                      <dgm:choose name="Name95">
+                        <dgm:if name="Name96" axis="des" func="maxDepth" op="lte" val="1">
+                          <dgm:alg type="hierChild">
+                            <dgm:param type="chAlign" val="l"/>
+                            <dgm:param type="linDir" val="fromT"/>
+                          </dgm:alg>
+                        </dgm:if>
+                        <dgm:else name="Name97">
+                          <dgm:choose name="Name98">
+                            <dgm:if name="Name99" func="var" arg="dir" op="equ" val="norm">
+                              <dgm:alg type="hierChild"/>
+                            </dgm:if>
+                            <dgm:else name="Name100">
+                              <dgm:alg type="hierChild">
+                                <dgm:param type="linDir" val="fromR"/>
+                              </dgm:alg>
+                            </dgm:else>
+                          </dgm:choose>
+                        </dgm:else>
+                      </dgm:choose>
+                    </dgm:if>
+                    <dgm:else name="Name101"/>
+                  </dgm:choose>
+                  <dgm:shape xmlns:r="http://schemas.openxmlformats.org/officeDocument/2006/relationships" r:blip="">
+                    <dgm:adjLst/>
+                  </dgm:shape>
+                  <dgm:presOf/>
+                  <dgm:constrLst/>
+                  <dgm:ruleLst/>
+                  <dgm:forEach name="Name102" ref="rep2a"/>
+                </dgm:layoutNode>
+                <dgm:layoutNode name="hierChild5">
+                  <dgm:choose name="Name103">
+                    <dgm:if name="Name104" func="var" arg="dir" op="equ" val="norm">
+                      <dgm:alg type="hierChild">
+                        <dgm:param type="chAlign" val="l"/>
+                        <dgm:param type="linDir" val="fromL"/>
+                        <dgm:param type="secChAlign" val="t"/>
+                        <dgm:param type="secLinDir" val="fromT"/>
+                      </dgm:alg>
+                    </dgm:if>
+                    <dgm:else name="Name105">
+                      <dgm:alg type="hierChild">
+                        <dgm:param type="chAlign" val="l"/>
+                        <dgm:param type="linDir" val="fromR"/>
+                        <dgm:param type="secChAlign" val="t"/>
+                        <dgm:param type="secLinDir" val="fromT"/>
+                      </dgm:alg>
+                    </dgm:else>
+                  </dgm:choose>
+                  <dgm:shape xmlns:r="http://schemas.openxmlformats.org/officeDocument/2006/relationships" r:blip="">
+                    <dgm:adjLst/>
+                  </dgm:shape>
+                  <dgm:presOf/>
+                  <dgm:constrLst/>
+                  <dgm:ruleLst/>
+                  <dgm:forEach name="Name106" ref="rep2b"/>
+                </dgm:layoutNode>
+              </dgm:layoutNode>
+            </dgm:forEach>
+          </dgm:layoutNode>
+          <dgm:layoutNode name="hierChild3">
+            <dgm:choose name="Name107">
+              <dgm:if name="Name108" func="var" arg="dir" op="equ" val="norm">
+                <dgm:alg type="hierChild">
+                  <dgm:param type="chAlign" val="l"/>
+                  <dgm:param type="linDir" val="fromL"/>
+                  <dgm:param type="secChAlign" val="t"/>
+                  <dgm:param type="secLinDir" val="fromT"/>
+                </dgm:alg>
+              </dgm:if>
+              <dgm:else name="Name109">
+                <dgm:alg type="hierChild">
+                  <dgm:param type="chAlign" val="l"/>
+                  <dgm:param type="linDir" val="fromR"/>
+                  <dgm:param type="secChAlign" val="t"/>
+                  <dgm:param type="secLinDir" val="fromT"/>
+                </dgm:alg>
+              </dgm:else>
+            </dgm:choose>
+            <dgm:shape xmlns:r="http://schemas.openxmlformats.org/officeDocument/2006/relationships" r:blip="">
+              <dgm:adjLst/>
+            </dgm:shape>
+            <dgm:presOf/>
+            <dgm:constrLst/>
+            <dgm:ruleLst/>
+            <dgm:forEach name="rep2b" axis="ch" ptType="asst">
+              <dgm:forEach name="Name110" axis="precedSib" ptType="parTrans" st="-1" cnt="1">
+                <dgm:layoutNode name="Name111">
+                  <dgm:alg type="conn">
+                    <dgm:param type="connRout" val="bend"/>
+                    <dgm:param type="dim" val="1D"/>
+                    <dgm:param type="endSty" val="noArr"/>
+                    <dgm:param type="begPts" val="bCtr"/>
+                    <dgm:param type="endPts" val="midL midR"/>
+                  </dgm:alg>
+                  <dgm:shape xmlns:r="http://schemas.openxmlformats.org/officeDocument/2006/relationships" type="conn" r:blip="" zOrderOff="-99999">
+                    <dgm:adjLst/>
+                  </dgm:shape>
+                  <dgm:presOf axis="self"/>
+                  <dgm:constrLst>
+                    <dgm:constr type="begPad"/>
+                    <dgm:constr type="endPad"/>
+                  </dgm:constrLst>
+                  <dgm:ruleLst/>
+                </dgm:layoutNode>
+              </dgm:forEach>
+              <dgm:layoutNode name="hierRoot3">
+                <dgm:varLst>
+                  <dgm:hierBranch val="init"/>
+                </dgm:varLst>
+                <dgm:choose name="Name112">
+                  <dgm:if name="Name113" func="var" arg="hierBranch" op="equ" val="l">
+                    <dgm:alg type="hierRoot">
+                      <dgm:param type="hierAlign" val="tR"/>
+                    </dgm:alg>
+                    <dgm:shape xmlns:r="http://schemas.openxmlformats.org/officeDocument/2006/relationships" r:blip="">
+                      <dgm:adjLst/>
+                    </dgm:shape>
+                    <dgm:presOf/>
+                    <dgm:constrLst>
+                      <dgm:constr type="alignOff" val="0.65"/>
+                    </dgm:constrLst>
+                  </dgm:if>
+                  <dgm:if name="Name114" func="var" arg="hierBranch" op="equ" val="r">
+                    <dgm:alg type="hierRoot">
+                      <dgm:param type="hierAlign" val="tL"/>
+                    </dgm:alg>
+                    <dgm:shape xmlns:r="http://schemas.openxmlformats.org/officeDocument/2006/relationships" r:blip="">
+                      <dgm:adjLst/>
+                    </dgm:shape>
+                    <dgm:presOf/>
+                    <dgm:constrLst>
+                      <dgm:constr type="alignOff" val="0.65"/>
+                    </dgm:constrLst>
+                  </dgm:if>
+                  <dgm:if name="Name115" func="var" arg="hierBranch" op="equ" val="hang">
+                    <dgm:alg type="hierRoot"/>
+                    <dgm:shape xmlns:r="http://schemas.openxmlformats.org/officeDocument/2006/relationships" r:blip="">
+                      <dgm:adjLst/>
+                    </dgm:shape>
+                    <dgm:presOf/>
+                    <dgm:constrLst>
+                      <dgm:constr type="alignOff" val="0.65"/>
+                    </dgm:constrLst>
+                  </dgm:if>
+                  <dgm:if name="Name116" func="var" arg="hierBranch" op="equ" val="std">
+                    <dgm:alg type="hierRoot"/>
+                    <dgm:shape xmlns:r="http://schemas.openxmlformats.org/officeDocument/2006/relationships" r:blip="">
+                      <dgm:adjLst/>
+                    </dgm:shape>
+                    <dgm:presOf/>
+                    <dgm:constrLst>
+                      <dgm:constr type="alignOff"/>
+                      <dgm:constr type="bendDist" for="des" ptType="parTrans" refType="sp" fact="0.5"/>
+                    </dgm:constrLst>
+                  </dgm:if>
+                  <dgm:if name="Name117" func="var" arg="hierBranch" op="equ" val="init">
+                    <dgm:choose name="Name118">
+                      <dgm:if name="Name119" axis="des" func="maxDepth" op="lte" val="1">
+                        <dgm:alg type="hierRoot">
+                          <dgm:param type="hierAlign" val="tL"/>
+                        </dgm:alg>
+                        <dgm:shape xmlns:r="http://schemas.openxmlformats.org/officeDocument/2006/relationships" r:blip="">
+                          <dgm:adjLst/>
+                        </dgm:shape>
+                        <dgm:presOf/>
+                        <dgm:constrLst>
+                          <dgm:constr type="alignOff" val="0.65"/>
+                        </dgm:constrLst>
+                      </dgm:if>
+                      <dgm:else name="Name120">
+                        <dgm:alg type="hierRoot"/>
+                        <dgm:shape xmlns:r="http://schemas.openxmlformats.org/officeDocument/2006/relationships" r:blip="">
+                          <dgm:adjLst/>
+                        </dgm:shape>
+                        <dgm:presOf/>
+                        <dgm:constrLst>
+                          <dgm:constr type="alignOff"/>
+                          <dgm:constr type="bendDist" for="des" ptType="parTrans" refType="sp" fact="0.5"/>
+                        </dgm:constrLst>
+                      </dgm:else>
+                    </dgm:choose>
+                  </dgm:if>
+                  <dgm:else name="Name121"/>
+                </dgm:choose>
+                <dgm:ruleLst/>
+                <dgm:layoutNode name="rootComposite3">
+                  <dgm:alg type="composite"/>
+                  <dgm:shape xmlns:r="http://schemas.openxmlformats.org/officeDocument/2006/relationships" r:blip="">
+                    <dgm:adjLst/>
+                  </dgm:shape>
+                  <dgm:presOf axis="self" ptType="node" cnt="1"/>
+                  <dgm:choose name="Name122">
+                    <dgm:if name="Name123" func="var" arg="hierBranch" op="equ" val="init">
+                      <dgm:constrLst>
+                        <dgm:constr type="l" for="ch" forName="rootText3"/>
+                        <dgm:constr type="t" for="ch" forName="rootText3"/>
+                        <dgm:constr type="w" for="ch" forName="rootText3" refType="w"/>
+                        <dgm:constr type="h" for="ch" forName="rootText3" refType="h"/>
+                        <dgm:constr type="l" for="ch" forName="rootConnector3"/>
+                        <dgm:constr type="t" for="ch" forName="rootConnector3"/>
+                        <dgm:constr type="w" for="ch" forName="rootConnector3" refType="w" refFor="ch" refForName="rootText3" fact="0.2"/>
+                        <dgm:constr type="h" for="ch" forName="rootConnector3" refType="h" refFor="ch" refForName="rootText3"/>
+                      </dgm:constrLst>
+                    </dgm:if>
+                    <dgm:if name="Name124" func="var" arg="hierBranch" op="equ" val="l">
+                      <dgm:constrLst>
+                        <dgm:constr type="l" for="ch" forName="rootText3"/>
+                        <dgm:constr type="t" for="ch" forName="rootText3"/>
+                        <dgm:constr type="w" for="ch" forName="rootText3" refType="w"/>
+                        <dgm:constr type="h" for="ch" forName="rootText3" refType="h"/>
+                        <dgm:constr type="r" for="ch" forName="rootConnector3" refType="w"/>
+                        <dgm:constr type="t" for="ch" forName="rootConnector3"/>
+                        <dgm:constr type="w" for="ch" forName="rootConnector3" refType="w" refFor="ch" refForName="rootText3" fact="0.2"/>
+                        <dgm:constr type="h" for="ch" forName="rootConnector3" refType="h" refFor="ch" refForName="rootText3"/>
+                      </dgm:constrLst>
+                    </dgm:if>
+                    <dgm:if name="Name125" func="var" arg="hierBranch" op="equ" val="r">
+                      <dgm:constrLst>
+                        <dgm:constr type="l" for="ch" forName="rootText3"/>
+                        <dgm:constr type="t" for="ch" forName="rootText3"/>
+                        <dgm:constr type="w" for="ch" forName="rootText3" refType="w"/>
+                        <dgm:constr type="h" for="ch" forName="rootText3" refType="h"/>
+                        <dgm:constr type="l" for="ch" forName="rootConnector3"/>
+                        <dgm:constr type="t" for="ch" forName="rootConnector3"/>
+                        <dgm:constr type="w" for="ch" forName="rootConnector3" refType="w" refFor="ch" refForName="rootText3" fact="0.2"/>
+                        <dgm:constr type="h" for="ch" forName="rootConnector3" refType="h" refFor="ch" refForName="rootText3"/>
+                      </dgm:constrLst>
+                    </dgm:if>
+                    <dgm:else name="Name126">
+                      <dgm:constrLst>
+                        <dgm:constr type="l" for="ch" forName="rootText3"/>
+                        <dgm:constr type="t" for="ch" forName="rootText3"/>
+                        <dgm:constr type="w" for="ch" forName="rootText3" refType="w"/>
+                        <dgm:constr type="h" for="ch" forName="rootText3" refType="h"/>
+                        <dgm:constr type="r" for="ch" forName="rootConnector3" refType="w"/>
+                        <dgm:constr type="t" for="ch" forName="rootConnector3"/>
+                        <dgm:constr type="w" for="ch" forName="rootConnector3" refType="w" refFor="ch" refForName="rootText3" fact="0.2"/>
+                        <dgm:constr type="h" for="ch" forName="rootConnector3" refType="h" refFor="ch" refForName="rootText3"/>
+                      </dgm:constrLst>
+                    </dgm:else>
+                  </dgm:choose>
+                  <dgm:ruleLst/>
+                  <dgm:layoutNode name="rootText3">
+                    <dgm:varLst>
+                      <dgm:chPref val="3"/>
+                    </dgm:varLst>
+                    <dgm:alg type="tx"/>
+                    <dgm:shape xmlns:r="http://schemas.openxmlformats.org/officeDocument/2006/relationships" type="rect" r:blip="">
+                      <dgm:adjLst/>
+                    </dgm:shape>
+                    <dgm:presOf axis="self" ptType="node" cnt="1"/>
+                    <dgm:constrLst>
+                      <dgm:constr type="primFontSz" val="65"/>
+                      <dgm:constr type="lMarg" refType="primFontSz" fact="0.05"/>
+                      <dgm:constr type="rMarg" refType="primFontSz" fact="0.05"/>
+                      <dgm:constr type="tMarg" refType="primFontSz" fact="0.05"/>
+                      <dgm:constr type="bMarg" refType="primFontSz" fact="0.05"/>
+                    </dgm:constrLst>
+                    <dgm:ruleLst>
+                      <dgm:rule type="primFontSz" val="5" fact="NaN" max="NaN"/>
+                    </dgm:ruleLst>
+                  </dgm:layoutNode>
+                  <dgm:layoutNode name="rootConnector3" moveWith="rootText1">
+                    <dgm:alg type="sp"/>
+                    <dgm:shape xmlns:r="http://schemas.openxmlformats.org/officeDocument/2006/relationships" type="rect" r:blip="" hideGeom="1">
+                      <dgm:adjLst/>
+                    </dgm:shape>
+                    <dgm:presOf axis="self" ptType="node" cnt="1"/>
+                    <dgm:constrLst/>
+                    <dgm:ruleLst/>
+                  </dgm:layoutNode>
+                </dgm:layoutNode>
+                <dgm:layoutNode name="hierChild6">
+                  <dgm:choose name="Name127">
+                    <dgm:if name="Name128" func="var" arg="hierBranch" op="equ" val="l">
+                      <dgm:alg type="hierChild">
+                        <dgm:param type="chAlign" val="r"/>
+                        <dgm:param type="linDir" val="fromT"/>
+                      </dgm:alg>
+                    </dgm:if>
+                    <dgm:if name="Name129" func="var" arg="hierBranch" op="equ" val="r">
+                      <dgm:alg type="hierChild">
+                        <dgm:param type="chAlign" val="l"/>
+                        <dgm:param type="linDir" val="fromT"/>
+                      </dgm:alg>
+                    </dgm:if>
+                    <dgm:if name="Name130" func="var" arg="hierBranch" op="equ" val="hang">
+                      <dgm:choose name="Name131">
+                        <dgm:if name="Name132" func="var" arg="dir" op="equ" val="norm">
+                          <dgm:alg type="hierChild">
+                            <dgm:param type="chAlign" val="l"/>
+                            <dgm:param type="linDir" val="fromL"/>
+                            <dgm:param type="secChAlign" val="t"/>
+                            <dgm:param type="secLinDir" val="fromT"/>
+                          </dgm:alg>
+                        </dgm:if>
+                        <dgm:else name="Name133">
+                          <dgm:alg type="hierChild">
+                            <dgm:param type="chAlign" val="l"/>
+                            <dgm:param type="linDir" val="fromR"/>
+                            <dgm:param type="secChAlign" val="t"/>
+                            <dgm:param type="secLinDir" val="fromT"/>
+                          </dgm:alg>
+                        </dgm:else>
+                      </dgm:choose>
+                    </dgm:if>
+                    <dgm:if name="Name134" func="var" arg="hierBranch" op="equ" val="std">
+                      <dgm:choose name="Name135">
+                        <dgm:if name="Name136" func="var" arg="dir" op="equ" val="norm">
+                          <dgm:alg type="hierChild"/>
+                        </dgm:if>
+                        <dgm:else name="Name137">
+                          <dgm:alg type="hierChild">
+                            <dgm:param type="linDir" val="fromR"/>
+                          </dgm:alg>
+                        </dgm:else>
+                      </dgm:choose>
+                    </dgm:if>
+                    <dgm:if name="Name138" func="var" arg="hierBranch" op="equ" val="init">
+                      <dgm:choose name="Name139">
+                        <dgm:if name="Name140" axis="des" func="maxDepth" op="lte" val="1">
+                          <dgm:alg type="hierChild">
+                            <dgm:param type="chAlign" val="l"/>
+                            <dgm:param type="linDir" val="fromT"/>
+                          </dgm:alg>
+                        </dgm:if>
+                        <dgm:else name="Name141">
+                          <dgm:alg type="hierChild"/>
+                        </dgm:else>
+                      </dgm:choose>
+                    </dgm:if>
+                    <dgm:else name="Name142"/>
+                  </dgm:choose>
+                  <dgm:shape xmlns:r="http://schemas.openxmlformats.org/officeDocument/2006/relationships" r:blip="">
+                    <dgm:adjLst/>
+                  </dgm:shape>
+                  <dgm:presOf/>
+                  <dgm:constrLst/>
+                  <dgm:ruleLst/>
+                  <dgm:forEach name="Name143" ref="rep2a"/>
+                </dgm:layoutNode>
+                <dgm:layoutNode name="hierChild7">
+                  <dgm:choose name="Name144">
+                    <dgm:if name="Name145" func="var" arg="dir" op="equ" val="norm">
+                      <dgm:alg type="hierChild">
+                        <dgm:param type="chAlign" val="l"/>
+                        <dgm:param type="linDir" val="fromL"/>
+                        <dgm:param type="secChAlign" val="t"/>
+                        <dgm:param type="secLinDir" val="fromT"/>
+                      </dgm:alg>
+                    </dgm:if>
+                    <dgm:else name="Name146">
+                      <dgm:alg type="hierChild">
+                        <dgm:param type="chAlign" val="l"/>
+                        <dgm:param type="linDir" val="fromR"/>
+                        <dgm:param type="secChAlign" val="t"/>
+                        <dgm:param type="secLinDir" val="fromT"/>
+                      </dgm:alg>
+                    </dgm:else>
+                  </dgm:choose>
+                  <dgm:shape xmlns:r="http://schemas.openxmlformats.org/officeDocument/2006/relationships" r:blip="">
+                    <dgm:adjLst/>
+                  </dgm:shape>
+                  <dgm:presOf/>
+                  <dgm:constrLst/>
+                  <dgm:ruleLst/>
+                  <dgm:forEach name="Name147" ref="rep2b"/>
+                </dgm:layoutNode>
+              </dgm:layoutNode>
+            </dgm:forEach>
+          </dgm:layoutNode>
+        </dgm:layoutNode>
+      </dgm:forEach>
+    </dgm:forEach>
+  </dgm:layoutNode>
+</dgm:layoutDef>
+</file>
+
 <file path=ppt/diagrams/quickStyle1.xml><?xml version="1.0" encoding="utf-8"?>
 <dgm:styleDef xmlns:dgm="http://schemas.openxmlformats.org/drawingml/2006/diagram" xmlns:a="http://schemas.openxmlformats.org/drawingml/2006/main" uniqueId="urn:microsoft.com/office/officeart/2005/8/quickstyle/3D5">
   <dgm:title val=""/>
@@ -10779,6 +11345,1040 @@
 </file>
 
 <file path=ppt/diagrams/quickStyle3.xml><?xml version="1.0" encoding="utf-8"?>
+<dgm:styleDef xmlns:dgm="http://schemas.openxmlformats.org/drawingml/2006/diagram" xmlns:a="http://schemas.openxmlformats.org/drawingml/2006/main" uniqueId="urn:microsoft.com/office/officeart/2005/8/quickstyle/simple1">
+  <dgm:title val=""/>
+  <dgm:desc val=""/>
+  <dgm:catLst>
+    <dgm:cat type="simple" pri="10100"/>
+  </dgm:catLst>
+  <dgm:scene3d>
+    <a:camera prst="orthographicFront"/>
+    <a:lightRig rig="threePt" dir="t"/>
+  </dgm:scene3d>
+  <dgm:styleLbl name="node0">
+    <dgm:scene3d>
+      <a:camera prst="orthographicFront"/>
+      <a:lightRig rig="threePt" dir="t"/>
+    </dgm:scene3d>
+    <dgm:sp3d/>
+    <dgm:txPr/>
+    <dgm:style>
+      <a:lnRef idx="2">
+        <a:scrgbClr r="0" g="0" b="0"/>
+      </a:lnRef>
+      <a:fillRef idx="1">
+        <a:scrgbClr r="0" g="0" b="0"/>
+      </a:fillRef>
+      <a:effectRef idx="0">
+        <a:scrgbClr r="0" g="0" b="0"/>
+      </a:effectRef>
+      <a:fontRef idx="minor">
+        <a:schemeClr val="lt1"/>
+      </a:fontRef>
+    </dgm:style>
+  </dgm:styleLbl>
+  <dgm:styleLbl name="lnNode1">
+    <dgm:scene3d>
+      <a:camera prst="orthographicFront"/>
+      <a:lightRig rig="threePt" dir="t"/>
+    </dgm:scene3d>
+    <dgm:sp3d/>
+    <dgm:txPr/>
+    <dgm:style>
+      <a:lnRef idx="2">
+        <a:scrgbClr r="0" g="0" b="0"/>
+      </a:lnRef>
+      <a:fillRef idx="1">
+        <a:scrgbClr r="0" g="0" b="0"/>
+      </a:fillRef>
+      <a:effectRef idx="0">
+        <a:scrgbClr r="0" g="0" b="0"/>
+      </a:effectRef>
+      <a:fontRef idx="minor">
+        <a:schemeClr val="lt1"/>
+      </a:fontRef>
+    </dgm:style>
+  </dgm:styleLbl>
+  <dgm:styleLbl name="vennNode1">
+    <dgm:scene3d>
+      <a:camera prst="orthographicFront"/>
+      <a:lightRig rig="threePt" dir="t"/>
+    </dgm:scene3d>
+    <dgm:sp3d/>
+    <dgm:txPr/>
+    <dgm:style>
+      <a:lnRef idx="2">
+        <a:scrgbClr r="0" g="0" b="0"/>
+      </a:lnRef>
+      <a:fillRef idx="1">
+        <a:scrgbClr r="0" g="0" b="0"/>
+      </a:fillRef>
+      <a:effectRef idx="0">
+        <a:scrgbClr r="0" g="0" b="0"/>
+      </a:effectRef>
+      <a:fontRef idx="minor">
+        <a:schemeClr val="tx1"/>
+      </a:fontRef>
+    </dgm:style>
+  </dgm:styleLbl>
+  <dgm:styleLbl name="alignNode1">
+    <dgm:scene3d>
+      <a:camera prst="orthographicFront"/>
+      <a:lightRig rig="threePt" dir="t"/>
+    </dgm:scene3d>
+    <dgm:sp3d/>
+    <dgm:txPr/>
+    <dgm:style>
+      <a:lnRef idx="2">
+        <a:scrgbClr r="0" g="0" b="0"/>
+      </a:lnRef>
+      <a:fillRef idx="1">
+        <a:scrgbClr r="0" g="0" b="0"/>
+      </a:fillRef>
+      <a:effectRef idx="0">
+        <a:scrgbClr r="0" g="0" b="0"/>
+      </a:effectRef>
+      <a:fontRef idx="minor">
+        <a:schemeClr val="lt1"/>
+      </a:fontRef>
+    </dgm:style>
+  </dgm:styleLbl>
+  <dgm:styleLbl name="node1">
+    <dgm:scene3d>
+      <a:camera prst="orthographicFront"/>
+      <a:lightRig rig="threePt" dir="t"/>
+    </dgm:scene3d>
+    <dgm:sp3d/>
+    <dgm:txPr/>
+    <dgm:style>
+      <a:lnRef idx="2">
+        <a:scrgbClr r="0" g="0" b="0"/>
+      </a:lnRef>
+      <a:fillRef idx="1">
+        <a:scrgbClr r="0" g="0" b="0"/>
+      </a:fillRef>
+      <a:effectRef idx="0">
+        <a:scrgbClr r="0" g="0" b="0"/>
+      </a:effectRef>
+      <a:fontRef idx="minor">
+        <a:schemeClr val="lt1"/>
+      </a:fontRef>
+    </dgm:style>
+  </dgm:styleLbl>
+  <dgm:styleLbl name="node2">
+    <dgm:scene3d>
+      <a:camera prst="orthographicFront"/>
+      <a:lightRig rig="threePt" dir="t"/>
+    </dgm:scene3d>
+    <dgm:sp3d/>
+    <dgm:txPr/>
+    <dgm:style>
+      <a:lnRef idx="2">
+        <a:scrgbClr r="0" g="0" b="0"/>
+      </a:lnRef>
+      <a:fillRef idx="1">
+        <a:scrgbClr r="0" g="0" b="0"/>
+      </a:fillRef>
+      <a:effectRef idx="0">
+        <a:scrgbClr r="0" g="0" b="0"/>
+      </a:effectRef>
+      <a:fontRef idx="minor">
+        <a:schemeClr val="lt1"/>
+      </a:fontRef>
+    </dgm:style>
+  </dgm:styleLbl>
+  <dgm:styleLbl name="node3">
+    <dgm:scene3d>
+      <a:camera prst="orthographicFront"/>
+      <a:lightRig rig="threePt" dir="t"/>
+    </dgm:scene3d>
+    <dgm:sp3d/>
+    <dgm:txPr/>
+    <dgm:style>
+      <a:lnRef idx="2">
+        <a:scrgbClr r="0" g="0" b="0"/>
+      </a:lnRef>
+      <a:fillRef idx="1">
+        <a:scrgbClr r="0" g="0" b="0"/>
+      </a:fillRef>
+      <a:effectRef idx="0">
+        <a:scrgbClr r="0" g="0" b="0"/>
+      </a:effectRef>
+      <a:fontRef idx="minor">
+        <a:schemeClr val="lt1"/>
+      </a:fontRef>
+    </dgm:style>
+  </dgm:styleLbl>
+  <dgm:styleLbl name="node4">
+    <dgm:scene3d>
+      <a:camera prst="orthographicFront"/>
+      <a:lightRig rig="threePt" dir="t"/>
+    </dgm:scene3d>
+    <dgm:sp3d/>
+    <dgm:txPr/>
+    <dgm:style>
+      <a:lnRef idx="2">
+        <a:scrgbClr r="0" g="0" b="0"/>
+      </a:lnRef>
+      <a:fillRef idx="1">
+        <a:scrgbClr r="0" g="0" b="0"/>
+      </a:fillRef>
+      <a:effectRef idx="0">
+        <a:scrgbClr r="0" g="0" b="0"/>
+      </a:effectRef>
+      <a:fontRef idx="minor">
+        <a:schemeClr val="lt1"/>
+      </a:fontRef>
+    </dgm:style>
+  </dgm:styleLbl>
+  <dgm:styleLbl name="fgImgPlace1">
+    <dgm:scene3d>
+      <a:camera prst="orthographicFront"/>
+      <a:lightRig rig="threePt" dir="t"/>
+    </dgm:scene3d>
+    <dgm:sp3d/>
+    <dgm:txPr/>
+    <dgm:style>
+      <a:lnRef idx="2">
+        <a:scrgbClr r="0" g="0" b="0"/>
+      </a:lnRef>
+      <a:fillRef idx="1">
+        <a:scrgbClr r="0" g="0" b="0"/>
+      </a:fillRef>
+      <a:effectRef idx="0">
+        <a:scrgbClr r="0" g="0" b="0"/>
+      </a:effectRef>
+      <a:fontRef idx="minor"/>
+    </dgm:style>
+  </dgm:styleLbl>
+  <dgm:styleLbl name="alignImgPlace1">
+    <dgm:scene3d>
+      <a:camera prst="orthographicFront"/>
+      <a:lightRig rig="threePt" dir="t"/>
+    </dgm:scene3d>
+    <dgm:sp3d/>
+    <dgm:txPr/>
+    <dgm:style>
+      <a:lnRef idx="2">
+        <a:scrgbClr r="0" g="0" b="0"/>
+      </a:lnRef>
+      <a:fillRef idx="1">
+        <a:scrgbClr r="0" g="0" b="0"/>
+      </a:fillRef>
+      <a:effectRef idx="0">
+        <a:scrgbClr r="0" g="0" b="0"/>
+      </a:effectRef>
+      <a:fontRef idx="minor"/>
+    </dgm:style>
+  </dgm:styleLbl>
+  <dgm:styleLbl name="bgImgPlace1">
+    <dgm:scene3d>
+      <a:camera prst="orthographicFront"/>
+      <a:lightRig rig="threePt" dir="t"/>
+    </dgm:scene3d>
+    <dgm:sp3d/>
+    <dgm:txPr/>
+    <dgm:style>
+      <a:lnRef idx="2">
+        <a:scrgbClr r="0" g="0" b="0"/>
+      </a:lnRef>
+      <a:fillRef idx="1">
+        <a:scrgbClr r="0" g="0" b="0"/>
+      </a:fillRef>
+      <a:effectRef idx="0">
+        <a:scrgbClr r="0" g="0" b="0"/>
+      </a:effectRef>
+      <a:fontRef idx="minor"/>
+    </dgm:style>
+  </dgm:styleLbl>
+  <dgm:styleLbl name="sibTrans2D1">
+    <dgm:scene3d>
+      <a:camera prst="orthographicFront"/>
+      <a:lightRig rig="threePt" dir="t"/>
+    </dgm:scene3d>
+    <dgm:sp3d/>
+    <dgm:txPr/>
+    <dgm:style>
+      <a:lnRef idx="0">
+        <a:scrgbClr r="0" g="0" b="0"/>
+      </a:lnRef>
+      <a:fillRef idx="1">
+        <a:scrgbClr r="0" g="0" b="0"/>
+      </a:fillRef>
+      <a:effectRef idx="0">
+        <a:scrgbClr r="0" g="0" b="0"/>
+      </a:effectRef>
+      <a:fontRef idx="minor">
+        <a:schemeClr val="lt1"/>
+      </a:fontRef>
+    </dgm:style>
+  </dgm:styleLbl>
+  <dgm:styleLbl name="fgSibTrans2D1">
+    <dgm:scene3d>
+      <a:camera prst="orthographicFront"/>
+      <a:lightRig rig="threePt" dir="t"/>
+    </dgm:scene3d>
+    <dgm:sp3d/>
+    <dgm:txPr/>
+    <dgm:style>
+      <a:lnRef idx="0">
+        <a:scrgbClr r="0" g="0" b="0"/>
+      </a:lnRef>
+      <a:fillRef idx="1">
+        <a:scrgbClr r="0" g="0" b="0"/>
+      </a:fillRef>
+      <a:effectRef idx="0">
+        <a:scrgbClr r="0" g="0" b="0"/>
+      </a:effectRef>
+      <a:fontRef idx="minor">
+        <a:schemeClr val="lt1"/>
+      </a:fontRef>
+    </dgm:style>
+  </dgm:styleLbl>
+  <dgm:styleLbl name="bgSibTrans2D1">
+    <dgm:scene3d>
+      <a:camera prst="orthographicFront"/>
+      <a:lightRig rig="threePt" dir="t"/>
+    </dgm:scene3d>
+    <dgm:sp3d/>
+    <dgm:txPr/>
+    <dgm:style>
+      <a:lnRef idx="0">
+        <a:scrgbClr r="0" g="0" b="0"/>
+      </a:lnRef>
+      <a:fillRef idx="1">
+        <a:scrgbClr r="0" g="0" b="0"/>
+      </a:fillRef>
+      <a:effectRef idx="0">
+        <a:scrgbClr r="0" g="0" b="0"/>
+      </a:effectRef>
+      <a:fontRef idx="minor">
+        <a:schemeClr val="lt1"/>
+      </a:fontRef>
+    </dgm:style>
+  </dgm:styleLbl>
+  <dgm:styleLbl name="sibTrans1D1">
+    <dgm:scene3d>
+      <a:camera prst="orthographicFront"/>
+      <a:lightRig rig="threePt" dir="t"/>
+    </dgm:scene3d>
+    <dgm:sp3d/>
+    <dgm:txPr/>
+    <dgm:style>
+      <a:lnRef idx="1">
+        <a:scrgbClr r="0" g="0" b="0"/>
+      </a:lnRef>
+      <a:fillRef idx="0">
+        <a:scrgbClr r="0" g="0" b="0"/>
+      </a:fillRef>
+      <a:effectRef idx="0">
+        <a:scrgbClr r="0" g="0" b="0"/>
+      </a:effectRef>
+      <a:fontRef idx="minor"/>
+    </dgm:style>
+  </dgm:styleLbl>
+  <dgm:styleLbl name="callout">
+    <dgm:scene3d>
+      <a:camera prst="orthographicFront"/>
+      <a:lightRig rig="threePt" dir="t"/>
+    </dgm:scene3d>
+    <dgm:sp3d/>
+    <dgm:txPr/>
+    <dgm:style>
+      <a:lnRef idx="2">
+        <a:scrgbClr r="0" g="0" b="0"/>
+      </a:lnRef>
+      <a:fillRef idx="1">
+        <a:scrgbClr r="0" g="0" b="0"/>
+      </a:fillRef>
+      <a:effectRef idx="0">
+        <a:scrgbClr r="0" g="0" b="0"/>
+      </a:effectRef>
+      <a:fontRef idx="minor"/>
+    </dgm:style>
+  </dgm:styleLbl>
+  <dgm:styleLbl name="asst0">
+    <dgm:scene3d>
+      <a:camera prst="orthographicFront"/>
+      <a:lightRig rig="threePt" dir="t"/>
+    </dgm:scene3d>
+    <dgm:sp3d/>
+    <dgm:txPr/>
+    <dgm:style>
+      <a:lnRef idx="2">
+        <a:scrgbClr r="0" g="0" b="0"/>
+      </a:lnRef>
+      <a:fillRef idx="1">
+        <a:scrgbClr r="0" g="0" b="0"/>
+      </a:fillRef>
+      <a:effectRef idx="0">
+        <a:scrgbClr r="0" g="0" b="0"/>
+      </a:effectRef>
+      <a:fontRef idx="minor">
+        <a:schemeClr val="lt1"/>
+      </a:fontRef>
+    </dgm:style>
+  </dgm:styleLbl>
+  <dgm:styleLbl name="asst1">
+    <dgm:scene3d>
+      <a:camera prst="orthographicFront"/>
+      <a:lightRig rig="threePt" dir="t"/>
+    </dgm:scene3d>
+    <dgm:sp3d/>
+    <dgm:txPr/>
+    <dgm:style>
+      <a:lnRef idx="2">
+        <a:scrgbClr r="0" g="0" b="0"/>
+      </a:lnRef>
+      <a:fillRef idx="1">
+        <a:scrgbClr r="0" g="0" b="0"/>
+      </a:fillRef>
+      <a:effectRef idx="0">
+        <a:scrgbClr r="0" g="0" b="0"/>
+      </a:effectRef>
+      <a:fontRef idx="minor">
+        <a:schemeClr val="lt1"/>
+      </a:fontRef>
+    </dgm:style>
+  </dgm:styleLbl>
+  <dgm:styleLbl name="asst2">
+    <dgm:scene3d>
+      <a:camera prst="orthographicFront"/>
+      <a:lightRig rig="threePt" dir="t"/>
+    </dgm:scene3d>
+    <dgm:sp3d/>
+    <dgm:txPr/>
+    <dgm:style>
+      <a:lnRef idx="2">
+        <a:scrgbClr r="0" g="0" b="0"/>
+      </a:lnRef>
+      <a:fillRef idx="1">
+        <a:scrgbClr r="0" g="0" b="0"/>
+      </a:fillRef>
+      <a:effectRef idx="0">
+        <a:scrgbClr r="0" g="0" b="0"/>
+      </a:effectRef>
+      <a:fontRef idx="minor">
+        <a:schemeClr val="lt1"/>
+      </a:fontRef>
+    </dgm:style>
+  </dgm:styleLbl>
+  <dgm:styleLbl name="asst3">
+    <dgm:scene3d>
+      <a:camera prst="orthographicFront"/>
+      <a:lightRig rig="threePt" dir="t"/>
+    </dgm:scene3d>
+    <dgm:sp3d/>
+    <dgm:txPr/>
+    <dgm:style>
+      <a:lnRef idx="2">
+        <a:scrgbClr r="0" g="0" b="0"/>
+      </a:lnRef>
+      <a:fillRef idx="1">
+        <a:scrgbClr r="0" g="0" b="0"/>
+      </a:fillRef>
+      <a:effectRef idx="0">
+        <a:scrgbClr r="0" g="0" b="0"/>
+      </a:effectRef>
+      <a:fontRef idx="minor">
+        <a:schemeClr val="lt1"/>
+      </a:fontRef>
+    </dgm:style>
+  </dgm:styleLbl>
+  <dgm:styleLbl name="asst4">
+    <dgm:scene3d>
+      <a:camera prst="orthographicFront"/>
+      <a:lightRig rig="threePt" dir="t"/>
+    </dgm:scene3d>
+    <dgm:sp3d/>
+    <dgm:txPr/>
+    <dgm:style>
+      <a:lnRef idx="2">
+        <a:scrgbClr r="0" g="0" b="0"/>
+      </a:lnRef>
+      <a:fillRef idx="1">
+        <a:scrgbClr r="0" g="0" b="0"/>
+      </a:fillRef>
+      <a:effectRef idx="0">
+        <a:scrgbClr r="0" g="0" b="0"/>
+      </a:effectRef>
+      <a:fontRef idx="minor">
+        <a:schemeClr val="lt1"/>
+      </a:fontRef>
+    </dgm:style>
+  </dgm:styleLbl>
+  <dgm:styleLbl name="parChTrans2D1">
+    <dgm:scene3d>
+      <a:camera prst="orthographicFront"/>
+      <a:lightRig rig="threePt" dir="t"/>
+    </dgm:scene3d>
+    <dgm:sp3d/>
+    <dgm:txPr/>
+    <dgm:style>
+      <a:lnRef idx="2">
+        <a:scrgbClr r="0" g="0" b="0"/>
+      </a:lnRef>
+      <a:fillRef idx="1">
+        <a:scrgbClr r="0" g="0" b="0"/>
+      </a:fillRef>
+      <a:effectRef idx="0">
+        <a:scrgbClr r="0" g="0" b="0"/>
+      </a:effectRef>
+      <a:fontRef idx="minor">
+        <a:schemeClr val="lt1"/>
+      </a:fontRef>
+    </dgm:style>
+  </dgm:styleLbl>
+  <dgm:styleLbl name="parChTrans2D2">
+    <dgm:scene3d>
+      <a:camera prst="orthographicFront"/>
+      <a:lightRig rig="threePt" dir="t"/>
+    </dgm:scene3d>
+    <dgm:sp3d/>
+    <dgm:txPr/>
+    <dgm:style>
+      <a:lnRef idx="2">
+        <a:scrgbClr r="0" g="0" b="0"/>
+      </a:lnRef>
+      <a:fillRef idx="1">
+        <a:scrgbClr r="0" g="0" b="0"/>
+      </a:fillRef>
+      <a:effectRef idx="0">
+        <a:scrgbClr r="0" g="0" b="0"/>
+      </a:effectRef>
+      <a:fontRef idx="minor">
+        <a:schemeClr val="lt1"/>
+      </a:fontRef>
+    </dgm:style>
+  </dgm:styleLbl>
+  <dgm:styleLbl name="parChTrans2D3">
+    <dgm:scene3d>
+      <a:camera prst="orthographicFront"/>
+      <a:lightRig rig="threePt" dir="t"/>
+    </dgm:scene3d>
+    <dgm:sp3d/>
+    <dgm:txPr/>
+    <dgm:style>
+      <a:lnRef idx="2">
+        <a:scrgbClr r="0" g="0" b="0"/>
+      </a:lnRef>
+      <a:fillRef idx="1">
+        <a:scrgbClr r="0" g="0" b="0"/>
+      </a:fillRef>
+      <a:effectRef idx="0">
+        <a:scrgbClr r="0" g="0" b="0"/>
+      </a:effectRef>
+      <a:fontRef idx="minor">
+        <a:schemeClr val="lt1"/>
+      </a:fontRef>
+    </dgm:style>
+  </dgm:styleLbl>
+  <dgm:styleLbl name="parChTrans2D4">
+    <dgm:scene3d>
+      <a:camera prst="orthographicFront"/>
+      <a:lightRig rig="threePt" dir="t"/>
+    </dgm:scene3d>
+    <dgm:sp3d/>
+    <dgm:txPr/>
+    <dgm:style>
+      <a:lnRef idx="2">
+        <a:scrgbClr r="0" g="0" b="0"/>
+      </a:lnRef>
+      <a:fillRef idx="1">
+        <a:scrgbClr r="0" g="0" b="0"/>
+      </a:fillRef>
+      <a:effectRef idx="0">
+        <a:scrgbClr r="0" g="0" b="0"/>
+      </a:effectRef>
+      <a:fontRef idx="minor">
+        <a:schemeClr val="lt1"/>
+      </a:fontRef>
+    </dgm:style>
+  </dgm:styleLbl>
+  <dgm:styleLbl name="parChTrans1D1">
+    <dgm:scene3d>
+      <a:camera prst="orthographicFront"/>
+      <a:lightRig rig="threePt" dir="t"/>
+    </dgm:scene3d>
+    <dgm:sp3d/>
+    <dgm:txPr/>
+    <dgm:style>
+      <a:lnRef idx="2">
+        <a:scrgbClr r="0" g="0" b="0"/>
+      </a:lnRef>
+      <a:fillRef idx="0">
+        <a:scrgbClr r="0" g="0" b="0"/>
+      </a:fillRef>
+      <a:effectRef idx="0">
+        <a:scrgbClr r="0" g="0" b="0"/>
+      </a:effectRef>
+      <a:fontRef idx="minor"/>
+    </dgm:style>
+  </dgm:styleLbl>
+  <dgm:styleLbl name="parChTrans1D2">
+    <dgm:scene3d>
+      <a:camera prst="orthographicFront"/>
+      <a:lightRig rig="threePt" dir="t"/>
+    </dgm:scene3d>
+    <dgm:sp3d/>
+    <dgm:txPr/>
+    <dgm:style>
+      <a:lnRef idx="2">
+        <a:scrgbClr r="0" g="0" b="0"/>
+      </a:lnRef>
+      <a:fillRef idx="0">
+        <a:scrgbClr r="0" g="0" b="0"/>
+      </a:fillRef>
+      <a:effectRef idx="0">
+        <a:scrgbClr r="0" g="0" b="0"/>
+      </a:effectRef>
+      <a:fontRef idx="minor"/>
+    </dgm:style>
+  </dgm:styleLbl>
+  <dgm:styleLbl name="parChTrans1D3">
+    <dgm:scene3d>
+      <a:camera prst="orthographicFront"/>
+      <a:lightRig rig="threePt" dir="t"/>
+    </dgm:scene3d>
+    <dgm:sp3d/>
+    <dgm:txPr/>
+    <dgm:style>
+      <a:lnRef idx="2">
+        <a:scrgbClr r="0" g="0" b="0"/>
+      </a:lnRef>
+      <a:fillRef idx="0">
+        <a:scrgbClr r="0" g="0" b="0"/>
+      </a:fillRef>
+      <a:effectRef idx="0">
+        <a:scrgbClr r="0" g="0" b="0"/>
+      </a:effectRef>
+      <a:fontRef idx="minor"/>
+    </dgm:style>
+  </dgm:styleLbl>
+  <dgm:styleLbl name="parChTrans1D4">
+    <dgm:scene3d>
+      <a:camera prst="orthographicFront"/>
+      <a:lightRig rig="threePt" dir="t"/>
+    </dgm:scene3d>
+    <dgm:sp3d/>
+    <dgm:txPr/>
+    <dgm:style>
+      <a:lnRef idx="2">
+        <a:scrgbClr r="0" g="0" b="0"/>
+      </a:lnRef>
+      <a:fillRef idx="0">
+        <a:scrgbClr r="0" g="0" b="0"/>
+      </a:fillRef>
+      <a:effectRef idx="0">
+        <a:scrgbClr r="0" g="0" b="0"/>
+      </a:effectRef>
+      <a:fontRef idx="minor"/>
+    </dgm:style>
+  </dgm:styleLbl>
+  <dgm:styleLbl name="fgAcc1">
+    <dgm:scene3d>
+      <a:camera prst="orthographicFront"/>
+      <a:lightRig rig="threePt" dir="t"/>
+    </dgm:scene3d>
+    <dgm:sp3d/>
+    <dgm:txPr/>
+    <dgm:style>
+      <a:lnRef idx="2">
+        <a:scrgbClr r="0" g="0" b="0"/>
+      </a:lnRef>
+      <a:fillRef idx="1">
+        <a:scrgbClr r="0" g="0" b="0"/>
+      </a:fillRef>
+      <a:effectRef idx="0">
+        <a:scrgbClr r="0" g="0" b="0"/>
+      </a:effectRef>
+      <a:fontRef idx="minor"/>
+    </dgm:style>
+  </dgm:styleLbl>
+  <dgm:styleLbl name="conFgAcc1">
+    <dgm:scene3d>
+      <a:camera prst="orthographicFront"/>
+      <a:lightRig rig="threePt" dir="t"/>
+    </dgm:scene3d>
+    <dgm:sp3d/>
+    <dgm:txPr/>
+    <dgm:style>
+      <a:lnRef idx="2">
+        <a:scrgbClr r="0" g="0" b="0"/>
+      </a:lnRef>
+      <a:fillRef idx="1">
+        <a:scrgbClr r="0" g="0" b="0"/>
+      </a:fillRef>
+      <a:effectRef idx="0">
+        <a:scrgbClr r="0" g="0" b="0"/>
+      </a:effectRef>
+      <a:fontRef idx="minor"/>
+    </dgm:style>
+  </dgm:styleLbl>
+  <dgm:styleLbl name="alignAcc1">
+    <dgm:scene3d>
+      <a:camera prst="orthographicFront"/>
+      <a:lightRig rig="threePt" dir="t"/>
+    </dgm:scene3d>
+    <dgm:sp3d/>
+    <dgm:txPr/>
+    <dgm:style>
+      <a:lnRef idx="2">
+        <a:scrgbClr r="0" g="0" b="0"/>
+      </a:lnRef>
+      <a:fillRef idx="1">
+        <a:scrgbClr r="0" g="0" b="0"/>
+      </a:fillRef>
+      <a:effectRef idx="0">
+        <a:scrgbClr r="0" g="0" b="0"/>
+      </a:effectRef>
+      <a:fontRef idx="minor"/>
+    </dgm:style>
+  </dgm:styleLbl>
+  <dgm:styleLbl name="trAlignAcc1">
+    <dgm:scene3d>
+      <a:camera prst="orthographicFront"/>
+      <a:lightRig rig="threePt" dir="t"/>
+    </dgm:scene3d>
+    <dgm:sp3d/>
+    <dgm:txPr/>
+    <dgm:style>
+      <a:lnRef idx="1">
+        <a:scrgbClr r="0" g="0" b="0"/>
+      </a:lnRef>
+      <a:fillRef idx="1">
+        <a:scrgbClr r="0" g="0" b="0"/>
+      </a:fillRef>
+      <a:effectRef idx="0">
+        <a:scrgbClr r="0" g="0" b="0"/>
+      </a:effectRef>
+      <a:fontRef idx="minor"/>
+    </dgm:style>
+  </dgm:styleLbl>
+  <dgm:styleLbl name="bgAcc1">
+    <dgm:scene3d>
+      <a:camera prst="orthographicFront"/>
+      <a:lightRig rig="threePt" dir="t"/>
+    </dgm:scene3d>
+    <dgm:sp3d/>
+    <dgm:txPr/>
+    <dgm:style>
+      <a:lnRef idx="2">
+        <a:scrgbClr r="0" g="0" b="0"/>
+      </a:lnRef>
+      <a:fillRef idx="1">
+        <a:scrgbClr r="0" g="0" b="0"/>
+      </a:fillRef>
+      <a:effectRef idx="0">
+        <a:scrgbClr r="0" g="0" b="0"/>
+      </a:effectRef>
+      <a:fontRef idx="minor"/>
+    </dgm:style>
+  </dgm:styleLbl>
+  <dgm:styleLbl name="solidFgAcc1">
+    <dgm:scene3d>
+      <a:camera prst="orthographicFront"/>
+      <a:lightRig rig="threePt" dir="t"/>
+    </dgm:scene3d>
+    <dgm:sp3d/>
+    <dgm:txPr/>
+    <dgm:style>
+      <a:lnRef idx="2">
+        <a:scrgbClr r="0" g="0" b="0"/>
+      </a:lnRef>
+      <a:fillRef idx="1">
+        <a:scrgbClr r="0" g="0" b="0"/>
+      </a:fillRef>
+      <a:effectRef idx="0">
+        <a:scrgbClr r="0" g="0" b="0"/>
+      </a:effectRef>
+      <a:fontRef idx="minor"/>
+    </dgm:style>
+  </dgm:styleLbl>
+  <dgm:styleLbl name="solidAlignAcc1">
+    <dgm:scene3d>
+      <a:camera prst="orthographicFront"/>
+      <a:lightRig rig="threePt" dir="t"/>
+    </dgm:scene3d>
+    <dgm:sp3d/>
+    <dgm:txPr/>
+    <dgm:style>
+      <a:lnRef idx="2">
+        <a:scrgbClr r="0" g="0" b="0"/>
+      </a:lnRef>
+      <a:fillRef idx="1">
+        <a:scrgbClr r="0" g="0" b="0"/>
+      </a:fillRef>
+      <a:effectRef idx="0">
+        <a:scrgbClr r="0" g="0" b="0"/>
+      </a:effectRef>
+      <a:fontRef idx="minor"/>
+    </dgm:style>
+  </dgm:styleLbl>
+  <dgm:styleLbl name="solidBgAcc1">
+    <dgm:scene3d>
+      <a:camera prst="orthographicFront"/>
+      <a:lightRig rig="threePt" dir="t"/>
+    </dgm:scene3d>
+    <dgm:sp3d/>
+    <dgm:txPr/>
+    <dgm:style>
+      <a:lnRef idx="2">
+        <a:scrgbClr r="0" g="0" b="0"/>
+      </a:lnRef>
+      <a:fillRef idx="1">
+        <a:scrgbClr r="0" g="0" b="0"/>
+      </a:fillRef>
+      <a:effectRef idx="0">
+        <a:scrgbClr r="0" g="0" b="0"/>
+      </a:effectRef>
+      <a:fontRef idx="minor"/>
+    </dgm:style>
+  </dgm:styleLbl>
+  <dgm:styleLbl name="fgAccFollowNode1">
+    <dgm:scene3d>
+      <a:camera prst="orthographicFront"/>
+      <a:lightRig rig="threePt" dir="t"/>
+    </dgm:scene3d>
+    <dgm:sp3d/>
+    <dgm:txPr/>
+    <dgm:style>
+      <a:lnRef idx="2">
+        <a:scrgbClr r="0" g="0" b="0"/>
+      </a:lnRef>
+      <a:fillRef idx="1">
+        <a:scrgbClr r="0" g="0" b="0"/>
+      </a:fillRef>
+      <a:effectRef idx="0">
+        <a:scrgbClr r="0" g="0" b="0"/>
+      </a:effectRef>
+      <a:fontRef idx="minor"/>
+    </dgm:style>
+  </dgm:styleLbl>
+  <dgm:styleLbl name="alignAccFollowNode1">
+    <dgm:scene3d>
+      <a:camera prst="orthographicFront"/>
+      <a:lightRig rig="threePt" dir="t"/>
+    </dgm:scene3d>
+    <dgm:sp3d/>
+    <dgm:txPr/>
+    <dgm:style>
+      <a:lnRef idx="2">
+        <a:scrgbClr r="0" g="0" b="0"/>
+      </a:lnRef>
+      <a:fillRef idx="1">
+        <a:scrgbClr r="0" g="0" b="0"/>
+      </a:fillRef>
+      <a:effectRef idx="0">
+        <a:scrgbClr r="0" g="0" b="0"/>
+      </a:effectRef>
+      <a:fontRef idx="minor"/>
+    </dgm:style>
+  </dgm:styleLbl>
+  <dgm:styleLbl name="bgAccFollowNode1">
+    <dgm:scene3d>
+      <a:camera prst="orthographicFront"/>
+      <a:lightRig rig="threePt" dir="t"/>
+    </dgm:scene3d>
+    <dgm:sp3d/>
+    <dgm:txPr/>
+    <dgm:style>
+      <a:lnRef idx="2">
+        <a:scrgbClr r="0" g="0" b="0"/>
+      </a:lnRef>
+      <a:fillRef idx="1">
+        <a:scrgbClr r="0" g="0" b="0"/>
+      </a:fillRef>
+      <a:effectRef idx="0">
+        <a:scrgbClr r="0" g="0" b="0"/>
+      </a:effectRef>
+      <a:fontRef idx="minor"/>
+    </dgm:style>
+  </dgm:styleLbl>
+  <dgm:styleLbl name="fgAcc0">
+    <dgm:scene3d>
+      <a:camera prst="orthographicFront"/>
+      <a:lightRig rig="threePt" dir="t"/>
+    </dgm:scene3d>
+    <dgm:sp3d/>
+    <dgm:txPr/>
+    <dgm:style>
+      <a:lnRef idx="2">
+        <a:scrgbClr r="0" g="0" b="0"/>
+      </a:lnRef>
+      <a:fillRef idx="1">
+        <a:scrgbClr r="0" g="0" b="0"/>
+      </a:fillRef>
+      <a:effectRef idx="0">
+        <a:scrgbClr r="0" g="0" b="0"/>
+      </a:effectRef>
+      <a:fontRef idx="minor"/>
+    </dgm:style>
+  </dgm:styleLbl>
+  <dgm:styleLbl name="fgAcc2">
+    <dgm:scene3d>
+      <a:camera prst="orthographicFront"/>
+      <a:lightRig rig="threePt" dir="t"/>
+    </dgm:scene3d>
+    <dgm:sp3d/>
+    <dgm:txPr/>
+    <dgm:style>
+      <a:lnRef idx="2">
+        <a:scrgbClr r="0" g="0" b="0"/>
+      </a:lnRef>
+      <a:fillRef idx="1">
+        <a:scrgbClr r="0" g="0" b="0"/>
+      </a:fillRef>
+      <a:effectRef idx="0">
+        <a:scrgbClr r="0" g="0" b="0"/>
+      </a:effectRef>
+      <a:fontRef idx="minor"/>
+    </dgm:style>
+  </dgm:styleLbl>
+  <dgm:styleLbl name="fgAcc3">
+    <dgm:scene3d>
+      <a:camera prst="orthographicFront"/>
+      <a:lightRig rig="threePt" dir="t"/>
+    </dgm:scene3d>
+    <dgm:sp3d/>
+    <dgm:txPr/>
+    <dgm:style>
+      <a:lnRef idx="2">
+        <a:scrgbClr r="0" g="0" b="0"/>
+      </a:lnRef>
+      <a:fillRef idx="1">
+        <a:scrgbClr r="0" g="0" b="0"/>
+      </a:fillRef>
+      <a:effectRef idx="0">
+        <a:scrgbClr r="0" g="0" b="0"/>
+      </a:effectRef>
+      <a:fontRef idx="minor"/>
+    </dgm:style>
+  </dgm:styleLbl>
+  <dgm:styleLbl name="fgAcc4">
+    <dgm:scene3d>
+      <a:camera prst="orthographicFront"/>
+      <a:lightRig rig="threePt" dir="t"/>
+    </dgm:scene3d>
+    <dgm:sp3d/>
+    <dgm:txPr/>
+    <dgm:style>
+      <a:lnRef idx="2">
+        <a:scrgbClr r="0" g="0" b="0"/>
+      </a:lnRef>
+      <a:fillRef idx="1">
+        <a:scrgbClr r="0" g="0" b="0"/>
+      </a:fillRef>
+      <a:effectRef idx="0">
+        <a:scrgbClr r="0" g="0" b="0"/>
+      </a:effectRef>
+      <a:fontRef idx="minor"/>
+    </dgm:style>
+  </dgm:styleLbl>
+  <dgm:styleLbl name="bgShp">
+    <dgm:scene3d>
+      <a:camera prst="orthographicFront"/>
+      <a:lightRig rig="threePt" dir="t"/>
+    </dgm:scene3d>
+    <dgm:sp3d/>
+    <dgm:txPr/>
+    <dgm:style>
+      <a:lnRef idx="0">
+        <a:scrgbClr r="0" g="0" b="0"/>
+      </a:lnRef>
+      <a:fillRef idx="1">
+        <a:scrgbClr r="0" g="0" b="0"/>
+      </a:fillRef>
+      <a:effectRef idx="0">
+        <a:scrgbClr r="0" g="0" b="0"/>
+      </a:effectRef>
+      <a:fontRef idx="minor"/>
+    </dgm:style>
+  </dgm:styleLbl>
+  <dgm:styleLbl name="dkBgShp">
+    <dgm:scene3d>
+      <a:camera prst="orthographicFront"/>
+      <a:lightRig rig="threePt" dir="t"/>
+    </dgm:scene3d>
+    <dgm:sp3d/>
+    <dgm:txPr/>
+    <dgm:style>
+      <a:lnRef idx="0">
+        <a:scrgbClr r="0" g="0" b="0"/>
+      </a:lnRef>
+      <a:fillRef idx="1">
+        <a:scrgbClr r="0" g="0" b="0"/>
+      </a:fillRef>
+      <a:effectRef idx="0">
+        <a:scrgbClr r="0" g="0" b="0"/>
+      </a:effectRef>
+      <a:fontRef idx="minor"/>
+    </dgm:style>
+  </dgm:styleLbl>
+  <dgm:styleLbl name="trBgShp">
+    <dgm:scene3d>
+      <a:camera prst="orthographicFront"/>
+      <a:lightRig rig="threePt" dir="t"/>
+    </dgm:scene3d>
+    <dgm:sp3d/>
+    <dgm:txPr/>
+    <dgm:style>
+      <a:lnRef idx="0">
+        <a:scrgbClr r="0" g="0" b="0"/>
+      </a:lnRef>
+      <a:fillRef idx="1">
+        <a:scrgbClr r="0" g="0" b="0"/>
+      </a:fillRef>
+      <a:effectRef idx="0">
+        <a:scrgbClr r="0" g="0" b="0"/>
+      </a:effectRef>
+      <a:fontRef idx="minor"/>
+    </dgm:style>
+  </dgm:styleLbl>
+  <dgm:styleLbl name="fgShp">
+    <dgm:scene3d>
+      <a:camera prst="orthographicFront"/>
+      <a:lightRig rig="threePt" dir="t"/>
+    </dgm:scene3d>
+    <dgm:sp3d/>
+    <dgm:txPr/>
+    <dgm:style>
+      <a:lnRef idx="2">
+        <a:scrgbClr r="0" g="0" b="0"/>
+      </a:lnRef>
+      <a:fillRef idx="1">
+        <a:scrgbClr r="0" g="0" b="0"/>
+      </a:fillRef>
+      <a:effectRef idx="0">
+        <a:scrgbClr r="0" g="0" b="0"/>
+      </a:effectRef>
+      <a:fontRef idx="minor"/>
+    </dgm:style>
+  </dgm:styleLbl>
+  <dgm:styleLbl name="revTx">
+    <dgm:scene3d>
+      <a:camera prst="orthographicFront"/>
+      <a:lightRig rig="threePt" dir="t"/>
+    </dgm:scene3d>
+    <dgm:sp3d/>
+    <dgm:txPr/>
+    <dgm:style>
+      <a:lnRef idx="0">
+        <a:scrgbClr r="0" g="0" b="0"/>
+      </a:lnRef>
+      <a:fillRef idx="0">
+        <a:scrgbClr r="0" g="0" b="0"/>
+      </a:fillRef>
+      <a:effectRef idx="0">
+        <a:scrgbClr r="0" g="0" b="0"/>
+      </a:effectRef>
+      <a:fontRef idx="minor"/>
+    </dgm:style>
+  </dgm:styleLbl>
+</dgm:styleDef>
+</file>
+
+<file path=ppt/diagrams/quickStyle4.xml><?xml version="1.0" encoding="utf-8"?>
 <dgm:styleDef xmlns:dgm="http://schemas.openxmlformats.org/drawingml/2006/diagram" xmlns:a="http://schemas.openxmlformats.org/drawingml/2006/main" uniqueId="urn:microsoft.com/office/officeart/2005/8/quickstyle/simple1">
   <dgm:title val=""/>
   <dgm:desc val=""/>
@@ -12296,6 +13896,122 @@
     </p:spTree>
     <p:extLst>
       <p:ext uri="{BB962C8B-B14F-4D97-AF65-F5344CB8AC3E}">
+        <p14:creationId xmlns:p14="http://schemas.microsoft.com/office/powerpoint/2010/main" val="2331686686"/>
+      </p:ext>
+    </p:extLst>
+  </p:cSld>
+  <p:clrMapOvr>
+    <a:masterClrMapping/>
+  </p:clrMapOvr>
+</p:notes>
+</file>
+
+<file path=ppt/notesSlides/notesSlide11.xml><?xml version="1.0" encoding="utf-8"?>
+<p:notes xmlns:a="http://schemas.openxmlformats.org/drawingml/2006/main" xmlns:r="http://schemas.openxmlformats.org/officeDocument/2006/relationships" xmlns:p="http://schemas.openxmlformats.org/presentationml/2006/main" showMasterSp="0" showMasterPhAnim="0">
+  <p:cSld>
+    <p:spTree>
+      <p:nvGrpSpPr>
+        <p:cNvPr id="1" name="Shape 59"/>
+        <p:cNvGrpSpPr/>
+        <p:nvPr/>
+      </p:nvGrpSpPr>
+      <p:grpSpPr>
+        <a:xfrm>
+          <a:off x="0" y="0"/>
+          <a:ext cx="0" cy="0"/>
+          <a:chOff x="0" y="0"/>
+          <a:chExt cx="0" cy="0"/>
+        </a:xfrm>
+      </p:grpSpPr>
+      <p:sp>
+        <p:nvSpPr>
+          <p:cNvPr id="60" name="Shape 60"/>
+          <p:cNvSpPr>
+            <a:spLocks noGrp="1" noRot="1" noChangeAspect="1"/>
+          </p:cNvSpPr>
+          <p:nvPr>
+            <p:ph type="sldImg" idx="2"/>
+          </p:nvPr>
+        </p:nvSpPr>
+        <p:spPr>
+          <a:xfrm>
+            <a:off x="1143000" y="685800"/>
+            <a:ext cx="4572000" cy="3429000"/>
+          </a:xfrm>
+          <a:custGeom>
+            <a:avLst/>
+            <a:gdLst/>
+            <a:ahLst/>
+            <a:cxnLst/>
+            <a:rect l="0" t="0" r="0" b="0"/>
+            <a:pathLst>
+              <a:path w="120000" h="120000" extrusionOk="0">
+                <a:moveTo>
+                  <a:pt x="0" y="0"/>
+                </a:moveTo>
+                <a:lnTo>
+                  <a:pt x="120000" y="0"/>
+                </a:lnTo>
+                <a:lnTo>
+                  <a:pt x="120000" y="120000"/>
+                </a:lnTo>
+                <a:lnTo>
+                  <a:pt x="0" y="120000"/>
+                </a:lnTo>
+                <a:close/>
+              </a:path>
+            </a:pathLst>
+          </a:custGeom>
+          <a:noFill/>
+          <a:ln w="9525" cap="flat">
+            <a:solidFill>
+              <a:srgbClr val="000000"/>
+            </a:solidFill>
+            <a:prstDash val="solid"/>
+            <a:round/>
+            <a:headEnd type="none" w="med" len="med"/>
+            <a:tailEnd type="none" w="med" len="med"/>
+          </a:ln>
+        </p:spPr>
+      </p:sp>
+      <p:sp>
+        <p:nvSpPr>
+          <p:cNvPr id="61" name="Shape 61"/>
+          <p:cNvSpPr txBox="1">
+            <a:spLocks noGrp="1"/>
+          </p:cNvSpPr>
+          <p:nvPr>
+            <p:ph type="body" idx="1"/>
+          </p:nvPr>
+        </p:nvSpPr>
+        <p:spPr>
+          <a:xfrm>
+            <a:off x="685800" y="4343400"/>
+            <a:ext cx="5486399" cy="4114800"/>
+          </a:xfrm>
+          <a:prstGeom prst="rect">
+            <a:avLst/>
+          </a:prstGeom>
+        </p:spPr>
+        <p:txBody>
+          <a:bodyPr lIns="91425" tIns="91425" rIns="91425" bIns="91425" anchor="t" anchorCtr="0">
+            <a:noAutofit/>
+          </a:bodyPr>
+          <a:lstStyle/>
+          <a:p>
+            <a:pPr lvl="0" rtl="0">
+              <a:spcBef>
+                <a:spcPts val="0"/>
+              </a:spcBef>
+              <a:buNone/>
+            </a:pPr>
+            <a:endParaRPr/>
+          </a:p>
+        </p:txBody>
+      </p:sp>
+    </p:spTree>
+    <p:extLst>
+      <p:ext uri="{BB962C8B-B14F-4D97-AF65-F5344CB8AC3E}">
         <p14:creationId xmlns:p14="http://schemas.microsoft.com/office/powerpoint/2010/main" val="2572175789"/>
       </p:ext>
     </p:extLst>
@@ -12306,7 +14022,7 @@
 </p:notes>
 </file>
 
-<file path=ppt/notesSlides/notesSlide11.xml><?xml version="1.0" encoding="utf-8"?>
+<file path=ppt/notesSlides/notesSlide12.xml><?xml version="1.0" encoding="utf-8"?>
 <p:notes xmlns:a="http://schemas.openxmlformats.org/drawingml/2006/main" xmlns:r="http://schemas.openxmlformats.org/officeDocument/2006/relationships" xmlns:p="http://schemas.openxmlformats.org/presentationml/2006/main" showMasterSp="0" showMasterPhAnim="0">
   <p:cSld>
     <p:spTree>
@@ -18769,15 +20485,7 @@
                   <a:srgbClr val="002060"/>
                 </a:solidFill>
               </a:rPr>
-              <a:t>(ITPD</a:t>
-            </a:r>
-            <a:r>
-              <a:rPr lang="en-US" sz="3200" b="1" dirty="0" smtClean="0">
-                <a:solidFill>
-                  <a:srgbClr val="002060"/>
-                </a:solidFill>
-              </a:rPr>
-              <a:t>)</a:t>
+              <a:t>(ITPD)</a:t>
             </a:r>
           </a:p>
           <a:p>
@@ -19891,79 +21599,11 @@
                   <a:srgbClr val="003366"/>
                 </a:solidFill>
               </a:rPr>
-              <a:t>Software and Tools Used</a:t>
+              <a:t>Subsystem Integration Sequence Example</a:t>
             </a:r>
             <a:endParaRPr lang="en-US" sz="3000" dirty="0">
               <a:solidFill>
                 <a:srgbClr val="003366"/>
-              </a:solidFill>
-            </a:endParaRPr>
-          </a:p>
-        </p:txBody>
-      </p:sp>
-      <p:sp>
-        <p:nvSpPr>
-          <p:cNvPr id="52" name="Shape 52"/>
-          <p:cNvSpPr txBox="1">
-            <a:spLocks noGrp="1"/>
-          </p:cNvSpPr>
-          <p:nvPr>
-            <p:ph type="body" idx="1"/>
-          </p:nvPr>
-        </p:nvSpPr>
-        <p:spPr>
-          <a:xfrm>
-            <a:off x="1557930" y="3795853"/>
-            <a:ext cx="8168185" cy="4733999"/>
-          </a:xfrm>
-          <a:prstGeom prst="rect">
-            <a:avLst/>
-          </a:prstGeom>
-        </p:spPr>
-        <p:txBody>
-          <a:bodyPr lIns="91425" tIns="91425" rIns="91425" bIns="91425" anchor="ctr" anchorCtr="0">
-            <a:noAutofit/>
-          </a:bodyPr>
-          <a:lstStyle/>
-          <a:p>
-            <a:pPr lvl="0" algn="just">
-              <a:buNone/>
-            </a:pPr>
-            <a:r>
-              <a:rPr lang="it-IT" sz="3600" dirty="0" smtClean="0">
-                <a:solidFill>
-                  <a:schemeClr val="accent1">
-                    <a:lumMod val="50000"/>
-                  </a:schemeClr>
-                </a:solidFill>
-              </a:rPr>
-              <a:t>… AND ALSO </a:t>
-            </a:r>
-            <a:r>
-              <a:rPr lang="it-IT" sz="3600" b="1" dirty="0" smtClean="0">
-                <a:solidFill>
-                  <a:schemeClr val="accent1">
-                    <a:lumMod val="50000"/>
-                  </a:schemeClr>
-                </a:solidFill>
-              </a:rPr>
-              <a:t>MANUAL TESTING</a:t>
-            </a:r>
-            <a:r>
-              <a:rPr lang="it-IT" sz="3600" dirty="0" smtClean="0">
-                <a:solidFill>
-                  <a:schemeClr val="accent1">
-                    <a:lumMod val="50000"/>
-                  </a:schemeClr>
-                </a:solidFill>
-              </a:rPr>
-              <a:t>!!</a:t>
-            </a:r>
-            <a:endParaRPr sz="3600" dirty="0">
-              <a:solidFill>
-                <a:schemeClr val="accent1">
-                  <a:lumMod val="50000"/>
-                </a:schemeClr>
               </a:solidFill>
             </a:endParaRPr>
           </a:p>
@@ -19976,7 +21616,7 @@
           <p:nvPr/>
         </p:nvPicPr>
         <p:blipFill>
-          <a:blip r:embed="rId4">
+          <a:blip r:embed="rId3">
             <a:alphaModFix/>
           </a:blip>
           <a:stretch>
@@ -20004,7 +21644,7 @@
           <p:nvPr/>
         </p:nvPicPr>
         <p:blipFill>
-          <a:blip r:embed="rId5">
+          <a:blip r:embed="rId4">
             <a:alphaModFix/>
           </a:blip>
           <a:stretch>
@@ -20100,7 +21740,7 @@
           <p:nvPr/>
         </p:nvPicPr>
         <p:blipFill>
-          <a:blip r:embed="rId6">
+          <a:blip r:embed="rId5">
             <a:alphaModFix/>
           </a:blip>
           <a:stretch>
@@ -20174,6 +21814,712 @@
           </a:p>
         </p:txBody>
       </p:sp>
+      <p:graphicFrame>
+        <p:nvGraphicFramePr>
+          <p:cNvPr id="3" name="Tabella 2"/>
+          <p:cNvGraphicFramePr>
+            <a:graphicFrameLocks noGrp="1"/>
+          </p:cNvGraphicFramePr>
+          <p:nvPr>
+            <p:extLst>
+              <p:ext uri="{D42A27DB-BD31-4B8C-83A1-F6EECF244321}">
+                <p14:modId xmlns:p14="http://schemas.microsoft.com/office/powerpoint/2010/main" val="1404770089"/>
+              </p:ext>
+            </p:extLst>
+          </p:nvPr>
+        </p:nvGraphicFramePr>
+        <p:xfrm>
+          <a:off x="1131623" y="1060946"/>
+          <a:ext cx="7016090" cy="1071660"/>
+        </p:xfrm>
+        <a:graphic>
+          <a:graphicData uri="http://schemas.openxmlformats.org/drawingml/2006/table">
+            <a:tbl>
+              <a:tblPr firstRow="1" firstCol="1" bandRow="1"/>
+              <a:tblGrid>
+                <a:gridCol w="1024124"/>
+                <a:gridCol w="5991966"/>
+              </a:tblGrid>
+              <a:tr h="329402">
+                <a:tc>
+                  <a:txBody>
+                    <a:bodyPr/>
+                    <a:lstStyle/>
+                    <a:p>
+                      <a:pPr algn="ctr">
+                        <a:lnSpc>
+                          <a:spcPct val="106000"/>
+                        </a:lnSpc>
+                        <a:spcAft>
+                          <a:spcPts val="0"/>
+                        </a:spcAft>
+                      </a:pPr>
+                      <a:r>
+                        <a:rPr lang="en-US" sz="2400" b="1" dirty="0">
+                          <a:solidFill>
+                            <a:srgbClr val="000000"/>
+                          </a:solidFill>
+                          <a:effectLst/>
+                          <a:latin typeface="Cambria" panose="02040503050406030204" pitchFamily="18" charset="0"/>
+                          <a:ea typeface="Calibri" panose="020F0502020204030204" pitchFamily="34" charset="0"/>
+                          <a:cs typeface="Cambria" panose="02040503050406030204" pitchFamily="18" charset="0"/>
+                        </a:rPr>
+                        <a:t>ID</a:t>
+                      </a:r>
+                      <a:endParaRPr lang="en-US" sz="2000" dirty="0">
+                        <a:solidFill>
+                          <a:srgbClr val="000000"/>
+                        </a:solidFill>
+                        <a:effectLst/>
+                        <a:latin typeface="Cambria" panose="02040503050406030204" pitchFamily="18" charset="0"/>
+                        <a:ea typeface="Calibri" panose="020F0502020204030204" pitchFamily="34" charset="0"/>
+                        <a:cs typeface="Cambria" panose="02040503050406030204" pitchFamily="18" charset="0"/>
+                      </a:endParaRPr>
+                    </a:p>
+                  </a:txBody>
+                  <a:tcPr marL="68580" marR="68580" marT="0" marB="0">
+                    <a:lnL w="12700" cap="flat" cmpd="sng" algn="ctr">
+                      <a:solidFill>
+                        <a:srgbClr val="999999"/>
+                      </a:solidFill>
+                      <a:prstDash val="solid"/>
+                      <a:round/>
+                      <a:headEnd type="none" w="med" len="med"/>
+                      <a:tailEnd type="none" w="med" len="med"/>
+                    </a:lnL>
+                    <a:lnR w="12700" cap="flat" cmpd="sng" algn="ctr">
+                      <a:solidFill>
+                        <a:srgbClr val="999999"/>
+                      </a:solidFill>
+                      <a:prstDash val="solid"/>
+                      <a:round/>
+                      <a:headEnd type="none" w="med" len="med"/>
+                      <a:tailEnd type="none" w="med" len="med"/>
+                    </a:lnR>
+                    <a:lnT w="12700" cap="flat" cmpd="sng" algn="ctr">
+                      <a:solidFill>
+                        <a:srgbClr val="999999"/>
+                      </a:solidFill>
+                      <a:prstDash val="solid"/>
+                      <a:round/>
+                      <a:headEnd type="none" w="med" len="med"/>
+                      <a:tailEnd type="none" w="med" len="med"/>
+                    </a:lnT>
+                    <a:lnB w="19050" cap="flat" cmpd="sng" algn="ctr">
+                      <a:solidFill>
+                        <a:srgbClr val="666666"/>
+                      </a:solidFill>
+                      <a:prstDash val="solid"/>
+                      <a:round/>
+                      <a:headEnd type="none" w="med" len="med"/>
+                      <a:tailEnd type="none" w="med" len="med"/>
+                    </a:lnB>
+                  </a:tcPr>
+                </a:tc>
+                <a:tc>
+                  <a:txBody>
+                    <a:bodyPr/>
+                    <a:lstStyle/>
+                    <a:p>
+                      <a:pPr algn="ctr">
+                        <a:lnSpc>
+                          <a:spcPct val="106000"/>
+                        </a:lnSpc>
+                        <a:spcAft>
+                          <a:spcPts val="0"/>
+                        </a:spcAft>
+                      </a:pPr>
+                      <a:r>
+                        <a:rPr lang="en-US" sz="2400" b="1" dirty="0">
+                          <a:solidFill>
+                            <a:srgbClr val="000000"/>
+                          </a:solidFill>
+                          <a:effectLst/>
+                          <a:latin typeface="Cambria" panose="02040503050406030204" pitchFamily="18" charset="0"/>
+                          <a:ea typeface="Calibri" panose="020F0502020204030204" pitchFamily="34" charset="0"/>
+                          <a:cs typeface="Cambria" panose="02040503050406030204" pitchFamily="18" charset="0"/>
+                        </a:rPr>
+                        <a:t>Integration Test</a:t>
+                      </a:r>
+                      <a:endParaRPr lang="en-US" sz="2000" dirty="0">
+                        <a:solidFill>
+                          <a:srgbClr val="000000"/>
+                        </a:solidFill>
+                        <a:effectLst/>
+                        <a:latin typeface="Cambria" panose="02040503050406030204" pitchFamily="18" charset="0"/>
+                        <a:ea typeface="Calibri" panose="020F0502020204030204" pitchFamily="34" charset="0"/>
+                        <a:cs typeface="Cambria" panose="02040503050406030204" pitchFamily="18" charset="0"/>
+                      </a:endParaRPr>
+                    </a:p>
+                  </a:txBody>
+                  <a:tcPr marL="68580" marR="68580" marT="0" marB="0">
+                    <a:lnL w="12700" cap="flat" cmpd="sng" algn="ctr">
+                      <a:solidFill>
+                        <a:srgbClr val="999999"/>
+                      </a:solidFill>
+                      <a:prstDash val="solid"/>
+                      <a:round/>
+                      <a:headEnd type="none" w="med" len="med"/>
+                      <a:tailEnd type="none" w="med" len="med"/>
+                    </a:lnL>
+                    <a:lnR w="12700" cap="flat" cmpd="sng" algn="ctr">
+                      <a:solidFill>
+                        <a:srgbClr val="999999"/>
+                      </a:solidFill>
+                      <a:prstDash val="solid"/>
+                      <a:round/>
+                      <a:headEnd type="none" w="med" len="med"/>
+                      <a:tailEnd type="none" w="med" len="med"/>
+                    </a:lnR>
+                    <a:lnT w="12700" cap="flat" cmpd="sng" algn="ctr">
+                      <a:solidFill>
+                        <a:srgbClr val="999999"/>
+                      </a:solidFill>
+                      <a:prstDash val="solid"/>
+                      <a:round/>
+                      <a:headEnd type="none" w="med" len="med"/>
+                      <a:tailEnd type="none" w="med" len="med"/>
+                    </a:lnT>
+                    <a:lnB w="19050" cap="flat" cmpd="sng" algn="ctr">
+                      <a:solidFill>
+                        <a:srgbClr val="666666"/>
+                      </a:solidFill>
+                      <a:prstDash val="solid"/>
+                      <a:round/>
+                      <a:headEnd type="none" w="med" len="med"/>
+                      <a:tailEnd type="none" w="med" len="med"/>
+                    </a:lnB>
+                  </a:tcPr>
+                </a:tc>
+              </a:tr>
+              <a:tr h="711551">
+                <a:tc>
+                  <a:txBody>
+                    <a:bodyPr/>
+                    <a:lstStyle/>
+                    <a:p>
+                      <a:pPr algn="ctr">
+                        <a:lnSpc>
+                          <a:spcPct val="106000"/>
+                        </a:lnSpc>
+                        <a:spcAft>
+                          <a:spcPts val="0"/>
+                        </a:spcAft>
+                      </a:pPr>
+                      <a:r>
+                        <a:rPr lang="en-US" sz="2000">
+                          <a:solidFill>
+                            <a:srgbClr val="000000"/>
+                          </a:solidFill>
+                          <a:effectLst/>
+                          <a:latin typeface="Cambria" panose="02040503050406030204" pitchFamily="18" charset="0"/>
+                          <a:ea typeface="Calibri" panose="020F0502020204030204" pitchFamily="34" charset="0"/>
+                          <a:cs typeface="Cambria" panose="02040503050406030204" pitchFamily="18" charset="0"/>
+                        </a:rPr>
+                        <a:t>I14</a:t>
+                      </a:r>
+                    </a:p>
+                  </a:txBody>
+                  <a:tcPr marL="68580" marR="68580" marT="0" marB="0">
+                    <a:lnL w="12700" cap="flat" cmpd="sng" algn="ctr">
+                      <a:solidFill>
+                        <a:srgbClr val="999999"/>
+                      </a:solidFill>
+                      <a:prstDash val="solid"/>
+                      <a:round/>
+                      <a:headEnd type="none" w="med" len="med"/>
+                      <a:tailEnd type="none" w="med" len="med"/>
+                    </a:lnL>
+                    <a:lnR w="12700" cap="flat" cmpd="sng" algn="ctr">
+                      <a:solidFill>
+                        <a:srgbClr val="999999"/>
+                      </a:solidFill>
+                      <a:prstDash val="solid"/>
+                      <a:round/>
+                      <a:headEnd type="none" w="med" len="med"/>
+                      <a:tailEnd type="none" w="med" len="med"/>
+                    </a:lnR>
+                    <a:lnT w="19050" cap="flat" cmpd="sng" algn="ctr">
+                      <a:solidFill>
+                        <a:srgbClr val="666666"/>
+                      </a:solidFill>
+                      <a:prstDash val="solid"/>
+                      <a:round/>
+                      <a:headEnd type="none" w="med" len="med"/>
+                      <a:tailEnd type="none" w="med" len="med"/>
+                    </a:lnT>
+                    <a:lnB w="12700" cap="flat" cmpd="sng" algn="ctr">
+                      <a:solidFill>
+                        <a:srgbClr val="999999"/>
+                      </a:solidFill>
+                      <a:prstDash val="solid"/>
+                      <a:round/>
+                      <a:headEnd type="none" w="med" len="med"/>
+                      <a:tailEnd type="none" w="med" len="med"/>
+                    </a:lnB>
+                  </a:tcPr>
+                </a:tc>
+                <a:tc>
+                  <a:txBody>
+                    <a:bodyPr/>
+                    <a:lstStyle/>
+                    <a:p>
+                      <a:pPr algn="ctr">
+                        <a:lnSpc>
+                          <a:spcPct val="106000"/>
+                        </a:lnSpc>
+                        <a:spcAft>
+                          <a:spcPts val="0"/>
+                        </a:spcAft>
+                      </a:pPr>
+                      <a:r>
+                        <a:rPr lang="en-US" sz="2000" dirty="0">
+                          <a:solidFill>
+                            <a:srgbClr val="000000"/>
+                          </a:solidFill>
+                          <a:effectLst/>
+                          <a:latin typeface="Cambria" panose="02040503050406030204" pitchFamily="18" charset="0"/>
+                          <a:ea typeface="Calibri" panose="020F0502020204030204" pitchFamily="34" charset="0"/>
+                          <a:cs typeface="Cambria" panose="02040503050406030204" pitchFamily="18" charset="0"/>
+                        </a:rPr>
+                        <a:t>System-Data -&gt; Internal Server, External Components</a:t>
+                      </a:r>
+                    </a:p>
+                  </a:txBody>
+                  <a:tcPr marL="68580" marR="68580" marT="0" marB="0">
+                    <a:lnL w="12700" cap="flat" cmpd="sng" algn="ctr">
+                      <a:solidFill>
+                        <a:srgbClr val="999999"/>
+                      </a:solidFill>
+                      <a:prstDash val="solid"/>
+                      <a:round/>
+                      <a:headEnd type="none" w="med" len="med"/>
+                      <a:tailEnd type="none" w="med" len="med"/>
+                    </a:lnL>
+                    <a:lnR w="12700" cap="flat" cmpd="sng" algn="ctr">
+                      <a:solidFill>
+                        <a:srgbClr val="999999"/>
+                      </a:solidFill>
+                      <a:prstDash val="solid"/>
+                      <a:round/>
+                      <a:headEnd type="none" w="med" len="med"/>
+                      <a:tailEnd type="none" w="med" len="med"/>
+                    </a:lnR>
+                    <a:lnT w="19050" cap="flat" cmpd="sng" algn="ctr">
+                      <a:solidFill>
+                        <a:srgbClr val="666666"/>
+                      </a:solidFill>
+                      <a:prstDash val="solid"/>
+                      <a:round/>
+                      <a:headEnd type="none" w="med" len="med"/>
+                      <a:tailEnd type="none" w="med" len="med"/>
+                    </a:lnT>
+                    <a:lnB w="12700" cap="flat" cmpd="sng" algn="ctr">
+                      <a:solidFill>
+                        <a:srgbClr val="999999"/>
+                      </a:solidFill>
+                      <a:prstDash val="solid"/>
+                      <a:round/>
+                      <a:headEnd type="none" w="med" len="med"/>
+                      <a:tailEnd type="none" w="med" len="med"/>
+                    </a:lnB>
+                  </a:tcPr>
+                </a:tc>
+              </a:tr>
+            </a:tbl>
+          </a:graphicData>
+        </a:graphic>
+      </p:graphicFrame>
+      <p:pic>
+        <p:nvPicPr>
+          <p:cNvPr id="4" name="Immagine 3"/>
+          <p:cNvPicPr>
+            <a:picLocks noChangeAspect="1"/>
+          </p:cNvPicPr>
+          <p:nvPr/>
+        </p:nvPicPr>
+        <p:blipFill>
+          <a:blip r:embed="rId6">
+            <a:extLst>
+              <a:ext uri="{28A0092B-C50C-407E-A947-70E740481C1C}">
+                <a14:useLocalDpi xmlns:a14="http://schemas.microsoft.com/office/drawing/2010/main" val="0"/>
+              </a:ext>
+            </a:extLst>
+          </a:blip>
+          <a:stretch>
+            <a:fillRect/>
+          </a:stretch>
+        </p:blipFill>
+        <p:spPr>
+          <a:xfrm>
+            <a:off x="1131623" y="2283135"/>
+            <a:ext cx="7002026" cy="4137561"/>
+          </a:xfrm>
+          <a:prstGeom prst="rect">
+            <a:avLst/>
+          </a:prstGeom>
+        </p:spPr>
+      </p:pic>
+    </p:spTree>
+    <p:extLst>
+      <p:ext uri="{BB962C8B-B14F-4D97-AF65-F5344CB8AC3E}">
+        <p14:creationId xmlns:p14="http://schemas.microsoft.com/office/powerpoint/2010/main" val="3803523351"/>
+      </p:ext>
+    </p:extLst>
+  </p:cSld>
+  <p:clrMapOvr>
+    <a:masterClrMapping/>
+  </p:clrMapOvr>
+  <p:transition spd="slow">
+    <p:cut/>
+  </p:transition>
+  <p:timing>
+    <p:tnLst>
+      <p:par>
+        <p:cTn id="1" dur="indefinite" restart="never" nodeType="tmRoot"/>
+      </p:par>
+    </p:tnLst>
+  </p:timing>
+</p:sld>
+</file>
+
+<file path=ppt/slides/slide11.xml><?xml version="1.0" encoding="utf-8"?>
+<p:sld xmlns:a="http://schemas.openxmlformats.org/drawingml/2006/main" xmlns:r="http://schemas.openxmlformats.org/officeDocument/2006/relationships" xmlns:p="http://schemas.openxmlformats.org/presentationml/2006/main">
+  <p:cSld>
+    <p:spTree>
+      <p:nvGrpSpPr>
+        <p:cNvPr id="1" name="Shape 50"/>
+        <p:cNvGrpSpPr/>
+        <p:nvPr/>
+      </p:nvGrpSpPr>
+      <p:grpSpPr>
+        <a:xfrm>
+          <a:off x="0" y="0"/>
+          <a:ext cx="0" cy="0"/>
+          <a:chOff x="0" y="0"/>
+          <a:chExt cx="0" cy="0"/>
+        </a:xfrm>
+      </p:grpSpPr>
+      <p:sp>
+        <p:nvSpPr>
+          <p:cNvPr id="51" name="Shape 51"/>
+          <p:cNvSpPr txBox="1">
+            <a:spLocks noGrp="1"/>
+          </p:cNvSpPr>
+          <p:nvPr>
+            <p:ph type="title"/>
+          </p:nvPr>
+        </p:nvSpPr>
+        <p:spPr>
+          <a:xfrm>
+            <a:off x="837450" y="131950"/>
+            <a:ext cx="8136900" cy="498599"/>
+          </a:xfrm>
+          <a:prstGeom prst="rect">
+            <a:avLst/>
+          </a:prstGeom>
+        </p:spPr>
+        <p:txBody>
+          <a:bodyPr lIns="91425" tIns="91425" rIns="91425" bIns="91425" anchor="b" anchorCtr="0">
+            <a:noAutofit/>
+          </a:bodyPr>
+          <a:lstStyle/>
+          <a:p>
+            <a:pPr lvl="0" rtl="0">
+              <a:spcBef>
+                <a:spcPts val="0"/>
+              </a:spcBef>
+              <a:buNone/>
+            </a:pPr>
+            <a:r>
+              <a:rPr lang="en-US" sz="3000" dirty="0" smtClean="0">
+                <a:solidFill>
+                  <a:srgbClr val="003366"/>
+                </a:solidFill>
+              </a:rPr>
+              <a:t>Software and Tools Used</a:t>
+            </a:r>
+            <a:endParaRPr lang="en-US" sz="3000" dirty="0">
+              <a:solidFill>
+                <a:srgbClr val="003366"/>
+              </a:solidFill>
+            </a:endParaRPr>
+          </a:p>
+        </p:txBody>
+      </p:sp>
+      <p:sp>
+        <p:nvSpPr>
+          <p:cNvPr id="52" name="Shape 52"/>
+          <p:cNvSpPr txBox="1">
+            <a:spLocks noGrp="1"/>
+          </p:cNvSpPr>
+          <p:nvPr>
+            <p:ph type="body" idx="1"/>
+          </p:nvPr>
+        </p:nvSpPr>
+        <p:spPr>
+          <a:xfrm>
+            <a:off x="1557930" y="3795853"/>
+            <a:ext cx="8168185" cy="4733999"/>
+          </a:xfrm>
+          <a:prstGeom prst="rect">
+            <a:avLst/>
+          </a:prstGeom>
+        </p:spPr>
+        <p:txBody>
+          <a:bodyPr lIns="91425" tIns="91425" rIns="91425" bIns="91425" anchor="ctr" anchorCtr="0">
+            <a:noAutofit/>
+          </a:bodyPr>
+          <a:lstStyle/>
+          <a:p>
+            <a:pPr lvl="0" algn="just">
+              <a:buNone/>
+            </a:pPr>
+            <a:r>
+              <a:rPr lang="it-IT" sz="3600" dirty="0" smtClean="0">
+                <a:solidFill>
+                  <a:schemeClr val="accent1">
+                    <a:lumMod val="50000"/>
+                  </a:schemeClr>
+                </a:solidFill>
+              </a:rPr>
+              <a:t>… AND ALSO </a:t>
+            </a:r>
+            <a:r>
+              <a:rPr lang="it-IT" sz="3600" b="1" dirty="0" smtClean="0">
+                <a:solidFill>
+                  <a:schemeClr val="accent1">
+                    <a:lumMod val="50000"/>
+                  </a:schemeClr>
+                </a:solidFill>
+              </a:rPr>
+              <a:t>MANUAL TESTING</a:t>
+            </a:r>
+            <a:r>
+              <a:rPr lang="it-IT" sz="3600" dirty="0" smtClean="0">
+                <a:solidFill>
+                  <a:schemeClr val="accent1">
+                    <a:lumMod val="50000"/>
+                  </a:schemeClr>
+                </a:solidFill>
+              </a:rPr>
+              <a:t>!!</a:t>
+            </a:r>
+            <a:endParaRPr sz="3600" dirty="0">
+              <a:solidFill>
+                <a:schemeClr val="accent1">
+                  <a:lumMod val="50000"/>
+                </a:schemeClr>
+              </a:solidFill>
+            </a:endParaRPr>
+          </a:p>
+        </p:txBody>
+      </p:sp>
+      <p:pic>
+        <p:nvPicPr>
+          <p:cNvPr id="53" name="Shape 53"/>
+          <p:cNvPicPr preferRelativeResize="0"/>
+          <p:nvPr/>
+        </p:nvPicPr>
+        <p:blipFill>
+          <a:blip r:embed="rId3">
+            <a:alphaModFix/>
+          </a:blip>
+          <a:stretch>
+            <a:fillRect/>
+          </a:stretch>
+        </p:blipFill>
+        <p:spPr>
+          <a:xfrm>
+            <a:off x="82450" y="65950"/>
+            <a:ext cx="464900" cy="498650"/>
+          </a:xfrm>
+          <a:prstGeom prst="rect">
+            <a:avLst/>
+          </a:prstGeom>
+          <a:noFill/>
+          <a:ln>
+            <a:noFill/>
+          </a:ln>
+        </p:spPr>
+      </p:pic>
+      <p:pic>
+        <p:nvPicPr>
+          <p:cNvPr id="54" name="Shape 54"/>
+          <p:cNvPicPr preferRelativeResize="0"/>
+          <p:nvPr/>
+        </p:nvPicPr>
+        <p:blipFill>
+          <a:blip r:embed="rId4">
+            <a:alphaModFix/>
+          </a:blip>
+          <a:stretch>
+            <a:fillRect/>
+          </a:stretch>
+        </p:blipFill>
+        <p:spPr>
+          <a:xfrm>
+            <a:off x="0" y="630539"/>
+            <a:ext cx="9143998" cy="97471"/>
+          </a:xfrm>
+          <a:prstGeom prst="rect">
+            <a:avLst/>
+          </a:prstGeom>
+          <a:noFill/>
+          <a:ln>
+            <a:noFill/>
+          </a:ln>
+        </p:spPr>
+      </p:pic>
+      <p:cxnSp>
+        <p:nvCxnSpPr>
+          <p:cNvPr id="55" name="Shape 55"/>
+          <p:cNvCxnSpPr/>
+          <p:nvPr/>
+        </p:nvCxnSpPr>
+        <p:spPr>
+          <a:xfrm rot="10800000">
+            <a:off x="691550" y="125"/>
+            <a:ext cx="0" cy="630299"/>
+          </a:xfrm>
+          <a:prstGeom prst="straightConnector1">
+            <a:avLst/>
+          </a:prstGeom>
+          <a:noFill/>
+          <a:ln w="9525" cap="flat">
+            <a:solidFill>
+              <a:srgbClr val="003366"/>
+            </a:solidFill>
+            <a:prstDash val="solid"/>
+            <a:round/>
+            <a:headEnd type="none" w="lg" len="lg"/>
+            <a:tailEnd type="none" w="lg" len="lg"/>
+          </a:ln>
+        </p:spPr>
+      </p:cxnSp>
+      <p:sp>
+        <p:nvSpPr>
+          <p:cNvPr id="56" name="Shape 56"/>
+          <p:cNvSpPr txBox="1"/>
+          <p:nvPr/>
+        </p:nvSpPr>
+        <p:spPr>
+          <a:xfrm>
+            <a:off x="6783700" y="6531000"/>
+            <a:ext cx="2599200" cy="363899"/>
+          </a:xfrm>
+          <a:prstGeom prst="rect">
+            <a:avLst/>
+          </a:prstGeom>
+          <a:noFill/>
+          <a:ln>
+            <a:noFill/>
+          </a:ln>
+        </p:spPr>
+        <p:txBody>
+          <a:bodyPr lIns="91425" tIns="91425" rIns="91425" bIns="91425" anchor="t" anchorCtr="0">
+            <a:noAutofit/>
+          </a:bodyPr>
+          <a:lstStyle/>
+          <a:p>
+            <a:pPr lvl="0" rtl="0">
+              <a:spcBef>
+                <a:spcPts val="0"/>
+              </a:spcBef>
+              <a:buNone/>
+            </a:pPr>
+            <a:r>
+              <a:rPr lang="it" sz="1200" b="1">
+                <a:solidFill>
+                  <a:srgbClr val="FFFFFF"/>
+                </a:solidFill>
+              </a:rPr>
+              <a:t>POLITECNICO DI MILANO</a:t>
+            </a:r>
+          </a:p>
+        </p:txBody>
+      </p:sp>
+      <p:pic>
+        <p:nvPicPr>
+          <p:cNvPr id="57" name="Shape 57"/>
+          <p:cNvPicPr preferRelativeResize="0"/>
+          <p:nvPr/>
+        </p:nvPicPr>
+        <p:blipFill>
+          <a:blip r:embed="rId5">
+            <a:alphaModFix/>
+          </a:blip>
+          <a:stretch>
+            <a:fillRect/>
+          </a:stretch>
+        </p:blipFill>
+        <p:spPr>
+          <a:xfrm>
+            <a:off x="0" y="6571225"/>
+            <a:ext cx="9144000" cy="286775"/>
+          </a:xfrm>
+          <a:prstGeom prst="rect">
+            <a:avLst/>
+          </a:prstGeom>
+          <a:noFill/>
+          <a:ln>
+            <a:noFill/>
+          </a:ln>
+        </p:spPr>
+      </p:pic>
+      <p:sp>
+        <p:nvSpPr>
+          <p:cNvPr id="58" name="Shape 58"/>
+          <p:cNvSpPr txBox="1">
+            <a:spLocks noGrp="1"/>
+          </p:cNvSpPr>
+          <p:nvPr>
+            <p:ph type="ctrTitle" idx="4294967295"/>
+          </p:nvPr>
+        </p:nvSpPr>
+        <p:spPr>
+          <a:xfrm>
+            <a:off x="457200" y="6712949"/>
+            <a:ext cx="5162269" cy="281444"/>
+          </a:xfrm>
+          <a:prstGeom prst="rect">
+            <a:avLst/>
+          </a:prstGeom>
+        </p:spPr>
+        <p:txBody>
+          <a:bodyPr lIns="91425" tIns="91425" rIns="91425" bIns="91425" anchor="ctr" anchorCtr="0">
+            <a:noAutofit/>
+          </a:bodyPr>
+          <a:lstStyle/>
+          <a:p>
+            <a:pPr indent="457200">
+              <a:lnSpc>
+                <a:spcPct val="115000"/>
+              </a:lnSpc>
+            </a:pPr>
+            <a:r>
+              <a:rPr lang="it-IT" sz="1300" b="1" dirty="0">
+                <a:solidFill>
+                  <a:srgbClr val="003366"/>
+                </a:solidFill>
+              </a:rPr>
+              <a:t>SE2 – Andrea Martino, Francesco Marchesani</a:t>
+            </a:r>
+            <a:br>
+              <a:rPr lang="it-IT" sz="1300" b="1" dirty="0">
+                <a:solidFill>
+                  <a:srgbClr val="003366"/>
+                </a:solidFill>
+              </a:rPr>
+            </a:br>
+            <a:endParaRPr sz="1300" dirty="0">
+              <a:solidFill>
+                <a:srgbClr val="003366"/>
+              </a:solidFill>
+            </a:endParaRPr>
+          </a:p>
+        </p:txBody>
+      </p:sp>
       <p:pic>
         <p:nvPicPr>
           <p:cNvPr id="14" name="Immagine 13"/>
@@ -20181,7 +22527,7 @@
           <p:nvPr/>
         </p:nvPicPr>
         <p:blipFill>
-          <a:blip r:embed="rId7">
+          <a:blip r:embed="rId6">
             <a:extLst>
               <a:ext uri="{28A0092B-C50C-407E-A947-70E740481C1C}">
                 <a14:useLocalDpi xmlns:a14="http://schemas.microsoft.com/office/drawing/2010/main" val="0"/>
@@ -20209,7 +22555,7 @@
           <p:nvPr/>
         </p:nvPicPr>
         <p:blipFill>
-          <a:blip r:embed="rId8">
+          <a:blip r:embed="rId7">
             <a:extLst>
               <a:ext uri="{28A0092B-C50C-407E-A947-70E740481C1C}">
                 <a14:useLocalDpi xmlns:a14="http://schemas.microsoft.com/office/drawing/2010/main" val="0"/>
@@ -20237,7 +22583,7 @@
           <p:nvPr/>
         </p:nvPicPr>
         <p:blipFill>
-          <a:blip r:embed="rId9">
+          <a:blip r:embed="rId8">
             <a:extLst>
               <a:ext uri="{28A0092B-C50C-407E-A947-70E740481C1C}">
                 <a14:useLocalDpi xmlns:a14="http://schemas.microsoft.com/office/drawing/2010/main" val="0"/>
@@ -20256,6 +22602,129 @@
           <a:prstGeom prst="rect">
             <a:avLst/>
           </a:prstGeom>
+        </p:spPr>
+      </p:pic>
+      <p:pic>
+        <p:nvPicPr>
+          <p:cNvPr id="1027" name="Immagine 2"/>
+          <p:cNvPicPr>
+            <a:picLocks noChangeAspect="1" noChangeArrowheads="1"/>
+          </p:cNvPicPr>
+          <p:nvPr/>
+        </p:nvPicPr>
+        <p:blipFill>
+          <a:blip r:embed="rId6">
+            <a:extLst>
+              <a:ext uri="{28A0092B-C50C-407E-A947-70E740481C1C}">
+                <a14:useLocalDpi xmlns:a14="http://schemas.microsoft.com/office/drawing/2010/main" val="0"/>
+              </a:ext>
+            </a:extLst>
+          </a:blip>
+          <a:srcRect/>
+          <a:stretch>
+            <a:fillRect/>
+          </a:stretch>
+        </p:blipFill>
+        <p:spPr bwMode="auto">
+          <a:xfrm>
+            <a:off x="0" y="0"/>
+            <a:ext cx="2190750" cy="809625"/>
+          </a:xfrm>
+          <a:prstGeom prst="rect">
+            <a:avLst/>
+          </a:prstGeom>
+          <a:noFill/>
+          <a:extLst>
+            <a:ext uri="{909E8E84-426E-40DD-AFC4-6F175D3DCCD1}">
+              <a14:hiddenFill xmlns:a14="http://schemas.microsoft.com/office/drawing/2010/main">
+                <a:solidFill>
+                  <a:srgbClr val="FFFFFF"/>
+                </a:solidFill>
+              </a14:hiddenFill>
+            </a:ext>
+          </a:extLst>
+        </p:spPr>
+      </p:pic>
+      <p:pic>
+        <p:nvPicPr>
+          <p:cNvPr id="1026" name="Immagine 5"/>
+          <p:cNvPicPr>
+            <a:picLocks noChangeAspect="1" noChangeArrowheads="1"/>
+          </p:cNvPicPr>
+          <p:nvPr/>
+        </p:nvPicPr>
+        <p:blipFill>
+          <a:blip r:embed="rId7">
+            <a:extLst>
+              <a:ext uri="{28A0092B-C50C-407E-A947-70E740481C1C}">
+                <a14:useLocalDpi xmlns:a14="http://schemas.microsoft.com/office/drawing/2010/main" val="0"/>
+              </a:ext>
+            </a:extLst>
+          </a:blip>
+          <a:srcRect/>
+          <a:stretch>
+            <a:fillRect/>
+          </a:stretch>
+        </p:blipFill>
+        <p:spPr bwMode="auto">
+          <a:xfrm>
+            <a:off x="0" y="0"/>
+            <a:ext cx="1905000" cy="762000"/>
+          </a:xfrm>
+          <a:prstGeom prst="rect">
+            <a:avLst/>
+          </a:prstGeom>
+          <a:noFill/>
+          <a:extLst>
+            <a:ext uri="{909E8E84-426E-40DD-AFC4-6F175D3DCCD1}">
+              <a14:hiddenFill xmlns:a14="http://schemas.microsoft.com/office/drawing/2010/main">
+                <a:solidFill>
+                  <a:srgbClr val="FFFFFF"/>
+                </a:solidFill>
+              </a14:hiddenFill>
+            </a:ext>
+          </a:extLst>
+        </p:spPr>
+      </p:pic>
+      <p:pic>
+        <p:nvPicPr>
+          <p:cNvPr id="1025" name="Immagine 4"/>
+          <p:cNvPicPr>
+            <a:picLocks noChangeAspect="1" noChangeArrowheads="1"/>
+          </p:cNvPicPr>
+          <p:nvPr/>
+        </p:nvPicPr>
+        <p:blipFill>
+          <a:blip r:embed="rId8">
+            <a:extLst>
+              <a:ext uri="{28A0092B-C50C-407E-A947-70E740481C1C}">
+                <a14:useLocalDpi xmlns:a14="http://schemas.microsoft.com/office/drawing/2010/main" val="0"/>
+              </a:ext>
+            </a:extLst>
+          </a:blip>
+          <a:srcRect/>
+          <a:stretch>
+            <a:fillRect/>
+          </a:stretch>
+        </p:blipFill>
+        <p:spPr bwMode="auto">
+          <a:xfrm>
+            <a:off x="0" y="0"/>
+            <a:ext cx="2124075" cy="923925"/>
+          </a:xfrm>
+          <a:prstGeom prst="rect">
+            <a:avLst/>
+          </a:prstGeom>
+          <a:noFill/>
+          <a:extLst>
+            <a:ext uri="{909E8E84-426E-40DD-AFC4-6F175D3DCCD1}">
+              <a14:hiddenFill xmlns:a14="http://schemas.microsoft.com/office/drawing/2010/main">
+                <a:solidFill>
+                  <a:srgbClr val="FFFFFF"/>
+                </a:solidFill>
+              </a14:hiddenFill>
+            </a:ext>
+          </a:extLst>
         </p:spPr>
       </p:pic>
     </p:spTree>
@@ -20371,7 +22840,7 @@
 </p:sld>
 </file>
 
-<file path=ppt/slides/slide11.xml><?xml version="1.0" encoding="utf-8"?>
+<file path=ppt/slides/slide12.xml><?xml version="1.0" encoding="utf-8"?>
 <p:sld xmlns:a="http://schemas.openxmlformats.org/drawingml/2006/main" xmlns:r="http://schemas.openxmlformats.org/officeDocument/2006/relationships" xmlns:p="http://schemas.openxmlformats.org/presentationml/2006/main">
   <p:cSld>
     <p:spTree>
@@ -26124,7 +28593,7 @@
                   <a:srgbClr val="003366"/>
                 </a:solidFill>
               </a:rPr>
-              <a:t>…</a:t>
+              <a:t>Software Integration Sequence Example</a:t>
             </a:r>
             <a:endParaRPr lang="en-US" sz="3000" dirty="0">
               <a:solidFill>
@@ -26146,8 +28615,8 @@
         </p:nvSpPr>
         <p:spPr>
           <a:xfrm>
-            <a:off x="457200" y="766049"/>
-            <a:ext cx="8229600" cy="2181867"/>
+            <a:off x="457200" y="766050"/>
+            <a:ext cx="8222776" cy="1117342"/>
           </a:xfrm>
           <a:prstGeom prst="rect">
             <a:avLst/>
@@ -26159,24 +28628,46 @@
           </a:bodyPr>
           <a:lstStyle/>
           <a:p>
-            <a:pPr lvl="0" algn="just">
+            <a:pPr lvl="0" algn="ctr">
               <a:buNone/>
             </a:pPr>
             <a:r>
-              <a:rPr lang="en-US" sz="2400" dirty="0" smtClean="0">
-                <a:solidFill>
-                  <a:schemeClr val="accent1">
-                    <a:lumMod val="50000"/>
-                  </a:schemeClr>
+              <a:rPr lang="en-US" sz="2400" b="1" dirty="0">
+                <a:solidFill>
+                  <a:srgbClr val="002060"/>
                 </a:solidFill>
               </a:rPr>
-              <a:t>NEED TO COMPLETE THIS…. YEAHAHH</a:t>
+              <a:t>Integration tests of Client-Client Manager </a:t>
             </a:r>
-            <a:endParaRPr sz="2200" dirty="0">
+            <a:endParaRPr lang="en-US" sz="2400" b="1" dirty="0" smtClean="0">
               <a:solidFill>
-                <a:schemeClr val="accent1">
-                  <a:lumMod val="50000"/>
-                </a:schemeClr>
+                <a:srgbClr val="002060"/>
+              </a:solidFill>
+            </a:endParaRPr>
+          </a:p>
+          <a:p>
+            <a:pPr lvl="0" algn="ctr">
+              <a:buNone/>
+            </a:pPr>
+            <a:r>
+              <a:rPr lang="en-US" sz="2400" b="1" dirty="0" smtClean="0">
+                <a:solidFill>
+                  <a:srgbClr val="002060"/>
+                </a:solidFill>
+              </a:rPr>
+              <a:t>interaction </a:t>
+            </a:r>
+            <a:r>
+              <a:rPr lang="en-US" sz="2400" b="1" dirty="0">
+                <a:solidFill>
+                  <a:srgbClr val="002060"/>
+                </a:solidFill>
+              </a:rPr>
+              <a:t>cluster (Top Down)</a:t>
+            </a:r>
+            <a:endParaRPr lang="en-US" sz="2400" dirty="0">
+              <a:solidFill>
+                <a:srgbClr val="002060"/>
               </a:solidFill>
             </a:endParaRPr>
           </a:p>
@@ -26387,6 +28878,612 @@
           </a:p>
         </p:txBody>
       </p:sp>
+      <p:graphicFrame>
+        <p:nvGraphicFramePr>
+          <p:cNvPr id="2" name="Tabella 1"/>
+          <p:cNvGraphicFramePr>
+            <a:graphicFrameLocks noGrp="1"/>
+          </p:cNvGraphicFramePr>
+          <p:nvPr>
+            <p:extLst>
+              <p:ext uri="{D42A27DB-BD31-4B8C-83A1-F6EECF244321}">
+                <p14:modId xmlns:p14="http://schemas.microsoft.com/office/powerpoint/2010/main" val="2157331926"/>
+              </p:ext>
+            </p:extLst>
+          </p:nvPr>
+        </p:nvGraphicFramePr>
+        <p:xfrm>
+          <a:off x="1609467" y="2110155"/>
+          <a:ext cx="5918241" cy="1751167"/>
+        </p:xfrm>
+        <a:graphic>
+          <a:graphicData uri="http://schemas.openxmlformats.org/drawingml/2006/table">
+            <a:tbl>
+              <a:tblPr firstRow="1" firstCol="1" bandRow="1"/>
+              <a:tblGrid>
+                <a:gridCol w="515359"/>
+                <a:gridCol w="5402882"/>
+              </a:tblGrid>
+              <a:tr h="345942">
+                <a:tc>
+                  <a:txBody>
+                    <a:bodyPr/>
+                    <a:lstStyle/>
+                    <a:p>
+                      <a:pPr algn="ctr">
+                        <a:lnSpc>
+                          <a:spcPct val="106000"/>
+                        </a:lnSpc>
+                        <a:spcAft>
+                          <a:spcPts val="0"/>
+                        </a:spcAft>
+                      </a:pPr>
+                      <a:r>
+                        <a:rPr lang="en-US" sz="1800" b="1">
+                          <a:solidFill>
+                            <a:srgbClr val="000000"/>
+                          </a:solidFill>
+                          <a:effectLst/>
+                          <a:latin typeface="Cambria" panose="02040503050406030204" pitchFamily="18" charset="0"/>
+                          <a:ea typeface="Calibri" panose="020F0502020204030204" pitchFamily="34" charset="0"/>
+                          <a:cs typeface="Cambria" panose="02040503050406030204" pitchFamily="18" charset="0"/>
+                        </a:rPr>
+                        <a:t>ID</a:t>
+                      </a:r>
+                      <a:endParaRPr lang="en-US" sz="1600">
+                        <a:solidFill>
+                          <a:srgbClr val="000000"/>
+                        </a:solidFill>
+                        <a:effectLst/>
+                        <a:latin typeface="Cambria" panose="02040503050406030204" pitchFamily="18" charset="0"/>
+                        <a:ea typeface="Calibri" panose="020F0502020204030204" pitchFamily="34" charset="0"/>
+                        <a:cs typeface="Cambria" panose="02040503050406030204" pitchFamily="18" charset="0"/>
+                      </a:endParaRPr>
+                    </a:p>
+                  </a:txBody>
+                  <a:tcPr marL="68580" marR="68580" marT="0" marB="0">
+                    <a:lnL w="12700" cap="flat" cmpd="sng" algn="ctr">
+                      <a:solidFill>
+                        <a:srgbClr val="999999"/>
+                      </a:solidFill>
+                      <a:prstDash val="solid"/>
+                      <a:round/>
+                      <a:headEnd type="none" w="med" len="med"/>
+                      <a:tailEnd type="none" w="med" len="med"/>
+                    </a:lnL>
+                    <a:lnR w="12700" cap="flat" cmpd="sng" algn="ctr">
+                      <a:solidFill>
+                        <a:srgbClr val="999999"/>
+                      </a:solidFill>
+                      <a:prstDash val="solid"/>
+                      <a:round/>
+                      <a:headEnd type="none" w="med" len="med"/>
+                      <a:tailEnd type="none" w="med" len="med"/>
+                    </a:lnR>
+                    <a:lnT w="12700" cap="flat" cmpd="sng" algn="ctr">
+                      <a:solidFill>
+                        <a:srgbClr val="999999"/>
+                      </a:solidFill>
+                      <a:prstDash val="solid"/>
+                      <a:round/>
+                      <a:headEnd type="none" w="med" len="med"/>
+                      <a:tailEnd type="none" w="med" len="med"/>
+                    </a:lnT>
+                    <a:lnB w="19050" cap="flat" cmpd="sng" algn="ctr">
+                      <a:solidFill>
+                        <a:srgbClr val="666666"/>
+                      </a:solidFill>
+                      <a:prstDash val="solid"/>
+                      <a:round/>
+                      <a:headEnd type="none" w="med" len="med"/>
+                      <a:tailEnd type="none" w="med" len="med"/>
+                    </a:lnB>
+                  </a:tcPr>
+                </a:tc>
+                <a:tc>
+                  <a:txBody>
+                    <a:bodyPr/>
+                    <a:lstStyle/>
+                    <a:p>
+                      <a:pPr algn="ctr">
+                        <a:lnSpc>
+                          <a:spcPct val="106000"/>
+                        </a:lnSpc>
+                        <a:spcAft>
+                          <a:spcPts val="0"/>
+                        </a:spcAft>
+                      </a:pPr>
+                      <a:r>
+                        <a:rPr lang="en-US" sz="1800" b="1" dirty="0">
+                          <a:solidFill>
+                            <a:srgbClr val="000000"/>
+                          </a:solidFill>
+                          <a:effectLst/>
+                          <a:latin typeface="Cambria" panose="02040503050406030204" pitchFamily="18" charset="0"/>
+                          <a:ea typeface="Calibri" panose="020F0502020204030204" pitchFamily="34" charset="0"/>
+                          <a:cs typeface="Cambria" panose="02040503050406030204" pitchFamily="18" charset="0"/>
+                        </a:rPr>
+                        <a:t>Integration Test</a:t>
+                      </a:r>
+                      <a:endParaRPr lang="en-US" sz="1600" dirty="0">
+                        <a:solidFill>
+                          <a:srgbClr val="000000"/>
+                        </a:solidFill>
+                        <a:effectLst/>
+                        <a:latin typeface="Cambria" panose="02040503050406030204" pitchFamily="18" charset="0"/>
+                        <a:ea typeface="Calibri" panose="020F0502020204030204" pitchFamily="34" charset="0"/>
+                        <a:cs typeface="Cambria" panose="02040503050406030204" pitchFamily="18" charset="0"/>
+                      </a:endParaRPr>
+                    </a:p>
+                  </a:txBody>
+                  <a:tcPr marL="68580" marR="68580" marT="0" marB="0">
+                    <a:lnL w="12700" cap="flat" cmpd="sng" algn="ctr">
+                      <a:solidFill>
+                        <a:srgbClr val="999999"/>
+                      </a:solidFill>
+                      <a:prstDash val="solid"/>
+                      <a:round/>
+                      <a:headEnd type="none" w="med" len="med"/>
+                      <a:tailEnd type="none" w="med" len="med"/>
+                    </a:lnL>
+                    <a:lnR w="12700" cap="flat" cmpd="sng" algn="ctr">
+                      <a:solidFill>
+                        <a:srgbClr val="999999"/>
+                      </a:solidFill>
+                      <a:prstDash val="solid"/>
+                      <a:round/>
+                      <a:headEnd type="none" w="med" len="med"/>
+                      <a:tailEnd type="none" w="med" len="med"/>
+                    </a:lnR>
+                    <a:lnT w="12700" cap="flat" cmpd="sng" algn="ctr">
+                      <a:solidFill>
+                        <a:srgbClr val="999999"/>
+                      </a:solidFill>
+                      <a:prstDash val="solid"/>
+                      <a:round/>
+                      <a:headEnd type="none" w="med" len="med"/>
+                      <a:tailEnd type="none" w="med" len="med"/>
+                    </a:lnT>
+                    <a:lnB w="19050" cap="flat" cmpd="sng" algn="ctr">
+                      <a:solidFill>
+                        <a:srgbClr val="666666"/>
+                      </a:solidFill>
+                      <a:prstDash val="solid"/>
+                      <a:round/>
+                      <a:headEnd type="none" w="med" len="med"/>
+                      <a:tailEnd type="none" w="med" len="med"/>
+                    </a:lnB>
+                  </a:tcPr>
+                </a:tc>
+              </a:tr>
+              <a:tr h="453343">
+                <a:tc>
+                  <a:txBody>
+                    <a:bodyPr/>
+                    <a:lstStyle/>
+                    <a:p>
+                      <a:pPr algn="ctr">
+                        <a:lnSpc>
+                          <a:spcPct val="106000"/>
+                        </a:lnSpc>
+                        <a:spcAft>
+                          <a:spcPts val="0"/>
+                        </a:spcAft>
+                      </a:pPr>
+                      <a:r>
+                        <a:rPr lang="en-US" sz="1600">
+                          <a:solidFill>
+                            <a:srgbClr val="000000"/>
+                          </a:solidFill>
+                          <a:effectLst/>
+                          <a:latin typeface="Cambria" panose="02040503050406030204" pitchFamily="18" charset="0"/>
+                          <a:ea typeface="Calibri" panose="020F0502020204030204" pitchFamily="34" charset="0"/>
+                          <a:cs typeface="Cambria" panose="02040503050406030204" pitchFamily="18" charset="0"/>
+                        </a:rPr>
+                        <a:t>I1</a:t>
+                      </a:r>
+                    </a:p>
+                  </a:txBody>
+                  <a:tcPr marL="68580" marR="68580" marT="0" marB="0">
+                    <a:lnL w="12700" cap="flat" cmpd="sng" algn="ctr">
+                      <a:solidFill>
+                        <a:srgbClr val="999999"/>
+                      </a:solidFill>
+                      <a:prstDash val="solid"/>
+                      <a:round/>
+                      <a:headEnd type="none" w="med" len="med"/>
+                      <a:tailEnd type="none" w="med" len="med"/>
+                    </a:lnL>
+                    <a:lnR w="12700" cap="flat" cmpd="sng" algn="ctr">
+                      <a:solidFill>
+                        <a:srgbClr val="999999"/>
+                      </a:solidFill>
+                      <a:prstDash val="solid"/>
+                      <a:round/>
+                      <a:headEnd type="none" w="med" len="med"/>
+                      <a:tailEnd type="none" w="med" len="med"/>
+                    </a:lnR>
+                    <a:lnT w="19050" cap="flat" cmpd="sng" algn="ctr">
+                      <a:solidFill>
+                        <a:srgbClr val="666666"/>
+                      </a:solidFill>
+                      <a:prstDash val="solid"/>
+                      <a:round/>
+                      <a:headEnd type="none" w="med" len="med"/>
+                      <a:tailEnd type="none" w="med" len="med"/>
+                    </a:lnT>
+                    <a:lnB w="12700" cap="flat" cmpd="sng" algn="ctr">
+                      <a:solidFill>
+                        <a:srgbClr val="999999"/>
+                      </a:solidFill>
+                      <a:prstDash val="solid"/>
+                      <a:round/>
+                      <a:headEnd type="none" w="med" len="med"/>
+                      <a:tailEnd type="none" w="med" len="med"/>
+                    </a:lnB>
+                  </a:tcPr>
+                </a:tc>
+                <a:tc>
+                  <a:txBody>
+                    <a:bodyPr/>
+                    <a:lstStyle/>
+                    <a:p>
+                      <a:pPr algn="ctr">
+                        <a:lnSpc>
+                          <a:spcPct val="106000"/>
+                        </a:lnSpc>
+                        <a:spcAft>
+                          <a:spcPts val="0"/>
+                        </a:spcAft>
+                      </a:pPr>
+                      <a:r>
+                        <a:rPr lang="en-US" sz="1600">
+                          <a:solidFill>
+                            <a:srgbClr val="000000"/>
+                          </a:solidFill>
+                          <a:effectLst/>
+                          <a:latin typeface="Cambria" panose="02040503050406030204" pitchFamily="18" charset="0"/>
+                          <a:ea typeface="Calibri" panose="020F0502020204030204" pitchFamily="34" charset="0"/>
+                          <a:cs typeface="Cambria" panose="02040503050406030204" pitchFamily="18" charset="0"/>
+                        </a:rPr>
+                        <a:t>Customer Client -&gt; Client Manager (Stub), Google Maps</a:t>
+                      </a:r>
+                    </a:p>
+                  </a:txBody>
+                  <a:tcPr marL="68580" marR="68580" marT="0" marB="0">
+                    <a:lnL w="12700" cap="flat" cmpd="sng" algn="ctr">
+                      <a:solidFill>
+                        <a:srgbClr val="999999"/>
+                      </a:solidFill>
+                      <a:prstDash val="solid"/>
+                      <a:round/>
+                      <a:headEnd type="none" w="med" len="med"/>
+                      <a:tailEnd type="none" w="med" len="med"/>
+                    </a:lnL>
+                    <a:lnR w="12700" cap="flat" cmpd="sng" algn="ctr">
+                      <a:solidFill>
+                        <a:srgbClr val="999999"/>
+                      </a:solidFill>
+                      <a:prstDash val="solid"/>
+                      <a:round/>
+                      <a:headEnd type="none" w="med" len="med"/>
+                      <a:tailEnd type="none" w="med" len="med"/>
+                    </a:lnR>
+                    <a:lnT w="19050" cap="flat" cmpd="sng" algn="ctr">
+                      <a:solidFill>
+                        <a:srgbClr val="666666"/>
+                      </a:solidFill>
+                      <a:prstDash val="solid"/>
+                      <a:round/>
+                      <a:headEnd type="none" w="med" len="med"/>
+                      <a:tailEnd type="none" w="med" len="med"/>
+                    </a:lnT>
+                    <a:lnB w="12700" cap="flat" cmpd="sng" algn="ctr">
+                      <a:solidFill>
+                        <a:srgbClr val="999999"/>
+                      </a:solidFill>
+                      <a:prstDash val="solid"/>
+                      <a:round/>
+                      <a:headEnd type="none" w="med" len="med"/>
+                      <a:tailEnd type="none" w="med" len="med"/>
+                    </a:lnB>
+                  </a:tcPr>
+                </a:tc>
+              </a:tr>
+              <a:tr h="453343">
+                <a:tc>
+                  <a:txBody>
+                    <a:bodyPr/>
+                    <a:lstStyle/>
+                    <a:p>
+                      <a:pPr algn="ctr">
+                        <a:lnSpc>
+                          <a:spcPct val="106000"/>
+                        </a:lnSpc>
+                        <a:spcAft>
+                          <a:spcPts val="0"/>
+                        </a:spcAft>
+                      </a:pPr>
+                      <a:r>
+                        <a:rPr lang="en-US" sz="1600">
+                          <a:solidFill>
+                            <a:srgbClr val="000000"/>
+                          </a:solidFill>
+                          <a:effectLst/>
+                          <a:latin typeface="Cambria" panose="02040503050406030204" pitchFamily="18" charset="0"/>
+                          <a:ea typeface="Calibri" panose="020F0502020204030204" pitchFamily="34" charset="0"/>
+                          <a:cs typeface="Cambria" panose="02040503050406030204" pitchFamily="18" charset="0"/>
+                        </a:rPr>
+                        <a:t>I2</a:t>
+                      </a:r>
+                    </a:p>
+                  </a:txBody>
+                  <a:tcPr marL="68580" marR="68580" marT="0" marB="0">
+                    <a:lnL w="12700" cap="flat" cmpd="sng" algn="ctr">
+                      <a:solidFill>
+                        <a:srgbClr val="999999"/>
+                      </a:solidFill>
+                      <a:prstDash val="solid"/>
+                      <a:round/>
+                      <a:headEnd type="none" w="med" len="med"/>
+                      <a:tailEnd type="none" w="med" len="med"/>
+                    </a:lnL>
+                    <a:lnR w="12700" cap="flat" cmpd="sng" algn="ctr">
+                      <a:solidFill>
+                        <a:srgbClr val="999999"/>
+                      </a:solidFill>
+                      <a:prstDash val="solid"/>
+                      <a:round/>
+                      <a:headEnd type="none" w="med" len="med"/>
+                      <a:tailEnd type="none" w="med" len="med"/>
+                    </a:lnR>
+                    <a:lnT w="12700" cap="flat" cmpd="sng" algn="ctr">
+                      <a:solidFill>
+                        <a:srgbClr val="999999"/>
+                      </a:solidFill>
+                      <a:prstDash val="solid"/>
+                      <a:round/>
+                      <a:headEnd type="none" w="med" len="med"/>
+                      <a:tailEnd type="none" w="med" len="med"/>
+                    </a:lnT>
+                    <a:lnB w="12700" cap="flat" cmpd="sng" algn="ctr">
+                      <a:solidFill>
+                        <a:srgbClr val="999999"/>
+                      </a:solidFill>
+                      <a:prstDash val="solid"/>
+                      <a:round/>
+                      <a:headEnd type="none" w="med" len="med"/>
+                      <a:tailEnd type="none" w="med" len="med"/>
+                    </a:lnB>
+                  </a:tcPr>
+                </a:tc>
+                <a:tc>
+                  <a:txBody>
+                    <a:bodyPr/>
+                    <a:lstStyle/>
+                    <a:p>
+                      <a:pPr algn="ctr">
+                        <a:lnSpc>
+                          <a:spcPct val="106000"/>
+                        </a:lnSpc>
+                        <a:spcAft>
+                          <a:spcPts val="0"/>
+                        </a:spcAft>
+                      </a:pPr>
+                      <a:r>
+                        <a:rPr lang="en-US" sz="1600">
+                          <a:solidFill>
+                            <a:srgbClr val="000000"/>
+                          </a:solidFill>
+                          <a:effectLst/>
+                          <a:latin typeface="Cambria" panose="02040503050406030204" pitchFamily="18" charset="0"/>
+                          <a:ea typeface="Calibri" panose="020F0502020204030204" pitchFamily="34" charset="0"/>
+                          <a:cs typeface="Cambria" panose="02040503050406030204" pitchFamily="18" charset="0"/>
+                        </a:rPr>
+                        <a:t>Taxi Driver Client -&gt; Taxi Driver Manager (Stub), Google Maps</a:t>
+                      </a:r>
+                    </a:p>
+                  </a:txBody>
+                  <a:tcPr marL="68580" marR="68580" marT="0" marB="0">
+                    <a:lnL w="12700" cap="flat" cmpd="sng" algn="ctr">
+                      <a:solidFill>
+                        <a:srgbClr val="999999"/>
+                      </a:solidFill>
+                      <a:prstDash val="solid"/>
+                      <a:round/>
+                      <a:headEnd type="none" w="med" len="med"/>
+                      <a:tailEnd type="none" w="med" len="med"/>
+                    </a:lnL>
+                    <a:lnR w="12700" cap="flat" cmpd="sng" algn="ctr">
+                      <a:solidFill>
+                        <a:srgbClr val="999999"/>
+                      </a:solidFill>
+                      <a:prstDash val="solid"/>
+                      <a:round/>
+                      <a:headEnd type="none" w="med" len="med"/>
+                      <a:tailEnd type="none" w="med" len="med"/>
+                    </a:lnR>
+                    <a:lnT w="12700" cap="flat" cmpd="sng" algn="ctr">
+                      <a:solidFill>
+                        <a:srgbClr val="999999"/>
+                      </a:solidFill>
+                      <a:prstDash val="solid"/>
+                      <a:round/>
+                      <a:headEnd type="none" w="med" len="med"/>
+                      <a:tailEnd type="none" w="med" len="med"/>
+                    </a:lnT>
+                    <a:lnB w="12700" cap="flat" cmpd="sng" algn="ctr">
+                      <a:solidFill>
+                        <a:srgbClr val="999999"/>
+                      </a:solidFill>
+                      <a:prstDash val="solid"/>
+                      <a:round/>
+                      <a:headEnd type="none" w="med" len="med"/>
+                      <a:tailEnd type="none" w="med" len="med"/>
+                    </a:lnB>
+                  </a:tcPr>
+                </a:tc>
+              </a:tr>
+              <a:tr h="453343">
+                <a:tc>
+                  <a:txBody>
+                    <a:bodyPr/>
+                    <a:lstStyle/>
+                    <a:p>
+                      <a:pPr algn="ctr">
+                        <a:lnSpc>
+                          <a:spcPct val="106000"/>
+                        </a:lnSpc>
+                        <a:spcAft>
+                          <a:spcPts val="0"/>
+                        </a:spcAft>
+                      </a:pPr>
+                      <a:r>
+                        <a:rPr lang="en-US" sz="1600">
+                          <a:solidFill>
+                            <a:srgbClr val="000000"/>
+                          </a:solidFill>
+                          <a:effectLst/>
+                          <a:latin typeface="Cambria" panose="02040503050406030204" pitchFamily="18" charset="0"/>
+                          <a:ea typeface="Calibri" panose="020F0502020204030204" pitchFamily="34" charset="0"/>
+                          <a:cs typeface="Cambria" panose="02040503050406030204" pitchFamily="18" charset="0"/>
+                        </a:rPr>
+                        <a:t>I3</a:t>
+                      </a:r>
+                    </a:p>
+                  </a:txBody>
+                  <a:tcPr marL="68580" marR="68580" marT="0" marB="0">
+                    <a:lnL w="12700" cap="flat" cmpd="sng" algn="ctr">
+                      <a:solidFill>
+                        <a:srgbClr val="999999"/>
+                      </a:solidFill>
+                      <a:prstDash val="solid"/>
+                      <a:round/>
+                      <a:headEnd type="none" w="med" len="med"/>
+                      <a:tailEnd type="none" w="med" len="med"/>
+                    </a:lnL>
+                    <a:lnR w="12700" cap="flat" cmpd="sng" algn="ctr">
+                      <a:solidFill>
+                        <a:srgbClr val="999999"/>
+                      </a:solidFill>
+                      <a:prstDash val="solid"/>
+                      <a:round/>
+                      <a:headEnd type="none" w="med" len="med"/>
+                      <a:tailEnd type="none" w="med" len="med"/>
+                    </a:lnR>
+                    <a:lnT w="12700" cap="flat" cmpd="sng" algn="ctr">
+                      <a:solidFill>
+                        <a:srgbClr val="999999"/>
+                      </a:solidFill>
+                      <a:prstDash val="solid"/>
+                      <a:round/>
+                      <a:headEnd type="none" w="med" len="med"/>
+                      <a:tailEnd type="none" w="med" len="med"/>
+                    </a:lnT>
+                    <a:lnB w="12700" cap="flat" cmpd="sng" algn="ctr">
+                      <a:solidFill>
+                        <a:srgbClr val="999999"/>
+                      </a:solidFill>
+                      <a:prstDash val="solid"/>
+                      <a:round/>
+                      <a:headEnd type="none" w="med" len="med"/>
+                      <a:tailEnd type="none" w="med" len="med"/>
+                    </a:lnB>
+                  </a:tcPr>
+                </a:tc>
+                <a:tc>
+                  <a:txBody>
+                    <a:bodyPr/>
+                    <a:lstStyle/>
+                    <a:p>
+                      <a:pPr algn="ctr">
+                        <a:lnSpc>
+                          <a:spcPct val="106000"/>
+                        </a:lnSpc>
+                        <a:spcAft>
+                          <a:spcPts val="0"/>
+                        </a:spcAft>
+                      </a:pPr>
+                      <a:r>
+                        <a:rPr lang="en-US" sz="1600" dirty="0">
+                          <a:solidFill>
+                            <a:srgbClr val="000000"/>
+                          </a:solidFill>
+                          <a:effectLst/>
+                          <a:latin typeface="Cambria" panose="02040503050406030204" pitchFamily="18" charset="0"/>
+                          <a:ea typeface="Calibri" panose="020F0502020204030204" pitchFamily="34" charset="0"/>
+                          <a:cs typeface="Cambria" panose="02040503050406030204" pitchFamily="18" charset="0"/>
+                        </a:rPr>
+                        <a:t>SysAdmin Client -&gt; System Manager (Stub)</a:t>
+                      </a:r>
+                    </a:p>
+                  </a:txBody>
+                  <a:tcPr marL="68580" marR="68580" marT="0" marB="0">
+                    <a:lnL w="12700" cap="flat" cmpd="sng" algn="ctr">
+                      <a:solidFill>
+                        <a:srgbClr val="999999"/>
+                      </a:solidFill>
+                      <a:prstDash val="solid"/>
+                      <a:round/>
+                      <a:headEnd type="none" w="med" len="med"/>
+                      <a:tailEnd type="none" w="med" len="med"/>
+                    </a:lnL>
+                    <a:lnR w="12700" cap="flat" cmpd="sng" algn="ctr">
+                      <a:solidFill>
+                        <a:srgbClr val="999999"/>
+                      </a:solidFill>
+                      <a:prstDash val="solid"/>
+                      <a:round/>
+                      <a:headEnd type="none" w="med" len="med"/>
+                      <a:tailEnd type="none" w="med" len="med"/>
+                    </a:lnR>
+                    <a:lnT w="12700" cap="flat" cmpd="sng" algn="ctr">
+                      <a:solidFill>
+                        <a:srgbClr val="999999"/>
+                      </a:solidFill>
+                      <a:prstDash val="solid"/>
+                      <a:round/>
+                      <a:headEnd type="none" w="med" len="med"/>
+                      <a:tailEnd type="none" w="med" len="med"/>
+                    </a:lnT>
+                    <a:lnB w="12700" cap="flat" cmpd="sng" algn="ctr">
+                      <a:solidFill>
+                        <a:srgbClr val="999999"/>
+                      </a:solidFill>
+                      <a:prstDash val="solid"/>
+                      <a:round/>
+                      <a:headEnd type="none" w="med" len="med"/>
+                      <a:tailEnd type="none" w="med" len="med"/>
+                    </a:lnB>
+                  </a:tcPr>
+                </a:tc>
+              </a:tr>
+            </a:tbl>
+          </a:graphicData>
+        </a:graphic>
+      </p:graphicFrame>
+      <p:graphicFrame>
+        <p:nvGraphicFramePr>
+          <p:cNvPr id="12" name="Diagramma 11"/>
+          <p:cNvGraphicFramePr/>
+          <p:nvPr>
+            <p:extLst>
+              <p:ext uri="{D42A27DB-BD31-4B8C-83A1-F6EECF244321}">
+                <p14:modId xmlns:p14="http://schemas.microsoft.com/office/powerpoint/2010/main" val="1646392839"/>
+              </p:ext>
+            </p:extLst>
+          </p:nvPr>
+        </p:nvGraphicFramePr>
+        <p:xfrm>
+          <a:off x="547350" y="4067034"/>
+          <a:ext cx="8132625" cy="2300556"/>
+        </p:xfrm>
+        <a:graphic>
+          <a:graphicData uri="http://schemas.openxmlformats.org/drawingml/2006/diagram">
+            <dgm:relIds xmlns:dgm="http://schemas.openxmlformats.org/drawingml/2006/diagram" xmlns:r="http://schemas.openxmlformats.org/officeDocument/2006/relationships" r:dm="rId6" r:lo="rId7" r:qs="rId8" r:cs="rId9"/>
+          </a:graphicData>
+        </a:graphic>
+      </p:graphicFrame>
     </p:spTree>
     <p:extLst>
       <p:ext uri="{BB962C8B-B14F-4D97-AF65-F5344CB8AC3E}">
@@ -26458,6 +29555,49 @@
                                           <p:spTgt spid="52">
                                             <p:txEl>
                                               <p:pRg st="0" end="0"/>
+                                            </p:txEl>
+                                          </p:spTgt>
+                                        </p:tgtEl>
+                                      </p:cBhvr>
+                                    </p:animEffect>
+                                  </p:childTnLst>
+                                </p:cTn>
+                              </p:par>
+                              <p:par>
+                                <p:cTn id="8" presetID="10" presetClass="entr" presetSubtype="0" fill="hold" grpId="0" nodeType="withEffect">
+                                  <p:stCondLst>
+                                    <p:cond delay="0"/>
+                                  </p:stCondLst>
+                                  <p:childTnLst>
+                                    <p:set>
+                                      <p:cBhvr>
+                                        <p:cTn id="9" dur="1" fill="hold">
+                                          <p:stCondLst>
+                                            <p:cond delay="0"/>
+                                          </p:stCondLst>
+                                        </p:cTn>
+                                        <p:tgtEl>
+                                          <p:spTgt spid="52">
+                                            <p:txEl>
+                                              <p:pRg st="1" end="1"/>
+                                            </p:txEl>
+                                          </p:spTgt>
+                                        </p:tgtEl>
+                                        <p:attrNameLst>
+                                          <p:attrName>style.visibility</p:attrName>
+                                        </p:attrNameLst>
+                                      </p:cBhvr>
+                                      <p:to>
+                                        <p:strVal val="visible"/>
+                                      </p:to>
+                                    </p:set>
+                                    <p:animEffect transition="in" filter="fade">
+                                      <p:cBhvr>
+                                        <p:cTn id="10" dur="500"/>
+                                        <p:tgtEl>
+                                          <p:spTgt spid="52">
+                                            <p:txEl>
+                                              <p:pRg st="1" end="1"/>
                                             </p:txEl>
                                           </p:spTgt>
                                         </p:tgtEl>
